--- a/AutoBot Bargainer.pptx
+++ b/AutoBot Bargainer.pptx
@@ -1,19 +1,20 @@
 
 <file path=ppt/presentation.xml><?xml version="1.0" encoding="utf-8"?>
-<p:presentation xmlns:a="http://schemas.openxmlformats.org/drawingml/2006/main" xmlns:r="http://schemas.openxmlformats.org/officeDocument/2006/relationships" xmlns:p="http://schemas.openxmlformats.org/presentationml/2006/main" saveSubsetFonts="1" autoCompressPictures="0">
+<p:presentation xmlns:a="http://schemas.openxmlformats.org/drawingml/2006/main" xmlns:r="http://schemas.openxmlformats.org/officeDocument/2006/relationships" xmlns:p="http://schemas.openxmlformats.org/presentationml/2006/main" autoCompressPictures="0">
   <p:sldMasterIdLst>
     <p:sldMasterId id="2147483648" r:id="rId4"/>
   </p:sldMasterIdLst>
   <p:notesMasterIdLst>
-    <p:notesMasterId r:id="rId8"/>
+    <p:notesMasterId r:id="rId9"/>
   </p:notesMasterIdLst>
   <p:handoutMasterIdLst>
-    <p:handoutMasterId r:id="rId9"/>
+    <p:handoutMasterId r:id="rId10"/>
   </p:handoutMasterIdLst>
   <p:sldIdLst>
     <p:sldId id="256" r:id="rId5"/>
     <p:sldId id="261" r:id="rId6"/>
-    <p:sldId id="267" r:id="rId7"/>
+    <p:sldId id="268" r:id="rId7"/>
+    <p:sldId id="267" r:id="rId8"/>
   </p:sldIdLst>
   <p:sldSz cx="12192000" cy="6858000"/>
   <p:notesSz cx="6858000" cy="9144000"/>
@@ -115,12 +116,12 @@
   <p:extLst>
     <p:ext uri="{EFAFB233-063F-42B5-8137-9DF3F51BA10A}">
       <p15:sldGuideLst xmlns:p15="http://schemas.microsoft.com/office/powerpoint/2012/main">
-        <p15:guide id="1" orient="horz" pos="2160" userDrawn="1">
+        <p15:guide id="1" orient="horz" pos="2160">
           <p15:clr>
             <a:srgbClr val="A4A3A4"/>
           </p15:clr>
         </p15:guide>
-        <p15:guide id="2" pos="3840" userDrawn="1">
+        <p15:guide id="2" pos="3840">
           <p15:clr>
             <a:srgbClr val="A4A3A4"/>
           </p15:clr>
@@ -137,9 +138,9 @@
 <file path=ppt/revisionInfo.xml><?xml version="1.0" encoding="utf-8"?>
 <p1510:revInfo xmlns:a="http://schemas.openxmlformats.org/drawingml/2006/main" xmlns:r="http://schemas.openxmlformats.org/officeDocument/2006/relationships" xmlns:p1510="http://schemas.microsoft.com/office/powerpoint/2015/10/main">
   <p1510:revLst>
-    <p1510:client id="{46477192-1CAD-4DB5-843C-4D827B42913D}" v="10" dt="2022-02-02T18:19:09.238"/>
-    <p1510:client id="{5D3BBC8A-CA39-4A19-BE76-56BB9B7C34B7}" v="676" dt="2022-02-02T05:35:19.438"/>
-    <p1510:client id="{D868B27D-1E43-4A82-A6F2-EF78966E7218}" v="2" dt="2022-02-02T17:50:00.618"/>
+    <p1510:client id="{1C1ACD65-A35D-4C95-A955-A23D75983AA7}" v="8" dt="2022-02-02T21:09:26.089"/>
+    <p1510:client id="{93DB0883-31C9-4A47-906F-B51747DA3ADA}" v="1" dt="2022-02-03T01:01:25.965"/>
+    <p1510:client id="{C72CAB38-6DD2-4139-9081-598521BA8B52}" v="34" dt="2022-02-02T21:33:29.295"/>
   </p1510:revLst>
 </p1510:revInfo>
 </file>
@@ -147,756 +148,18 @@
 <file path=ppt/changesInfos/changesInfo1.xml><?xml version="1.0" encoding="utf-8"?>
 <pc:chgInfo xmlns:a="http://schemas.openxmlformats.org/drawingml/2006/main" xmlns:r="http://schemas.openxmlformats.org/officeDocument/2006/relationships" xmlns:ac="http://schemas.microsoft.com/office/drawing/2013/main/command" xmlns:pc="http://schemas.microsoft.com/office/powerpoint/2013/main/command">
   <pc:docChgLst>
-    <pc:chgData name="Shrutika Raut" userId="S::shrutika.raut@dcmail.ca::37a41340-260f-42f0-bce3-72c5b139389e" providerId="AD" clId="Web-{5D3BBC8A-CA39-4A19-BE76-56BB9B7C34B7}"/>
-    <pc:docChg chg="addSld modSld">
-      <pc:chgData name="Shrutika Raut" userId="S::shrutika.raut@dcmail.ca::37a41340-260f-42f0-bce3-72c5b139389e" providerId="AD" clId="Web-{5D3BBC8A-CA39-4A19-BE76-56BB9B7C34B7}" dt="2022-02-02T05:35:19.438" v="630"/>
+    <pc:chgData name="Shrutika Raut" userId="S::shrutika.raut@dcmail.ca::37a41340-260f-42f0-bce3-72c5b139389e" providerId="AD" clId="Web-{93DB0883-31C9-4A47-906F-B51747DA3ADA}"/>
+    <pc:docChg chg="sldOrd">
+      <pc:chgData name="Shrutika Raut" userId="S::shrutika.raut@dcmail.ca::37a41340-260f-42f0-bce3-72c5b139389e" providerId="AD" clId="Web-{93DB0883-31C9-4A47-906F-B51747DA3ADA}" dt="2022-02-03T01:01:25.965" v="0"/>
       <pc:docMkLst>
         <pc:docMk/>
       </pc:docMkLst>
-      <pc:sldChg chg="modSp">
-        <pc:chgData name="Shrutika Raut" userId="S::shrutika.raut@dcmail.ca::37a41340-260f-42f0-bce3-72c5b139389e" providerId="AD" clId="Web-{5D3BBC8A-CA39-4A19-BE76-56BB9B7C34B7}" dt="2022-02-02T03:14:27.535" v="19" actId="20577"/>
+      <pc:sldChg chg="ord">
+        <pc:chgData name="Shrutika Raut" userId="S::shrutika.raut@dcmail.ca::37a41340-260f-42f0-bce3-72c5b139389e" providerId="AD" clId="Web-{93DB0883-31C9-4A47-906F-B51747DA3ADA}" dt="2022-02-03T01:01:25.965" v="0"/>
         <pc:sldMkLst>
           <pc:docMk/>
-          <pc:sldMk cId="3946934594" sldId="256"/>
+          <pc:sldMk cId="3893721912" sldId="268"/>
         </pc:sldMkLst>
-        <pc:spChg chg="mod">
-          <ac:chgData name="Shrutika Raut" userId="S::shrutika.raut@dcmail.ca::37a41340-260f-42f0-bce3-72c5b139389e" providerId="AD" clId="Web-{5D3BBC8A-CA39-4A19-BE76-56BB9B7C34B7}" dt="2022-02-02T03:14:27.535" v="19" actId="20577"/>
-          <ac:spMkLst>
-            <pc:docMk/>
-            <pc:sldMk cId="3946934594" sldId="256"/>
-            <ac:spMk id="3" creationId="{0D537F64-4C96-4AA8-BB21-E8053A3186DD}"/>
-          </ac:spMkLst>
-        </pc:spChg>
-      </pc:sldChg>
-      <pc:sldChg chg="addSp delSp modSp">
-        <pc:chgData name="Shrutika Raut" userId="S::shrutika.raut@dcmail.ca::37a41340-260f-42f0-bce3-72c5b139389e" providerId="AD" clId="Web-{5D3BBC8A-CA39-4A19-BE76-56BB9B7C34B7}" dt="2022-02-02T04:54:39.551" v="285" actId="20577"/>
-        <pc:sldMkLst>
-          <pc:docMk/>
-          <pc:sldMk cId="3607270498" sldId="261"/>
-        </pc:sldMkLst>
-        <pc:spChg chg="add del">
-          <ac:chgData name="Shrutika Raut" userId="S::shrutika.raut@dcmail.ca::37a41340-260f-42f0-bce3-72c5b139389e" providerId="AD" clId="Web-{5D3BBC8A-CA39-4A19-BE76-56BB9B7C34B7}" dt="2022-02-02T04:47:33.636" v="235"/>
-          <ac:spMkLst>
-            <pc:docMk/>
-            <pc:sldMk cId="3607270498" sldId="261"/>
-            <ac:spMk id="3" creationId="{ABB67E4D-DE06-49EB-904C-9BB18A63291C}"/>
-          </ac:spMkLst>
-        </pc:spChg>
-        <pc:spChg chg="mod">
-          <ac:chgData name="Shrutika Raut" userId="S::shrutika.raut@dcmail.ca::37a41340-260f-42f0-bce3-72c5b139389e" providerId="AD" clId="Web-{5D3BBC8A-CA39-4A19-BE76-56BB9B7C34B7}" dt="2022-02-02T03:58:47.770" v="23" actId="20577"/>
-          <ac:spMkLst>
-            <pc:docMk/>
-            <pc:sldMk cId="3607270498" sldId="261"/>
-            <ac:spMk id="4" creationId="{315E3981-F0D7-482C-A8E0-6A57700BECA7}"/>
-          </ac:spMkLst>
-        </pc:spChg>
-        <pc:spChg chg="mod">
-          <ac:chgData name="Shrutika Raut" userId="S::shrutika.raut@dcmail.ca::37a41340-260f-42f0-bce3-72c5b139389e" providerId="AD" clId="Web-{5D3BBC8A-CA39-4A19-BE76-56BB9B7C34B7}" dt="2022-02-02T04:54:39.551" v="285" actId="20577"/>
-          <ac:spMkLst>
-            <pc:docMk/>
-            <pc:sldMk cId="3607270498" sldId="261"/>
-            <ac:spMk id="8" creationId="{47DC4E62-1A34-4F98-A451-214F1808519C}"/>
-          </ac:spMkLst>
-        </pc:spChg>
-      </pc:sldChg>
-      <pc:sldChg chg="addSp delSp modSp add mod replId modShow">
-        <pc:chgData name="Shrutika Raut" userId="S::shrutika.raut@dcmail.ca::37a41340-260f-42f0-bce3-72c5b139389e" providerId="AD" clId="Web-{5D3BBC8A-CA39-4A19-BE76-56BB9B7C34B7}" dt="2022-02-02T05:35:19.438" v="630"/>
-        <pc:sldMkLst>
-          <pc:docMk/>
-          <pc:sldMk cId="629060188" sldId="267"/>
-        </pc:sldMkLst>
-        <pc:spChg chg="add mod">
-          <ac:chgData name="Shrutika Raut" userId="S::shrutika.raut@dcmail.ca::37a41340-260f-42f0-bce3-72c5b139389e" providerId="AD" clId="Web-{5D3BBC8A-CA39-4A19-BE76-56BB9B7C34B7}" dt="2022-02-02T05:20:08.406" v="476" actId="1076"/>
-          <ac:spMkLst>
-            <pc:docMk/>
-            <pc:sldMk cId="629060188" sldId="267"/>
-            <ac:spMk id="3" creationId="{76D85E80-410C-4F80-BC46-595DA658EAB9}"/>
-          </ac:spMkLst>
-        </pc:spChg>
-        <pc:spChg chg="add del mod">
-          <ac:chgData name="Shrutika Raut" userId="S::shrutika.raut@dcmail.ca::37a41340-260f-42f0-bce3-72c5b139389e" providerId="AD" clId="Web-{5D3BBC8A-CA39-4A19-BE76-56BB9B7C34B7}" dt="2022-02-02T05:09:00.629" v="338"/>
-          <ac:spMkLst>
-            <pc:docMk/>
-            <pc:sldMk cId="629060188" sldId="267"/>
-            <ac:spMk id="4" creationId="{D3F12CC6-C06D-432A-B099-232D78DEB00E}"/>
-          </ac:spMkLst>
-        </pc:spChg>
-        <pc:spChg chg="add del mod">
-          <ac:chgData name="Shrutika Raut" userId="S::shrutika.raut@dcmail.ca::37a41340-260f-42f0-bce3-72c5b139389e" providerId="AD" clId="Web-{5D3BBC8A-CA39-4A19-BE76-56BB9B7C34B7}" dt="2022-02-02T05:09:12.910" v="346"/>
-          <ac:spMkLst>
-            <pc:docMk/>
-            <pc:sldMk cId="629060188" sldId="267"/>
-            <ac:spMk id="7" creationId="{427A1439-40AA-481E-AC5D-8EB0BA7D375C}"/>
-          </ac:spMkLst>
-        </pc:spChg>
-        <pc:spChg chg="add mod">
-          <ac:chgData name="Shrutika Raut" userId="S::shrutika.raut@dcmail.ca::37a41340-260f-42f0-bce3-72c5b139389e" providerId="AD" clId="Web-{5D3BBC8A-CA39-4A19-BE76-56BB9B7C34B7}" dt="2022-02-02T05:20:08.422" v="477" actId="1076"/>
-          <ac:spMkLst>
-            <pc:docMk/>
-            <pc:sldMk cId="629060188" sldId="267"/>
-            <ac:spMk id="8" creationId="{8457C11B-B67D-457B-98FF-48E50E57A7A4}"/>
-          </ac:spMkLst>
-        </pc:spChg>
-        <pc:spChg chg="add mod">
-          <ac:chgData name="Shrutika Raut" userId="S::shrutika.raut@dcmail.ca::37a41340-260f-42f0-bce3-72c5b139389e" providerId="AD" clId="Web-{5D3BBC8A-CA39-4A19-BE76-56BB9B7C34B7}" dt="2022-02-02T05:20:08.437" v="478" actId="1076"/>
-          <ac:spMkLst>
-            <pc:docMk/>
-            <pc:sldMk cId="629060188" sldId="267"/>
-            <ac:spMk id="9" creationId="{3FD630F6-3CBF-4BE7-B9AC-284F000ECD3B}"/>
-          </ac:spMkLst>
-        </pc:spChg>
-        <pc:spChg chg="add del mod">
-          <ac:chgData name="Shrutika Raut" userId="S::shrutika.raut@dcmail.ca::37a41340-260f-42f0-bce3-72c5b139389e" providerId="AD" clId="Web-{5D3BBC8A-CA39-4A19-BE76-56BB9B7C34B7}" dt="2022-02-02T05:10:41.646" v="360"/>
-          <ac:spMkLst>
-            <pc:docMk/>
-            <pc:sldMk cId="629060188" sldId="267"/>
-            <ac:spMk id="10" creationId="{49B7F0F5-28E3-46F2-943B-137B34DA1666}"/>
-          </ac:spMkLst>
-        </pc:spChg>
-        <pc:spChg chg="add mod">
-          <ac:chgData name="Shrutika Raut" userId="S::shrutika.raut@dcmail.ca::37a41340-260f-42f0-bce3-72c5b139389e" providerId="AD" clId="Web-{5D3BBC8A-CA39-4A19-BE76-56BB9B7C34B7}" dt="2022-02-02T05:20:08.453" v="479" actId="1076"/>
-          <ac:spMkLst>
-            <pc:docMk/>
-            <pc:sldMk cId="629060188" sldId="267"/>
-            <ac:spMk id="11" creationId="{35276F96-121B-4F65-8A06-F860EE99A93A}"/>
-          </ac:spMkLst>
-        </pc:spChg>
-        <pc:spChg chg="add mod">
-          <ac:chgData name="Shrutika Raut" userId="S::shrutika.raut@dcmail.ca::37a41340-260f-42f0-bce3-72c5b139389e" providerId="AD" clId="Web-{5D3BBC8A-CA39-4A19-BE76-56BB9B7C34B7}" dt="2022-02-02T05:20:08.453" v="480" actId="1076"/>
-          <ac:spMkLst>
-            <pc:docMk/>
-            <pc:sldMk cId="629060188" sldId="267"/>
-            <ac:spMk id="12" creationId="{8307DE39-46E6-405D-8E7A-153AF838A18D}"/>
-          </ac:spMkLst>
-        </pc:spChg>
-        <pc:spChg chg="add del mod">
-          <ac:chgData name="Shrutika Raut" userId="S::shrutika.raut@dcmail.ca::37a41340-260f-42f0-bce3-72c5b139389e" providerId="AD" clId="Web-{5D3BBC8A-CA39-4A19-BE76-56BB9B7C34B7}" dt="2022-02-02T05:11:58.647" v="380"/>
-          <ac:spMkLst>
-            <pc:docMk/>
-            <pc:sldMk cId="629060188" sldId="267"/>
-            <ac:spMk id="13" creationId="{19A522CA-DD74-4ABE-90FB-BF737F7B3D69}"/>
-          </ac:spMkLst>
-        </pc:spChg>
-        <pc:spChg chg="add del mod">
-          <ac:chgData name="Shrutika Raut" userId="S::shrutika.raut@dcmail.ca::37a41340-260f-42f0-bce3-72c5b139389e" providerId="AD" clId="Web-{5D3BBC8A-CA39-4A19-BE76-56BB9B7C34B7}" dt="2022-02-02T05:12:24.773" v="383"/>
-          <ac:spMkLst>
-            <pc:docMk/>
-            <pc:sldMk cId="629060188" sldId="267"/>
-            <ac:spMk id="14" creationId="{ED814F2C-B864-4960-B18B-328F924DB5F5}"/>
-          </ac:spMkLst>
-        </pc:spChg>
-        <pc:spChg chg="add mod">
-          <ac:chgData name="Shrutika Raut" userId="S::shrutika.raut@dcmail.ca::37a41340-260f-42f0-bce3-72c5b139389e" providerId="AD" clId="Web-{5D3BBC8A-CA39-4A19-BE76-56BB9B7C34B7}" dt="2022-02-02T05:20:13.484" v="486" actId="1076"/>
-          <ac:spMkLst>
-            <pc:docMk/>
-            <pc:sldMk cId="629060188" sldId="267"/>
-            <ac:spMk id="15" creationId="{A344D580-9F03-4E8B-BF38-AA37D10A2E4B}"/>
-          </ac:spMkLst>
-        </pc:spChg>
-        <pc:spChg chg="add del">
-          <ac:chgData name="Shrutika Raut" userId="S::shrutika.raut@dcmail.ca::37a41340-260f-42f0-bce3-72c5b139389e" providerId="AD" clId="Web-{5D3BBC8A-CA39-4A19-BE76-56BB9B7C34B7}" dt="2022-02-02T05:13:02.649" v="392"/>
-          <ac:spMkLst>
-            <pc:docMk/>
-            <pc:sldMk cId="629060188" sldId="267"/>
-            <ac:spMk id="16" creationId="{0F4C5672-AF97-45E0-A9C2-FEE3CC94289C}"/>
-          </ac:spMkLst>
-        </pc:spChg>
-        <pc:spChg chg="add mod">
-          <ac:chgData name="Shrutika Raut" userId="S::shrutika.raut@dcmail.ca::37a41340-260f-42f0-bce3-72c5b139389e" providerId="AD" clId="Web-{5D3BBC8A-CA39-4A19-BE76-56BB9B7C34B7}" dt="2022-02-02T05:33:41.546" v="621"/>
-          <ac:spMkLst>
-            <pc:docMk/>
-            <pc:sldMk cId="629060188" sldId="267"/>
-            <ac:spMk id="17" creationId="{8FF73EBF-1512-4FD7-8587-1090F0B9BD62}"/>
-          </ac:spMkLst>
-        </pc:spChg>
-        <pc:spChg chg="add mod">
-          <ac:chgData name="Shrutika Raut" userId="S::shrutika.raut@dcmail.ca::37a41340-260f-42f0-bce3-72c5b139389e" providerId="AD" clId="Web-{5D3BBC8A-CA39-4A19-BE76-56BB9B7C34B7}" dt="2022-02-02T05:20:08.500" v="483" actId="1076"/>
-          <ac:spMkLst>
-            <pc:docMk/>
-            <pc:sldMk cId="629060188" sldId="267"/>
-            <ac:spMk id="18" creationId="{151B470D-357B-4028-B069-B3585A7D9DF4}"/>
-          </ac:spMkLst>
-        </pc:spChg>
-        <pc:spChg chg="add mod">
-          <ac:chgData name="Shrutika Raut" userId="S::shrutika.raut@dcmail.ca::37a41340-260f-42f0-bce3-72c5b139389e" providerId="AD" clId="Web-{5D3BBC8A-CA39-4A19-BE76-56BB9B7C34B7}" dt="2022-02-02T05:20:08.500" v="484" actId="1076"/>
-          <ac:spMkLst>
-            <pc:docMk/>
-            <pc:sldMk cId="629060188" sldId="267"/>
-            <ac:spMk id="19" creationId="{20749F6B-E42F-448D-8754-5E985CDDCF71}"/>
-          </ac:spMkLst>
-        </pc:spChg>
-        <pc:spChg chg="add mod">
-          <ac:chgData name="Shrutika Raut" userId="S::shrutika.raut@dcmail.ca::37a41340-260f-42f0-bce3-72c5b139389e" providerId="AD" clId="Web-{5D3BBC8A-CA39-4A19-BE76-56BB9B7C34B7}" dt="2022-02-02T05:20:08.516" v="485" actId="1076"/>
-          <ac:spMkLst>
-            <pc:docMk/>
-            <pc:sldMk cId="629060188" sldId="267"/>
-            <ac:spMk id="20" creationId="{D1F98819-E2D8-4A43-8BB8-B71E02763A3E}"/>
-          </ac:spMkLst>
-        </pc:spChg>
-        <pc:spChg chg="add mod ord">
-          <ac:chgData name="Shrutika Raut" userId="S::shrutika.raut@dcmail.ca::37a41340-260f-42f0-bce3-72c5b139389e" providerId="AD" clId="Web-{5D3BBC8A-CA39-4A19-BE76-56BB9B7C34B7}" dt="2022-02-02T05:35:17.110" v="629"/>
-          <ac:spMkLst>
-            <pc:docMk/>
-            <pc:sldMk cId="629060188" sldId="267"/>
-            <ac:spMk id="21" creationId="{1BBC32AB-C51F-47DE-8C1C-BAC647857CF0}"/>
-          </ac:spMkLst>
-        </pc:spChg>
-        <pc:spChg chg="add mod">
-          <ac:chgData name="Shrutika Raut" userId="S::shrutika.raut@dcmail.ca::37a41340-260f-42f0-bce3-72c5b139389e" providerId="AD" clId="Web-{5D3BBC8A-CA39-4A19-BE76-56BB9B7C34B7}" dt="2022-02-02T05:22:22.518" v="504" actId="14100"/>
-          <ac:spMkLst>
-            <pc:docMk/>
-            <pc:sldMk cId="629060188" sldId="267"/>
-            <ac:spMk id="22" creationId="{0D044C24-3771-4203-AC87-B5EEEECB4E58}"/>
-          </ac:spMkLst>
-        </pc:spChg>
-        <pc:spChg chg="add mod ord">
-          <ac:chgData name="Shrutika Raut" userId="S::shrutika.raut@dcmail.ca::37a41340-260f-42f0-bce3-72c5b139389e" providerId="AD" clId="Web-{5D3BBC8A-CA39-4A19-BE76-56BB9B7C34B7}" dt="2022-02-02T05:35:19.438" v="630"/>
-          <ac:spMkLst>
-            <pc:docMk/>
-            <pc:sldMk cId="629060188" sldId="267"/>
-            <ac:spMk id="23" creationId="{95F29DE6-5108-4326-962D-1E366C90D338}"/>
-          </ac:spMkLst>
-        </pc:spChg>
-        <pc:spChg chg="add mod">
-          <ac:chgData name="Shrutika Raut" userId="S::shrutika.raut@dcmail.ca::37a41340-260f-42f0-bce3-72c5b139389e" providerId="AD" clId="Web-{5D3BBC8A-CA39-4A19-BE76-56BB9B7C34B7}" dt="2022-02-02T05:23:48.551" v="520" actId="1076"/>
-          <ac:spMkLst>
-            <pc:docMk/>
-            <pc:sldMk cId="629060188" sldId="267"/>
-            <ac:spMk id="24" creationId="{11344616-5F94-4B3E-AC45-7E98691CAB4E}"/>
-          </ac:spMkLst>
-        </pc:spChg>
-        <pc:spChg chg="add mod">
-          <ac:chgData name="Shrutika Raut" userId="S::shrutika.raut@dcmail.ca::37a41340-260f-42f0-bce3-72c5b139389e" providerId="AD" clId="Web-{5D3BBC8A-CA39-4A19-BE76-56BB9B7C34B7}" dt="2022-02-02T05:28:26.665" v="570" actId="1076"/>
-          <ac:spMkLst>
-            <pc:docMk/>
-            <pc:sldMk cId="629060188" sldId="267"/>
-            <ac:spMk id="35" creationId="{77951714-D791-48C0-A271-29B602890C2D}"/>
-          </ac:spMkLst>
-        </pc:spChg>
-        <pc:spChg chg="add del mod">
-          <ac:chgData name="Shrutika Raut" userId="S::shrutika.raut@dcmail.ca::37a41340-260f-42f0-bce3-72c5b139389e" providerId="AD" clId="Web-{5D3BBC8A-CA39-4A19-BE76-56BB9B7C34B7}" dt="2022-02-02T05:31:45.184" v="595"/>
-          <ac:spMkLst>
-            <pc:docMk/>
-            <pc:sldMk cId="629060188" sldId="267"/>
-            <ac:spMk id="38" creationId="{CA2B23D2-F483-46D1-8C1D-CAE5435EEA4C}"/>
-          </ac:spMkLst>
-        </pc:spChg>
-        <pc:spChg chg="add mod">
-          <ac:chgData name="Shrutika Raut" userId="S::shrutika.raut@dcmail.ca::37a41340-260f-42f0-bce3-72c5b139389e" providerId="AD" clId="Web-{5D3BBC8A-CA39-4A19-BE76-56BB9B7C34B7}" dt="2022-02-02T05:32:30.435" v="604" actId="14100"/>
-          <ac:spMkLst>
-            <pc:docMk/>
-            <pc:sldMk cId="629060188" sldId="267"/>
-            <ac:spMk id="39" creationId="{C6F27336-7405-4C05-BE61-5310B6C1BF9C}"/>
-          </ac:spMkLst>
-        </pc:spChg>
-        <pc:spChg chg="add del mod">
-          <ac:chgData name="Shrutika Raut" userId="S::shrutika.raut@dcmail.ca::37a41340-260f-42f0-bce3-72c5b139389e" providerId="AD" clId="Web-{5D3BBC8A-CA39-4A19-BE76-56BB9B7C34B7}" dt="2022-02-02T05:32:42.638" v="607"/>
-          <ac:spMkLst>
-            <pc:docMk/>
-            <pc:sldMk cId="629060188" sldId="267"/>
-            <ac:spMk id="40" creationId="{9B94491E-9251-41CB-8F6C-37429F33417E}"/>
-          </ac:spMkLst>
-        </pc:spChg>
-        <pc:spChg chg="add mod">
-          <ac:chgData name="Shrutika Raut" userId="S::shrutika.raut@dcmail.ca::37a41340-260f-42f0-bce3-72c5b139389e" providerId="AD" clId="Web-{5D3BBC8A-CA39-4A19-BE76-56BB9B7C34B7}" dt="2022-02-02T05:32:52.560" v="610" actId="20577"/>
-          <ac:spMkLst>
-            <pc:docMk/>
-            <pc:sldMk cId="629060188" sldId="267"/>
-            <ac:spMk id="41" creationId="{84BCB9C3-9AAC-4E11-9753-4510065B0501}"/>
-          </ac:spMkLst>
-        </pc:spChg>
-        <pc:graphicFrameChg chg="del">
-          <ac:chgData name="Shrutika Raut" userId="S::shrutika.raut@dcmail.ca::37a41340-260f-42f0-bce3-72c5b139389e" providerId="AD" clId="Web-{5D3BBC8A-CA39-4A19-BE76-56BB9B7C34B7}" dt="2022-02-02T05:01:34.433" v="287"/>
-          <ac:graphicFrameMkLst>
-            <pc:docMk/>
-            <pc:sldMk cId="629060188" sldId="267"/>
-            <ac:graphicFrameMk id="6" creationId="{E8EEB296-8554-4D20-B3B8-C0BBC380A58D}"/>
-          </ac:graphicFrameMkLst>
-        </pc:graphicFrameChg>
-        <pc:cxnChg chg="add del">
-          <ac:chgData name="Shrutika Raut" userId="S::shrutika.raut@dcmail.ca::37a41340-260f-42f0-bce3-72c5b139389e" providerId="AD" clId="Web-{5D3BBC8A-CA39-4A19-BE76-56BB9B7C34B7}" dt="2022-02-02T05:24:10.035" v="524"/>
-          <ac:cxnSpMkLst>
-            <pc:docMk/>
-            <pc:sldMk cId="629060188" sldId="267"/>
-            <ac:cxnSpMk id="25" creationId="{60026071-BC77-460B-BF94-E380E6AD5D75}"/>
-          </ac:cxnSpMkLst>
-        </pc:cxnChg>
-        <pc:cxnChg chg="add mod">
-          <ac:chgData name="Shrutika Raut" userId="S::shrutika.raut@dcmail.ca::37a41340-260f-42f0-bce3-72c5b139389e" providerId="AD" clId="Web-{5D3BBC8A-CA39-4A19-BE76-56BB9B7C34B7}" dt="2022-02-02T05:24:19.161" v="526" actId="14100"/>
-          <ac:cxnSpMkLst>
-            <pc:docMk/>
-            <pc:sldMk cId="629060188" sldId="267"/>
-            <ac:cxnSpMk id="26" creationId="{A5F6D720-9926-4308-9FC8-8B0D478E60D5}"/>
-          </ac:cxnSpMkLst>
-        </pc:cxnChg>
-        <pc:cxnChg chg="add mod">
-          <ac:chgData name="Shrutika Raut" userId="S::shrutika.raut@dcmail.ca::37a41340-260f-42f0-bce3-72c5b139389e" providerId="AD" clId="Web-{5D3BBC8A-CA39-4A19-BE76-56BB9B7C34B7}" dt="2022-02-02T05:25:16.662" v="533" actId="1076"/>
-          <ac:cxnSpMkLst>
-            <pc:docMk/>
-            <pc:sldMk cId="629060188" sldId="267"/>
-            <ac:cxnSpMk id="27" creationId="{8FFB8A43-9381-4771-BD26-D9280BB2963B}"/>
-          </ac:cxnSpMkLst>
-        </pc:cxnChg>
-        <pc:cxnChg chg="add mod">
-          <ac:chgData name="Shrutika Raut" userId="S::shrutika.raut@dcmail.ca::37a41340-260f-42f0-bce3-72c5b139389e" providerId="AD" clId="Web-{5D3BBC8A-CA39-4A19-BE76-56BB9B7C34B7}" dt="2022-02-02T05:25:32.631" v="537" actId="14100"/>
-          <ac:cxnSpMkLst>
-            <pc:docMk/>
-            <pc:sldMk cId="629060188" sldId="267"/>
-            <ac:cxnSpMk id="28" creationId="{F89D3278-7BDC-45F9-A6A3-EE1E2569453B}"/>
-          </ac:cxnSpMkLst>
-        </pc:cxnChg>
-        <pc:cxnChg chg="add mod">
-          <ac:chgData name="Shrutika Raut" userId="S::shrutika.raut@dcmail.ca::37a41340-260f-42f0-bce3-72c5b139389e" providerId="AD" clId="Web-{5D3BBC8A-CA39-4A19-BE76-56BB9B7C34B7}" dt="2022-02-02T05:25:45.850" v="541" actId="14100"/>
-          <ac:cxnSpMkLst>
-            <pc:docMk/>
-            <pc:sldMk cId="629060188" sldId="267"/>
-            <ac:cxnSpMk id="29" creationId="{9CF650F1-46A8-4B0D-BE8E-AF7FD227B6EB}"/>
-          </ac:cxnSpMkLst>
-        </pc:cxnChg>
-        <pc:cxnChg chg="add mod">
-          <ac:chgData name="Shrutika Raut" userId="S::shrutika.raut@dcmail.ca::37a41340-260f-42f0-bce3-72c5b139389e" providerId="AD" clId="Web-{5D3BBC8A-CA39-4A19-BE76-56BB9B7C34B7}" dt="2022-02-02T05:26:15.460" v="546" actId="14100"/>
-          <ac:cxnSpMkLst>
-            <pc:docMk/>
-            <pc:sldMk cId="629060188" sldId="267"/>
-            <ac:cxnSpMk id="30" creationId="{6AE65618-B3EF-4530-B4DB-B41DF005E109}"/>
-          </ac:cxnSpMkLst>
-        </pc:cxnChg>
-        <pc:cxnChg chg="add mod">
-          <ac:chgData name="Shrutika Raut" userId="S::shrutika.raut@dcmail.ca::37a41340-260f-42f0-bce3-72c5b139389e" providerId="AD" clId="Web-{5D3BBC8A-CA39-4A19-BE76-56BB9B7C34B7}" dt="2022-02-02T05:34:27.468" v="623"/>
-          <ac:cxnSpMkLst>
-            <pc:docMk/>
-            <pc:sldMk cId="629060188" sldId="267"/>
-            <ac:cxnSpMk id="31" creationId="{3810F231-15B9-4E36-9849-E9B50408C506}"/>
-          </ac:cxnSpMkLst>
-        </pc:cxnChg>
-        <pc:cxnChg chg="add mod">
-          <ac:chgData name="Shrutika Raut" userId="S::shrutika.raut@dcmail.ca::37a41340-260f-42f0-bce3-72c5b139389e" providerId="AD" clId="Web-{5D3BBC8A-CA39-4A19-BE76-56BB9B7C34B7}" dt="2022-02-02T05:27:10.242" v="553" actId="14100"/>
-          <ac:cxnSpMkLst>
-            <pc:docMk/>
-            <pc:sldMk cId="629060188" sldId="267"/>
-            <ac:cxnSpMk id="32" creationId="{B5093CC2-A4BC-44F0-A2FA-43A128FBA00E}"/>
-          </ac:cxnSpMkLst>
-        </pc:cxnChg>
-        <pc:cxnChg chg="add mod">
-          <ac:chgData name="Shrutika Raut" userId="S::shrutika.raut@dcmail.ca::37a41340-260f-42f0-bce3-72c5b139389e" providerId="AD" clId="Web-{5D3BBC8A-CA39-4A19-BE76-56BB9B7C34B7}" dt="2022-02-02T05:27:23.789" v="556" actId="14100"/>
-          <ac:cxnSpMkLst>
-            <pc:docMk/>
-            <pc:sldMk cId="629060188" sldId="267"/>
-            <ac:cxnSpMk id="33" creationId="{F5FAC9D7-F545-4763-A362-1A1B21DC819A}"/>
-          </ac:cxnSpMkLst>
-        </pc:cxnChg>
-        <pc:cxnChg chg="add mod">
-          <ac:chgData name="Shrutika Raut" userId="S::shrutika.raut@dcmail.ca::37a41340-260f-42f0-bce3-72c5b139389e" providerId="AD" clId="Web-{5D3BBC8A-CA39-4A19-BE76-56BB9B7C34B7}" dt="2022-02-02T05:27:53.258" v="560" actId="14100"/>
-          <ac:cxnSpMkLst>
-            <pc:docMk/>
-            <pc:sldMk cId="629060188" sldId="267"/>
-            <ac:cxnSpMk id="34" creationId="{E8F3DF9C-39BA-494A-AD9C-5A5F178D7ADE}"/>
-          </ac:cxnSpMkLst>
-        </pc:cxnChg>
-        <pc:cxnChg chg="add del mod">
-          <ac:chgData name="Shrutika Raut" userId="S::shrutika.raut@dcmail.ca::37a41340-260f-42f0-bce3-72c5b139389e" providerId="AD" clId="Web-{5D3BBC8A-CA39-4A19-BE76-56BB9B7C34B7}" dt="2022-02-02T05:29:52.042" v="582"/>
-          <ac:cxnSpMkLst>
-            <pc:docMk/>
-            <pc:sldMk cId="629060188" sldId="267"/>
-            <ac:cxnSpMk id="36" creationId="{2888BC5D-EF2C-4952-B59E-0909AB65F653}"/>
-          </ac:cxnSpMkLst>
-        </pc:cxnChg>
-        <pc:cxnChg chg="add del mod">
-          <ac:chgData name="Shrutika Raut" userId="S::shrutika.raut@dcmail.ca::37a41340-260f-42f0-bce3-72c5b139389e" providerId="AD" clId="Web-{5D3BBC8A-CA39-4A19-BE76-56BB9B7C34B7}" dt="2022-02-02T05:31:13.684" v="589"/>
-          <ac:cxnSpMkLst>
-            <pc:docMk/>
-            <pc:sldMk cId="629060188" sldId="267"/>
-            <ac:cxnSpMk id="37" creationId="{F4582326-4BBA-4999-AFC8-314CB0D1385A}"/>
-          </ac:cxnSpMkLst>
-        </pc:cxnChg>
-        <pc:cxnChg chg="add mod">
-          <ac:chgData name="Shrutika Raut" userId="S::shrutika.raut@dcmail.ca::37a41340-260f-42f0-bce3-72c5b139389e" providerId="AD" clId="Web-{5D3BBC8A-CA39-4A19-BE76-56BB9B7C34B7}" dt="2022-02-02T05:35:05.844" v="628" actId="14100"/>
-          <ac:cxnSpMkLst>
-            <pc:docMk/>
-            <pc:sldMk cId="629060188" sldId="267"/>
-            <ac:cxnSpMk id="42" creationId="{61D0E1D9-85AE-4F09-9607-B890E9C04040}"/>
-          </ac:cxnSpMkLst>
-        </pc:cxnChg>
-      </pc:sldChg>
-    </pc:docChg>
-  </pc:docChgLst>
-  <pc:docChgLst>
-    <pc:chgData name="Vaibhavi Thakkar" userId="S::vaibhavi.thakkar@dcmail.ca::d45bbdd7-b168-4de9-9486-80a409448444" providerId="AD" clId="Web-{46477192-1CAD-4DB5-843C-4D827B42913D}"/>
-    <pc:docChg chg="modSld">
-      <pc:chgData name="Vaibhavi Thakkar" userId="S::vaibhavi.thakkar@dcmail.ca::d45bbdd7-b168-4de9-9486-80a409448444" providerId="AD" clId="Web-{46477192-1CAD-4DB5-843C-4D827B42913D}" dt="2022-02-02T18:19:09.238" v="9" actId="20577"/>
-      <pc:docMkLst>
-        <pc:docMk/>
-      </pc:docMkLst>
-      <pc:sldChg chg="modSp">
-        <pc:chgData name="Vaibhavi Thakkar" userId="S::vaibhavi.thakkar@dcmail.ca::d45bbdd7-b168-4de9-9486-80a409448444" providerId="AD" clId="Web-{46477192-1CAD-4DB5-843C-4D827B42913D}" dt="2022-02-02T18:19:09.238" v="9" actId="20577"/>
-        <pc:sldMkLst>
-          <pc:docMk/>
-          <pc:sldMk cId="629060188" sldId="267"/>
-        </pc:sldMkLst>
-        <pc:spChg chg="mod">
-          <ac:chgData name="Vaibhavi Thakkar" userId="S::vaibhavi.thakkar@dcmail.ca::d45bbdd7-b168-4de9-9486-80a409448444" providerId="AD" clId="Web-{46477192-1CAD-4DB5-843C-4D827B42913D}" dt="2022-02-02T18:18:39.722" v="2" actId="14100"/>
-          <ac:spMkLst>
-            <pc:docMk/>
-            <pc:sldMk cId="629060188" sldId="267"/>
-            <ac:spMk id="11" creationId="{35276F96-121B-4F65-8A06-F860EE99A93A}"/>
-          </ac:spMkLst>
-        </pc:spChg>
-        <pc:spChg chg="mod">
-          <ac:chgData name="Vaibhavi Thakkar" userId="S::vaibhavi.thakkar@dcmail.ca::d45bbdd7-b168-4de9-9486-80a409448444" providerId="AD" clId="Web-{46477192-1CAD-4DB5-843C-4D827B42913D}" dt="2022-02-02T18:19:09.238" v="9" actId="20577"/>
-          <ac:spMkLst>
-            <pc:docMk/>
-            <pc:sldMk cId="629060188" sldId="267"/>
-            <ac:spMk id="21" creationId="{1BBC32AB-C51F-47DE-8C1C-BAC647857CF0}"/>
-          </ac:spMkLst>
-        </pc:spChg>
-        <pc:cxnChg chg="mod">
-          <ac:chgData name="Vaibhavi Thakkar" userId="S::vaibhavi.thakkar@dcmail.ca::d45bbdd7-b168-4de9-9486-80a409448444" providerId="AD" clId="Web-{46477192-1CAD-4DB5-843C-4D827B42913D}" dt="2022-02-02T18:18:09.284" v="1" actId="1076"/>
-          <ac:cxnSpMkLst>
-            <pc:docMk/>
-            <pc:sldMk cId="629060188" sldId="267"/>
-            <ac:cxnSpMk id="28" creationId="{F89D3278-7BDC-45F9-A6A3-EE1E2569453B}"/>
-          </ac:cxnSpMkLst>
-        </pc:cxnChg>
-      </pc:sldChg>
-    </pc:docChg>
-  </pc:docChgLst>
-  <pc:docChgLst>
-    <pc:chgData name="Vaibhavi Thakkar" userId="d45bbdd7-b168-4de9-9486-80a409448444" providerId="ADAL" clId="{D868B27D-1E43-4A82-A6F2-EF78966E7218}"/>
-    <pc:docChg chg="undo custSel delSld modSld">
-      <pc:chgData name="Vaibhavi Thakkar" userId="d45bbdd7-b168-4de9-9486-80a409448444" providerId="ADAL" clId="{D868B27D-1E43-4A82-A6F2-EF78966E7218}" dt="2022-02-02T18:08:36.111" v="524" actId="1037"/>
-      <pc:docMkLst>
-        <pc:docMk/>
-      </pc:docMkLst>
-      <pc:sldChg chg="del">
-        <pc:chgData name="Vaibhavi Thakkar" userId="d45bbdd7-b168-4de9-9486-80a409448444" providerId="ADAL" clId="{D868B27D-1E43-4A82-A6F2-EF78966E7218}" dt="2022-02-02T17:51:36.531" v="62" actId="47"/>
-        <pc:sldMkLst>
-          <pc:docMk/>
-          <pc:sldMk cId="3733486012" sldId="258"/>
-        </pc:sldMkLst>
-      </pc:sldChg>
-      <pc:sldChg chg="addSp delSp modSp mod modClrScheme chgLayout">
-        <pc:chgData name="Vaibhavi Thakkar" userId="d45bbdd7-b168-4de9-9486-80a409448444" providerId="ADAL" clId="{D868B27D-1E43-4A82-A6F2-EF78966E7218}" dt="2022-02-02T17:50:31.507" v="54" actId="14100"/>
-        <pc:sldMkLst>
-          <pc:docMk/>
-          <pc:sldMk cId="3607270498" sldId="261"/>
-        </pc:sldMkLst>
-        <pc:spChg chg="mod ord">
-          <ac:chgData name="Vaibhavi Thakkar" userId="d45bbdd7-b168-4de9-9486-80a409448444" providerId="ADAL" clId="{D868B27D-1E43-4A82-A6F2-EF78966E7218}" dt="2022-02-02T17:46:31.880" v="41" actId="26606"/>
-          <ac:spMkLst>
-            <pc:docMk/>
-            <pc:sldMk cId="3607270498" sldId="261"/>
-            <ac:spMk id="2" creationId="{520FC4EE-F318-4344-9E3C-B950ADB63865}"/>
-          </ac:spMkLst>
-        </pc:spChg>
-        <pc:spChg chg="mod">
-          <ac:chgData name="Vaibhavi Thakkar" userId="d45bbdd7-b168-4de9-9486-80a409448444" providerId="ADAL" clId="{D868B27D-1E43-4A82-A6F2-EF78966E7218}" dt="2022-02-02T17:46:31.880" v="41" actId="26606"/>
-          <ac:spMkLst>
-            <pc:docMk/>
-            <pc:sldMk cId="3607270498" sldId="261"/>
-            <ac:spMk id="4" creationId="{315E3981-F0D7-482C-A8E0-6A57700BECA7}"/>
-          </ac:spMkLst>
-        </pc:spChg>
-        <pc:spChg chg="mod ord">
-          <ac:chgData name="Vaibhavi Thakkar" userId="d45bbdd7-b168-4de9-9486-80a409448444" providerId="ADAL" clId="{D868B27D-1E43-4A82-A6F2-EF78966E7218}" dt="2022-02-02T17:46:31.880" v="41" actId="26606"/>
-          <ac:spMkLst>
-            <pc:docMk/>
-            <pc:sldMk cId="3607270498" sldId="261"/>
-            <ac:spMk id="5" creationId="{E0C87788-476B-4620-8002-A5C1177AD6C1}"/>
-          </ac:spMkLst>
-        </pc:spChg>
-        <pc:spChg chg="add del mod">
-          <ac:chgData name="Vaibhavi Thakkar" userId="d45bbdd7-b168-4de9-9486-80a409448444" providerId="ADAL" clId="{D868B27D-1E43-4A82-A6F2-EF78966E7218}" dt="2022-02-02T17:46:31.880" v="41" actId="26606"/>
-          <ac:spMkLst>
-            <pc:docMk/>
-            <pc:sldMk cId="3607270498" sldId="261"/>
-            <ac:spMk id="6" creationId="{000A9570-5EF6-4AFB-9FCA-7C8998E3FEB1}"/>
-          </ac:spMkLst>
-        </pc:spChg>
-        <pc:spChg chg="mod ord">
-          <ac:chgData name="Vaibhavi Thakkar" userId="d45bbdd7-b168-4de9-9486-80a409448444" providerId="ADAL" clId="{D868B27D-1E43-4A82-A6F2-EF78966E7218}" dt="2022-02-02T17:46:31.880" v="41" actId="26606"/>
-          <ac:spMkLst>
-            <pc:docMk/>
-            <pc:sldMk cId="3607270498" sldId="261"/>
-            <ac:spMk id="7" creationId="{B74126B4-1E6C-4FFF-9282-40E18A85A07F}"/>
-          </ac:spMkLst>
-        </pc:spChg>
-        <pc:spChg chg="mod ord">
-          <ac:chgData name="Vaibhavi Thakkar" userId="d45bbdd7-b168-4de9-9486-80a409448444" providerId="ADAL" clId="{D868B27D-1E43-4A82-A6F2-EF78966E7218}" dt="2022-02-02T17:50:31.507" v="54" actId="14100"/>
-          <ac:spMkLst>
-            <pc:docMk/>
-            <pc:sldMk cId="3607270498" sldId="261"/>
-            <ac:spMk id="8" creationId="{47DC4E62-1A34-4F98-A451-214F1808519C}"/>
-          </ac:spMkLst>
-        </pc:spChg>
-        <pc:picChg chg="add del mod">
-          <ac:chgData name="Vaibhavi Thakkar" userId="d45bbdd7-b168-4de9-9486-80a409448444" providerId="ADAL" clId="{D868B27D-1E43-4A82-A6F2-EF78966E7218}" dt="2022-02-02T17:49:46.382" v="45" actId="478"/>
-          <ac:picMkLst>
-            <pc:docMk/>
-            <pc:sldMk cId="3607270498" sldId="261"/>
-            <ac:picMk id="9" creationId="{9F011E99-C641-44EF-87CF-C087A17AEE98}"/>
-          </ac:picMkLst>
-        </pc:picChg>
-        <pc:picChg chg="add mod">
-          <ac:chgData name="Vaibhavi Thakkar" userId="d45bbdd7-b168-4de9-9486-80a409448444" providerId="ADAL" clId="{D868B27D-1E43-4A82-A6F2-EF78966E7218}" dt="2022-02-02T17:50:26.296" v="53" actId="14100"/>
-          <ac:picMkLst>
-            <pc:docMk/>
-            <pc:sldMk cId="3607270498" sldId="261"/>
-            <ac:picMk id="11" creationId="{BE01C7FB-6362-407E-86F3-D00E992F6B9C}"/>
-          </ac:picMkLst>
-        </pc:picChg>
-      </pc:sldChg>
-      <pc:sldChg chg="del">
-        <pc:chgData name="Vaibhavi Thakkar" userId="d45bbdd7-b168-4de9-9486-80a409448444" providerId="ADAL" clId="{D868B27D-1E43-4A82-A6F2-EF78966E7218}" dt="2022-02-02T17:26:55.828" v="0" actId="47"/>
-        <pc:sldMkLst>
-          <pc:docMk/>
-          <pc:sldMk cId="3892131414" sldId="262"/>
-        </pc:sldMkLst>
-      </pc:sldChg>
-      <pc:sldChg chg="del">
-        <pc:chgData name="Vaibhavi Thakkar" userId="d45bbdd7-b168-4de9-9486-80a409448444" providerId="ADAL" clId="{D868B27D-1E43-4A82-A6F2-EF78966E7218}" dt="2022-02-02T17:26:56.928" v="1" actId="47"/>
-        <pc:sldMkLst>
-          <pc:docMk/>
-          <pc:sldMk cId="1065425595" sldId="266"/>
-        </pc:sldMkLst>
-      </pc:sldChg>
-      <pc:sldChg chg="addSp delSp modSp mod">
-        <pc:chgData name="Vaibhavi Thakkar" userId="d45bbdd7-b168-4de9-9486-80a409448444" providerId="ADAL" clId="{D868B27D-1E43-4A82-A6F2-EF78966E7218}" dt="2022-02-02T18:08:36.111" v="524" actId="1037"/>
-        <pc:sldMkLst>
-          <pc:docMk/>
-          <pc:sldMk cId="629060188" sldId="267"/>
-        </pc:sldMkLst>
-        <pc:spChg chg="mod">
-          <ac:chgData name="Vaibhavi Thakkar" userId="d45bbdd7-b168-4de9-9486-80a409448444" providerId="ADAL" clId="{D868B27D-1E43-4A82-A6F2-EF78966E7218}" dt="2022-02-02T17:58:14.271" v="177" actId="1037"/>
-          <ac:spMkLst>
-            <pc:docMk/>
-            <pc:sldMk cId="629060188" sldId="267"/>
-            <ac:spMk id="2" creationId="{E4398C1C-6656-4A73-A680-62A81CDC27FD}"/>
-          </ac:spMkLst>
-        </pc:spChg>
-        <pc:spChg chg="mod">
-          <ac:chgData name="Vaibhavi Thakkar" userId="d45bbdd7-b168-4de9-9486-80a409448444" providerId="ADAL" clId="{D868B27D-1E43-4A82-A6F2-EF78966E7218}" dt="2022-02-02T17:58:40.984" v="201" actId="1038"/>
-          <ac:spMkLst>
-            <pc:docMk/>
-            <pc:sldMk cId="629060188" sldId="267"/>
-            <ac:spMk id="3" creationId="{76D85E80-410C-4F80-BC46-595DA658EAB9}"/>
-          </ac:spMkLst>
-        </pc:spChg>
-        <pc:spChg chg="mod">
-          <ac:chgData name="Vaibhavi Thakkar" userId="d45bbdd7-b168-4de9-9486-80a409448444" providerId="ADAL" clId="{D868B27D-1E43-4A82-A6F2-EF78966E7218}" dt="2022-02-02T17:58:14.271" v="177" actId="1037"/>
-          <ac:spMkLst>
-            <pc:docMk/>
-            <pc:sldMk cId="629060188" sldId="267"/>
-            <ac:spMk id="5" creationId="{201323FB-427E-4A8D-B473-AB0657D8D23B}"/>
-          </ac:spMkLst>
-        </pc:spChg>
-        <pc:spChg chg="mod">
-          <ac:chgData name="Vaibhavi Thakkar" userId="d45bbdd7-b168-4de9-9486-80a409448444" providerId="ADAL" clId="{D868B27D-1E43-4A82-A6F2-EF78966E7218}" dt="2022-02-02T17:58:14.271" v="177" actId="1037"/>
-          <ac:spMkLst>
-            <pc:docMk/>
-            <pc:sldMk cId="629060188" sldId="267"/>
-            <ac:spMk id="8" creationId="{8457C11B-B67D-457B-98FF-48E50E57A7A4}"/>
-          </ac:spMkLst>
-        </pc:spChg>
-        <pc:spChg chg="mod">
-          <ac:chgData name="Vaibhavi Thakkar" userId="d45bbdd7-b168-4de9-9486-80a409448444" providerId="ADAL" clId="{D868B27D-1E43-4A82-A6F2-EF78966E7218}" dt="2022-02-02T17:58:40.984" v="201" actId="1038"/>
-          <ac:spMkLst>
-            <pc:docMk/>
-            <pc:sldMk cId="629060188" sldId="267"/>
-            <ac:spMk id="9" creationId="{3FD630F6-3CBF-4BE7-B9AC-284F000ECD3B}"/>
-          </ac:spMkLst>
-        </pc:spChg>
-        <pc:spChg chg="mod">
-          <ac:chgData name="Vaibhavi Thakkar" userId="d45bbdd7-b168-4de9-9486-80a409448444" providerId="ADAL" clId="{D868B27D-1E43-4A82-A6F2-EF78966E7218}" dt="2022-02-02T18:08:02.239" v="510" actId="20577"/>
-          <ac:spMkLst>
-            <pc:docMk/>
-            <pc:sldMk cId="629060188" sldId="267"/>
-            <ac:spMk id="11" creationId="{35276F96-121B-4F65-8A06-F860EE99A93A}"/>
-          </ac:spMkLst>
-        </pc:spChg>
-        <pc:spChg chg="mod">
-          <ac:chgData name="Vaibhavi Thakkar" userId="d45bbdd7-b168-4de9-9486-80a409448444" providerId="ADAL" clId="{D868B27D-1E43-4A82-A6F2-EF78966E7218}" dt="2022-02-02T18:01:20.617" v="356" actId="1036"/>
-          <ac:spMkLst>
-            <pc:docMk/>
-            <pc:sldMk cId="629060188" sldId="267"/>
-            <ac:spMk id="12" creationId="{8307DE39-46E6-405D-8E7A-153AF838A18D}"/>
-          </ac:spMkLst>
-        </pc:spChg>
-        <pc:spChg chg="mod">
-          <ac:chgData name="Vaibhavi Thakkar" userId="d45bbdd7-b168-4de9-9486-80a409448444" providerId="ADAL" clId="{D868B27D-1E43-4A82-A6F2-EF78966E7218}" dt="2022-02-02T18:07:01.093" v="498" actId="1036"/>
-          <ac:spMkLst>
-            <pc:docMk/>
-            <pc:sldMk cId="629060188" sldId="267"/>
-            <ac:spMk id="15" creationId="{A344D580-9F03-4E8B-BF38-AA37D10A2E4B}"/>
-          </ac:spMkLst>
-        </pc:spChg>
-        <pc:spChg chg="mod">
-          <ac:chgData name="Vaibhavi Thakkar" userId="d45bbdd7-b168-4de9-9486-80a409448444" providerId="ADAL" clId="{D868B27D-1E43-4A82-A6F2-EF78966E7218}" dt="2022-02-02T18:04:53.315" v="457" actId="1037"/>
-          <ac:spMkLst>
-            <pc:docMk/>
-            <pc:sldMk cId="629060188" sldId="267"/>
-            <ac:spMk id="17" creationId="{8FF73EBF-1512-4FD7-8587-1090F0B9BD62}"/>
-          </ac:spMkLst>
-        </pc:spChg>
-        <pc:spChg chg="mod">
-          <ac:chgData name="Vaibhavi Thakkar" userId="d45bbdd7-b168-4de9-9486-80a409448444" providerId="ADAL" clId="{D868B27D-1E43-4A82-A6F2-EF78966E7218}" dt="2022-02-02T18:04:39.764" v="449" actId="1035"/>
-          <ac:spMkLst>
-            <pc:docMk/>
-            <pc:sldMk cId="629060188" sldId="267"/>
-            <ac:spMk id="18" creationId="{151B470D-357B-4028-B069-B3585A7D9DF4}"/>
-          </ac:spMkLst>
-        </pc:spChg>
-        <pc:spChg chg="mod">
-          <ac:chgData name="Vaibhavi Thakkar" userId="d45bbdd7-b168-4de9-9486-80a409448444" providerId="ADAL" clId="{D868B27D-1E43-4A82-A6F2-EF78966E7218}" dt="2022-02-02T17:59:38.049" v="249" actId="1036"/>
-          <ac:spMkLst>
-            <pc:docMk/>
-            <pc:sldMk cId="629060188" sldId="267"/>
-            <ac:spMk id="19" creationId="{20749F6B-E42F-448D-8754-5E985CDDCF71}"/>
-          </ac:spMkLst>
-        </pc:spChg>
-        <pc:spChg chg="mod">
-          <ac:chgData name="Vaibhavi Thakkar" userId="d45bbdd7-b168-4de9-9486-80a409448444" providerId="ADAL" clId="{D868B27D-1E43-4A82-A6F2-EF78966E7218}" dt="2022-02-02T17:59:52.660" v="260" actId="1036"/>
-          <ac:spMkLst>
-            <pc:docMk/>
-            <pc:sldMk cId="629060188" sldId="267"/>
-            <ac:spMk id="20" creationId="{D1F98819-E2D8-4A43-8BB8-B71E02763A3E}"/>
-          </ac:spMkLst>
-        </pc:spChg>
-        <pc:spChg chg="mod">
-          <ac:chgData name="Vaibhavi Thakkar" userId="d45bbdd7-b168-4de9-9486-80a409448444" providerId="ADAL" clId="{D868B27D-1E43-4A82-A6F2-EF78966E7218}" dt="2022-02-02T18:02:07.962" v="376" actId="13822"/>
-          <ac:spMkLst>
-            <pc:docMk/>
-            <pc:sldMk cId="629060188" sldId="267"/>
-            <ac:spMk id="21" creationId="{1BBC32AB-C51F-47DE-8C1C-BAC647857CF0}"/>
-          </ac:spMkLst>
-        </pc:spChg>
-        <pc:spChg chg="mod">
-          <ac:chgData name="Vaibhavi Thakkar" userId="d45bbdd7-b168-4de9-9486-80a409448444" providerId="ADAL" clId="{D868B27D-1E43-4A82-A6F2-EF78966E7218}" dt="2022-02-02T18:06:36.045" v="488" actId="113"/>
-          <ac:spMkLst>
-            <pc:docMk/>
-            <pc:sldMk cId="629060188" sldId="267"/>
-            <ac:spMk id="22" creationId="{0D044C24-3771-4203-AC87-B5EEEECB4E58}"/>
-          </ac:spMkLst>
-        </pc:spChg>
-        <pc:spChg chg="add del mod ord">
-          <ac:chgData name="Vaibhavi Thakkar" userId="d45bbdd7-b168-4de9-9486-80a409448444" providerId="ADAL" clId="{D868B27D-1E43-4A82-A6F2-EF78966E7218}" dt="2022-02-02T18:02:12.024" v="377" actId="13822"/>
-          <ac:spMkLst>
-            <pc:docMk/>
-            <pc:sldMk cId="629060188" sldId="267"/>
-            <ac:spMk id="23" creationId="{95F29DE6-5108-4326-962D-1E366C90D338}"/>
-          </ac:spMkLst>
-        </pc:spChg>
-        <pc:spChg chg="mod">
-          <ac:chgData name="Vaibhavi Thakkar" userId="d45bbdd7-b168-4de9-9486-80a409448444" providerId="ADAL" clId="{D868B27D-1E43-4A82-A6F2-EF78966E7218}" dt="2022-02-02T18:06:51.531" v="493" actId="122"/>
-          <ac:spMkLst>
-            <pc:docMk/>
-            <pc:sldMk cId="629060188" sldId="267"/>
-            <ac:spMk id="24" creationId="{11344616-5F94-4B3E-AC45-7E98691CAB4E}"/>
-          </ac:spMkLst>
-        </pc:spChg>
-        <pc:spChg chg="mod">
-          <ac:chgData name="Vaibhavi Thakkar" userId="d45bbdd7-b168-4de9-9486-80a409448444" providerId="ADAL" clId="{D868B27D-1E43-4A82-A6F2-EF78966E7218}" dt="2022-02-02T18:08:36.111" v="524" actId="1037"/>
-          <ac:spMkLst>
-            <pc:docMk/>
-            <pc:sldMk cId="629060188" sldId="267"/>
-            <ac:spMk id="35" creationId="{77951714-D791-48C0-A271-29B602890C2D}"/>
-          </ac:spMkLst>
-        </pc:spChg>
-        <pc:spChg chg="mod">
-          <ac:chgData name="Vaibhavi Thakkar" userId="d45bbdd7-b168-4de9-9486-80a409448444" providerId="ADAL" clId="{D868B27D-1E43-4A82-A6F2-EF78966E7218}" dt="2022-02-02T18:05:12.131" v="461" actId="14100"/>
-          <ac:spMkLst>
-            <pc:docMk/>
-            <pc:sldMk cId="629060188" sldId="267"/>
-            <ac:spMk id="39" creationId="{C6F27336-7405-4C05-BE61-5310B6C1BF9C}"/>
-          </ac:spMkLst>
-        </pc:spChg>
-        <pc:spChg chg="mod">
-          <ac:chgData name="Vaibhavi Thakkar" userId="d45bbdd7-b168-4de9-9486-80a409448444" providerId="ADAL" clId="{D868B27D-1E43-4A82-A6F2-EF78966E7218}" dt="2022-02-02T17:58:14.271" v="177" actId="1037"/>
-          <ac:spMkLst>
-            <pc:docMk/>
-            <pc:sldMk cId="629060188" sldId="267"/>
-            <ac:spMk id="41" creationId="{84BCB9C3-9AAC-4E11-9753-4510065B0501}"/>
-          </ac:spMkLst>
-        </pc:spChg>
-        <pc:cxnChg chg="mod">
-          <ac:chgData name="Vaibhavi Thakkar" userId="d45bbdd7-b168-4de9-9486-80a409448444" providerId="ADAL" clId="{D868B27D-1E43-4A82-A6F2-EF78966E7218}" dt="2022-02-02T18:03:43.138" v="382" actId="14100"/>
-          <ac:cxnSpMkLst>
-            <pc:docMk/>
-            <pc:sldMk cId="629060188" sldId="267"/>
-            <ac:cxnSpMk id="26" creationId="{A5F6D720-9926-4308-9FC8-8B0D478E60D5}"/>
-          </ac:cxnSpMkLst>
-        </pc:cxnChg>
-        <pc:cxnChg chg="mod">
-          <ac:chgData name="Vaibhavi Thakkar" userId="d45bbdd7-b168-4de9-9486-80a409448444" providerId="ADAL" clId="{D868B27D-1E43-4A82-A6F2-EF78966E7218}" dt="2022-02-02T18:06:32.130" v="487" actId="1038"/>
-          <ac:cxnSpMkLst>
-            <pc:docMk/>
-            <pc:sldMk cId="629060188" sldId="267"/>
-            <ac:cxnSpMk id="27" creationId="{8FFB8A43-9381-4771-BD26-D9280BB2963B}"/>
-          </ac:cxnSpMkLst>
-        </pc:cxnChg>
-        <pc:cxnChg chg="mod">
-          <ac:chgData name="Vaibhavi Thakkar" userId="d45bbdd7-b168-4de9-9486-80a409448444" providerId="ADAL" clId="{D868B27D-1E43-4A82-A6F2-EF78966E7218}" dt="2022-02-02T18:01:33.354" v="371" actId="14100"/>
-          <ac:cxnSpMkLst>
-            <pc:docMk/>
-            <pc:sldMk cId="629060188" sldId="267"/>
-            <ac:cxnSpMk id="28" creationId="{F89D3278-7BDC-45F9-A6A3-EE1E2569453B}"/>
-          </ac:cxnSpMkLst>
-        </pc:cxnChg>
-        <pc:cxnChg chg="mod">
-          <ac:chgData name="Vaibhavi Thakkar" userId="d45bbdd7-b168-4de9-9486-80a409448444" providerId="ADAL" clId="{D868B27D-1E43-4A82-A6F2-EF78966E7218}" dt="2022-02-02T18:01:38.515" v="372" actId="14100"/>
-          <ac:cxnSpMkLst>
-            <pc:docMk/>
-            <pc:sldMk cId="629060188" sldId="267"/>
-            <ac:cxnSpMk id="29" creationId="{9CF650F1-46A8-4B0D-BE8E-AF7FD227B6EB}"/>
-          </ac:cxnSpMkLst>
-        </pc:cxnChg>
-        <pc:cxnChg chg="mod">
-          <ac:chgData name="Vaibhavi Thakkar" userId="d45bbdd7-b168-4de9-9486-80a409448444" providerId="ADAL" clId="{D868B27D-1E43-4A82-A6F2-EF78966E7218}" dt="2022-02-02T18:01:48.867" v="374" actId="14100"/>
-          <ac:cxnSpMkLst>
-            <pc:docMk/>
-            <pc:sldMk cId="629060188" sldId="267"/>
-            <ac:cxnSpMk id="30" creationId="{6AE65618-B3EF-4530-B4DB-B41DF005E109}"/>
-          </ac:cxnSpMkLst>
-        </pc:cxnChg>
-        <pc:cxnChg chg="mod ord">
-          <ac:chgData name="Vaibhavi Thakkar" userId="d45bbdd7-b168-4de9-9486-80a409448444" providerId="ADAL" clId="{D868B27D-1E43-4A82-A6F2-EF78966E7218}" dt="2022-02-02T18:04:53.315" v="457" actId="1037"/>
-          <ac:cxnSpMkLst>
-            <pc:docMk/>
-            <pc:sldMk cId="629060188" sldId="267"/>
-            <ac:cxnSpMk id="31" creationId="{3810F231-15B9-4E36-9849-E9B50408C506}"/>
-          </ac:cxnSpMkLst>
-        </pc:cxnChg>
-        <pc:cxnChg chg="mod">
-          <ac:chgData name="Vaibhavi Thakkar" userId="d45bbdd7-b168-4de9-9486-80a409448444" providerId="ADAL" clId="{D868B27D-1E43-4A82-A6F2-EF78966E7218}" dt="2022-02-02T18:06:58.985" v="496" actId="1036"/>
-          <ac:cxnSpMkLst>
-            <pc:docMk/>
-            <pc:sldMk cId="629060188" sldId="267"/>
-            <ac:cxnSpMk id="32" creationId="{B5093CC2-A4BC-44F0-A2FA-43A128FBA00E}"/>
-          </ac:cxnSpMkLst>
-        </pc:cxnChg>
-        <pc:cxnChg chg="mod">
-          <ac:chgData name="Vaibhavi Thakkar" userId="d45bbdd7-b168-4de9-9486-80a409448444" providerId="ADAL" clId="{D868B27D-1E43-4A82-A6F2-EF78966E7218}" dt="2022-02-02T18:07:05.439" v="499" actId="1038"/>
-          <ac:cxnSpMkLst>
-            <pc:docMk/>
-            <pc:sldMk cId="629060188" sldId="267"/>
-            <ac:cxnSpMk id="33" creationId="{F5FAC9D7-F545-4763-A362-1A1B21DC819A}"/>
-          </ac:cxnSpMkLst>
-        </pc:cxnChg>
-        <pc:cxnChg chg="mod">
-          <ac:chgData name="Vaibhavi Thakkar" userId="d45bbdd7-b168-4de9-9486-80a409448444" providerId="ADAL" clId="{D868B27D-1E43-4A82-A6F2-EF78966E7218}" dt="2022-02-02T18:04:58.528" v="460" actId="1037"/>
-          <ac:cxnSpMkLst>
-            <pc:docMk/>
-            <pc:sldMk cId="629060188" sldId="267"/>
-            <ac:cxnSpMk id="34" creationId="{E8F3DF9C-39BA-494A-AD9C-5A5F178D7ADE}"/>
-          </ac:cxnSpMkLst>
-        </pc:cxnChg>
-        <pc:cxnChg chg="mod">
-          <ac:chgData name="Vaibhavi Thakkar" userId="d45bbdd7-b168-4de9-9486-80a409448444" providerId="ADAL" clId="{D868B27D-1E43-4A82-A6F2-EF78966E7218}" dt="2022-02-02T18:02:55.164" v="380" actId="13822"/>
-          <ac:cxnSpMkLst>
-            <pc:docMk/>
-            <pc:sldMk cId="629060188" sldId="267"/>
-            <ac:cxnSpMk id="42" creationId="{61D0E1D9-85AE-4F09-9607-B890E9C04040}"/>
-          </ac:cxnSpMkLst>
-        </pc:cxnChg>
       </pc:sldChg>
     </pc:docChg>
   </pc:docChgLst>
@@ -927,13 +190,7 @@
       </p:grpSpPr>
       <p:sp>
         <p:nvSpPr>
-          <p:cNvPr id="2" name="Header Placeholder 1">
-            <a:extLst>
-              <a:ext uri="{FF2B5EF4-FFF2-40B4-BE49-F238E27FC236}">
-                <a16:creationId xmlns:a16="http://schemas.microsoft.com/office/drawing/2014/main" id="{E62FF6B6-4F8A-40F7-B5F4-FC3996824D73}"/>
-              </a:ext>
-            </a:extLst>
-          </p:cNvPr>
+          <p:cNvPr id="2" name="Header Placeholder 1"/>
           <p:cNvSpPr>
             <a:spLocks noGrp="1"/>
           </p:cNvSpPr>
@@ -958,19 +215,13 @@
             </a:lvl1pPr>
           </a:lstStyle>
           <a:p>
-            <a:endParaRPr lang="en-US" dirty="0"/>
+            <a:endParaRPr lang="en-US"/>
           </a:p>
         </p:txBody>
       </p:sp>
       <p:sp>
         <p:nvSpPr>
-          <p:cNvPr id="3" name="Date Placeholder 2">
-            <a:extLst>
-              <a:ext uri="{FF2B5EF4-FFF2-40B4-BE49-F238E27FC236}">
-                <a16:creationId xmlns:a16="http://schemas.microsoft.com/office/drawing/2014/main" id="{8910A999-F365-48DF-976A-0517FE045440}"/>
-              </a:ext>
-            </a:extLst>
-          </p:cNvPr>
+          <p:cNvPr id="3" name="Date Placeholder 2"/>
           <p:cNvSpPr>
             <a:spLocks noGrp="1"/>
           </p:cNvSpPr>
@@ -997,21 +248,15 @@
           <a:p>
             <a:fld id="{1CA5457B-CDAE-4DEB-AEC8-C82DE2312E37}" type="datetimeFigureOut">
               <a:rPr lang="en-US" smtClean="0"/>
-              <a:t>2/2/2022</a:t>
+              <a:t>2/2/22</a:t>
             </a:fld>
-            <a:endParaRPr lang="en-US" dirty="0"/>
+            <a:endParaRPr lang="en-US"/>
           </a:p>
         </p:txBody>
       </p:sp>
       <p:sp>
         <p:nvSpPr>
-          <p:cNvPr id="4" name="Footer Placeholder 3">
-            <a:extLst>
-              <a:ext uri="{FF2B5EF4-FFF2-40B4-BE49-F238E27FC236}">
-                <a16:creationId xmlns:a16="http://schemas.microsoft.com/office/drawing/2014/main" id="{F8735C90-ADBF-4B9E-BE88-E1C8F83EB4D2}"/>
-              </a:ext>
-            </a:extLst>
-          </p:cNvPr>
+          <p:cNvPr id="4" name="Footer Placeholder 3"/>
           <p:cNvSpPr>
             <a:spLocks noGrp="1"/>
           </p:cNvSpPr>
@@ -1036,19 +281,13 @@
             </a:lvl1pPr>
           </a:lstStyle>
           <a:p>
-            <a:endParaRPr lang="en-US" dirty="0"/>
+            <a:endParaRPr lang="en-US"/>
           </a:p>
         </p:txBody>
       </p:sp>
       <p:sp>
         <p:nvSpPr>
-          <p:cNvPr id="5" name="Slide Number Placeholder 4">
-            <a:extLst>
-              <a:ext uri="{FF2B5EF4-FFF2-40B4-BE49-F238E27FC236}">
-                <a16:creationId xmlns:a16="http://schemas.microsoft.com/office/drawing/2014/main" id="{82506A01-6D0A-45EF-A584-05A3361D66F7}"/>
-              </a:ext>
-            </a:extLst>
-          </p:cNvPr>
+          <p:cNvPr id="5" name="Slide Number Placeholder 4"/>
           <p:cNvSpPr>
             <a:spLocks noGrp="1"/>
           </p:cNvSpPr>
@@ -1077,14 +316,14 @@
               <a:rPr lang="en-US" smtClean="0"/>
               <a:t>‹#›</a:t>
             </a:fld>
-            <a:endParaRPr lang="en-US" dirty="0"/>
+            <a:endParaRPr lang="en-US"/>
           </a:p>
         </p:txBody>
       </p:sp>
     </p:spTree>
     <p:extLst>
       <p:ext uri="{BB962C8B-B14F-4D97-AF65-F5344CB8AC3E}">
-        <p14:creationId xmlns:p14="http://schemas.microsoft.com/office/powerpoint/2010/main" val="1059900972"/>
+        <p14:creationId xmlns:p14="http://schemas.microsoft.com/office/powerpoint/2010/main" val="1"/>
       </p:ext>
     </p:extLst>
   </p:cSld>
@@ -1141,7 +380,7 @@
             </a:lvl1pPr>
           </a:lstStyle>
           <a:p>
-            <a:endParaRPr lang="en-US" noProof="0" dirty="0"/>
+            <a:endParaRPr lang="en-US" noProof="0"/>
           </a:p>
         </p:txBody>
       </p:sp>
@@ -1174,9 +413,9 @@
           <a:p>
             <a:fld id="{090B78EA-28CE-41D8-9043-90E391E5F567}" type="datetimeFigureOut">
               <a:rPr lang="en-US" noProof="0" smtClean="0"/>
-              <a:t>2/2/2022</a:t>
+              <a:t>2/2/22</a:t>
             </a:fld>
-            <a:endParaRPr lang="en-US" noProof="0" dirty="0"/>
+            <a:endParaRPr lang="en-US" noProof="0"/>
           </a:p>
         </p:txBody>
       </p:sp>
@@ -1209,7 +448,7 @@
           <a:bodyPr vert="horz" lIns="91440" tIns="45720" rIns="91440" bIns="45720" rtlCol="0" anchor="ctr"/>
           <a:lstStyle/>
           <a:p>
-            <a:endParaRPr lang="en-US" noProof="0" dirty="0"/>
+            <a:endParaRPr lang="en-US" noProof="0"/>
           </a:p>
         </p:txBody>
       </p:sp>
@@ -1299,7 +538,7 @@
             </a:lvl1pPr>
           </a:lstStyle>
           <a:p>
-            <a:endParaRPr lang="en-US" noProof="0" dirty="0"/>
+            <a:endParaRPr lang="en-US" noProof="0"/>
           </a:p>
         </p:txBody>
       </p:sp>
@@ -1334,16 +573,11 @@
               <a:rPr lang="en-US" noProof="0" smtClean="0"/>
               <a:t>‹#›</a:t>
             </a:fld>
-            <a:endParaRPr lang="en-US" noProof="0" dirty="0"/>
+            <a:endParaRPr lang="en-US" noProof="0"/>
           </a:p>
         </p:txBody>
       </p:sp>
     </p:spTree>
-    <p:extLst>
-      <p:ext uri="{BB962C8B-B14F-4D97-AF65-F5344CB8AC3E}">
-        <p14:creationId xmlns:p14="http://schemas.microsoft.com/office/powerpoint/2010/main" val="3827727106"/>
-      </p:ext>
-    </p:extLst>
   </p:cSld>
   <p:clrMap bg1="lt1" tx1="dk1" bg2="lt2" tx2="dk2" accent1="accent1" accent2="accent2" accent3="accent3" accent4="accent4" accent5="accent5" accent6="accent6" hlink="hlink" folHlink="folHlink"/>
   <p:notesStyle>
@@ -1460,13 +694,7 @@
       </p:grpSpPr>
       <p:sp>
         <p:nvSpPr>
-          <p:cNvPr id="21" name="Rectangle 20">
-            <a:extLst>
-              <a:ext uri="{FF2B5EF4-FFF2-40B4-BE49-F238E27FC236}">
-                <a16:creationId xmlns:a16="http://schemas.microsoft.com/office/drawing/2014/main" id="{6E739168-A5E8-443A-B392-7AD4CF8977AD}"/>
-              </a:ext>
-            </a:extLst>
-          </p:cNvPr>
+          <p:cNvPr id="21" name="Rectangle 20"/>
           <p:cNvSpPr/>
           <p:nvPr userDrawn="1"/>
         </p:nvSpPr>
@@ -1506,19 +734,13 @@
           <a:lstStyle/>
           <a:p>
             <a:pPr algn="ctr"/>
-            <a:endParaRPr lang="en-US" noProof="0" dirty="0"/>
+            <a:endParaRPr lang="en-US" noProof="0"/>
           </a:p>
         </p:txBody>
       </p:sp>
       <p:grpSp>
         <p:nvGrpSpPr>
-          <p:cNvPr id="7" name="Group 6">
-            <a:extLst>
-              <a:ext uri="{FF2B5EF4-FFF2-40B4-BE49-F238E27FC236}">
-                <a16:creationId xmlns:a16="http://schemas.microsoft.com/office/drawing/2014/main" id="{4CA15AFD-4983-47DD-9ED0-D3B27E5A096F}"/>
-              </a:ext>
-            </a:extLst>
-          </p:cNvPr>
+          <p:cNvPr id="7" name="Group 6"/>
           <p:cNvGrpSpPr/>
           <p:nvPr userDrawn="1"/>
         </p:nvGrpSpPr>
@@ -1532,13 +754,7 @@
         </p:grpSpPr>
         <p:grpSp>
           <p:nvGrpSpPr>
-            <p:cNvPr id="8" name="Group 7">
-              <a:extLst>
-                <a:ext uri="{FF2B5EF4-FFF2-40B4-BE49-F238E27FC236}">
-                  <a16:creationId xmlns:a16="http://schemas.microsoft.com/office/drawing/2014/main" id="{2222D5E2-E9B4-4180-98B8-4E514C9ADB28}"/>
-                </a:ext>
-              </a:extLst>
-            </p:cNvPr>
+            <p:cNvPr id="8" name="Group 7"/>
             <p:cNvGrpSpPr/>
             <p:nvPr/>
           </p:nvGrpSpPr>
@@ -1552,13 +768,7 @@
           </p:grpSpPr>
           <p:sp>
             <p:nvSpPr>
-              <p:cNvPr id="15" name="Freeform: Shape 14">
-                <a:extLst>
-                  <a:ext uri="{FF2B5EF4-FFF2-40B4-BE49-F238E27FC236}">
-                    <a16:creationId xmlns:a16="http://schemas.microsoft.com/office/drawing/2014/main" id="{41E10E1E-5268-4F03-BA64-07E19DE26739}"/>
-                  </a:ext>
-                </a:extLst>
-              </p:cNvPr>
+              <p:cNvPr id="15" name="Freeform: Shape 14"/>
               <p:cNvSpPr/>
               <p:nvPr/>
             </p:nvSpPr>
@@ -1683,19 +893,13 @@
               <a:lstStyle/>
               <a:p>
                 <a:pPr algn="ctr"/>
-                <a:endParaRPr lang="en-US" noProof="0" dirty="0"/>
+                <a:endParaRPr lang="en-US" noProof="0"/>
               </a:p>
             </p:txBody>
           </p:sp>
           <p:sp>
             <p:nvSpPr>
-              <p:cNvPr id="16" name="Freeform: Shape 15">
-                <a:extLst>
-                  <a:ext uri="{FF2B5EF4-FFF2-40B4-BE49-F238E27FC236}">
-                    <a16:creationId xmlns:a16="http://schemas.microsoft.com/office/drawing/2014/main" id="{B989C45D-BDFF-418F-BE79-03FF70015770}"/>
-                  </a:ext>
-                </a:extLst>
-              </p:cNvPr>
+              <p:cNvPr id="16" name="Freeform: Shape 15"/>
               <p:cNvSpPr/>
               <p:nvPr/>
             </p:nvSpPr>
@@ -1847,19 +1051,13 @@
               <a:lstStyle/>
               <a:p>
                 <a:pPr algn="ctr"/>
-                <a:endParaRPr lang="en-US" noProof="0" dirty="0"/>
+                <a:endParaRPr lang="en-US" noProof="0"/>
               </a:p>
             </p:txBody>
           </p:sp>
           <p:sp>
             <p:nvSpPr>
-              <p:cNvPr id="17" name="Right Triangle 16">
-                <a:extLst>
-                  <a:ext uri="{FF2B5EF4-FFF2-40B4-BE49-F238E27FC236}">
-                    <a16:creationId xmlns:a16="http://schemas.microsoft.com/office/drawing/2014/main" id="{8DCD5806-2A2F-4ABF-8057-245681C498E6}"/>
-                  </a:ext>
-                </a:extLst>
-              </p:cNvPr>
+              <p:cNvPr id="17" name="Right Triangle 16"/>
               <p:cNvSpPr/>
               <p:nvPr/>
             </p:nvSpPr>
@@ -1901,19 +1099,13 @@
               <a:lstStyle/>
               <a:p>
                 <a:pPr algn="ctr"/>
-                <a:endParaRPr lang="en-US" noProof="0" dirty="0"/>
+                <a:endParaRPr lang="en-US" noProof="0"/>
               </a:p>
             </p:txBody>
           </p:sp>
           <p:sp>
             <p:nvSpPr>
-              <p:cNvPr id="18" name="Right Triangle 17">
-                <a:extLst>
-                  <a:ext uri="{FF2B5EF4-FFF2-40B4-BE49-F238E27FC236}">
-                    <a16:creationId xmlns:a16="http://schemas.microsoft.com/office/drawing/2014/main" id="{3A93038F-E9E4-4FFD-B3DF-28DB7C2C1490}"/>
-                  </a:ext>
-                </a:extLst>
-              </p:cNvPr>
+              <p:cNvPr id="18" name="Right Triangle 17"/>
               <p:cNvSpPr/>
               <p:nvPr/>
             </p:nvSpPr>
@@ -1958,19 +1150,13 @@
               <a:lstStyle/>
               <a:p>
                 <a:pPr algn="ctr"/>
-                <a:endParaRPr lang="en-US" noProof="0" dirty="0"/>
+                <a:endParaRPr lang="en-US" noProof="0"/>
               </a:p>
             </p:txBody>
           </p:sp>
           <p:sp>
             <p:nvSpPr>
-              <p:cNvPr id="19" name="Right Triangle 18">
-                <a:extLst>
-                  <a:ext uri="{FF2B5EF4-FFF2-40B4-BE49-F238E27FC236}">
-                    <a16:creationId xmlns:a16="http://schemas.microsoft.com/office/drawing/2014/main" id="{5DEA1E02-BBD0-4AE3-AF22-433B90272178}"/>
-                  </a:ext>
-                </a:extLst>
-              </p:cNvPr>
+              <p:cNvPr id="19" name="Right Triangle 18"/>
               <p:cNvSpPr/>
               <p:nvPr/>
             </p:nvSpPr>
@@ -2012,19 +1198,13 @@
               <a:lstStyle/>
               <a:p>
                 <a:pPr algn="ctr"/>
-                <a:endParaRPr lang="en-US" noProof="0" dirty="0"/>
+                <a:endParaRPr lang="en-US" noProof="0"/>
               </a:p>
             </p:txBody>
           </p:sp>
           <p:sp>
             <p:nvSpPr>
-              <p:cNvPr id="20" name="Freeform: Shape 19">
-                <a:extLst>
-                  <a:ext uri="{FF2B5EF4-FFF2-40B4-BE49-F238E27FC236}">
-                    <a16:creationId xmlns:a16="http://schemas.microsoft.com/office/drawing/2014/main" id="{0027A677-9ACB-4264-B148-4806678FB83F}"/>
-                  </a:ext>
-                </a:extLst>
-              </p:cNvPr>
+              <p:cNvPr id="20" name="Freeform: Shape 19"/>
               <p:cNvSpPr/>
               <p:nvPr/>
             </p:nvSpPr>
@@ -2174,20 +1354,14 @@
               <a:lstStyle/>
               <a:p>
                 <a:pPr algn="ctr"/>
-                <a:endParaRPr lang="en-US" noProof="0" dirty="0"/>
+                <a:endParaRPr lang="en-US" noProof="0"/>
               </a:p>
             </p:txBody>
           </p:sp>
         </p:grpSp>
         <p:sp>
           <p:nvSpPr>
-            <p:cNvPr id="9" name="Freeform: Shape 12">
-              <a:extLst>
-                <a:ext uri="{FF2B5EF4-FFF2-40B4-BE49-F238E27FC236}">
-                  <a16:creationId xmlns:a16="http://schemas.microsoft.com/office/drawing/2014/main" id="{E3AAB79D-382D-4A95-965E-526B6A681DA7}"/>
-                </a:ext>
-              </a:extLst>
-            </p:cNvPr>
+            <p:cNvPr id="9" name="Freeform: Shape 12"/>
             <p:cNvSpPr/>
             <p:nvPr/>
           </p:nvSpPr>
@@ -2265,19 +1439,13 @@
             <a:lstStyle/>
             <a:p>
               <a:pPr algn="ctr"/>
-              <a:endParaRPr lang="en-US" noProof="0" dirty="0"/>
+              <a:endParaRPr lang="en-US" noProof="0"/>
             </a:p>
           </p:txBody>
         </p:sp>
         <p:sp>
           <p:nvSpPr>
-            <p:cNvPr id="10" name="Freeform: Shape 9">
-              <a:extLst>
-                <a:ext uri="{FF2B5EF4-FFF2-40B4-BE49-F238E27FC236}">
-                  <a16:creationId xmlns:a16="http://schemas.microsoft.com/office/drawing/2014/main" id="{C0A22127-2B4A-4B15-B0A9-F019A30347A1}"/>
-                </a:ext>
-              </a:extLst>
-            </p:cNvPr>
+            <p:cNvPr id="10" name="Freeform: Shape 9"/>
             <p:cNvSpPr/>
             <p:nvPr/>
           </p:nvSpPr>
@@ -2368,19 +1536,13 @@
             <a:lstStyle/>
             <a:p>
               <a:pPr algn="ctr"/>
-              <a:endParaRPr lang="en-US" noProof="0" dirty="0"/>
+              <a:endParaRPr lang="en-US" noProof="0"/>
             </a:p>
           </p:txBody>
         </p:sp>
         <p:sp>
           <p:nvSpPr>
-            <p:cNvPr id="11" name="Freeform: Shape 12">
-              <a:extLst>
-                <a:ext uri="{FF2B5EF4-FFF2-40B4-BE49-F238E27FC236}">
-                  <a16:creationId xmlns:a16="http://schemas.microsoft.com/office/drawing/2014/main" id="{F04D9FDC-1B67-4254-9535-CD32E81F0C3E}"/>
-                </a:ext>
-              </a:extLst>
-            </p:cNvPr>
+            <p:cNvPr id="11" name="Freeform: Shape 12"/>
             <p:cNvSpPr/>
             <p:nvPr/>
           </p:nvSpPr>
@@ -2466,19 +1628,13 @@
             <a:lstStyle/>
             <a:p>
               <a:pPr algn="ctr"/>
-              <a:endParaRPr lang="en-US" noProof="0" dirty="0"/>
+              <a:endParaRPr lang="en-US" noProof="0"/>
             </a:p>
           </p:txBody>
         </p:sp>
         <p:grpSp>
           <p:nvGrpSpPr>
-            <p:cNvPr id="12" name="Group 11">
-              <a:extLst>
-                <a:ext uri="{FF2B5EF4-FFF2-40B4-BE49-F238E27FC236}">
-                  <a16:creationId xmlns:a16="http://schemas.microsoft.com/office/drawing/2014/main" id="{0A86C4EA-4CF8-4531-845D-4FCB1E2F7422}"/>
-                </a:ext>
-              </a:extLst>
-            </p:cNvPr>
+            <p:cNvPr id="12" name="Group 11"/>
             <p:cNvGrpSpPr/>
             <p:nvPr/>
           </p:nvGrpSpPr>
@@ -2492,13 +1648,7 @@
           </p:grpSpPr>
           <p:sp>
             <p:nvSpPr>
-              <p:cNvPr id="13" name="Freeform: Shape 12">
-                <a:extLst>
-                  <a:ext uri="{FF2B5EF4-FFF2-40B4-BE49-F238E27FC236}">
-                    <a16:creationId xmlns:a16="http://schemas.microsoft.com/office/drawing/2014/main" id="{1101B195-C112-4D20-8D19-4D22479B150D}"/>
-                  </a:ext>
-                </a:extLst>
-              </p:cNvPr>
+              <p:cNvPr id="13" name="Freeform: Shape 12"/>
               <p:cNvSpPr/>
               <p:nvPr/>
             </p:nvSpPr>
@@ -2576,19 +1726,13 @@
               <a:lstStyle/>
               <a:p>
                 <a:pPr algn="ctr"/>
-                <a:endParaRPr lang="en-US" noProof="0" dirty="0"/>
+                <a:endParaRPr lang="en-US" noProof="0"/>
               </a:p>
             </p:txBody>
           </p:sp>
           <p:sp>
             <p:nvSpPr>
-              <p:cNvPr id="14" name="Freeform: Shape 12">
-                <a:extLst>
-                  <a:ext uri="{FF2B5EF4-FFF2-40B4-BE49-F238E27FC236}">
-                    <a16:creationId xmlns:a16="http://schemas.microsoft.com/office/drawing/2014/main" id="{CA755F1F-9955-4CBB-8F34-F7801CA44CE7}"/>
-                  </a:ext>
-                </a:extLst>
-              </p:cNvPr>
+              <p:cNvPr id="14" name="Freeform: Shape 12"/>
               <p:cNvSpPr/>
               <p:nvPr/>
             </p:nvSpPr>
@@ -2674,7 +1818,7 @@
               <a:lstStyle/>
               <a:p>
                 <a:pPr algn="ctr"/>
-                <a:endParaRPr lang="en-US" noProof="0" dirty="0"/>
+                <a:endParaRPr lang="en-US" noProof="0"/>
               </a:p>
             </p:txBody>
           </p:sp>
@@ -2682,13 +1826,7 @@
       </p:grpSp>
       <p:sp>
         <p:nvSpPr>
-          <p:cNvPr id="2" name="Title 1">
-            <a:extLst>
-              <a:ext uri="{FF2B5EF4-FFF2-40B4-BE49-F238E27FC236}">
-                <a16:creationId xmlns:a16="http://schemas.microsoft.com/office/drawing/2014/main" id="{9E597736-C478-4C26-9BAF-205FE31E977C}"/>
-              </a:ext>
-            </a:extLst>
-          </p:cNvPr>
+          <p:cNvPr id="2" name="Title 1"/>
           <p:cNvSpPr>
             <a:spLocks noGrp="1"/>
           </p:cNvSpPr>
@@ -2729,13 +1867,7 @@
       </p:sp>
       <p:sp>
         <p:nvSpPr>
-          <p:cNvPr id="3" name="Subtitle 2">
-            <a:extLst>
-              <a:ext uri="{FF2B5EF4-FFF2-40B4-BE49-F238E27FC236}">
-                <a16:creationId xmlns:a16="http://schemas.microsoft.com/office/drawing/2014/main" id="{C3D2DEF0-A0B0-4CFE-B67D-A9D75E2368DC}"/>
-              </a:ext>
-            </a:extLst>
-          </p:cNvPr>
+          <p:cNvPr id="3" name="Subtitle 2"/>
           <p:cNvSpPr>
             <a:spLocks noGrp="1"/>
           </p:cNvSpPr>
@@ -2775,11 +1907,6 @@
         </p:txBody>
       </p:sp>
     </p:spTree>
-    <p:extLst>
-      <p:ext uri="{BB962C8B-B14F-4D97-AF65-F5344CB8AC3E}">
-        <p14:creationId xmlns:p14="http://schemas.microsoft.com/office/powerpoint/2010/main" val="436959625"/>
-      </p:ext>
-    </p:extLst>
   </p:cSld>
   <p:clrMapOvr>
     <a:masterClrMapping/>
@@ -2814,13 +1941,7 @@
       </p:grpSpPr>
       <p:sp>
         <p:nvSpPr>
-          <p:cNvPr id="11" name="Rectangle 10">
-            <a:extLst>
-              <a:ext uri="{FF2B5EF4-FFF2-40B4-BE49-F238E27FC236}">
-                <a16:creationId xmlns:a16="http://schemas.microsoft.com/office/drawing/2014/main" id="{EB3E033F-4449-40FA-BC85-BD2712D313DD}"/>
-              </a:ext>
-            </a:extLst>
-          </p:cNvPr>
+          <p:cNvPr id="11" name="Rectangle 10"/>
           <p:cNvSpPr/>
           <p:nvPr userDrawn="1"/>
         </p:nvSpPr>
@@ -2862,19 +1983,13 @@
           <a:lstStyle/>
           <a:p>
             <a:pPr algn="ctr"/>
-            <a:endParaRPr lang="en-US" noProof="0" dirty="0"/>
+            <a:endParaRPr lang="en-US" noProof="0"/>
           </a:p>
         </p:txBody>
       </p:sp>
       <p:sp>
         <p:nvSpPr>
-          <p:cNvPr id="10" name="Freeform: Shape 9">
-            <a:extLst>
-              <a:ext uri="{FF2B5EF4-FFF2-40B4-BE49-F238E27FC236}">
-                <a16:creationId xmlns:a16="http://schemas.microsoft.com/office/drawing/2014/main" id="{63D26743-0505-444C-80B3-E88EE87DF72B}"/>
-              </a:ext>
-            </a:extLst>
-          </p:cNvPr>
+          <p:cNvPr id="10" name="Freeform: Shape 9"/>
           <p:cNvSpPr/>
           <p:nvPr userDrawn="1"/>
         </p:nvSpPr>
@@ -2985,19 +2100,13 @@
           <a:lstStyle/>
           <a:p>
             <a:pPr algn="ctr"/>
-            <a:endParaRPr lang="en-US" noProof="0" dirty="0"/>
+            <a:endParaRPr lang="en-US" noProof="0"/>
           </a:p>
         </p:txBody>
       </p:sp>
       <p:sp>
         <p:nvSpPr>
-          <p:cNvPr id="18" name="Freeform: Shape 17">
-            <a:extLst>
-              <a:ext uri="{FF2B5EF4-FFF2-40B4-BE49-F238E27FC236}">
-                <a16:creationId xmlns:a16="http://schemas.microsoft.com/office/drawing/2014/main" id="{E37145E9-AC61-47D5-9288-8789940F81B6}"/>
-              </a:ext>
-            </a:extLst>
-          </p:cNvPr>
+          <p:cNvPr id="18" name="Freeform: Shape 17"/>
           <p:cNvSpPr/>
           <p:nvPr userDrawn="1"/>
         </p:nvSpPr>
@@ -3137,19 +2246,13 @@
           <a:lstStyle/>
           <a:p>
             <a:pPr algn="ctr"/>
-            <a:endParaRPr lang="en-US" noProof="0" dirty="0"/>
+            <a:endParaRPr lang="en-US" noProof="0"/>
           </a:p>
         </p:txBody>
       </p:sp>
       <p:sp>
         <p:nvSpPr>
-          <p:cNvPr id="12" name="Freeform: Shape 11">
-            <a:extLst>
-              <a:ext uri="{FF2B5EF4-FFF2-40B4-BE49-F238E27FC236}">
-                <a16:creationId xmlns:a16="http://schemas.microsoft.com/office/drawing/2014/main" id="{A5E2B3ED-9A49-40A7-B8A3-62595FE513F9}"/>
-              </a:ext>
-            </a:extLst>
-          </p:cNvPr>
+          <p:cNvPr id="12" name="Freeform: Shape 11"/>
           <p:cNvSpPr/>
           <p:nvPr userDrawn="1"/>
         </p:nvSpPr>
@@ -3287,19 +2390,13 @@
           <a:lstStyle/>
           <a:p>
             <a:pPr algn="ctr"/>
-            <a:endParaRPr lang="en-US" noProof="0" dirty="0"/>
+            <a:endParaRPr lang="en-US" noProof="0"/>
           </a:p>
         </p:txBody>
       </p:sp>
       <p:sp>
         <p:nvSpPr>
-          <p:cNvPr id="8" name="Freeform: Shape 7">
-            <a:extLst>
-              <a:ext uri="{FF2B5EF4-FFF2-40B4-BE49-F238E27FC236}">
-                <a16:creationId xmlns:a16="http://schemas.microsoft.com/office/drawing/2014/main" id="{1599AF7E-3E34-4597-AA72-9373A7FDB020}"/>
-              </a:ext>
-            </a:extLst>
-          </p:cNvPr>
+          <p:cNvPr id="8" name="Freeform: Shape 7"/>
           <p:cNvSpPr/>
           <p:nvPr userDrawn="1"/>
         </p:nvSpPr>
@@ -3433,19 +2530,13 @@
           <a:lstStyle/>
           <a:p>
             <a:pPr algn="ctr"/>
-            <a:endParaRPr lang="en-US" noProof="0" dirty="0"/>
+            <a:endParaRPr lang="en-US" noProof="0"/>
           </a:p>
         </p:txBody>
       </p:sp>
       <p:sp>
         <p:nvSpPr>
-          <p:cNvPr id="2" name="Title 1">
-            <a:extLst>
-              <a:ext uri="{FF2B5EF4-FFF2-40B4-BE49-F238E27FC236}">
-                <a16:creationId xmlns:a16="http://schemas.microsoft.com/office/drawing/2014/main" id="{4A2DF563-7FAC-46B3-B24C-7E45CD89DA2B}"/>
-              </a:ext>
-            </a:extLst>
-          </p:cNvPr>
+          <p:cNvPr id="2" name="Title 1"/>
           <p:cNvSpPr>
             <a:spLocks noGrp="1"/>
           </p:cNvSpPr>
@@ -3484,13 +2575,7 @@
       </p:sp>
       <p:grpSp>
         <p:nvGrpSpPr>
-          <p:cNvPr id="15" name="Group 14">
-            <a:extLst>
-              <a:ext uri="{FF2B5EF4-FFF2-40B4-BE49-F238E27FC236}">
-                <a16:creationId xmlns:a16="http://schemas.microsoft.com/office/drawing/2014/main" id="{7732E1E7-45E3-4264-8F26-66758696DD1E}"/>
-              </a:ext>
-            </a:extLst>
-          </p:cNvPr>
+          <p:cNvPr id="15" name="Group 14"/>
           <p:cNvGrpSpPr/>
           <p:nvPr userDrawn="1"/>
         </p:nvGrpSpPr>
@@ -3504,13 +2589,7 @@
         </p:grpSpPr>
         <p:sp>
           <p:nvSpPr>
-            <p:cNvPr id="16" name="Freeform: Shape 15">
-              <a:extLst>
-                <a:ext uri="{FF2B5EF4-FFF2-40B4-BE49-F238E27FC236}">
-                  <a16:creationId xmlns:a16="http://schemas.microsoft.com/office/drawing/2014/main" id="{2E3DF883-8093-49FA-81E1-E5D77F086A25}"/>
-                </a:ext>
-              </a:extLst>
-            </p:cNvPr>
+            <p:cNvPr id="16" name="Freeform: Shape 15"/>
             <p:cNvSpPr/>
             <p:nvPr/>
           </p:nvSpPr>
@@ -3588,19 +2667,13 @@
             <a:lstStyle/>
             <a:p>
               <a:pPr algn="ctr"/>
-              <a:endParaRPr lang="en-US" noProof="0" dirty="0"/>
+              <a:endParaRPr lang="en-US" noProof="0"/>
             </a:p>
           </p:txBody>
         </p:sp>
         <p:sp>
           <p:nvSpPr>
-            <p:cNvPr id="17" name="Freeform: Shape 16">
-              <a:extLst>
-                <a:ext uri="{FF2B5EF4-FFF2-40B4-BE49-F238E27FC236}">
-                  <a16:creationId xmlns:a16="http://schemas.microsoft.com/office/drawing/2014/main" id="{18944C90-37E5-4BBE-89FF-060627168050}"/>
-                </a:ext>
-              </a:extLst>
-            </p:cNvPr>
+            <p:cNvPr id="17" name="Freeform: Shape 16"/>
             <p:cNvSpPr/>
             <p:nvPr/>
           </p:nvSpPr>
@@ -3686,20 +2759,14 @@
             <a:lstStyle/>
             <a:p>
               <a:pPr algn="ctr"/>
-              <a:endParaRPr lang="en-US" noProof="0" dirty="0"/>
+              <a:endParaRPr lang="en-US" noProof="0"/>
             </a:p>
           </p:txBody>
         </p:sp>
       </p:grpSp>
       <p:grpSp>
         <p:nvGrpSpPr>
-          <p:cNvPr id="6" name="Group 5">
-            <a:extLst>
-              <a:ext uri="{FF2B5EF4-FFF2-40B4-BE49-F238E27FC236}">
-                <a16:creationId xmlns:a16="http://schemas.microsoft.com/office/drawing/2014/main" id="{D9EBF8BB-A805-4DDB-B459-082F99815B95}"/>
-              </a:ext>
-            </a:extLst>
-          </p:cNvPr>
+          <p:cNvPr id="6" name="Group 5"/>
           <p:cNvGrpSpPr/>
           <p:nvPr userDrawn="1"/>
         </p:nvGrpSpPr>
@@ -3713,13 +2780,7 @@
         </p:grpSpPr>
         <p:sp>
           <p:nvSpPr>
-            <p:cNvPr id="19" name="Rectangle: Single Corner Snipped 18">
-              <a:extLst>
-                <a:ext uri="{FF2B5EF4-FFF2-40B4-BE49-F238E27FC236}">
-                  <a16:creationId xmlns:a16="http://schemas.microsoft.com/office/drawing/2014/main" id="{5D638788-DD47-45E7-939A-FA108A818173}"/>
-                </a:ext>
-              </a:extLst>
-            </p:cNvPr>
+            <p:cNvPr id="19" name="Rectangle: Single Corner Snipped 18"/>
             <p:cNvSpPr/>
             <p:nvPr userDrawn="1"/>
           </p:nvSpPr>
@@ -3765,27 +2826,18 @@
           </p:style>
           <p:txBody>
             <a:bodyPr rot="0" spcFirstLastPara="0" vertOverflow="overflow" horzOverflow="overflow" vert="horz" wrap="square" lIns="91440" tIns="45720" rIns="91440" bIns="45720" numCol="1" spcCol="0" rtlCol="0" fromWordArt="0" anchor="ctr" anchorCtr="0" forceAA="0" compatLnSpc="1">
-              <a:prstTxWarp prst="textNoShape">
-                <a:avLst/>
-              </a:prstTxWarp>
               <a:noAutofit/>
             </a:bodyPr>
             <a:lstStyle/>
             <a:p>
               <a:pPr lvl="0" algn="ctr"/>
-              <a:endParaRPr lang="en-US" noProof="0" dirty="0"/>
+              <a:endParaRPr lang="en-US" noProof="0"/>
             </a:p>
           </p:txBody>
         </p:sp>
         <p:sp>
           <p:nvSpPr>
-            <p:cNvPr id="3" name="Rectangle: Single Corner Snipped 2">
-              <a:extLst>
-                <a:ext uri="{FF2B5EF4-FFF2-40B4-BE49-F238E27FC236}">
-                  <a16:creationId xmlns:a16="http://schemas.microsoft.com/office/drawing/2014/main" id="{74BDECEF-EEFE-4332-B3B2-BDE4F82C10FC}"/>
-                </a:ext>
-              </a:extLst>
-            </p:cNvPr>
+            <p:cNvPr id="3" name="Rectangle: Single Corner Snipped 2"/>
             <p:cNvSpPr/>
             <p:nvPr userDrawn="1"/>
           </p:nvSpPr>
@@ -3829,20 +2881,14 @@
             <a:lstStyle/>
             <a:p>
               <a:pPr algn="ctr"/>
-              <a:endParaRPr lang="en-US" noProof="0" dirty="0"/>
+              <a:endParaRPr lang="en-US" noProof="0"/>
             </a:p>
           </p:txBody>
         </p:sp>
       </p:grpSp>
       <p:sp>
         <p:nvSpPr>
-          <p:cNvPr id="24" name="Freeform: Shape 23">
-            <a:extLst>
-              <a:ext uri="{FF2B5EF4-FFF2-40B4-BE49-F238E27FC236}">
-                <a16:creationId xmlns:a16="http://schemas.microsoft.com/office/drawing/2014/main" id="{18103E00-7E4A-44CD-81AC-06433CAE1110}"/>
-              </a:ext>
-            </a:extLst>
-          </p:cNvPr>
+          <p:cNvPr id="24" name="Freeform: Shape 23"/>
           <p:cNvSpPr/>
           <p:nvPr userDrawn="1"/>
         </p:nvSpPr>
@@ -3925,19 +2971,13 @@
           <a:lstStyle/>
           <a:p>
             <a:pPr algn="ctr"/>
-            <a:endParaRPr lang="en-US" noProof="0" dirty="0"/>
+            <a:endParaRPr lang="en-US" noProof="0"/>
           </a:p>
         </p:txBody>
       </p:sp>
       <p:sp>
         <p:nvSpPr>
-          <p:cNvPr id="5" name="Slide Number Placeholder 4">
-            <a:extLst>
-              <a:ext uri="{FF2B5EF4-FFF2-40B4-BE49-F238E27FC236}">
-                <a16:creationId xmlns:a16="http://schemas.microsoft.com/office/drawing/2014/main" id="{87B51822-97FF-47A7-8E4E-A0F79B4EB237}"/>
-              </a:ext>
-            </a:extLst>
-          </p:cNvPr>
+          <p:cNvPr id="5" name="Slide Number Placeholder 4"/>
           <p:cNvSpPr>
             <a:spLocks noGrp="1"/>
           </p:cNvSpPr>
@@ -3966,22 +3006,15 @@
           <a:p>
             <a:fld id="{C263D6C4-4840-40CC-AC84-17E24B3B7BDE}" type="slidenum">
               <a:rPr lang="en-US" noProof="0" smtClean="0"/>
-              <a:pPr/>
               <a:t>‹#›</a:t>
             </a:fld>
-            <a:endParaRPr lang="en-US" noProof="0" dirty="0"/>
+            <a:endParaRPr lang="en-US" noProof="0"/>
           </a:p>
         </p:txBody>
       </p:sp>
       <p:sp>
         <p:nvSpPr>
-          <p:cNvPr id="20" name="Content Placeholder 2">
-            <a:extLst>
-              <a:ext uri="{FF2B5EF4-FFF2-40B4-BE49-F238E27FC236}">
-                <a16:creationId xmlns:a16="http://schemas.microsoft.com/office/drawing/2014/main" id="{FE796BFF-6E5F-4DE7-B193-F501FC094D63}"/>
-              </a:ext>
-            </a:extLst>
-          </p:cNvPr>
+          <p:cNvPr id="20" name="Content Placeholder 2"/>
           <p:cNvSpPr>
             <a:spLocks noGrp="1"/>
           </p:cNvSpPr>
@@ -4085,13 +3118,7 @@
       </p:sp>
       <p:sp>
         <p:nvSpPr>
-          <p:cNvPr id="21" name="Content Placeholder 3">
-            <a:extLst>
-              <a:ext uri="{FF2B5EF4-FFF2-40B4-BE49-F238E27FC236}">
-                <a16:creationId xmlns:a16="http://schemas.microsoft.com/office/drawing/2014/main" id="{78622754-CA4D-4C27-A37F-B26E7B4C9CA2}"/>
-              </a:ext>
-            </a:extLst>
-          </p:cNvPr>
+          <p:cNvPr id="21" name="Content Placeholder 3"/>
           <p:cNvSpPr>
             <a:spLocks noGrp="1"/>
           </p:cNvSpPr>
@@ -4184,11 +3211,6 @@
         </p:txBody>
       </p:sp>
     </p:spTree>
-    <p:extLst>
-      <p:ext uri="{BB962C8B-B14F-4D97-AF65-F5344CB8AC3E}">
-        <p14:creationId xmlns:p14="http://schemas.microsoft.com/office/powerpoint/2010/main" val="999597857"/>
-      </p:ext>
-    </p:extLst>
   </p:cSld>
   <p:clrMapOvr>
     <a:masterClrMapping/>
@@ -4223,13 +3245,7 @@
       </p:grpSpPr>
       <p:sp>
         <p:nvSpPr>
-          <p:cNvPr id="11" name="Rectangle 10">
-            <a:extLst>
-              <a:ext uri="{FF2B5EF4-FFF2-40B4-BE49-F238E27FC236}">
-                <a16:creationId xmlns:a16="http://schemas.microsoft.com/office/drawing/2014/main" id="{EB3E033F-4449-40FA-BC85-BD2712D313DD}"/>
-              </a:ext>
-            </a:extLst>
-          </p:cNvPr>
+          <p:cNvPr id="11" name="Rectangle 10"/>
           <p:cNvSpPr/>
           <p:nvPr userDrawn="1"/>
         </p:nvSpPr>
@@ -4271,19 +3287,13 @@
           <a:lstStyle/>
           <a:p>
             <a:pPr algn="ctr"/>
-            <a:endParaRPr lang="en-US" noProof="0" dirty="0"/>
+            <a:endParaRPr lang="en-US" noProof="0"/>
           </a:p>
         </p:txBody>
       </p:sp>
       <p:sp>
         <p:nvSpPr>
-          <p:cNvPr id="10" name="Freeform: Shape 9">
-            <a:extLst>
-              <a:ext uri="{FF2B5EF4-FFF2-40B4-BE49-F238E27FC236}">
-                <a16:creationId xmlns:a16="http://schemas.microsoft.com/office/drawing/2014/main" id="{63D26743-0505-444C-80B3-E88EE87DF72B}"/>
-              </a:ext>
-            </a:extLst>
-          </p:cNvPr>
+          <p:cNvPr id="10" name="Freeform: Shape 9"/>
           <p:cNvSpPr/>
           <p:nvPr userDrawn="1"/>
         </p:nvSpPr>
@@ -4394,19 +3404,13 @@
           <a:lstStyle/>
           <a:p>
             <a:pPr algn="ctr"/>
-            <a:endParaRPr lang="en-US" noProof="0" dirty="0"/>
+            <a:endParaRPr lang="en-US" noProof="0"/>
           </a:p>
         </p:txBody>
       </p:sp>
       <p:sp>
         <p:nvSpPr>
-          <p:cNvPr id="18" name="Freeform: Shape 17">
-            <a:extLst>
-              <a:ext uri="{FF2B5EF4-FFF2-40B4-BE49-F238E27FC236}">
-                <a16:creationId xmlns:a16="http://schemas.microsoft.com/office/drawing/2014/main" id="{E37145E9-AC61-47D5-9288-8789940F81B6}"/>
-              </a:ext>
-            </a:extLst>
-          </p:cNvPr>
+          <p:cNvPr id="18" name="Freeform: Shape 17"/>
           <p:cNvSpPr/>
           <p:nvPr userDrawn="1"/>
         </p:nvSpPr>
@@ -4546,19 +3550,13 @@
           <a:lstStyle/>
           <a:p>
             <a:pPr algn="ctr"/>
-            <a:endParaRPr lang="en-US" noProof="0" dirty="0"/>
+            <a:endParaRPr lang="en-US" noProof="0"/>
           </a:p>
         </p:txBody>
       </p:sp>
       <p:sp>
         <p:nvSpPr>
-          <p:cNvPr id="12" name="Freeform: Shape 11">
-            <a:extLst>
-              <a:ext uri="{FF2B5EF4-FFF2-40B4-BE49-F238E27FC236}">
-                <a16:creationId xmlns:a16="http://schemas.microsoft.com/office/drawing/2014/main" id="{A5E2B3ED-9A49-40A7-B8A3-62595FE513F9}"/>
-              </a:ext>
-            </a:extLst>
-          </p:cNvPr>
+          <p:cNvPr id="12" name="Freeform: Shape 11"/>
           <p:cNvSpPr/>
           <p:nvPr userDrawn="1"/>
         </p:nvSpPr>
@@ -4696,19 +3694,13 @@
           <a:lstStyle/>
           <a:p>
             <a:pPr algn="ctr"/>
-            <a:endParaRPr lang="en-US" noProof="0" dirty="0"/>
+            <a:endParaRPr lang="en-US" noProof="0"/>
           </a:p>
         </p:txBody>
       </p:sp>
       <p:sp>
         <p:nvSpPr>
-          <p:cNvPr id="8" name="Freeform: Shape 7">
-            <a:extLst>
-              <a:ext uri="{FF2B5EF4-FFF2-40B4-BE49-F238E27FC236}">
-                <a16:creationId xmlns:a16="http://schemas.microsoft.com/office/drawing/2014/main" id="{1599AF7E-3E34-4597-AA72-9373A7FDB020}"/>
-              </a:ext>
-            </a:extLst>
-          </p:cNvPr>
+          <p:cNvPr id="8" name="Freeform: Shape 7"/>
           <p:cNvSpPr/>
           <p:nvPr userDrawn="1"/>
         </p:nvSpPr>
@@ -4842,19 +3834,13 @@
           <a:lstStyle/>
           <a:p>
             <a:pPr algn="ctr"/>
-            <a:endParaRPr lang="en-US" noProof="0" dirty="0"/>
+            <a:endParaRPr lang="en-US" noProof="0"/>
           </a:p>
         </p:txBody>
       </p:sp>
       <p:sp>
         <p:nvSpPr>
-          <p:cNvPr id="2" name="Title 1">
-            <a:extLst>
-              <a:ext uri="{FF2B5EF4-FFF2-40B4-BE49-F238E27FC236}">
-                <a16:creationId xmlns:a16="http://schemas.microsoft.com/office/drawing/2014/main" id="{4A2DF563-7FAC-46B3-B24C-7E45CD89DA2B}"/>
-              </a:ext>
-            </a:extLst>
-          </p:cNvPr>
+          <p:cNvPr id="2" name="Title 1"/>
           <p:cNvSpPr>
             <a:spLocks noGrp="1"/>
           </p:cNvSpPr>
@@ -4893,13 +3879,7 @@
       </p:sp>
       <p:grpSp>
         <p:nvGrpSpPr>
-          <p:cNvPr id="15" name="Group 14">
-            <a:extLst>
-              <a:ext uri="{FF2B5EF4-FFF2-40B4-BE49-F238E27FC236}">
-                <a16:creationId xmlns:a16="http://schemas.microsoft.com/office/drawing/2014/main" id="{7732E1E7-45E3-4264-8F26-66758696DD1E}"/>
-              </a:ext>
-            </a:extLst>
-          </p:cNvPr>
+          <p:cNvPr id="15" name="Group 14"/>
           <p:cNvGrpSpPr/>
           <p:nvPr userDrawn="1"/>
         </p:nvGrpSpPr>
@@ -4913,13 +3893,7 @@
         </p:grpSpPr>
         <p:sp>
           <p:nvSpPr>
-            <p:cNvPr id="16" name="Freeform: Shape 15">
-              <a:extLst>
-                <a:ext uri="{FF2B5EF4-FFF2-40B4-BE49-F238E27FC236}">
-                  <a16:creationId xmlns:a16="http://schemas.microsoft.com/office/drawing/2014/main" id="{2E3DF883-8093-49FA-81E1-E5D77F086A25}"/>
-                </a:ext>
-              </a:extLst>
-            </p:cNvPr>
+            <p:cNvPr id="16" name="Freeform: Shape 15"/>
             <p:cNvSpPr/>
             <p:nvPr/>
           </p:nvSpPr>
@@ -4997,19 +3971,13 @@
             <a:lstStyle/>
             <a:p>
               <a:pPr algn="ctr"/>
-              <a:endParaRPr lang="en-US" noProof="0" dirty="0"/>
+              <a:endParaRPr lang="en-US" noProof="0"/>
             </a:p>
           </p:txBody>
         </p:sp>
         <p:sp>
           <p:nvSpPr>
-            <p:cNvPr id="17" name="Freeform: Shape 16">
-              <a:extLst>
-                <a:ext uri="{FF2B5EF4-FFF2-40B4-BE49-F238E27FC236}">
-                  <a16:creationId xmlns:a16="http://schemas.microsoft.com/office/drawing/2014/main" id="{18944C90-37E5-4BBE-89FF-060627168050}"/>
-                </a:ext>
-              </a:extLst>
-            </p:cNvPr>
+            <p:cNvPr id="17" name="Freeform: Shape 16"/>
             <p:cNvSpPr/>
             <p:nvPr/>
           </p:nvSpPr>
@@ -5095,20 +4063,14 @@
             <a:lstStyle/>
             <a:p>
               <a:pPr algn="ctr"/>
-              <a:endParaRPr lang="en-US" noProof="0" dirty="0"/>
+              <a:endParaRPr lang="en-US" noProof="0"/>
             </a:p>
           </p:txBody>
         </p:sp>
       </p:grpSp>
       <p:grpSp>
         <p:nvGrpSpPr>
-          <p:cNvPr id="6" name="Group 5">
-            <a:extLst>
-              <a:ext uri="{FF2B5EF4-FFF2-40B4-BE49-F238E27FC236}">
-                <a16:creationId xmlns:a16="http://schemas.microsoft.com/office/drawing/2014/main" id="{D9EBF8BB-A805-4DDB-B459-082F99815B95}"/>
-              </a:ext>
-            </a:extLst>
-          </p:cNvPr>
+          <p:cNvPr id="6" name="Group 5"/>
           <p:cNvGrpSpPr/>
           <p:nvPr userDrawn="1"/>
         </p:nvGrpSpPr>
@@ -5122,13 +4084,7 @@
         </p:grpSpPr>
         <p:sp>
           <p:nvSpPr>
-            <p:cNvPr id="19" name="Rectangle: Single Corner Snipped 18">
-              <a:extLst>
-                <a:ext uri="{FF2B5EF4-FFF2-40B4-BE49-F238E27FC236}">
-                  <a16:creationId xmlns:a16="http://schemas.microsoft.com/office/drawing/2014/main" id="{5D638788-DD47-45E7-939A-FA108A818173}"/>
-                </a:ext>
-              </a:extLst>
-            </p:cNvPr>
+            <p:cNvPr id="19" name="Rectangle: Single Corner Snipped 18"/>
             <p:cNvSpPr/>
             <p:nvPr userDrawn="1"/>
           </p:nvSpPr>
@@ -5177,19 +4133,13 @@
             <a:lstStyle/>
             <a:p>
               <a:pPr algn="ctr"/>
-              <a:endParaRPr lang="en-US" noProof="0" dirty="0"/>
+              <a:endParaRPr lang="en-US" noProof="0"/>
             </a:p>
           </p:txBody>
         </p:sp>
         <p:sp>
           <p:nvSpPr>
-            <p:cNvPr id="3" name="Rectangle: Single Corner Snipped 2">
-              <a:extLst>
-                <a:ext uri="{FF2B5EF4-FFF2-40B4-BE49-F238E27FC236}">
-                  <a16:creationId xmlns:a16="http://schemas.microsoft.com/office/drawing/2014/main" id="{74BDECEF-EEFE-4332-B3B2-BDE4F82C10FC}"/>
-                </a:ext>
-              </a:extLst>
-            </p:cNvPr>
+            <p:cNvPr id="3" name="Rectangle: Single Corner Snipped 2"/>
             <p:cNvSpPr/>
             <p:nvPr userDrawn="1"/>
           </p:nvSpPr>
@@ -5233,20 +4183,14 @@
             <a:lstStyle/>
             <a:p>
               <a:pPr algn="ctr"/>
-              <a:endParaRPr lang="en-US" noProof="0" dirty="0"/>
+              <a:endParaRPr lang="en-US" noProof="0"/>
             </a:p>
           </p:txBody>
         </p:sp>
       </p:grpSp>
       <p:sp>
         <p:nvSpPr>
-          <p:cNvPr id="20" name="Picture Placeholder 8">
-            <a:extLst>
-              <a:ext uri="{FF2B5EF4-FFF2-40B4-BE49-F238E27FC236}">
-                <a16:creationId xmlns:a16="http://schemas.microsoft.com/office/drawing/2014/main" id="{6D00E6B4-1CBE-404E-B943-5F1832320C1C}"/>
-              </a:ext>
-            </a:extLst>
-          </p:cNvPr>
+          <p:cNvPr id="20" name="Picture Placeholder 8"/>
           <p:cNvSpPr>
             <a:spLocks noGrp="1"/>
           </p:cNvSpPr>
@@ -5297,19 +4241,12 @@
               <a:rPr lang="en-US" noProof="0"/>
               <a:t>Click icon to add picture</a:t>
             </a:r>
-            <a:endParaRPr lang="en-US" noProof="0" dirty="0"/>
           </a:p>
         </p:txBody>
       </p:sp>
       <p:sp>
         <p:nvSpPr>
-          <p:cNvPr id="21" name="Picture Placeholder 8">
-            <a:extLst>
-              <a:ext uri="{FF2B5EF4-FFF2-40B4-BE49-F238E27FC236}">
-                <a16:creationId xmlns:a16="http://schemas.microsoft.com/office/drawing/2014/main" id="{7CD59BFD-62BE-4E33-92A5-B84A2A9A8D3B}"/>
-              </a:ext>
-            </a:extLst>
-          </p:cNvPr>
+          <p:cNvPr id="21" name="Picture Placeholder 8"/>
           <p:cNvSpPr>
             <a:spLocks noGrp="1"/>
           </p:cNvSpPr>
@@ -5360,19 +4297,12 @@
               <a:rPr lang="en-US" noProof="0"/>
               <a:t>Click icon to add picture</a:t>
             </a:r>
-            <a:endParaRPr lang="en-US" noProof="0" dirty="0"/>
           </a:p>
         </p:txBody>
       </p:sp>
       <p:sp>
         <p:nvSpPr>
-          <p:cNvPr id="22" name="Picture Placeholder 8">
-            <a:extLst>
-              <a:ext uri="{FF2B5EF4-FFF2-40B4-BE49-F238E27FC236}">
-                <a16:creationId xmlns:a16="http://schemas.microsoft.com/office/drawing/2014/main" id="{60DC5978-55B8-421D-91B4-29F8210A7B2C}"/>
-              </a:ext>
-            </a:extLst>
-          </p:cNvPr>
+          <p:cNvPr id="22" name="Picture Placeholder 8"/>
           <p:cNvSpPr>
             <a:spLocks noGrp="1"/>
           </p:cNvSpPr>
@@ -5423,19 +4353,12 @@
               <a:rPr lang="en-US" noProof="0"/>
               <a:t>Click icon to add picture</a:t>
             </a:r>
-            <a:endParaRPr lang="en-US" noProof="0" dirty="0"/>
           </a:p>
         </p:txBody>
       </p:sp>
       <p:sp>
         <p:nvSpPr>
-          <p:cNvPr id="23" name="Picture Placeholder 8">
-            <a:extLst>
-              <a:ext uri="{FF2B5EF4-FFF2-40B4-BE49-F238E27FC236}">
-                <a16:creationId xmlns:a16="http://schemas.microsoft.com/office/drawing/2014/main" id="{BE3FB8C3-2C7E-4C59-8BD5-53FA2772DB56}"/>
-              </a:ext>
-            </a:extLst>
-          </p:cNvPr>
+          <p:cNvPr id="23" name="Picture Placeholder 8"/>
           <p:cNvSpPr>
             <a:spLocks noGrp="1"/>
           </p:cNvSpPr>
@@ -5486,19 +4409,12 @@
               <a:rPr lang="en-US" noProof="0"/>
               <a:t>Click icon to add picture</a:t>
             </a:r>
-            <a:endParaRPr lang="en-US" noProof="0" dirty="0"/>
           </a:p>
         </p:txBody>
       </p:sp>
       <p:sp>
         <p:nvSpPr>
-          <p:cNvPr id="24" name="Picture Placeholder 8">
-            <a:extLst>
-              <a:ext uri="{FF2B5EF4-FFF2-40B4-BE49-F238E27FC236}">
-                <a16:creationId xmlns:a16="http://schemas.microsoft.com/office/drawing/2014/main" id="{FD8FA9DA-C36B-4889-B88F-28B5829E53E2}"/>
-              </a:ext>
-            </a:extLst>
-          </p:cNvPr>
+          <p:cNvPr id="24" name="Picture Placeholder 8"/>
           <p:cNvSpPr>
             <a:spLocks noGrp="1"/>
           </p:cNvSpPr>
@@ -5549,19 +4465,12 @@
               <a:rPr lang="en-US" noProof="0"/>
               <a:t>Click icon to add picture</a:t>
             </a:r>
-            <a:endParaRPr lang="en-US" noProof="0" dirty="0"/>
           </a:p>
         </p:txBody>
       </p:sp>
       <p:sp>
         <p:nvSpPr>
-          <p:cNvPr id="26" name="Text Placeholder 22">
-            <a:extLst>
-              <a:ext uri="{FF2B5EF4-FFF2-40B4-BE49-F238E27FC236}">
-                <a16:creationId xmlns:a16="http://schemas.microsoft.com/office/drawing/2014/main" id="{2A19101D-7C37-42BF-8167-5391EA65EC3A}"/>
-              </a:ext>
-            </a:extLst>
-          </p:cNvPr>
+          <p:cNvPr id="26" name="Text Placeholder 22"/>
           <p:cNvSpPr>
             <a:spLocks noGrp="1"/>
           </p:cNvSpPr>
@@ -5665,13 +4574,7 @@
       </p:sp>
       <p:sp>
         <p:nvSpPr>
-          <p:cNvPr id="27" name="Text Placeholder 22">
-            <a:extLst>
-              <a:ext uri="{FF2B5EF4-FFF2-40B4-BE49-F238E27FC236}">
-                <a16:creationId xmlns:a16="http://schemas.microsoft.com/office/drawing/2014/main" id="{05F72315-51A9-431C-B80A-45E4FB1D6BD6}"/>
-              </a:ext>
-            </a:extLst>
-          </p:cNvPr>
+          <p:cNvPr id="27" name="Text Placeholder 22"/>
           <p:cNvSpPr>
             <a:spLocks noGrp="1"/>
           </p:cNvSpPr>
@@ -5775,13 +4678,7 @@
       </p:sp>
       <p:sp>
         <p:nvSpPr>
-          <p:cNvPr id="28" name="Text Placeholder 22">
-            <a:extLst>
-              <a:ext uri="{FF2B5EF4-FFF2-40B4-BE49-F238E27FC236}">
-                <a16:creationId xmlns:a16="http://schemas.microsoft.com/office/drawing/2014/main" id="{883D1F0C-34F1-46E1-B178-E4AB82B14631}"/>
-              </a:ext>
-            </a:extLst>
-          </p:cNvPr>
+          <p:cNvPr id="28" name="Text Placeholder 22"/>
           <p:cNvSpPr>
             <a:spLocks noGrp="1"/>
           </p:cNvSpPr>
@@ -5885,13 +4782,7 @@
       </p:sp>
       <p:sp>
         <p:nvSpPr>
-          <p:cNvPr id="29" name="Text Placeholder 22">
-            <a:extLst>
-              <a:ext uri="{FF2B5EF4-FFF2-40B4-BE49-F238E27FC236}">
-                <a16:creationId xmlns:a16="http://schemas.microsoft.com/office/drawing/2014/main" id="{7202A849-DF14-40E7-B38D-1185F72603EC}"/>
-              </a:ext>
-            </a:extLst>
-          </p:cNvPr>
+          <p:cNvPr id="29" name="Text Placeholder 22"/>
           <p:cNvSpPr>
             <a:spLocks noGrp="1"/>
           </p:cNvSpPr>
@@ -5995,13 +4886,7 @@
       </p:sp>
       <p:sp>
         <p:nvSpPr>
-          <p:cNvPr id="30" name="Text Placeholder 22">
-            <a:extLst>
-              <a:ext uri="{FF2B5EF4-FFF2-40B4-BE49-F238E27FC236}">
-                <a16:creationId xmlns:a16="http://schemas.microsoft.com/office/drawing/2014/main" id="{CCFC1ADF-AC11-4CCD-AC2D-478B6FFEA5EA}"/>
-              </a:ext>
-            </a:extLst>
-          </p:cNvPr>
+          <p:cNvPr id="30" name="Text Placeholder 22"/>
           <p:cNvSpPr>
             <a:spLocks noGrp="1"/>
           </p:cNvSpPr>
@@ -6105,13 +4990,7 @@
       </p:sp>
       <p:cxnSp>
         <p:nvCxnSpPr>
-          <p:cNvPr id="7" name="Straight Connector 6">
-            <a:extLst>
-              <a:ext uri="{FF2B5EF4-FFF2-40B4-BE49-F238E27FC236}">
-                <a16:creationId xmlns:a16="http://schemas.microsoft.com/office/drawing/2014/main" id="{2B4CB326-DA0E-488E-B236-7017E8438FBB}"/>
-              </a:ext>
-            </a:extLst>
-          </p:cNvPr>
+          <p:cNvPr id="7" name="Straight Connector 6"/>
           <p:cNvCxnSpPr/>
           <p:nvPr userDrawn="1"/>
         </p:nvCxnSpPr>
@@ -6146,13 +5025,7 @@
       </p:cxnSp>
       <p:cxnSp>
         <p:nvCxnSpPr>
-          <p:cNvPr id="31" name="Straight Connector 30">
-            <a:extLst>
-              <a:ext uri="{FF2B5EF4-FFF2-40B4-BE49-F238E27FC236}">
-                <a16:creationId xmlns:a16="http://schemas.microsoft.com/office/drawing/2014/main" id="{9366B533-7212-4A36-9CE2-D6302E721F8F}"/>
-              </a:ext>
-            </a:extLst>
-          </p:cNvPr>
+          <p:cNvPr id="31" name="Straight Connector 30"/>
           <p:cNvCxnSpPr/>
           <p:nvPr userDrawn="1"/>
         </p:nvCxnSpPr>
@@ -6187,13 +5060,7 @@
       </p:cxnSp>
       <p:cxnSp>
         <p:nvCxnSpPr>
-          <p:cNvPr id="32" name="Straight Connector 31">
-            <a:extLst>
-              <a:ext uri="{FF2B5EF4-FFF2-40B4-BE49-F238E27FC236}">
-                <a16:creationId xmlns:a16="http://schemas.microsoft.com/office/drawing/2014/main" id="{AD7474CD-E230-4E14-8274-5E20F673F401}"/>
-              </a:ext>
-            </a:extLst>
-          </p:cNvPr>
+          <p:cNvPr id="32" name="Straight Connector 31"/>
           <p:cNvCxnSpPr/>
           <p:nvPr userDrawn="1"/>
         </p:nvCxnSpPr>
@@ -6228,13 +5095,7 @@
       </p:cxnSp>
       <p:cxnSp>
         <p:nvCxnSpPr>
-          <p:cNvPr id="33" name="Straight Connector 32">
-            <a:extLst>
-              <a:ext uri="{FF2B5EF4-FFF2-40B4-BE49-F238E27FC236}">
-                <a16:creationId xmlns:a16="http://schemas.microsoft.com/office/drawing/2014/main" id="{6BF71FCE-6F39-4D2F-82BE-7D9F1D2ED59F}"/>
-              </a:ext>
-            </a:extLst>
-          </p:cNvPr>
+          <p:cNvPr id="33" name="Straight Connector 32"/>
           <p:cNvCxnSpPr/>
           <p:nvPr userDrawn="1"/>
         </p:nvCxnSpPr>
@@ -6269,13 +5130,7 @@
       </p:cxnSp>
       <p:cxnSp>
         <p:nvCxnSpPr>
-          <p:cNvPr id="34" name="Straight Connector 33">
-            <a:extLst>
-              <a:ext uri="{FF2B5EF4-FFF2-40B4-BE49-F238E27FC236}">
-                <a16:creationId xmlns:a16="http://schemas.microsoft.com/office/drawing/2014/main" id="{AE97AC7A-17D9-4F42-9DD0-94FE4FC6BF19}"/>
-              </a:ext>
-            </a:extLst>
-          </p:cNvPr>
+          <p:cNvPr id="34" name="Straight Connector 33"/>
           <p:cNvCxnSpPr/>
           <p:nvPr userDrawn="1"/>
         </p:nvCxnSpPr>
@@ -6310,13 +5165,7 @@
       </p:cxnSp>
       <p:sp>
         <p:nvSpPr>
-          <p:cNvPr id="35" name="Freeform: Shape 34">
-            <a:extLst>
-              <a:ext uri="{FF2B5EF4-FFF2-40B4-BE49-F238E27FC236}">
-                <a16:creationId xmlns:a16="http://schemas.microsoft.com/office/drawing/2014/main" id="{62EEBF51-DCAD-4335-85E9-52801031A1BF}"/>
-              </a:ext>
-            </a:extLst>
-          </p:cNvPr>
+          <p:cNvPr id="35" name="Freeform: Shape 34"/>
           <p:cNvSpPr/>
           <p:nvPr userDrawn="1"/>
         </p:nvSpPr>
@@ -6399,19 +5248,13 @@
           <a:lstStyle/>
           <a:p>
             <a:pPr algn="ctr"/>
-            <a:endParaRPr lang="en-US" noProof="0" dirty="0"/>
+            <a:endParaRPr lang="en-US" noProof="0"/>
           </a:p>
         </p:txBody>
       </p:sp>
       <p:sp>
         <p:nvSpPr>
-          <p:cNvPr id="5" name="Slide Number Placeholder 4">
-            <a:extLst>
-              <a:ext uri="{FF2B5EF4-FFF2-40B4-BE49-F238E27FC236}">
-                <a16:creationId xmlns:a16="http://schemas.microsoft.com/office/drawing/2014/main" id="{87B51822-97FF-47A7-8E4E-A0F79B4EB237}"/>
-              </a:ext>
-            </a:extLst>
-          </p:cNvPr>
+          <p:cNvPr id="5" name="Slide Number Placeholder 4"/>
           <p:cNvSpPr>
             <a:spLocks noGrp="1"/>
           </p:cNvSpPr>
@@ -6440,19 +5283,13 @@
           <a:p>
             <a:fld id="{C263D6C4-4840-40CC-AC84-17E24B3B7BDE}" type="slidenum">
               <a:rPr lang="en-US" noProof="0" smtClean="0"/>
-              <a:pPr/>
               <a:t>‹#›</a:t>
             </a:fld>
-            <a:endParaRPr lang="en-US" noProof="0" dirty="0"/>
+            <a:endParaRPr lang="en-US" noProof="0"/>
           </a:p>
         </p:txBody>
       </p:sp>
     </p:spTree>
-    <p:extLst>
-      <p:ext uri="{BB962C8B-B14F-4D97-AF65-F5344CB8AC3E}">
-        <p14:creationId xmlns:p14="http://schemas.microsoft.com/office/powerpoint/2010/main" val="476266371"/>
-      </p:ext>
-    </p:extLst>
   </p:cSld>
   <p:clrMapOvr>
     <a:masterClrMapping/>
@@ -6487,13 +5324,7 @@
       </p:grpSpPr>
       <p:sp>
         <p:nvSpPr>
-          <p:cNvPr id="11" name="Rectangle 10">
-            <a:extLst>
-              <a:ext uri="{FF2B5EF4-FFF2-40B4-BE49-F238E27FC236}">
-                <a16:creationId xmlns:a16="http://schemas.microsoft.com/office/drawing/2014/main" id="{EB3E033F-4449-40FA-BC85-BD2712D313DD}"/>
-              </a:ext>
-            </a:extLst>
-          </p:cNvPr>
+          <p:cNvPr id="11" name="Rectangle 10"/>
           <p:cNvSpPr/>
           <p:nvPr userDrawn="1"/>
         </p:nvSpPr>
@@ -6535,19 +5366,13 @@
           <a:lstStyle/>
           <a:p>
             <a:pPr algn="ctr"/>
-            <a:endParaRPr lang="en-US" noProof="0" dirty="0"/>
+            <a:endParaRPr lang="en-US" noProof="0"/>
           </a:p>
         </p:txBody>
       </p:sp>
       <p:sp>
         <p:nvSpPr>
-          <p:cNvPr id="10" name="Freeform: Shape 9">
-            <a:extLst>
-              <a:ext uri="{FF2B5EF4-FFF2-40B4-BE49-F238E27FC236}">
-                <a16:creationId xmlns:a16="http://schemas.microsoft.com/office/drawing/2014/main" id="{63D26743-0505-444C-80B3-E88EE87DF72B}"/>
-              </a:ext>
-            </a:extLst>
-          </p:cNvPr>
+          <p:cNvPr id="10" name="Freeform: Shape 9"/>
           <p:cNvSpPr/>
           <p:nvPr userDrawn="1"/>
         </p:nvSpPr>
@@ -6658,19 +5483,13 @@
           <a:lstStyle/>
           <a:p>
             <a:pPr algn="ctr"/>
-            <a:endParaRPr lang="en-US" noProof="0" dirty="0"/>
+            <a:endParaRPr lang="en-US" noProof="0"/>
           </a:p>
         </p:txBody>
       </p:sp>
       <p:sp>
         <p:nvSpPr>
-          <p:cNvPr id="18" name="Freeform: Shape 17">
-            <a:extLst>
-              <a:ext uri="{FF2B5EF4-FFF2-40B4-BE49-F238E27FC236}">
-                <a16:creationId xmlns:a16="http://schemas.microsoft.com/office/drawing/2014/main" id="{E37145E9-AC61-47D5-9288-8789940F81B6}"/>
-              </a:ext>
-            </a:extLst>
-          </p:cNvPr>
+          <p:cNvPr id="18" name="Freeform: Shape 17"/>
           <p:cNvSpPr/>
           <p:nvPr userDrawn="1"/>
         </p:nvSpPr>
@@ -6810,19 +5629,13 @@
           <a:lstStyle/>
           <a:p>
             <a:pPr algn="ctr"/>
-            <a:endParaRPr lang="en-US" noProof="0" dirty="0"/>
+            <a:endParaRPr lang="en-US" noProof="0"/>
           </a:p>
         </p:txBody>
       </p:sp>
       <p:sp>
         <p:nvSpPr>
-          <p:cNvPr id="12" name="Freeform: Shape 11">
-            <a:extLst>
-              <a:ext uri="{FF2B5EF4-FFF2-40B4-BE49-F238E27FC236}">
-                <a16:creationId xmlns:a16="http://schemas.microsoft.com/office/drawing/2014/main" id="{A5E2B3ED-9A49-40A7-B8A3-62595FE513F9}"/>
-              </a:ext>
-            </a:extLst>
-          </p:cNvPr>
+          <p:cNvPr id="12" name="Freeform: Shape 11"/>
           <p:cNvSpPr/>
           <p:nvPr userDrawn="1"/>
         </p:nvSpPr>
@@ -6960,19 +5773,13 @@
           <a:lstStyle/>
           <a:p>
             <a:pPr algn="ctr"/>
-            <a:endParaRPr lang="en-US" noProof="0" dirty="0"/>
+            <a:endParaRPr lang="en-US" noProof="0"/>
           </a:p>
         </p:txBody>
       </p:sp>
       <p:sp>
         <p:nvSpPr>
-          <p:cNvPr id="8" name="Freeform: Shape 7">
-            <a:extLst>
-              <a:ext uri="{FF2B5EF4-FFF2-40B4-BE49-F238E27FC236}">
-                <a16:creationId xmlns:a16="http://schemas.microsoft.com/office/drawing/2014/main" id="{1599AF7E-3E34-4597-AA72-9373A7FDB020}"/>
-              </a:ext>
-            </a:extLst>
-          </p:cNvPr>
+          <p:cNvPr id="8" name="Freeform: Shape 7"/>
           <p:cNvSpPr/>
           <p:nvPr userDrawn="1"/>
         </p:nvSpPr>
@@ -7106,19 +5913,13 @@
           <a:lstStyle/>
           <a:p>
             <a:pPr algn="ctr"/>
-            <a:endParaRPr lang="en-US" noProof="0" dirty="0"/>
+            <a:endParaRPr lang="en-US" noProof="0"/>
           </a:p>
         </p:txBody>
       </p:sp>
       <p:sp>
         <p:nvSpPr>
-          <p:cNvPr id="2" name="Title 1">
-            <a:extLst>
-              <a:ext uri="{FF2B5EF4-FFF2-40B4-BE49-F238E27FC236}">
-                <a16:creationId xmlns:a16="http://schemas.microsoft.com/office/drawing/2014/main" id="{4A2DF563-7FAC-46B3-B24C-7E45CD89DA2B}"/>
-              </a:ext>
-            </a:extLst>
-          </p:cNvPr>
+          <p:cNvPr id="2" name="Title 1"/>
           <p:cNvSpPr>
             <a:spLocks noGrp="1"/>
           </p:cNvSpPr>
@@ -7157,13 +5958,7 @@
       </p:sp>
       <p:grpSp>
         <p:nvGrpSpPr>
-          <p:cNvPr id="15" name="Group 14">
-            <a:extLst>
-              <a:ext uri="{FF2B5EF4-FFF2-40B4-BE49-F238E27FC236}">
-                <a16:creationId xmlns:a16="http://schemas.microsoft.com/office/drawing/2014/main" id="{7732E1E7-45E3-4264-8F26-66758696DD1E}"/>
-              </a:ext>
-            </a:extLst>
-          </p:cNvPr>
+          <p:cNvPr id="15" name="Group 14"/>
           <p:cNvGrpSpPr/>
           <p:nvPr userDrawn="1"/>
         </p:nvGrpSpPr>
@@ -7177,13 +5972,7 @@
         </p:grpSpPr>
         <p:sp>
           <p:nvSpPr>
-            <p:cNvPr id="16" name="Freeform: Shape 15">
-              <a:extLst>
-                <a:ext uri="{FF2B5EF4-FFF2-40B4-BE49-F238E27FC236}">
-                  <a16:creationId xmlns:a16="http://schemas.microsoft.com/office/drawing/2014/main" id="{2E3DF883-8093-49FA-81E1-E5D77F086A25}"/>
-                </a:ext>
-              </a:extLst>
-            </p:cNvPr>
+            <p:cNvPr id="16" name="Freeform: Shape 15"/>
             <p:cNvSpPr/>
             <p:nvPr/>
           </p:nvSpPr>
@@ -7261,19 +6050,13 @@
             <a:lstStyle/>
             <a:p>
               <a:pPr algn="ctr"/>
-              <a:endParaRPr lang="en-US" noProof="0" dirty="0"/>
+              <a:endParaRPr lang="en-US" noProof="0"/>
             </a:p>
           </p:txBody>
         </p:sp>
         <p:sp>
           <p:nvSpPr>
-            <p:cNvPr id="17" name="Freeform: Shape 16">
-              <a:extLst>
-                <a:ext uri="{FF2B5EF4-FFF2-40B4-BE49-F238E27FC236}">
-                  <a16:creationId xmlns:a16="http://schemas.microsoft.com/office/drawing/2014/main" id="{18944C90-37E5-4BBE-89FF-060627168050}"/>
-                </a:ext>
-              </a:extLst>
-            </p:cNvPr>
+            <p:cNvPr id="17" name="Freeform: Shape 16"/>
             <p:cNvSpPr/>
             <p:nvPr/>
           </p:nvSpPr>
@@ -7359,20 +6142,14 @@
             <a:lstStyle/>
             <a:p>
               <a:pPr algn="ctr"/>
-              <a:endParaRPr lang="en-US" noProof="0" dirty="0"/>
+              <a:endParaRPr lang="en-US" noProof="0"/>
             </a:p>
           </p:txBody>
         </p:sp>
       </p:grpSp>
       <p:grpSp>
         <p:nvGrpSpPr>
-          <p:cNvPr id="6" name="Group 5">
-            <a:extLst>
-              <a:ext uri="{FF2B5EF4-FFF2-40B4-BE49-F238E27FC236}">
-                <a16:creationId xmlns:a16="http://schemas.microsoft.com/office/drawing/2014/main" id="{D9EBF8BB-A805-4DDB-B459-082F99815B95}"/>
-              </a:ext>
-            </a:extLst>
-          </p:cNvPr>
+          <p:cNvPr id="6" name="Group 5"/>
           <p:cNvGrpSpPr/>
           <p:nvPr userDrawn="1"/>
         </p:nvGrpSpPr>
@@ -7386,13 +6163,7 @@
         </p:grpSpPr>
         <p:sp>
           <p:nvSpPr>
-            <p:cNvPr id="19" name="Rectangle: Single Corner Snipped 18">
-              <a:extLst>
-                <a:ext uri="{FF2B5EF4-FFF2-40B4-BE49-F238E27FC236}">
-                  <a16:creationId xmlns:a16="http://schemas.microsoft.com/office/drawing/2014/main" id="{5D638788-DD47-45E7-939A-FA108A818173}"/>
-                </a:ext>
-              </a:extLst>
-            </p:cNvPr>
+            <p:cNvPr id="19" name="Rectangle: Single Corner Snipped 18"/>
             <p:cNvSpPr/>
             <p:nvPr userDrawn="1"/>
           </p:nvSpPr>
@@ -7441,19 +6212,13 @@
             <a:lstStyle/>
             <a:p>
               <a:pPr algn="ctr"/>
-              <a:endParaRPr lang="en-US" noProof="0" dirty="0"/>
+              <a:endParaRPr lang="en-US" noProof="0"/>
             </a:p>
           </p:txBody>
         </p:sp>
         <p:sp>
           <p:nvSpPr>
-            <p:cNvPr id="3" name="Rectangle: Single Corner Snipped 2">
-              <a:extLst>
-                <a:ext uri="{FF2B5EF4-FFF2-40B4-BE49-F238E27FC236}">
-                  <a16:creationId xmlns:a16="http://schemas.microsoft.com/office/drawing/2014/main" id="{74BDECEF-EEFE-4332-B3B2-BDE4F82C10FC}"/>
-                </a:ext>
-              </a:extLst>
-            </p:cNvPr>
+            <p:cNvPr id="3" name="Rectangle: Single Corner Snipped 2"/>
             <p:cNvSpPr/>
             <p:nvPr userDrawn="1"/>
           </p:nvSpPr>
@@ -7497,20 +6262,14 @@
             <a:lstStyle/>
             <a:p>
               <a:pPr algn="ctr"/>
-              <a:endParaRPr lang="en-US" noProof="0" dirty="0"/>
+              <a:endParaRPr lang="en-US" noProof="0"/>
             </a:p>
           </p:txBody>
         </p:sp>
       </p:grpSp>
       <p:sp>
         <p:nvSpPr>
-          <p:cNvPr id="26" name="Text Placeholder 22">
-            <a:extLst>
-              <a:ext uri="{FF2B5EF4-FFF2-40B4-BE49-F238E27FC236}">
-                <a16:creationId xmlns:a16="http://schemas.microsoft.com/office/drawing/2014/main" id="{2A19101D-7C37-42BF-8167-5391EA65EC3A}"/>
-              </a:ext>
-            </a:extLst>
-          </p:cNvPr>
+          <p:cNvPr id="26" name="Text Placeholder 22"/>
           <p:cNvSpPr>
             <a:spLocks noGrp="1"/>
           </p:cNvSpPr>
@@ -7614,13 +6373,7 @@
       </p:sp>
       <p:sp>
         <p:nvSpPr>
-          <p:cNvPr id="35" name="Freeform: Shape 34">
-            <a:extLst>
-              <a:ext uri="{FF2B5EF4-FFF2-40B4-BE49-F238E27FC236}">
-                <a16:creationId xmlns:a16="http://schemas.microsoft.com/office/drawing/2014/main" id="{62EEBF51-DCAD-4335-85E9-52801031A1BF}"/>
-              </a:ext>
-            </a:extLst>
-          </p:cNvPr>
+          <p:cNvPr id="35" name="Freeform: Shape 34"/>
           <p:cNvSpPr/>
           <p:nvPr userDrawn="1"/>
         </p:nvSpPr>
@@ -7703,19 +6456,13 @@
           <a:lstStyle/>
           <a:p>
             <a:pPr algn="ctr"/>
-            <a:endParaRPr lang="en-US" noProof="0" dirty="0"/>
+            <a:endParaRPr lang="en-US" noProof="0"/>
           </a:p>
         </p:txBody>
       </p:sp>
       <p:sp>
         <p:nvSpPr>
-          <p:cNvPr id="5" name="Slide Number Placeholder 4">
-            <a:extLst>
-              <a:ext uri="{FF2B5EF4-FFF2-40B4-BE49-F238E27FC236}">
-                <a16:creationId xmlns:a16="http://schemas.microsoft.com/office/drawing/2014/main" id="{87B51822-97FF-47A7-8E4E-A0F79B4EB237}"/>
-              </a:ext>
-            </a:extLst>
-          </p:cNvPr>
+          <p:cNvPr id="5" name="Slide Number Placeholder 4"/>
           <p:cNvSpPr>
             <a:spLocks noGrp="1"/>
           </p:cNvSpPr>
@@ -7744,22 +6491,15 @@
           <a:p>
             <a:fld id="{C263D6C4-4840-40CC-AC84-17E24B3B7BDE}" type="slidenum">
               <a:rPr lang="en-US" noProof="0" smtClean="0"/>
-              <a:pPr/>
               <a:t>‹#›</a:t>
             </a:fld>
-            <a:endParaRPr lang="en-US" noProof="0" dirty="0"/>
+            <a:endParaRPr lang="en-US" noProof="0"/>
           </a:p>
         </p:txBody>
       </p:sp>
       <p:sp>
         <p:nvSpPr>
-          <p:cNvPr id="13" name="Picture Placeholder 12">
-            <a:extLst>
-              <a:ext uri="{FF2B5EF4-FFF2-40B4-BE49-F238E27FC236}">
-                <a16:creationId xmlns:a16="http://schemas.microsoft.com/office/drawing/2014/main" id="{231B97CF-FD24-4932-8459-893B1AC73D33}"/>
-              </a:ext>
-            </a:extLst>
-          </p:cNvPr>
+          <p:cNvPr id="13" name="Picture Placeholder 12"/>
           <p:cNvSpPr>
             <a:spLocks noGrp="1"/>
           </p:cNvSpPr>
@@ -7790,7 +6530,7 @@
           </a:lstStyle>
           <a:p>
             <a:r>
-              <a:rPr lang="en-US" noProof="0" dirty="0"/>
+              <a:rPr lang="en-US" noProof="0"/>
               <a:t>Insert image</a:t>
             </a:r>
           </a:p>
@@ -7798,13 +6538,7 @@
       </p:sp>
       <p:sp>
         <p:nvSpPr>
-          <p:cNvPr id="36" name="Text Placeholder 22">
-            <a:extLst>
-              <a:ext uri="{FF2B5EF4-FFF2-40B4-BE49-F238E27FC236}">
-                <a16:creationId xmlns:a16="http://schemas.microsoft.com/office/drawing/2014/main" id="{642D3CE0-C3B4-4F3F-A650-AB452B3AD4BA}"/>
-              </a:ext>
-            </a:extLst>
-          </p:cNvPr>
+          <p:cNvPr id="36" name="Text Placeholder 22"/>
           <p:cNvSpPr>
             <a:spLocks noGrp="1"/>
           </p:cNvSpPr>
@@ -7908,13 +6642,7 @@
       </p:sp>
       <p:sp>
         <p:nvSpPr>
-          <p:cNvPr id="37" name="Text Placeholder 22">
-            <a:extLst>
-              <a:ext uri="{FF2B5EF4-FFF2-40B4-BE49-F238E27FC236}">
-                <a16:creationId xmlns:a16="http://schemas.microsoft.com/office/drawing/2014/main" id="{DBED2BB0-CDAD-40EE-8B35-C66DF45EE29D}"/>
-              </a:ext>
-            </a:extLst>
-          </p:cNvPr>
+          <p:cNvPr id="37" name="Text Placeholder 22"/>
           <p:cNvSpPr>
             <a:spLocks noGrp="1"/>
           </p:cNvSpPr>
@@ -8017,11 +6745,6 @@
         </p:txBody>
       </p:sp>
     </p:spTree>
-    <p:extLst>
-      <p:ext uri="{BB962C8B-B14F-4D97-AF65-F5344CB8AC3E}">
-        <p14:creationId xmlns:p14="http://schemas.microsoft.com/office/powerpoint/2010/main" val="1544745716"/>
-      </p:ext>
-    </p:extLst>
   </p:cSld>
   <p:clrMapOvr>
     <a:masterClrMapping/>
@@ -8056,13 +6779,7 @@
       </p:grpSpPr>
       <p:sp>
         <p:nvSpPr>
-          <p:cNvPr id="11" name="Rectangle 10">
-            <a:extLst>
-              <a:ext uri="{FF2B5EF4-FFF2-40B4-BE49-F238E27FC236}">
-                <a16:creationId xmlns:a16="http://schemas.microsoft.com/office/drawing/2014/main" id="{EB3E033F-4449-40FA-BC85-BD2712D313DD}"/>
-              </a:ext>
-            </a:extLst>
-          </p:cNvPr>
+          <p:cNvPr id="11" name="Rectangle 10"/>
           <p:cNvSpPr/>
           <p:nvPr userDrawn="1"/>
         </p:nvSpPr>
@@ -8104,19 +6821,13 @@
           <a:lstStyle/>
           <a:p>
             <a:pPr algn="ctr"/>
-            <a:endParaRPr lang="en-US" noProof="0" dirty="0"/>
+            <a:endParaRPr lang="en-US" noProof="0"/>
           </a:p>
         </p:txBody>
       </p:sp>
       <p:sp>
         <p:nvSpPr>
-          <p:cNvPr id="10" name="Freeform: Shape 9">
-            <a:extLst>
-              <a:ext uri="{FF2B5EF4-FFF2-40B4-BE49-F238E27FC236}">
-                <a16:creationId xmlns:a16="http://schemas.microsoft.com/office/drawing/2014/main" id="{63D26743-0505-444C-80B3-E88EE87DF72B}"/>
-              </a:ext>
-            </a:extLst>
-          </p:cNvPr>
+          <p:cNvPr id="10" name="Freeform: Shape 9"/>
           <p:cNvSpPr/>
           <p:nvPr userDrawn="1"/>
         </p:nvSpPr>
@@ -8227,19 +6938,13 @@
           <a:lstStyle/>
           <a:p>
             <a:pPr algn="ctr"/>
-            <a:endParaRPr lang="en-US" noProof="0" dirty="0"/>
+            <a:endParaRPr lang="en-US" noProof="0"/>
           </a:p>
         </p:txBody>
       </p:sp>
       <p:sp>
         <p:nvSpPr>
-          <p:cNvPr id="18" name="Freeform: Shape 17">
-            <a:extLst>
-              <a:ext uri="{FF2B5EF4-FFF2-40B4-BE49-F238E27FC236}">
-                <a16:creationId xmlns:a16="http://schemas.microsoft.com/office/drawing/2014/main" id="{E37145E9-AC61-47D5-9288-8789940F81B6}"/>
-              </a:ext>
-            </a:extLst>
-          </p:cNvPr>
+          <p:cNvPr id="18" name="Freeform: Shape 17"/>
           <p:cNvSpPr/>
           <p:nvPr userDrawn="1"/>
         </p:nvSpPr>
@@ -8379,19 +7084,13 @@
           <a:lstStyle/>
           <a:p>
             <a:pPr algn="ctr"/>
-            <a:endParaRPr lang="en-US" noProof="0" dirty="0"/>
+            <a:endParaRPr lang="en-US" noProof="0"/>
           </a:p>
         </p:txBody>
       </p:sp>
       <p:sp>
         <p:nvSpPr>
-          <p:cNvPr id="12" name="Freeform: Shape 11">
-            <a:extLst>
-              <a:ext uri="{FF2B5EF4-FFF2-40B4-BE49-F238E27FC236}">
-                <a16:creationId xmlns:a16="http://schemas.microsoft.com/office/drawing/2014/main" id="{A5E2B3ED-9A49-40A7-B8A3-62595FE513F9}"/>
-              </a:ext>
-            </a:extLst>
-          </p:cNvPr>
+          <p:cNvPr id="12" name="Freeform: Shape 11"/>
           <p:cNvSpPr/>
           <p:nvPr userDrawn="1"/>
         </p:nvSpPr>
@@ -8529,19 +7228,13 @@
           <a:lstStyle/>
           <a:p>
             <a:pPr algn="ctr"/>
-            <a:endParaRPr lang="en-US" noProof="0" dirty="0"/>
+            <a:endParaRPr lang="en-US" noProof="0"/>
           </a:p>
         </p:txBody>
       </p:sp>
       <p:sp>
         <p:nvSpPr>
-          <p:cNvPr id="8" name="Freeform: Shape 7">
-            <a:extLst>
-              <a:ext uri="{FF2B5EF4-FFF2-40B4-BE49-F238E27FC236}">
-                <a16:creationId xmlns:a16="http://schemas.microsoft.com/office/drawing/2014/main" id="{1599AF7E-3E34-4597-AA72-9373A7FDB020}"/>
-              </a:ext>
-            </a:extLst>
-          </p:cNvPr>
+          <p:cNvPr id="8" name="Freeform: Shape 7"/>
           <p:cNvSpPr/>
           <p:nvPr userDrawn="1"/>
         </p:nvSpPr>
@@ -8675,19 +7368,13 @@
           <a:lstStyle/>
           <a:p>
             <a:pPr algn="ctr"/>
-            <a:endParaRPr lang="en-US" noProof="0" dirty="0"/>
+            <a:endParaRPr lang="en-US" noProof="0"/>
           </a:p>
         </p:txBody>
       </p:sp>
       <p:sp>
         <p:nvSpPr>
-          <p:cNvPr id="2" name="Title 1">
-            <a:extLst>
-              <a:ext uri="{FF2B5EF4-FFF2-40B4-BE49-F238E27FC236}">
-                <a16:creationId xmlns:a16="http://schemas.microsoft.com/office/drawing/2014/main" id="{4A2DF563-7FAC-46B3-B24C-7E45CD89DA2B}"/>
-              </a:ext>
-            </a:extLst>
-          </p:cNvPr>
+          <p:cNvPr id="2" name="Title 1"/>
           <p:cNvSpPr>
             <a:spLocks noGrp="1"/>
           </p:cNvSpPr>
@@ -8726,13 +7413,7 @@
       </p:sp>
       <p:grpSp>
         <p:nvGrpSpPr>
-          <p:cNvPr id="15" name="Group 14">
-            <a:extLst>
-              <a:ext uri="{FF2B5EF4-FFF2-40B4-BE49-F238E27FC236}">
-                <a16:creationId xmlns:a16="http://schemas.microsoft.com/office/drawing/2014/main" id="{7732E1E7-45E3-4264-8F26-66758696DD1E}"/>
-              </a:ext>
-            </a:extLst>
-          </p:cNvPr>
+          <p:cNvPr id="15" name="Group 14"/>
           <p:cNvGrpSpPr/>
           <p:nvPr userDrawn="1"/>
         </p:nvGrpSpPr>
@@ -8746,13 +7427,7 @@
         </p:grpSpPr>
         <p:sp>
           <p:nvSpPr>
-            <p:cNvPr id="16" name="Freeform: Shape 15">
-              <a:extLst>
-                <a:ext uri="{FF2B5EF4-FFF2-40B4-BE49-F238E27FC236}">
-                  <a16:creationId xmlns:a16="http://schemas.microsoft.com/office/drawing/2014/main" id="{2E3DF883-8093-49FA-81E1-E5D77F086A25}"/>
-                </a:ext>
-              </a:extLst>
-            </p:cNvPr>
+            <p:cNvPr id="16" name="Freeform: Shape 15"/>
             <p:cNvSpPr/>
             <p:nvPr/>
           </p:nvSpPr>
@@ -8830,19 +7505,13 @@
             <a:lstStyle/>
             <a:p>
               <a:pPr algn="ctr"/>
-              <a:endParaRPr lang="en-US" noProof="0" dirty="0"/>
+              <a:endParaRPr lang="en-US" noProof="0"/>
             </a:p>
           </p:txBody>
         </p:sp>
         <p:sp>
           <p:nvSpPr>
-            <p:cNvPr id="17" name="Freeform: Shape 16">
-              <a:extLst>
-                <a:ext uri="{FF2B5EF4-FFF2-40B4-BE49-F238E27FC236}">
-                  <a16:creationId xmlns:a16="http://schemas.microsoft.com/office/drawing/2014/main" id="{18944C90-37E5-4BBE-89FF-060627168050}"/>
-                </a:ext>
-              </a:extLst>
-            </p:cNvPr>
+            <p:cNvPr id="17" name="Freeform: Shape 16"/>
             <p:cNvSpPr/>
             <p:nvPr/>
           </p:nvSpPr>
@@ -8928,20 +7597,14 @@
             <a:lstStyle/>
             <a:p>
               <a:pPr algn="ctr"/>
-              <a:endParaRPr lang="en-US" noProof="0" dirty="0"/>
+              <a:endParaRPr lang="en-US" noProof="0"/>
             </a:p>
           </p:txBody>
         </p:sp>
       </p:grpSp>
       <p:grpSp>
         <p:nvGrpSpPr>
-          <p:cNvPr id="6" name="Group 5">
-            <a:extLst>
-              <a:ext uri="{FF2B5EF4-FFF2-40B4-BE49-F238E27FC236}">
-                <a16:creationId xmlns:a16="http://schemas.microsoft.com/office/drawing/2014/main" id="{D9EBF8BB-A805-4DDB-B459-082F99815B95}"/>
-              </a:ext>
-            </a:extLst>
-          </p:cNvPr>
+          <p:cNvPr id="6" name="Group 5"/>
           <p:cNvGrpSpPr/>
           <p:nvPr userDrawn="1"/>
         </p:nvGrpSpPr>
@@ -8955,13 +7618,7 @@
         </p:grpSpPr>
         <p:sp>
           <p:nvSpPr>
-            <p:cNvPr id="19" name="Rectangle: Single Corner Snipped 18">
-              <a:extLst>
-                <a:ext uri="{FF2B5EF4-FFF2-40B4-BE49-F238E27FC236}">
-                  <a16:creationId xmlns:a16="http://schemas.microsoft.com/office/drawing/2014/main" id="{5D638788-DD47-45E7-939A-FA108A818173}"/>
-                </a:ext>
-              </a:extLst>
-            </p:cNvPr>
+            <p:cNvPr id="19" name="Rectangle: Single Corner Snipped 18"/>
             <p:cNvSpPr/>
             <p:nvPr userDrawn="1"/>
           </p:nvSpPr>
@@ -9010,19 +7667,13 @@
             <a:lstStyle/>
             <a:p>
               <a:pPr algn="ctr"/>
-              <a:endParaRPr lang="en-US" noProof="0" dirty="0"/>
+              <a:endParaRPr lang="en-US" noProof="0"/>
             </a:p>
           </p:txBody>
         </p:sp>
         <p:sp>
           <p:nvSpPr>
-            <p:cNvPr id="3" name="Rectangle: Single Corner Snipped 2">
-              <a:extLst>
-                <a:ext uri="{FF2B5EF4-FFF2-40B4-BE49-F238E27FC236}">
-                  <a16:creationId xmlns:a16="http://schemas.microsoft.com/office/drawing/2014/main" id="{74BDECEF-EEFE-4332-B3B2-BDE4F82C10FC}"/>
-                </a:ext>
-              </a:extLst>
-            </p:cNvPr>
+            <p:cNvPr id="3" name="Rectangle: Single Corner Snipped 2"/>
             <p:cNvSpPr/>
             <p:nvPr userDrawn="1"/>
           </p:nvSpPr>
@@ -9066,20 +7717,14 @@
             <a:lstStyle/>
             <a:p>
               <a:pPr algn="ctr"/>
-              <a:endParaRPr lang="en-US" noProof="0" dirty="0"/>
+              <a:endParaRPr lang="en-US" noProof="0"/>
             </a:p>
           </p:txBody>
         </p:sp>
       </p:grpSp>
       <p:sp>
         <p:nvSpPr>
-          <p:cNvPr id="26" name="Text Placeholder 22">
-            <a:extLst>
-              <a:ext uri="{FF2B5EF4-FFF2-40B4-BE49-F238E27FC236}">
-                <a16:creationId xmlns:a16="http://schemas.microsoft.com/office/drawing/2014/main" id="{2A19101D-7C37-42BF-8167-5391EA65EC3A}"/>
-              </a:ext>
-            </a:extLst>
-          </p:cNvPr>
+          <p:cNvPr id="26" name="Text Placeholder 22"/>
           <p:cNvSpPr>
             <a:spLocks noGrp="1"/>
           </p:cNvSpPr>
@@ -9183,13 +7828,7 @@
       </p:sp>
       <p:sp>
         <p:nvSpPr>
-          <p:cNvPr id="35" name="Freeform: Shape 34">
-            <a:extLst>
-              <a:ext uri="{FF2B5EF4-FFF2-40B4-BE49-F238E27FC236}">
-                <a16:creationId xmlns:a16="http://schemas.microsoft.com/office/drawing/2014/main" id="{62EEBF51-DCAD-4335-85E9-52801031A1BF}"/>
-              </a:ext>
-            </a:extLst>
-          </p:cNvPr>
+          <p:cNvPr id="35" name="Freeform: Shape 34"/>
           <p:cNvSpPr/>
           <p:nvPr userDrawn="1"/>
         </p:nvSpPr>
@@ -9272,19 +7911,13 @@
           <a:lstStyle/>
           <a:p>
             <a:pPr algn="ctr"/>
-            <a:endParaRPr lang="en-US" noProof="0" dirty="0"/>
+            <a:endParaRPr lang="en-US" noProof="0"/>
           </a:p>
         </p:txBody>
       </p:sp>
       <p:sp>
         <p:nvSpPr>
-          <p:cNvPr id="5" name="Slide Number Placeholder 4">
-            <a:extLst>
-              <a:ext uri="{FF2B5EF4-FFF2-40B4-BE49-F238E27FC236}">
-                <a16:creationId xmlns:a16="http://schemas.microsoft.com/office/drawing/2014/main" id="{87B51822-97FF-47A7-8E4E-A0F79B4EB237}"/>
-              </a:ext>
-            </a:extLst>
-          </p:cNvPr>
+          <p:cNvPr id="5" name="Slide Number Placeholder 4"/>
           <p:cNvSpPr>
             <a:spLocks noGrp="1"/>
           </p:cNvSpPr>
@@ -9313,22 +7946,15 @@
           <a:p>
             <a:fld id="{C263D6C4-4840-40CC-AC84-17E24B3B7BDE}" type="slidenum">
               <a:rPr lang="en-US" noProof="0" smtClean="0"/>
-              <a:pPr/>
               <a:t>‹#›</a:t>
             </a:fld>
-            <a:endParaRPr lang="en-US" noProof="0" dirty="0"/>
+            <a:endParaRPr lang="en-US" noProof="0"/>
           </a:p>
         </p:txBody>
       </p:sp>
       <p:sp>
         <p:nvSpPr>
-          <p:cNvPr id="13" name="Picture Placeholder 12">
-            <a:extLst>
-              <a:ext uri="{FF2B5EF4-FFF2-40B4-BE49-F238E27FC236}">
-                <a16:creationId xmlns:a16="http://schemas.microsoft.com/office/drawing/2014/main" id="{231B97CF-FD24-4932-8459-893B1AC73D33}"/>
-              </a:ext>
-            </a:extLst>
-          </p:cNvPr>
+          <p:cNvPr id="13" name="Picture Placeholder 12"/>
           <p:cNvSpPr>
             <a:spLocks noGrp="1"/>
           </p:cNvSpPr>
@@ -9359,18 +7985,13 @@
           </a:lstStyle>
           <a:p>
             <a:r>
-              <a:rPr lang="en-US" noProof="0" dirty="0"/>
+              <a:rPr lang="en-US" noProof="0"/>
               <a:t>Insert image</a:t>
             </a:r>
           </a:p>
         </p:txBody>
       </p:sp>
     </p:spTree>
-    <p:extLst>
-      <p:ext uri="{BB962C8B-B14F-4D97-AF65-F5344CB8AC3E}">
-        <p14:creationId xmlns:p14="http://schemas.microsoft.com/office/powerpoint/2010/main" val="2486826778"/>
-      </p:ext>
-    </p:extLst>
   </p:cSld>
   <p:clrMapOvr>
     <a:masterClrMapping/>
@@ -9405,13 +8026,7 @@
       </p:grpSpPr>
       <p:sp>
         <p:nvSpPr>
-          <p:cNvPr id="11" name="Rectangle 10">
-            <a:extLst>
-              <a:ext uri="{FF2B5EF4-FFF2-40B4-BE49-F238E27FC236}">
-                <a16:creationId xmlns:a16="http://schemas.microsoft.com/office/drawing/2014/main" id="{EB3E033F-4449-40FA-BC85-BD2712D313DD}"/>
-              </a:ext>
-            </a:extLst>
-          </p:cNvPr>
+          <p:cNvPr id="11" name="Rectangle 10"/>
           <p:cNvSpPr/>
           <p:nvPr userDrawn="1"/>
         </p:nvSpPr>
@@ -9453,19 +8068,13 @@
           <a:lstStyle/>
           <a:p>
             <a:pPr algn="ctr"/>
-            <a:endParaRPr lang="en-US" noProof="0" dirty="0"/>
+            <a:endParaRPr lang="en-US" noProof="0"/>
           </a:p>
         </p:txBody>
       </p:sp>
       <p:sp>
         <p:nvSpPr>
-          <p:cNvPr id="10" name="Freeform: Shape 9">
-            <a:extLst>
-              <a:ext uri="{FF2B5EF4-FFF2-40B4-BE49-F238E27FC236}">
-                <a16:creationId xmlns:a16="http://schemas.microsoft.com/office/drawing/2014/main" id="{63D26743-0505-444C-80B3-E88EE87DF72B}"/>
-              </a:ext>
-            </a:extLst>
-          </p:cNvPr>
+          <p:cNvPr id="10" name="Freeform: Shape 9"/>
           <p:cNvSpPr/>
           <p:nvPr userDrawn="1"/>
         </p:nvSpPr>
@@ -9576,19 +8185,13 @@
           <a:lstStyle/>
           <a:p>
             <a:pPr algn="ctr"/>
-            <a:endParaRPr lang="en-US" noProof="0" dirty="0"/>
+            <a:endParaRPr lang="en-US" noProof="0"/>
           </a:p>
         </p:txBody>
       </p:sp>
       <p:sp>
         <p:nvSpPr>
-          <p:cNvPr id="18" name="Freeform: Shape 17">
-            <a:extLst>
-              <a:ext uri="{FF2B5EF4-FFF2-40B4-BE49-F238E27FC236}">
-                <a16:creationId xmlns:a16="http://schemas.microsoft.com/office/drawing/2014/main" id="{E37145E9-AC61-47D5-9288-8789940F81B6}"/>
-              </a:ext>
-            </a:extLst>
-          </p:cNvPr>
+          <p:cNvPr id="18" name="Freeform: Shape 17"/>
           <p:cNvSpPr/>
           <p:nvPr userDrawn="1"/>
         </p:nvSpPr>
@@ -9728,19 +8331,13 @@
           <a:lstStyle/>
           <a:p>
             <a:pPr algn="ctr"/>
-            <a:endParaRPr lang="en-US" noProof="0" dirty="0"/>
+            <a:endParaRPr lang="en-US" noProof="0"/>
           </a:p>
         </p:txBody>
       </p:sp>
       <p:sp>
         <p:nvSpPr>
-          <p:cNvPr id="12" name="Freeform: Shape 11">
-            <a:extLst>
-              <a:ext uri="{FF2B5EF4-FFF2-40B4-BE49-F238E27FC236}">
-                <a16:creationId xmlns:a16="http://schemas.microsoft.com/office/drawing/2014/main" id="{A5E2B3ED-9A49-40A7-B8A3-62595FE513F9}"/>
-              </a:ext>
-            </a:extLst>
-          </p:cNvPr>
+          <p:cNvPr id="12" name="Freeform: Shape 11"/>
           <p:cNvSpPr/>
           <p:nvPr userDrawn="1"/>
         </p:nvSpPr>
@@ -9878,19 +8475,13 @@
           <a:lstStyle/>
           <a:p>
             <a:pPr algn="ctr"/>
-            <a:endParaRPr lang="en-US" noProof="0" dirty="0"/>
+            <a:endParaRPr lang="en-US" noProof="0"/>
           </a:p>
         </p:txBody>
       </p:sp>
       <p:sp>
         <p:nvSpPr>
-          <p:cNvPr id="8" name="Freeform: Shape 7">
-            <a:extLst>
-              <a:ext uri="{FF2B5EF4-FFF2-40B4-BE49-F238E27FC236}">
-                <a16:creationId xmlns:a16="http://schemas.microsoft.com/office/drawing/2014/main" id="{1599AF7E-3E34-4597-AA72-9373A7FDB020}"/>
-              </a:ext>
-            </a:extLst>
-          </p:cNvPr>
+          <p:cNvPr id="8" name="Freeform: Shape 7"/>
           <p:cNvSpPr/>
           <p:nvPr userDrawn="1"/>
         </p:nvSpPr>
@@ -10024,19 +8615,13 @@
           <a:lstStyle/>
           <a:p>
             <a:pPr algn="ctr"/>
-            <a:endParaRPr lang="en-US" noProof="0" dirty="0"/>
+            <a:endParaRPr lang="en-US" noProof="0"/>
           </a:p>
         </p:txBody>
       </p:sp>
       <p:sp>
         <p:nvSpPr>
-          <p:cNvPr id="2" name="Title 1">
-            <a:extLst>
-              <a:ext uri="{FF2B5EF4-FFF2-40B4-BE49-F238E27FC236}">
-                <a16:creationId xmlns:a16="http://schemas.microsoft.com/office/drawing/2014/main" id="{4A2DF563-7FAC-46B3-B24C-7E45CD89DA2B}"/>
-              </a:ext>
-            </a:extLst>
-          </p:cNvPr>
+          <p:cNvPr id="2" name="Title 1"/>
           <p:cNvSpPr>
             <a:spLocks noGrp="1"/>
           </p:cNvSpPr>
@@ -10075,13 +8660,7 @@
       </p:sp>
       <p:grpSp>
         <p:nvGrpSpPr>
-          <p:cNvPr id="15" name="Group 14">
-            <a:extLst>
-              <a:ext uri="{FF2B5EF4-FFF2-40B4-BE49-F238E27FC236}">
-                <a16:creationId xmlns:a16="http://schemas.microsoft.com/office/drawing/2014/main" id="{7732E1E7-45E3-4264-8F26-66758696DD1E}"/>
-              </a:ext>
-            </a:extLst>
-          </p:cNvPr>
+          <p:cNvPr id="15" name="Group 14"/>
           <p:cNvGrpSpPr/>
           <p:nvPr userDrawn="1"/>
         </p:nvGrpSpPr>
@@ -10095,13 +8674,7 @@
         </p:grpSpPr>
         <p:sp>
           <p:nvSpPr>
-            <p:cNvPr id="16" name="Freeform: Shape 15">
-              <a:extLst>
-                <a:ext uri="{FF2B5EF4-FFF2-40B4-BE49-F238E27FC236}">
-                  <a16:creationId xmlns:a16="http://schemas.microsoft.com/office/drawing/2014/main" id="{2E3DF883-8093-49FA-81E1-E5D77F086A25}"/>
-                </a:ext>
-              </a:extLst>
-            </p:cNvPr>
+            <p:cNvPr id="16" name="Freeform: Shape 15"/>
             <p:cNvSpPr/>
             <p:nvPr/>
           </p:nvSpPr>
@@ -10179,19 +8752,13 @@
             <a:lstStyle/>
             <a:p>
               <a:pPr algn="ctr"/>
-              <a:endParaRPr lang="en-US" noProof="0" dirty="0"/>
+              <a:endParaRPr lang="en-US" noProof="0"/>
             </a:p>
           </p:txBody>
         </p:sp>
         <p:sp>
           <p:nvSpPr>
-            <p:cNvPr id="17" name="Freeform: Shape 16">
-              <a:extLst>
-                <a:ext uri="{FF2B5EF4-FFF2-40B4-BE49-F238E27FC236}">
-                  <a16:creationId xmlns:a16="http://schemas.microsoft.com/office/drawing/2014/main" id="{18944C90-37E5-4BBE-89FF-060627168050}"/>
-                </a:ext>
-              </a:extLst>
-            </p:cNvPr>
+            <p:cNvPr id="17" name="Freeform: Shape 16"/>
             <p:cNvSpPr/>
             <p:nvPr/>
           </p:nvSpPr>
@@ -10277,20 +8844,14 @@
             <a:lstStyle/>
             <a:p>
               <a:pPr algn="ctr"/>
-              <a:endParaRPr lang="en-US" noProof="0" dirty="0"/>
+              <a:endParaRPr lang="en-US" noProof="0"/>
             </a:p>
           </p:txBody>
         </p:sp>
       </p:grpSp>
       <p:grpSp>
         <p:nvGrpSpPr>
-          <p:cNvPr id="6" name="Group 5">
-            <a:extLst>
-              <a:ext uri="{FF2B5EF4-FFF2-40B4-BE49-F238E27FC236}">
-                <a16:creationId xmlns:a16="http://schemas.microsoft.com/office/drawing/2014/main" id="{D9EBF8BB-A805-4DDB-B459-082F99815B95}"/>
-              </a:ext>
-            </a:extLst>
-          </p:cNvPr>
+          <p:cNvPr id="6" name="Group 5"/>
           <p:cNvGrpSpPr/>
           <p:nvPr userDrawn="1"/>
         </p:nvGrpSpPr>
@@ -10304,13 +8865,7 @@
         </p:grpSpPr>
         <p:sp>
           <p:nvSpPr>
-            <p:cNvPr id="19" name="Rectangle: Single Corner Snipped 18">
-              <a:extLst>
-                <a:ext uri="{FF2B5EF4-FFF2-40B4-BE49-F238E27FC236}">
-                  <a16:creationId xmlns:a16="http://schemas.microsoft.com/office/drawing/2014/main" id="{5D638788-DD47-45E7-939A-FA108A818173}"/>
-                </a:ext>
-              </a:extLst>
-            </p:cNvPr>
+            <p:cNvPr id="19" name="Rectangle: Single Corner Snipped 18"/>
             <p:cNvSpPr/>
             <p:nvPr userDrawn="1"/>
           </p:nvSpPr>
@@ -10359,19 +8914,13 @@
             <a:lstStyle/>
             <a:p>
               <a:pPr algn="ctr"/>
-              <a:endParaRPr lang="en-US" noProof="0" dirty="0"/>
+              <a:endParaRPr lang="en-US" noProof="0"/>
             </a:p>
           </p:txBody>
         </p:sp>
         <p:sp>
           <p:nvSpPr>
-            <p:cNvPr id="3" name="Rectangle: Single Corner Snipped 2">
-              <a:extLst>
-                <a:ext uri="{FF2B5EF4-FFF2-40B4-BE49-F238E27FC236}">
-                  <a16:creationId xmlns:a16="http://schemas.microsoft.com/office/drawing/2014/main" id="{74BDECEF-EEFE-4332-B3B2-BDE4F82C10FC}"/>
-                </a:ext>
-              </a:extLst>
-            </p:cNvPr>
+            <p:cNvPr id="3" name="Rectangle: Single Corner Snipped 2"/>
             <p:cNvSpPr/>
             <p:nvPr userDrawn="1"/>
           </p:nvSpPr>
@@ -10415,20 +8964,14 @@
             <a:lstStyle/>
             <a:p>
               <a:pPr algn="ctr"/>
-              <a:endParaRPr lang="en-US" noProof="0" dirty="0"/>
+              <a:endParaRPr lang="en-US" noProof="0"/>
             </a:p>
           </p:txBody>
         </p:sp>
       </p:grpSp>
       <p:sp>
         <p:nvSpPr>
-          <p:cNvPr id="35" name="Freeform: Shape 34">
-            <a:extLst>
-              <a:ext uri="{FF2B5EF4-FFF2-40B4-BE49-F238E27FC236}">
-                <a16:creationId xmlns:a16="http://schemas.microsoft.com/office/drawing/2014/main" id="{62EEBF51-DCAD-4335-85E9-52801031A1BF}"/>
-              </a:ext>
-            </a:extLst>
-          </p:cNvPr>
+          <p:cNvPr id="35" name="Freeform: Shape 34"/>
           <p:cNvSpPr/>
           <p:nvPr userDrawn="1"/>
         </p:nvSpPr>
@@ -10511,19 +9054,13 @@
           <a:lstStyle/>
           <a:p>
             <a:pPr algn="ctr"/>
-            <a:endParaRPr lang="en-US" noProof="0" dirty="0"/>
+            <a:endParaRPr lang="en-US" noProof="0"/>
           </a:p>
         </p:txBody>
       </p:sp>
       <p:sp>
         <p:nvSpPr>
-          <p:cNvPr id="5" name="Slide Number Placeholder 4">
-            <a:extLst>
-              <a:ext uri="{FF2B5EF4-FFF2-40B4-BE49-F238E27FC236}">
-                <a16:creationId xmlns:a16="http://schemas.microsoft.com/office/drawing/2014/main" id="{87B51822-97FF-47A7-8E4E-A0F79B4EB237}"/>
-              </a:ext>
-            </a:extLst>
-          </p:cNvPr>
+          <p:cNvPr id="5" name="Slide Number Placeholder 4"/>
           <p:cNvSpPr>
             <a:spLocks noGrp="1"/>
           </p:cNvSpPr>
@@ -10552,22 +9089,15 @@
           <a:p>
             <a:fld id="{C263D6C4-4840-40CC-AC84-17E24B3B7BDE}" type="slidenum">
               <a:rPr lang="en-US" noProof="0" smtClean="0"/>
-              <a:pPr/>
               <a:t>‹#›</a:t>
             </a:fld>
-            <a:endParaRPr lang="en-US" noProof="0" dirty="0"/>
+            <a:endParaRPr lang="en-US" noProof="0"/>
           </a:p>
         </p:txBody>
       </p:sp>
       <p:sp>
         <p:nvSpPr>
-          <p:cNvPr id="20" name="Picture Placeholder 2">
-            <a:extLst>
-              <a:ext uri="{FF2B5EF4-FFF2-40B4-BE49-F238E27FC236}">
-                <a16:creationId xmlns:a16="http://schemas.microsoft.com/office/drawing/2014/main" id="{30B3A574-7940-4E35-857E-5CA35A5910E5}"/>
-              </a:ext>
-            </a:extLst>
-          </p:cNvPr>
+          <p:cNvPr id="20" name="Picture Placeholder 2"/>
           <p:cNvSpPr>
             <a:spLocks noGrp="1"/>
           </p:cNvSpPr>
@@ -10632,19 +9162,12 @@
               <a:rPr lang="en-US" noProof="0"/>
               <a:t>Click icon to add picture</a:t>
             </a:r>
-            <a:endParaRPr lang="en-US" noProof="0" dirty="0"/>
           </a:p>
         </p:txBody>
       </p:sp>
       <p:sp>
         <p:nvSpPr>
-          <p:cNvPr id="21" name="Text Placeholder 3">
-            <a:extLst>
-              <a:ext uri="{FF2B5EF4-FFF2-40B4-BE49-F238E27FC236}">
-                <a16:creationId xmlns:a16="http://schemas.microsoft.com/office/drawing/2014/main" id="{912B51EA-3E6F-4BF6-BE48-62128AF32B85}"/>
-              </a:ext>
-            </a:extLst>
-          </p:cNvPr>
+          <p:cNvPr id="21" name="Text Placeholder 3"/>
           <p:cNvSpPr>
             <a:spLocks noGrp="1"/>
           </p:cNvSpPr>
@@ -10713,11 +9236,6 @@
         </p:txBody>
       </p:sp>
     </p:spTree>
-    <p:extLst>
-      <p:ext uri="{BB962C8B-B14F-4D97-AF65-F5344CB8AC3E}">
-        <p14:creationId xmlns:p14="http://schemas.microsoft.com/office/powerpoint/2010/main" val="1540650178"/>
-      </p:ext>
-    </p:extLst>
   </p:cSld>
   <p:clrMapOvr>
     <a:masterClrMapping/>
@@ -10752,13 +9270,7 @@
       </p:grpSpPr>
       <p:sp>
         <p:nvSpPr>
-          <p:cNvPr id="11" name="Rectangle 10">
-            <a:extLst>
-              <a:ext uri="{FF2B5EF4-FFF2-40B4-BE49-F238E27FC236}">
-                <a16:creationId xmlns:a16="http://schemas.microsoft.com/office/drawing/2014/main" id="{EB3E033F-4449-40FA-BC85-BD2712D313DD}"/>
-              </a:ext>
-            </a:extLst>
-          </p:cNvPr>
+          <p:cNvPr id="11" name="Rectangle 10"/>
           <p:cNvSpPr/>
           <p:nvPr userDrawn="1"/>
         </p:nvSpPr>
@@ -10800,19 +9312,13 @@
           <a:lstStyle/>
           <a:p>
             <a:pPr algn="ctr"/>
-            <a:endParaRPr lang="en-US" noProof="0" dirty="0"/>
+            <a:endParaRPr lang="en-US" noProof="0"/>
           </a:p>
         </p:txBody>
       </p:sp>
       <p:sp>
         <p:nvSpPr>
-          <p:cNvPr id="10" name="Freeform: Shape 9">
-            <a:extLst>
-              <a:ext uri="{FF2B5EF4-FFF2-40B4-BE49-F238E27FC236}">
-                <a16:creationId xmlns:a16="http://schemas.microsoft.com/office/drawing/2014/main" id="{63D26743-0505-444C-80B3-E88EE87DF72B}"/>
-              </a:ext>
-            </a:extLst>
-          </p:cNvPr>
+          <p:cNvPr id="10" name="Freeform: Shape 9"/>
           <p:cNvSpPr/>
           <p:nvPr userDrawn="1"/>
         </p:nvSpPr>
@@ -10923,19 +9429,13 @@
           <a:lstStyle/>
           <a:p>
             <a:pPr algn="ctr"/>
-            <a:endParaRPr lang="en-US" noProof="0" dirty="0"/>
+            <a:endParaRPr lang="en-US" noProof="0"/>
           </a:p>
         </p:txBody>
       </p:sp>
       <p:sp>
         <p:nvSpPr>
-          <p:cNvPr id="18" name="Freeform: Shape 17">
-            <a:extLst>
-              <a:ext uri="{FF2B5EF4-FFF2-40B4-BE49-F238E27FC236}">
-                <a16:creationId xmlns:a16="http://schemas.microsoft.com/office/drawing/2014/main" id="{E37145E9-AC61-47D5-9288-8789940F81B6}"/>
-              </a:ext>
-            </a:extLst>
-          </p:cNvPr>
+          <p:cNvPr id="18" name="Freeform: Shape 17"/>
           <p:cNvSpPr/>
           <p:nvPr userDrawn="1"/>
         </p:nvSpPr>
@@ -11075,19 +9575,13 @@
           <a:lstStyle/>
           <a:p>
             <a:pPr algn="ctr"/>
-            <a:endParaRPr lang="en-US" noProof="0" dirty="0"/>
+            <a:endParaRPr lang="en-US" noProof="0"/>
           </a:p>
         </p:txBody>
       </p:sp>
       <p:sp>
         <p:nvSpPr>
-          <p:cNvPr id="12" name="Freeform: Shape 11">
-            <a:extLst>
-              <a:ext uri="{FF2B5EF4-FFF2-40B4-BE49-F238E27FC236}">
-                <a16:creationId xmlns:a16="http://schemas.microsoft.com/office/drawing/2014/main" id="{A5E2B3ED-9A49-40A7-B8A3-62595FE513F9}"/>
-              </a:ext>
-            </a:extLst>
-          </p:cNvPr>
+          <p:cNvPr id="12" name="Freeform: Shape 11"/>
           <p:cNvSpPr/>
           <p:nvPr userDrawn="1"/>
         </p:nvSpPr>
@@ -11225,19 +9719,13 @@
           <a:lstStyle/>
           <a:p>
             <a:pPr algn="ctr"/>
-            <a:endParaRPr lang="en-US" noProof="0" dirty="0"/>
+            <a:endParaRPr lang="en-US" noProof="0"/>
           </a:p>
         </p:txBody>
       </p:sp>
       <p:sp>
         <p:nvSpPr>
-          <p:cNvPr id="8" name="Freeform: Shape 7">
-            <a:extLst>
-              <a:ext uri="{FF2B5EF4-FFF2-40B4-BE49-F238E27FC236}">
-                <a16:creationId xmlns:a16="http://schemas.microsoft.com/office/drawing/2014/main" id="{1599AF7E-3E34-4597-AA72-9373A7FDB020}"/>
-              </a:ext>
-            </a:extLst>
-          </p:cNvPr>
+          <p:cNvPr id="8" name="Freeform: Shape 7"/>
           <p:cNvSpPr/>
           <p:nvPr userDrawn="1"/>
         </p:nvSpPr>
@@ -11371,19 +9859,13 @@
           <a:lstStyle/>
           <a:p>
             <a:pPr algn="ctr"/>
-            <a:endParaRPr lang="en-US" noProof="0" dirty="0"/>
+            <a:endParaRPr lang="en-US" noProof="0"/>
           </a:p>
         </p:txBody>
       </p:sp>
       <p:sp>
         <p:nvSpPr>
-          <p:cNvPr id="2" name="Title 1">
-            <a:extLst>
-              <a:ext uri="{FF2B5EF4-FFF2-40B4-BE49-F238E27FC236}">
-                <a16:creationId xmlns:a16="http://schemas.microsoft.com/office/drawing/2014/main" id="{4A2DF563-7FAC-46B3-B24C-7E45CD89DA2B}"/>
-              </a:ext>
-            </a:extLst>
-          </p:cNvPr>
+          <p:cNvPr id="2" name="Title 1"/>
           <p:cNvSpPr>
             <a:spLocks noGrp="1"/>
           </p:cNvSpPr>
@@ -11422,13 +9904,7 @@
       </p:sp>
       <p:grpSp>
         <p:nvGrpSpPr>
-          <p:cNvPr id="15" name="Group 14">
-            <a:extLst>
-              <a:ext uri="{FF2B5EF4-FFF2-40B4-BE49-F238E27FC236}">
-                <a16:creationId xmlns:a16="http://schemas.microsoft.com/office/drawing/2014/main" id="{7732E1E7-45E3-4264-8F26-66758696DD1E}"/>
-              </a:ext>
-            </a:extLst>
-          </p:cNvPr>
+          <p:cNvPr id="15" name="Group 14"/>
           <p:cNvGrpSpPr/>
           <p:nvPr userDrawn="1"/>
         </p:nvGrpSpPr>
@@ -11442,13 +9918,7 @@
         </p:grpSpPr>
         <p:sp>
           <p:nvSpPr>
-            <p:cNvPr id="16" name="Freeform: Shape 15">
-              <a:extLst>
-                <a:ext uri="{FF2B5EF4-FFF2-40B4-BE49-F238E27FC236}">
-                  <a16:creationId xmlns:a16="http://schemas.microsoft.com/office/drawing/2014/main" id="{2E3DF883-8093-49FA-81E1-E5D77F086A25}"/>
-                </a:ext>
-              </a:extLst>
-            </p:cNvPr>
+            <p:cNvPr id="16" name="Freeform: Shape 15"/>
             <p:cNvSpPr/>
             <p:nvPr/>
           </p:nvSpPr>
@@ -11526,19 +9996,13 @@
             <a:lstStyle/>
             <a:p>
               <a:pPr algn="ctr"/>
-              <a:endParaRPr lang="en-US" noProof="0" dirty="0"/>
+              <a:endParaRPr lang="en-US" noProof="0"/>
             </a:p>
           </p:txBody>
         </p:sp>
         <p:sp>
           <p:nvSpPr>
-            <p:cNvPr id="17" name="Freeform: Shape 16">
-              <a:extLst>
-                <a:ext uri="{FF2B5EF4-FFF2-40B4-BE49-F238E27FC236}">
-                  <a16:creationId xmlns:a16="http://schemas.microsoft.com/office/drawing/2014/main" id="{18944C90-37E5-4BBE-89FF-060627168050}"/>
-                </a:ext>
-              </a:extLst>
-            </p:cNvPr>
+            <p:cNvPr id="17" name="Freeform: Shape 16"/>
             <p:cNvSpPr/>
             <p:nvPr/>
           </p:nvSpPr>
@@ -11624,20 +10088,14 @@
             <a:lstStyle/>
             <a:p>
               <a:pPr algn="ctr"/>
-              <a:endParaRPr lang="en-US" noProof="0" dirty="0"/>
+              <a:endParaRPr lang="en-US" noProof="0"/>
             </a:p>
           </p:txBody>
         </p:sp>
       </p:grpSp>
       <p:grpSp>
         <p:nvGrpSpPr>
-          <p:cNvPr id="6" name="Group 5">
-            <a:extLst>
-              <a:ext uri="{FF2B5EF4-FFF2-40B4-BE49-F238E27FC236}">
-                <a16:creationId xmlns:a16="http://schemas.microsoft.com/office/drawing/2014/main" id="{D9EBF8BB-A805-4DDB-B459-082F99815B95}"/>
-              </a:ext>
-            </a:extLst>
-          </p:cNvPr>
+          <p:cNvPr id="6" name="Group 5"/>
           <p:cNvGrpSpPr/>
           <p:nvPr userDrawn="1"/>
         </p:nvGrpSpPr>
@@ -11651,13 +10109,7 @@
         </p:grpSpPr>
         <p:sp>
           <p:nvSpPr>
-            <p:cNvPr id="19" name="Rectangle: Single Corner Snipped 18">
-              <a:extLst>
-                <a:ext uri="{FF2B5EF4-FFF2-40B4-BE49-F238E27FC236}">
-                  <a16:creationId xmlns:a16="http://schemas.microsoft.com/office/drawing/2014/main" id="{5D638788-DD47-45E7-939A-FA108A818173}"/>
-                </a:ext>
-              </a:extLst>
-            </p:cNvPr>
+            <p:cNvPr id="19" name="Rectangle: Single Corner Snipped 18"/>
             <p:cNvSpPr/>
             <p:nvPr userDrawn="1"/>
           </p:nvSpPr>
@@ -11706,19 +10158,13 @@
             <a:lstStyle/>
             <a:p>
               <a:pPr algn="ctr"/>
-              <a:endParaRPr lang="en-US" noProof="0" dirty="0"/>
+              <a:endParaRPr lang="en-US" noProof="0"/>
             </a:p>
           </p:txBody>
         </p:sp>
         <p:sp>
           <p:nvSpPr>
-            <p:cNvPr id="3" name="Rectangle: Single Corner Snipped 2">
-              <a:extLst>
-                <a:ext uri="{FF2B5EF4-FFF2-40B4-BE49-F238E27FC236}">
-                  <a16:creationId xmlns:a16="http://schemas.microsoft.com/office/drawing/2014/main" id="{74BDECEF-EEFE-4332-B3B2-BDE4F82C10FC}"/>
-                </a:ext>
-              </a:extLst>
-            </p:cNvPr>
+            <p:cNvPr id="3" name="Rectangle: Single Corner Snipped 2"/>
             <p:cNvSpPr/>
             <p:nvPr userDrawn="1"/>
           </p:nvSpPr>
@@ -11762,20 +10208,14 @@
             <a:lstStyle/>
             <a:p>
               <a:pPr algn="ctr"/>
-              <a:endParaRPr lang="en-US" noProof="0" dirty="0"/>
+              <a:endParaRPr lang="en-US" noProof="0"/>
             </a:p>
           </p:txBody>
         </p:sp>
       </p:grpSp>
       <p:sp>
         <p:nvSpPr>
-          <p:cNvPr id="35" name="Freeform: Shape 34">
-            <a:extLst>
-              <a:ext uri="{FF2B5EF4-FFF2-40B4-BE49-F238E27FC236}">
-                <a16:creationId xmlns:a16="http://schemas.microsoft.com/office/drawing/2014/main" id="{62EEBF51-DCAD-4335-85E9-52801031A1BF}"/>
-              </a:ext>
-            </a:extLst>
-          </p:cNvPr>
+          <p:cNvPr id="35" name="Freeform: Shape 34"/>
           <p:cNvSpPr/>
           <p:nvPr userDrawn="1"/>
         </p:nvSpPr>
@@ -11858,19 +10298,13 @@
           <a:lstStyle/>
           <a:p>
             <a:pPr algn="ctr"/>
-            <a:endParaRPr lang="en-US" noProof="0" dirty="0"/>
+            <a:endParaRPr lang="en-US" noProof="0"/>
           </a:p>
         </p:txBody>
       </p:sp>
       <p:sp>
         <p:nvSpPr>
-          <p:cNvPr id="5" name="Slide Number Placeholder 4">
-            <a:extLst>
-              <a:ext uri="{FF2B5EF4-FFF2-40B4-BE49-F238E27FC236}">
-                <a16:creationId xmlns:a16="http://schemas.microsoft.com/office/drawing/2014/main" id="{87B51822-97FF-47A7-8E4E-A0F79B4EB237}"/>
-              </a:ext>
-            </a:extLst>
-          </p:cNvPr>
+          <p:cNvPr id="5" name="Slide Number Placeholder 4"/>
           <p:cNvSpPr>
             <a:spLocks noGrp="1"/>
           </p:cNvSpPr>
@@ -11899,22 +10333,15 @@
           <a:p>
             <a:fld id="{C263D6C4-4840-40CC-AC84-17E24B3B7BDE}" type="slidenum">
               <a:rPr lang="en-US" noProof="0" smtClean="0"/>
-              <a:pPr/>
               <a:t>‹#›</a:t>
             </a:fld>
-            <a:endParaRPr lang="en-US" noProof="0" dirty="0"/>
+            <a:endParaRPr lang="en-US" noProof="0"/>
           </a:p>
         </p:txBody>
       </p:sp>
       <p:sp>
         <p:nvSpPr>
-          <p:cNvPr id="21" name="Text Placeholder 3">
-            <a:extLst>
-              <a:ext uri="{FF2B5EF4-FFF2-40B4-BE49-F238E27FC236}">
-                <a16:creationId xmlns:a16="http://schemas.microsoft.com/office/drawing/2014/main" id="{912B51EA-3E6F-4BF6-BE48-62128AF32B85}"/>
-              </a:ext>
-            </a:extLst>
-          </p:cNvPr>
+          <p:cNvPr id="21" name="Text Placeholder 3"/>
           <p:cNvSpPr>
             <a:spLocks noGrp="1"/>
           </p:cNvSpPr>
@@ -11984,13 +10411,7 @@
       </p:sp>
       <p:sp>
         <p:nvSpPr>
-          <p:cNvPr id="22" name="Content Placeholder 2">
-            <a:extLst>
-              <a:ext uri="{FF2B5EF4-FFF2-40B4-BE49-F238E27FC236}">
-                <a16:creationId xmlns:a16="http://schemas.microsoft.com/office/drawing/2014/main" id="{A015C605-1D30-48BC-A0D6-3B11AF56CC53}"/>
-              </a:ext>
-            </a:extLst>
-          </p:cNvPr>
+          <p:cNvPr id="22" name="Content Placeholder 2"/>
           <p:cNvSpPr>
             <a:spLocks noGrp="1"/>
           </p:cNvSpPr>
@@ -12095,11 +10516,6 @@
         </p:txBody>
       </p:sp>
     </p:spTree>
-    <p:extLst>
-      <p:ext uri="{BB962C8B-B14F-4D97-AF65-F5344CB8AC3E}">
-        <p14:creationId xmlns:p14="http://schemas.microsoft.com/office/powerpoint/2010/main" val="1212989540"/>
-      </p:ext>
-    </p:extLst>
   </p:cSld>
   <p:clrMapOvr>
     <a:masterClrMapping/>
@@ -12126,13 +10542,7 @@
       </p:grpSpPr>
       <p:sp>
         <p:nvSpPr>
-          <p:cNvPr id="18" name="Rectangle 17">
-            <a:extLst>
-              <a:ext uri="{FF2B5EF4-FFF2-40B4-BE49-F238E27FC236}">
-                <a16:creationId xmlns:a16="http://schemas.microsoft.com/office/drawing/2014/main" id="{D4494CD2-CCDD-0248-96F8-741002C44255}"/>
-              </a:ext>
-            </a:extLst>
-          </p:cNvPr>
+          <p:cNvPr id="18" name="Rectangle 17"/>
           <p:cNvSpPr/>
           <p:nvPr userDrawn="1"/>
         </p:nvSpPr>
@@ -12174,19 +10584,13 @@
           <a:lstStyle/>
           <a:p>
             <a:pPr algn="ctr"/>
-            <a:endParaRPr lang="en-US" noProof="0" dirty="0"/>
+            <a:endParaRPr lang="en-US" noProof="0"/>
           </a:p>
         </p:txBody>
       </p:sp>
       <p:sp>
         <p:nvSpPr>
-          <p:cNvPr id="19" name="Freeform: Shape 9">
-            <a:extLst>
-              <a:ext uri="{FF2B5EF4-FFF2-40B4-BE49-F238E27FC236}">
-                <a16:creationId xmlns:a16="http://schemas.microsoft.com/office/drawing/2014/main" id="{07077B00-C1EE-7241-B441-7814F92A7EDF}"/>
-              </a:ext>
-            </a:extLst>
-          </p:cNvPr>
+          <p:cNvPr id="19" name="Freeform: Shape 9"/>
           <p:cNvSpPr/>
           <p:nvPr userDrawn="1"/>
         </p:nvSpPr>
@@ -12297,19 +10701,13 @@
           <a:lstStyle/>
           <a:p>
             <a:pPr algn="ctr"/>
-            <a:endParaRPr lang="en-US" noProof="0" dirty="0"/>
+            <a:endParaRPr lang="en-US" noProof="0"/>
           </a:p>
         </p:txBody>
       </p:sp>
       <p:sp>
         <p:nvSpPr>
-          <p:cNvPr id="20" name="Freeform: Shape 17">
-            <a:extLst>
-              <a:ext uri="{FF2B5EF4-FFF2-40B4-BE49-F238E27FC236}">
-                <a16:creationId xmlns:a16="http://schemas.microsoft.com/office/drawing/2014/main" id="{3A1AEBC4-637E-F64C-9192-69AC4BB26D0C}"/>
-              </a:ext>
-            </a:extLst>
-          </p:cNvPr>
+          <p:cNvPr id="20" name="Freeform: Shape 17"/>
           <p:cNvSpPr/>
           <p:nvPr userDrawn="1"/>
         </p:nvSpPr>
@@ -12449,19 +10847,13 @@
           <a:lstStyle/>
           <a:p>
             <a:pPr algn="ctr"/>
-            <a:endParaRPr lang="en-US" noProof="0" dirty="0"/>
+            <a:endParaRPr lang="en-US" noProof="0"/>
           </a:p>
         </p:txBody>
       </p:sp>
       <p:sp>
         <p:nvSpPr>
-          <p:cNvPr id="21" name="Freeform: Shape 11">
-            <a:extLst>
-              <a:ext uri="{FF2B5EF4-FFF2-40B4-BE49-F238E27FC236}">
-                <a16:creationId xmlns:a16="http://schemas.microsoft.com/office/drawing/2014/main" id="{669A7039-C54C-8E46-9A8B-DDB2547D989C}"/>
-              </a:ext>
-            </a:extLst>
-          </p:cNvPr>
+          <p:cNvPr id="21" name="Freeform: Shape 11"/>
           <p:cNvSpPr/>
           <p:nvPr userDrawn="1"/>
         </p:nvSpPr>
@@ -12599,19 +10991,13 @@
           <a:lstStyle/>
           <a:p>
             <a:pPr algn="ctr"/>
-            <a:endParaRPr lang="en-US" noProof="0" dirty="0"/>
+            <a:endParaRPr lang="en-US" noProof="0"/>
           </a:p>
         </p:txBody>
       </p:sp>
       <p:sp>
         <p:nvSpPr>
-          <p:cNvPr id="22" name="Freeform: Shape 7">
-            <a:extLst>
-              <a:ext uri="{FF2B5EF4-FFF2-40B4-BE49-F238E27FC236}">
-                <a16:creationId xmlns:a16="http://schemas.microsoft.com/office/drawing/2014/main" id="{4F173B32-87BB-9A40-8C91-4C1EED2B7ABF}"/>
-              </a:ext>
-            </a:extLst>
-          </p:cNvPr>
+          <p:cNvPr id="22" name="Freeform: Shape 7"/>
           <p:cNvSpPr/>
           <p:nvPr userDrawn="1"/>
         </p:nvSpPr>
@@ -12745,19 +11131,13 @@
           <a:lstStyle/>
           <a:p>
             <a:pPr algn="ctr"/>
-            <a:endParaRPr lang="en-US" noProof="0" dirty="0"/>
+            <a:endParaRPr lang="en-US" noProof="0"/>
           </a:p>
         </p:txBody>
       </p:sp>
       <p:grpSp>
         <p:nvGrpSpPr>
-          <p:cNvPr id="24" name="Group 23">
-            <a:extLst>
-              <a:ext uri="{FF2B5EF4-FFF2-40B4-BE49-F238E27FC236}">
-                <a16:creationId xmlns:a16="http://schemas.microsoft.com/office/drawing/2014/main" id="{4AC87F4E-12B5-1B42-AFD2-4DB39B7645C9}"/>
-              </a:ext>
-            </a:extLst>
-          </p:cNvPr>
+          <p:cNvPr id="24" name="Group 23"/>
           <p:cNvGrpSpPr/>
           <p:nvPr userDrawn="1"/>
         </p:nvGrpSpPr>
@@ -12771,13 +11151,7 @@
         </p:grpSpPr>
         <p:sp>
           <p:nvSpPr>
-            <p:cNvPr id="25" name="Freeform: Shape 15">
-              <a:extLst>
-                <a:ext uri="{FF2B5EF4-FFF2-40B4-BE49-F238E27FC236}">
-                  <a16:creationId xmlns:a16="http://schemas.microsoft.com/office/drawing/2014/main" id="{03DD8765-59DF-A045-ADB5-E39FAEE153A0}"/>
-                </a:ext>
-              </a:extLst>
-            </p:cNvPr>
+            <p:cNvPr id="25" name="Freeform: Shape 15"/>
             <p:cNvSpPr/>
             <p:nvPr/>
           </p:nvSpPr>
@@ -12855,19 +11229,13 @@
             <a:lstStyle/>
             <a:p>
               <a:pPr algn="ctr"/>
-              <a:endParaRPr lang="en-US" noProof="0" dirty="0"/>
+              <a:endParaRPr lang="en-US" noProof="0"/>
             </a:p>
           </p:txBody>
         </p:sp>
         <p:sp>
           <p:nvSpPr>
-            <p:cNvPr id="26" name="Freeform: Shape 16">
-              <a:extLst>
-                <a:ext uri="{FF2B5EF4-FFF2-40B4-BE49-F238E27FC236}">
-                  <a16:creationId xmlns:a16="http://schemas.microsoft.com/office/drawing/2014/main" id="{B34B796C-A407-7B4D-B4F0-E58A44FE8DB4}"/>
-                </a:ext>
-              </a:extLst>
-            </p:cNvPr>
+            <p:cNvPr id="26" name="Freeform: Shape 16"/>
             <p:cNvSpPr/>
             <p:nvPr/>
           </p:nvSpPr>
@@ -12953,20 +11321,14 @@
             <a:lstStyle/>
             <a:p>
               <a:pPr algn="ctr"/>
-              <a:endParaRPr lang="en-US" noProof="0" dirty="0"/>
+              <a:endParaRPr lang="en-US" noProof="0"/>
             </a:p>
           </p:txBody>
         </p:sp>
       </p:grpSp>
       <p:sp>
         <p:nvSpPr>
-          <p:cNvPr id="30" name="Freeform: Shape 23">
-            <a:extLst>
-              <a:ext uri="{FF2B5EF4-FFF2-40B4-BE49-F238E27FC236}">
-                <a16:creationId xmlns:a16="http://schemas.microsoft.com/office/drawing/2014/main" id="{CBE3FDC9-67CB-FA42-B127-A36BFF4678BB}"/>
-              </a:ext>
-            </a:extLst>
-          </p:cNvPr>
+          <p:cNvPr id="30" name="Freeform: Shape 23"/>
           <p:cNvSpPr/>
           <p:nvPr userDrawn="1"/>
         </p:nvSpPr>
@@ -13049,19 +11411,13 @@
           <a:lstStyle/>
           <a:p>
             <a:pPr algn="ctr"/>
-            <a:endParaRPr lang="en-US" noProof="0" dirty="0"/>
+            <a:endParaRPr lang="en-US" noProof="0"/>
           </a:p>
         </p:txBody>
       </p:sp>
       <p:sp>
         <p:nvSpPr>
-          <p:cNvPr id="31" name="Slide Number Placeholder 4">
-            <a:extLst>
-              <a:ext uri="{FF2B5EF4-FFF2-40B4-BE49-F238E27FC236}">
-                <a16:creationId xmlns:a16="http://schemas.microsoft.com/office/drawing/2014/main" id="{1E902BFF-CA8F-D745-A819-A7BB38B30ED9}"/>
-              </a:ext>
-            </a:extLst>
-          </p:cNvPr>
+          <p:cNvPr id="31" name="Slide Number Placeholder 4"/>
           <p:cNvSpPr>
             <a:spLocks noGrp="1"/>
           </p:cNvSpPr>
@@ -13090,19 +11446,13 @@
           <a:p>
             <a:fld id="{C263D6C4-4840-40CC-AC84-17E24B3B7BDE}" type="slidenum">
               <a:rPr lang="en-US" noProof="0" smtClean="0"/>
-              <a:pPr/>
               <a:t>‹#›</a:t>
             </a:fld>
-            <a:endParaRPr lang="en-US" noProof="0" dirty="0"/>
+            <a:endParaRPr lang="en-US" noProof="0"/>
           </a:p>
         </p:txBody>
       </p:sp>
     </p:spTree>
-    <p:extLst>
-      <p:ext uri="{BB962C8B-B14F-4D97-AF65-F5344CB8AC3E}">
-        <p14:creationId xmlns:p14="http://schemas.microsoft.com/office/powerpoint/2010/main" val="2672304746"/>
-      </p:ext>
-    </p:extLst>
   </p:cSld>
   <p:clrMapOvr>
     <a:masterClrMapping/>
@@ -13129,13 +11479,7 @@
       </p:grpSpPr>
       <p:sp>
         <p:nvSpPr>
-          <p:cNvPr id="21" name="Rectangle 20">
-            <a:extLst>
-              <a:ext uri="{FF2B5EF4-FFF2-40B4-BE49-F238E27FC236}">
-                <a16:creationId xmlns:a16="http://schemas.microsoft.com/office/drawing/2014/main" id="{6E739168-A5E8-443A-B392-7AD4CF8977AD}"/>
-              </a:ext>
-            </a:extLst>
-          </p:cNvPr>
+          <p:cNvPr id="21" name="Rectangle 20"/>
           <p:cNvSpPr/>
           <p:nvPr userDrawn="1"/>
         </p:nvSpPr>
@@ -13175,19 +11519,13 @@
           <a:lstStyle/>
           <a:p>
             <a:pPr algn="ctr"/>
-            <a:endParaRPr lang="en-US" noProof="0" dirty="0"/>
+            <a:endParaRPr lang="en-US" noProof="0"/>
           </a:p>
         </p:txBody>
       </p:sp>
       <p:sp>
         <p:nvSpPr>
-          <p:cNvPr id="15" name="Freeform: Shape 14">
-            <a:extLst>
-              <a:ext uri="{FF2B5EF4-FFF2-40B4-BE49-F238E27FC236}">
-                <a16:creationId xmlns:a16="http://schemas.microsoft.com/office/drawing/2014/main" id="{41E10E1E-5268-4F03-BA64-07E19DE26739}"/>
-              </a:ext>
-            </a:extLst>
-          </p:cNvPr>
+          <p:cNvPr id="15" name="Freeform: Shape 14"/>
           <p:cNvSpPr/>
           <p:nvPr/>
         </p:nvSpPr>
@@ -13312,19 +11650,13 @@
           <a:lstStyle/>
           <a:p>
             <a:pPr algn="ctr"/>
-            <a:endParaRPr lang="en-US" noProof="0" dirty="0"/>
+            <a:endParaRPr lang="en-US" noProof="0"/>
           </a:p>
         </p:txBody>
       </p:sp>
       <p:sp>
         <p:nvSpPr>
-          <p:cNvPr id="16" name="Freeform: Shape 15">
-            <a:extLst>
-              <a:ext uri="{FF2B5EF4-FFF2-40B4-BE49-F238E27FC236}">
-                <a16:creationId xmlns:a16="http://schemas.microsoft.com/office/drawing/2014/main" id="{B989C45D-BDFF-418F-BE79-03FF70015770}"/>
-              </a:ext>
-            </a:extLst>
-          </p:cNvPr>
+          <p:cNvPr id="16" name="Freeform: Shape 15"/>
           <p:cNvSpPr/>
           <p:nvPr/>
         </p:nvSpPr>
@@ -13476,19 +11808,13 @@
           <a:lstStyle/>
           <a:p>
             <a:pPr algn="ctr"/>
-            <a:endParaRPr lang="en-US" noProof="0" dirty="0"/>
+            <a:endParaRPr lang="en-US" noProof="0"/>
           </a:p>
         </p:txBody>
       </p:sp>
       <p:sp>
         <p:nvSpPr>
-          <p:cNvPr id="20" name="Freeform: Shape 19">
-            <a:extLst>
-              <a:ext uri="{FF2B5EF4-FFF2-40B4-BE49-F238E27FC236}">
-                <a16:creationId xmlns:a16="http://schemas.microsoft.com/office/drawing/2014/main" id="{0027A677-9ACB-4264-B148-4806678FB83F}"/>
-              </a:ext>
-            </a:extLst>
-          </p:cNvPr>
+          <p:cNvPr id="20" name="Freeform: Shape 19"/>
           <p:cNvSpPr/>
           <p:nvPr/>
         </p:nvSpPr>
@@ -13638,19 +11964,13 @@
           <a:lstStyle/>
           <a:p>
             <a:pPr algn="ctr"/>
-            <a:endParaRPr lang="en-US" noProof="0" dirty="0"/>
+            <a:endParaRPr lang="en-US" noProof="0"/>
           </a:p>
         </p:txBody>
       </p:sp>
       <p:grpSp>
         <p:nvGrpSpPr>
-          <p:cNvPr id="6" name="Group 5">
-            <a:extLst>
-              <a:ext uri="{FF2B5EF4-FFF2-40B4-BE49-F238E27FC236}">
-                <a16:creationId xmlns:a16="http://schemas.microsoft.com/office/drawing/2014/main" id="{EA7FF9D7-8545-4547-AC77-A0421EEB9B99}"/>
-              </a:ext>
-            </a:extLst>
-          </p:cNvPr>
+          <p:cNvPr id="6" name="Group 5"/>
           <p:cNvGrpSpPr/>
           <p:nvPr userDrawn="1"/>
         </p:nvGrpSpPr>
@@ -13664,13 +11984,7 @@
         </p:grpSpPr>
         <p:sp>
           <p:nvSpPr>
-            <p:cNvPr id="17" name="Right Triangle 16">
-              <a:extLst>
-                <a:ext uri="{FF2B5EF4-FFF2-40B4-BE49-F238E27FC236}">
-                  <a16:creationId xmlns:a16="http://schemas.microsoft.com/office/drawing/2014/main" id="{8DCD5806-2A2F-4ABF-8057-245681C498E6}"/>
-                </a:ext>
-              </a:extLst>
-            </p:cNvPr>
+            <p:cNvPr id="17" name="Right Triangle 16"/>
             <p:cNvSpPr/>
             <p:nvPr userDrawn="1"/>
           </p:nvSpPr>
@@ -13712,19 +12026,13 @@
             <a:lstStyle/>
             <a:p>
               <a:pPr algn="ctr"/>
-              <a:endParaRPr lang="en-US" noProof="0" dirty="0"/>
+              <a:endParaRPr lang="en-US" noProof="0"/>
             </a:p>
           </p:txBody>
         </p:sp>
         <p:sp>
           <p:nvSpPr>
-            <p:cNvPr id="18" name="Right Triangle 17">
-              <a:extLst>
-                <a:ext uri="{FF2B5EF4-FFF2-40B4-BE49-F238E27FC236}">
-                  <a16:creationId xmlns:a16="http://schemas.microsoft.com/office/drawing/2014/main" id="{3A93038F-E9E4-4FFD-B3DF-28DB7C2C1490}"/>
-                </a:ext>
-              </a:extLst>
-            </p:cNvPr>
+            <p:cNvPr id="18" name="Right Triangle 17"/>
             <p:cNvSpPr/>
             <p:nvPr userDrawn="1"/>
           </p:nvSpPr>
@@ -13769,19 +12077,13 @@
             <a:lstStyle/>
             <a:p>
               <a:pPr algn="ctr"/>
-              <a:endParaRPr lang="en-US" noProof="0" dirty="0"/>
+              <a:endParaRPr lang="en-US" noProof="0"/>
             </a:p>
           </p:txBody>
         </p:sp>
         <p:sp>
           <p:nvSpPr>
-            <p:cNvPr id="19" name="Right Triangle 18">
-              <a:extLst>
-                <a:ext uri="{FF2B5EF4-FFF2-40B4-BE49-F238E27FC236}">
-                  <a16:creationId xmlns:a16="http://schemas.microsoft.com/office/drawing/2014/main" id="{5DEA1E02-BBD0-4AE3-AF22-433B90272178}"/>
-                </a:ext>
-              </a:extLst>
-            </p:cNvPr>
+            <p:cNvPr id="19" name="Right Triangle 18"/>
             <p:cNvSpPr/>
             <p:nvPr userDrawn="1"/>
           </p:nvSpPr>
@@ -13823,20 +12125,14 @@
             <a:lstStyle/>
             <a:p>
               <a:pPr algn="ctr"/>
-              <a:endParaRPr lang="en-US" noProof="0" dirty="0"/>
+              <a:endParaRPr lang="en-US" noProof="0"/>
             </a:p>
           </p:txBody>
         </p:sp>
       </p:grpSp>
       <p:sp>
         <p:nvSpPr>
-          <p:cNvPr id="2" name="Title 1">
-            <a:extLst>
-              <a:ext uri="{FF2B5EF4-FFF2-40B4-BE49-F238E27FC236}">
-                <a16:creationId xmlns:a16="http://schemas.microsoft.com/office/drawing/2014/main" id="{9E597736-C478-4C26-9BAF-205FE31E977C}"/>
-              </a:ext>
-            </a:extLst>
-          </p:cNvPr>
+          <p:cNvPr id="2" name="Title 1"/>
           <p:cNvSpPr>
             <a:spLocks noGrp="1"/>
           </p:cNvSpPr>
@@ -13876,11 +12172,6 @@
         </p:txBody>
       </p:sp>
     </p:spTree>
-    <p:extLst>
-      <p:ext uri="{BB962C8B-B14F-4D97-AF65-F5344CB8AC3E}">
-        <p14:creationId xmlns:p14="http://schemas.microsoft.com/office/powerpoint/2010/main" val="2236386145"/>
-      </p:ext>
-    </p:extLst>
   </p:cSld>
   <p:clrMapOvr>
     <a:masterClrMapping/>
@@ -13907,13 +12198,7 @@
       </p:grpSpPr>
       <p:sp>
         <p:nvSpPr>
-          <p:cNvPr id="21" name="Rectangle 20">
-            <a:extLst>
-              <a:ext uri="{FF2B5EF4-FFF2-40B4-BE49-F238E27FC236}">
-                <a16:creationId xmlns:a16="http://schemas.microsoft.com/office/drawing/2014/main" id="{6E739168-A5E8-443A-B392-7AD4CF8977AD}"/>
-              </a:ext>
-            </a:extLst>
-          </p:cNvPr>
+          <p:cNvPr id="21" name="Rectangle 20"/>
           <p:cNvSpPr/>
           <p:nvPr userDrawn="1"/>
         </p:nvSpPr>
@@ -13953,19 +12238,13 @@
           <a:lstStyle/>
           <a:p>
             <a:pPr algn="ctr"/>
-            <a:endParaRPr lang="en-US" noProof="0" dirty="0"/>
+            <a:endParaRPr lang="en-US" noProof="0"/>
           </a:p>
         </p:txBody>
       </p:sp>
       <p:sp>
         <p:nvSpPr>
-          <p:cNvPr id="15" name="Freeform: Shape 14">
-            <a:extLst>
-              <a:ext uri="{FF2B5EF4-FFF2-40B4-BE49-F238E27FC236}">
-                <a16:creationId xmlns:a16="http://schemas.microsoft.com/office/drawing/2014/main" id="{41E10E1E-5268-4F03-BA64-07E19DE26739}"/>
-              </a:ext>
-            </a:extLst>
-          </p:cNvPr>
+          <p:cNvPr id="15" name="Freeform: Shape 14"/>
           <p:cNvSpPr/>
           <p:nvPr/>
         </p:nvSpPr>
@@ -14090,19 +12369,13 @@
           <a:lstStyle/>
           <a:p>
             <a:pPr algn="ctr"/>
-            <a:endParaRPr lang="en-US" noProof="0" dirty="0"/>
+            <a:endParaRPr lang="en-US" noProof="0"/>
           </a:p>
         </p:txBody>
       </p:sp>
       <p:sp>
         <p:nvSpPr>
-          <p:cNvPr id="16" name="Freeform: Shape 15">
-            <a:extLst>
-              <a:ext uri="{FF2B5EF4-FFF2-40B4-BE49-F238E27FC236}">
-                <a16:creationId xmlns:a16="http://schemas.microsoft.com/office/drawing/2014/main" id="{B989C45D-BDFF-418F-BE79-03FF70015770}"/>
-              </a:ext>
-            </a:extLst>
-          </p:cNvPr>
+          <p:cNvPr id="16" name="Freeform: Shape 15"/>
           <p:cNvSpPr/>
           <p:nvPr/>
         </p:nvSpPr>
@@ -14254,19 +12527,13 @@
           <a:lstStyle/>
           <a:p>
             <a:pPr algn="ctr"/>
-            <a:endParaRPr lang="en-US" noProof="0" dirty="0"/>
+            <a:endParaRPr lang="en-US" noProof="0"/>
           </a:p>
         </p:txBody>
       </p:sp>
       <p:sp>
         <p:nvSpPr>
-          <p:cNvPr id="20" name="Freeform: Shape 19">
-            <a:extLst>
-              <a:ext uri="{FF2B5EF4-FFF2-40B4-BE49-F238E27FC236}">
-                <a16:creationId xmlns:a16="http://schemas.microsoft.com/office/drawing/2014/main" id="{0027A677-9ACB-4264-B148-4806678FB83F}"/>
-              </a:ext>
-            </a:extLst>
-          </p:cNvPr>
+          <p:cNvPr id="20" name="Freeform: Shape 19"/>
           <p:cNvSpPr/>
           <p:nvPr/>
         </p:nvSpPr>
@@ -14416,19 +12683,13 @@
           <a:lstStyle/>
           <a:p>
             <a:pPr algn="ctr"/>
-            <a:endParaRPr lang="en-US" noProof="0" dirty="0"/>
+            <a:endParaRPr lang="en-US" noProof="0"/>
           </a:p>
         </p:txBody>
       </p:sp>
       <p:sp>
         <p:nvSpPr>
-          <p:cNvPr id="2" name="Title 1">
-            <a:extLst>
-              <a:ext uri="{FF2B5EF4-FFF2-40B4-BE49-F238E27FC236}">
-                <a16:creationId xmlns:a16="http://schemas.microsoft.com/office/drawing/2014/main" id="{9E597736-C478-4C26-9BAF-205FE31E977C}"/>
-              </a:ext>
-            </a:extLst>
-          </p:cNvPr>
+          <p:cNvPr id="2" name="Title 1"/>
           <p:cNvSpPr>
             <a:spLocks noGrp="1"/>
           </p:cNvSpPr>
@@ -14469,13 +12730,7 @@
       </p:sp>
       <p:sp>
         <p:nvSpPr>
-          <p:cNvPr id="35" name="Freeform: Shape 34">
-            <a:extLst>
-              <a:ext uri="{FF2B5EF4-FFF2-40B4-BE49-F238E27FC236}">
-                <a16:creationId xmlns:a16="http://schemas.microsoft.com/office/drawing/2014/main" id="{C024DCDB-C6BF-455E-AAB8-EAF9DAB302A1}"/>
-              </a:ext>
-            </a:extLst>
-          </p:cNvPr>
+          <p:cNvPr id="35" name="Freeform: Shape 34"/>
           <p:cNvSpPr/>
           <p:nvPr userDrawn="1"/>
         </p:nvSpPr>
@@ -14571,19 +12826,13 @@
           <a:lstStyle/>
           <a:p>
             <a:pPr algn="ctr"/>
-            <a:endParaRPr lang="en-US" noProof="0" dirty="0"/>
+            <a:endParaRPr lang="en-US" noProof="0"/>
           </a:p>
         </p:txBody>
       </p:sp>
       <p:sp>
         <p:nvSpPr>
-          <p:cNvPr id="32" name="Freeform: Shape 31">
-            <a:extLst>
-              <a:ext uri="{FF2B5EF4-FFF2-40B4-BE49-F238E27FC236}">
-                <a16:creationId xmlns:a16="http://schemas.microsoft.com/office/drawing/2014/main" id="{26AFB47A-5D51-4F9C-B01B-977CE5E3C093}"/>
-              </a:ext>
-            </a:extLst>
-          </p:cNvPr>
+          <p:cNvPr id="32" name="Freeform: Shape 31"/>
           <p:cNvSpPr/>
           <p:nvPr userDrawn="1"/>
         </p:nvSpPr>
@@ -14687,19 +12936,13 @@
           <a:lstStyle/>
           <a:p>
             <a:pPr algn="ctr"/>
-            <a:endParaRPr lang="en-US" noProof="0" dirty="0"/>
+            <a:endParaRPr lang="en-US" noProof="0"/>
           </a:p>
         </p:txBody>
       </p:sp>
       <p:sp>
         <p:nvSpPr>
-          <p:cNvPr id="30" name="Freeform: Shape 29">
-            <a:extLst>
-              <a:ext uri="{FF2B5EF4-FFF2-40B4-BE49-F238E27FC236}">
-                <a16:creationId xmlns:a16="http://schemas.microsoft.com/office/drawing/2014/main" id="{6997A4FF-7390-4173-8ACD-6CF7145AACEC}"/>
-              </a:ext>
-            </a:extLst>
-          </p:cNvPr>
+          <p:cNvPr id="30" name="Freeform: Shape 29"/>
           <p:cNvSpPr/>
           <p:nvPr userDrawn="1"/>
         </p:nvSpPr>
@@ -14796,16 +13039,11 @@
           <a:lstStyle/>
           <a:p>
             <a:pPr algn="ctr"/>
-            <a:endParaRPr lang="en-US" noProof="0" dirty="0"/>
+            <a:endParaRPr lang="en-US" noProof="0"/>
           </a:p>
         </p:txBody>
       </p:sp>
     </p:spTree>
-    <p:extLst>
-      <p:ext uri="{BB962C8B-B14F-4D97-AF65-F5344CB8AC3E}">
-        <p14:creationId xmlns:p14="http://schemas.microsoft.com/office/powerpoint/2010/main" val="1218518015"/>
-      </p:ext>
-    </p:extLst>
   </p:cSld>
   <p:clrMapOvr>
     <a:masterClrMapping/>
@@ -14832,13 +13070,7 @@
       </p:grpSpPr>
       <p:sp>
         <p:nvSpPr>
-          <p:cNvPr id="7" name="Rectangle 6">
-            <a:extLst>
-              <a:ext uri="{FF2B5EF4-FFF2-40B4-BE49-F238E27FC236}">
-                <a16:creationId xmlns:a16="http://schemas.microsoft.com/office/drawing/2014/main" id="{B2838D16-809E-4EB1-8C0C-0E63D8139112}"/>
-              </a:ext>
-            </a:extLst>
-          </p:cNvPr>
+          <p:cNvPr id="7" name="Rectangle 6"/>
           <p:cNvSpPr/>
           <p:nvPr userDrawn="1"/>
         </p:nvSpPr>
@@ -14878,19 +13110,13 @@
           <a:lstStyle/>
           <a:p>
             <a:pPr algn="ctr"/>
-            <a:endParaRPr lang="en-US" noProof="0" dirty="0"/>
+            <a:endParaRPr lang="en-US" noProof="0"/>
           </a:p>
         </p:txBody>
       </p:sp>
       <p:sp>
         <p:nvSpPr>
-          <p:cNvPr id="8" name="Freeform: Shape 7">
-            <a:extLst>
-              <a:ext uri="{FF2B5EF4-FFF2-40B4-BE49-F238E27FC236}">
-                <a16:creationId xmlns:a16="http://schemas.microsoft.com/office/drawing/2014/main" id="{01FEB333-94B4-4E53-9019-D584810903BB}"/>
-              </a:ext>
-            </a:extLst>
-          </p:cNvPr>
+          <p:cNvPr id="8" name="Freeform: Shape 7"/>
           <p:cNvSpPr/>
           <p:nvPr userDrawn="1"/>
         </p:nvSpPr>
@@ -14999,19 +13225,13 @@
           <a:lstStyle/>
           <a:p>
             <a:pPr algn="ctr"/>
-            <a:endParaRPr lang="en-US" noProof="0" dirty="0"/>
+            <a:endParaRPr lang="en-US" noProof="0"/>
           </a:p>
         </p:txBody>
       </p:sp>
       <p:sp>
         <p:nvSpPr>
-          <p:cNvPr id="9" name="Freeform: Shape 8">
-            <a:extLst>
-              <a:ext uri="{FF2B5EF4-FFF2-40B4-BE49-F238E27FC236}">
-                <a16:creationId xmlns:a16="http://schemas.microsoft.com/office/drawing/2014/main" id="{A59B9489-0CD9-4DB7-AC82-6E7867F91403}"/>
-              </a:ext>
-            </a:extLst>
-          </p:cNvPr>
+          <p:cNvPr id="9" name="Freeform: Shape 8"/>
           <p:cNvSpPr/>
           <p:nvPr userDrawn="1"/>
         </p:nvSpPr>
@@ -15139,19 +13359,13 @@
           <a:lstStyle/>
           <a:p>
             <a:pPr algn="ctr"/>
-            <a:endParaRPr lang="en-US" noProof="0" dirty="0"/>
+            <a:endParaRPr lang="en-US" noProof="0"/>
           </a:p>
         </p:txBody>
       </p:sp>
       <p:sp>
         <p:nvSpPr>
-          <p:cNvPr id="10" name="Right Triangle 9">
-            <a:extLst>
-              <a:ext uri="{FF2B5EF4-FFF2-40B4-BE49-F238E27FC236}">
-                <a16:creationId xmlns:a16="http://schemas.microsoft.com/office/drawing/2014/main" id="{A55D1C76-C591-4FA5-9780-87AB6B37C0FA}"/>
-              </a:ext>
-            </a:extLst>
-          </p:cNvPr>
+          <p:cNvPr id="10" name="Right Triangle 9"/>
           <p:cNvSpPr/>
           <p:nvPr userDrawn="1"/>
         </p:nvSpPr>
@@ -15193,19 +13407,13 @@
           <a:lstStyle/>
           <a:p>
             <a:pPr algn="ctr"/>
-            <a:endParaRPr lang="en-US" noProof="0" dirty="0"/>
+            <a:endParaRPr lang="en-US" noProof="0"/>
           </a:p>
         </p:txBody>
       </p:sp>
       <p:sp>
         <p:nvSpPr>
-          <p:cNvPr id="11" name="Freeform: Shape 10">
-            <a:extLst>
-              <a:ext uri="{FF2B5EF4-FFF2-40B4-BE49-F238E27FC236}">
-                <a16:creationId xmlns:a16="http://schemas.microsoft.com/office/drawing/2014/main" id="{A7DC1D12-670F-4235-8791-FA8C2B330871}"/>
-              </a:ext>
-            </a:extLst>
-          </p:cNvPr>
+          <p:cNvPr id="11" name="Freeform: Shape 10"/>
           <p:cNvSpPr/>
           <p:nvPr userDrawn="1"/>
         </p:nvSpPr>
@@ -15339,19 +13547,13 @@
           <a:lstStyle/>
           <a:p>
             <a:pPr algn="ctr"/>
-            <a:endParaRPr lang="en-US" noProof="0" dirty="0"/>
+            <a:endParaRPr lang="en-US" noProof="0"/>
           </a:p>
         </p:txBody>
       </p:sp>
       <p:sp>
         <p:nvSpPr>
-          <p:cNvPr id="12" name="Freeform: Shape 11">
-            <a:extLst>
-              <a:ext uri="{FF2B5EF4-FFF2-40B4-BE49-F238E27FC236}">
-                <a16:creationId xmlns:a16="http://schemas.microsoft.com/office/drawing/2014/main" id="{859569CF-FDAC-47C4-A0F5-296F7117C398}"/>
-              </a:ext>
-            </a:extLst>
-          </p:cNvPr>
+          <p:cNvPr id="12" name="Freeform: Shape 11"/>
           <p:cNvSpPr/>
           <p:nvPr userDrawn="1"/>
         </p:nvSpPr>
@@ -15439,19 +13641,13 @@
           <a:lstStyle/>
           <a:p>
             <a:pPr algn="ctr"/>
-            <a:endParaRPr lang="en-US" noProof="0" dirty="0"/>
+            <a:endParaRPr lang="en-US" noProof="0"/>
           </a:p>
         </p:txBody>
       </p:sp>
       <p:sp>
         <p:nvSpPr>
-          <p:cNvPr id="13" name="Freeform: Shape 12">
-            <a:extLst>
-              <a:ext uri="{FF2B5EF4-FFF2-40B4-BE49-F238E27FC236}">
-                <a16:creationId xmlns:a16="http://schemas.microsoft.com/office/drawing/2014/main" id="{D68D0C72-2B2C-4C85-A091-157853C71784}"/>
-              </a:ext>
-            </a:extLst>
-          </p:cNvPr>
+          <p:cNvPr id="13" name="Freeform: Shape 12"/>
           <p:cNvSpPr/>
           <p:nvPr userDrawn="1"/>
         </p:nvSpPr>
@@ -15547,19 +13743,13 @@
           <a:lstStyle/>
           <a:p>
             <a:pPr algn="ctr"/>
-            <a:endParaRPr lang="en-US" noProof="0" dirty="0"/>
+            <a:endParaRPr lang="en-US" noProof="0"/>
           </a:p>
         </p:txBody>
       </p:sp>
       <p:sp>
         <p:nvSpPr>
-          <p:cNvPr id="14" name="Freeform: Shape 13">
-            <a:extLst>
-              <a:ext uri="{FF2B5EF4-FFF2-40B4-BE49-F238E27FC236}">
-                <a16:creationId xmlns:a16="http://schemas.microsoft.com/office/drawing/2014/main" id="{8E25334A-5FE3-4DDA-8D32-4796CCFCAA74}"/>
-              </a:ext>
-            </a:extLst>
-          </p:cNvPr>
+          <p:cNvPr id="14" name="Freeform: Shape 13"/>
           <p:cNvSpPr/>
           <p:nvPr userDrawn="1"/>
         </p:nvSpPr>
@@ -15639,19 +13829,13 @@
           <a:lstStyle/>
           <a:p>
             <a:pPr algn="ctr"/>
-            <a:endParaRPr lang="en-US" noProof="0" dirty="0"/>
+            <a:endParaRPr lang="en-US" noProof="0"/>
           </a:p>
         </p:txBody>
       </p:sp>
       <p:sp>
         <p:nvSpPr>
-          <p:cNvPr id="15" name="Freeform: Shape 14">
-            <a:extLst>
-              <a:ext uri="{FF2B5EF4-FFF2-40B4-BE49-F238E27FC236}">
-                <a16:creationId xmlns:a16="http://schemas.microsoft.com/office/drawing/2014/main" id="{18818DF1-D7FD-4C0F-875D-7A07E8F75C06}"/>
-              </a:ext>
-            </a:extLst>
-          </p:cNvPr>
+          <p:cNvPr id="15" name="Freeform: Shape 14"/>
           <p:cNvSpPr/>
           <p:nvPr userDrawn="1"/>
         </p:nvSpPr>
@@ -15739,19 +13923,13 @@
           <a:lstStyle/>
           <a:p>
             <a:pPr algn="ctr"/>
-            <a:endParaRPr lang="en-US" noProof="0" dirty="0"/>
+            <a:endParaRPr lang="en-US" noProof="0"/>
           </a:p>
         </p:txBody>
       </p:sp>
       <p:grpSp>
         <p:nvGrpSpPr>
-          <p:cNvPr id="16" name="Group 15">
-            <a:extLst>
-              <a:ext uri="{FF2B5EF4-FFF2-40B4-BE49-F238E27FC236}">
-                <a16:creationId xmlns:a16="http://schemas.microsoft.com/office/drawing/2014/main" id="{8F9BB384-9E14-4CEA-82C1-21837229D3EF}"/>
-              </a:ext>
-            </a:extLst>
-          </p:cNvPr>
+          <p:cNvPr id="16" name="Group 15"/>
           <p:cNvGrpSpPr/>
           <p:nvPr userDrawn="1"/>
         </p:nvGrpSpPr>
@@ -15765,13 +13943,7 @@
         </p:grpSpPr>
         <p:sp>
           <p:nvSpPr>
-            <p:cNvPr id="17" name="Freeform: Shape 16">
-              <a:extLst>
-                <a:ext uri="{FF2B5EF4-FFF2-40B4-BE49-F238E27FC236}">
-                  <a16:creationId xmlns:a16="http://schemas.microsoft.com/office/drawing/2014/main" id="{0862A81A-959D-4EAB-90ED-DB20759BB397}"/>
-                </a:ext>
-              </a:extLst>
-            </p:cNvPr>
+            <p:cNvPr id="17" name="Freeform: Shape 16"/>
             <p:cNvSpPr/>
             <p:nvPr/>
           </p:nvSpPr>
@@ -15849,19 +14021,13 @@
             <a:lstStyle/>
             <a:p>
               <a:pPr algn="ctr"/>
-              <a:endParaRPr lang="en-US" noProof="0" dirty="0"/>
+              <a:endParaRPr lang="en-US" noProof="0"/>
             </a:p>
           </p:txBody>
         </p:sp>
         <p:sp>
           <p:nvSpPr>
-            <p:cNvPr id="18" name="Freeform: Shape 17">
-              <a:extLst>
-                <a:ext uri="{FF2B5EF4-FFF2-40B4-BE49-F238E27FC236}">
-                  <a16:creationId xmlns:a16="http://schemas.microsoft.com/office/drawing/2014/main" id="{AAB9E28C-9422-42BD-AECE-29B44B5D63E2}"/>
-                </a:ext>
-              </a:extLst>
-            </p:cNvPr>
+            <p:cNvPr id="18" name="Freeform: Shape 17"/>
             <p:cNvSpPr/>
             <p:nvPr/>
           </p:nvSpPr>
@@ -15947,20 +14113,14 @@
             <a:lstStyle/>
             <a:p>
               <a:pPr algn="ctr"/>
-              <a:endParaRPr lang="en-US" noProof="0" dirty="0"/>
+              <a:endParaRPr lang="en-US" noProof="0"/>
             </a:p>
           </p:txBody>
         </p:sp>
       </p:grpSp>
       <p:grpSp>
         <p:nvGrpSpPr>
-          <p:cNvPr id="19" name="Group 18">
-            <a:extLst>
-              <a:ext uri="{FF2B5EF4-FFF2-40B4-BE49-F238E27FC236}">
-                <a16:creationId xmlns:a16="http://schemas.microsoft.com/office/drawing/2014/main" id="{2772239B-C46D-4458-BB4B-DDB12FAB0172}"/>
-              </a:ext>
-            </a:extLst>
-          </p:cNvPr>
+          <p:cNvPr id="19" name="Group 18"/>
           <p:cNvGrpSpPr/>
           <p:nvPr userDrawn="1"/>
         </p:nvGrpSpPr>
@@ -15974,13 +14134,7 @@
         </p:grpSpPr>
         <p:sp>
           <p:nvSpPr>
-            <p:cNvPr id="20" name="Freeform: Shape 19">
-              <a:extLst>
-                <a:ext uri="{FF2B5EF4-FFF2-40B4-BE49-F238E27FC236}">
-                  <a16:creationId xmlns:a16="http://schemas.microsoft.com/office/drawing/2014/main" id="{3C8A2A1A-1FB9-4CA1-B74E-B293187E51AA}"/>
-                </a:ext>
-              </a:extLst>
-            </p:cNvPr>
+            <p:cNvPr id="20" name="Freeform: Shape 19"/>
             <p:cNvSpPr/>
             <p:nvPr/>
           </p:nvSpPr>
@@ -16058,19 +14212,13 @@
             <a:lstStyle/>
             <a:p>
               <a:pPr algn="ctr"/>
-              <a:endParaRPr lang="en-US" noProof="0" dirty="0"/>
+              <a:endParaRPr lang="en-US" noProof="0"/>
             </a:p>
           </p:txBody>
         </p:sp>
         <p:sp>
           <p:nvSpPr>
-            <p:cNvPr id="21" name="Freeform: Shape 20">
-              <a:extLst>
-                <a:ext uri="{FF2B5EF4-FFF2-40B4-BE49-F238E27FC236}">
-                  <a16:creationId xmlns:a16="http://schemas.microsoft.com/office/drawing/2014/main" id="{DF2B18BA-6B43-40FA-A23B-D894D6AB468B}"/>
-                </a:ext>
-              </a:extLst>
-            </p:cNvPr>
+            <p:cNvPr id="21" name="Freeform: Shape 20"/>
             <p:cNvSpPr/>
             <p:nvPr/>
           </p:nvSpPr>
@@ -16156,20 +14304,14 @@
             <a:lstStyle/>
             <a:p>
               <a:pPr algn="ctr"/>
-              <a:endParaRPr lang="en-US" noProof="0" dirty="0"/>
+              <a:endParaRPr lang="en-US" noProof="0"/>
             </a:p>
           </p:txBody>
         </p:sp>
       </p:grpSp>
       <p:sp>
         <p:nvSpPr>
-          <p:cNvPr id="3" name="Text Placeholder 2">
-            <a:extLst>
-              <a:ext uri="{FF2B5EF4-FFF2-40B4-BE49-F238E27FC236}">
-                <a16:creationId xmlns:a16="http://schemas.microsoft.com/office/drawing/2014/main" id="{5E194264-A3F5-42E2-9A63-DCCED0457E1B}"/>
-              </a:ext>
-            </a:extLst>
-          </p:cNvPr>
+          <p:cNvPr id="3" name="Text Placeholder 2"/>
           <p:cNvSpPr>
             <a:spLocks noGrp="1"/>
           </p:cNvSpPr>
@@ -16213,13 +14355,7 @@
       </p:sp>
       <p:sp>
         <p:nvSpPr>
-          <p:cNvPr id="22" name="Slide Number Placeholder 4">
-            <a:extLst>
-              <a:ext uri="{FF2B5EF4-FFF2-40B4-BE49-F238E27FC236}">
-                <a16:creationId xmlns:a16="http://schemas.microsoft.com/office/drawing/2014/main" id="{0F332671-6296-47C8-BF26-B2D962F5D03D}"/>
-              </a:ext>
-            </a:extLst>
-          </p:cNvPr>
+          <p:cNvPr id="22" name="Slide Number Placeholder 4"/>
           <p:cNvSpPr>
             <a:spLocks noGrp="1"/>
           </p:cNvSpPr>
@@ -16248,22 +14384,15 @@
           <a:p>
             <a:fld id="{C263D6C4-4840-40CC-AC84-17E24B3B7BDE}" type="slidenum">
               <a:rPr lang="en-US" noProof="0" smtClean="0"/>
-              <a:pPr/>
               <a:t>‹#›</a:t>
             </a:fld>
-            <a:endParaRPr lang="en-US" noProof="0" dirty="0"/>
+            <a:endParaRPr lang="en-US" noProof="0"/>
           </a:p>
         </p:txBody>
       </p:sp>
       <p:sp>
         <p:nvSpPr>
-          <p:cNvPr id="23" name="Title 1">
-            <a:extLst>
-              <a:ext uri="{FF2B5EF4-FFF2-40B4-BE49-F238E27FC236}">
-                <a16:creationId xmlns:a16="http://schemas.microsoft.com/office/drawing/2014/main" id="{7772A652-7229-2B42-B87B-298C31D6F0CB}"/>
-              </a:ext>
-            </a:extLst>
-          </p:cNvPr>
+          <p:cNvPr id="23" name="Title 1"/>
           <p:cNvSpPr>
             <a:spLocks noGrp="1"/>
           </p:cNvSpPr>
@@ -16301,11 +14430,6 @@
         </p:txBody>
       </p:sp>
     </p:spTree>
-    <p:extLst>
-      <p:ext uri="{BB962C8B-B14F-4D97-AF65-F5344CB8AC3E}">
-        <p14:creationId xmlns:p14="http://schemas.microsoft.com/office/powerpoint/2010/main" val="1675197494"/>
-      </p:ext>
-    </p:extLst>
   </p:cSld>
   <p:clrMapOvr>
     <a:masterClrMapping/>
@@ -16332,13 +14456,7 @@
       </p:grpSpPr>
       <p:sp>
         <p:nvSpPr>
-          <p:cNvPr id="22" name="Rectangle 21">
-            <a:extLst>
-              <a:ext uri="{FF2B5EF4-FFF2-40B4-BE49-F238E27FC236}">
-                <a16:creationId xmlns:a16="http://schemas.microsoft.com/office/drawing/2014/main" id="{2CDBB6E5-B91E-4946-9390-E8693855103A}"/>
-              </a:ext>
-            </a:extLst>
-          </p:cNvPr>
+          <p:cNvPr id="22" name="Rectangle 21"/>
           <p:cNvSpPr/>
           <p:nvPr userDrawn="1"/>
         </p:nvSpPr>
@@ -16380,19 +14498,13 @@
           <a:lstStyle/>
           <a:p>
             <a:pPr algn="ctr"/>
-            <a:endParaRPr lang="en-US" noProof="0" dirty="0"/>
+            <a:endParaRPr lang="en-US" noProof="0"/>
           </a:p>
         </p:txBody>
       </p:sp>
       <p:sp>
         <p:nvSpPr>
-          <p:cNvPr id="34" name="Freeform: Shape 33">
-            <a:extLst>
-              <a:ext uri="{FF2B5EF4-FFF2-40B4-BE49-F238E27FC236}">
-                <a16:creationId xmlns:a16="http://schemas.microsoft.com/office/drawing/2014/main" id="{0C3CC1C9-1FA0-4FE4-8984-4A8B3728D674}"/>
-              </a:ext>
-            </a:extLst>
-          </p:cNvPr>
+          <p:cNvPr id="34" name="Freeform: Shape 33"/>
           <p:cNvSpPr/>
           <p:nvPr userDrawn="1"/>
         </p:nvSpPr>
@@ -16525,19 +14637,13 @@
           <a:lstStyle/>
           <a:p>
             <a:pPr algn="ctr"/>
-            <a:endParaRPr lang="en-US" noProof="0" dirty="0"/>
+            <a:endParaRPr lang="en-US" noProof="0"/>
           </a:p>
         </p:txBody>
       </p:sp>
       <p:sp>
         <p:nvSpPr>
-          <p:cNvPr id="24" name="Freeform: Shape 23">
-            <a:extLst>
-              <a:ext uri="{FF2B5EF4-FFF2-40B4-BE49-F238E27FC236}">
-                <a16:creationId xmlns:a16="http://schemas.microsoft.com/office/drawing/2014/main" id="{8E049265-431E-48DE-B7F7-4959930171DC}"/>
-              </a:ext>
-            </a:extLst>
-          </p:cNvPr>
+          <p:cNvPr id="24" name="Freeform: Shape 23"/>
           <p:cNvSpPr/>
           <p:nvPr userDrawn="1"/>
         </p:nvSpPr>
@@ -16665,19 +14771,13 @@
           <a:lstStyle/>
           <a:p>
             <a:pPr algn="ctr"/>
-            <a:endParaRPr lang="en-US" noProof="0" dirty="0"/>
+            <a:endParaRPr lang="en-US" noProof="0"/>
           </a:p>
         </p:txBody>
       </p:sp>
       <p:sp>
         <p:nvSpPr>
-          <p:cNvPr id="25" name="Freeform: Shape 24">
-            <a:extLst>
-              <a:ext uri="{FF2B5EF4-FFF2-40B4-BE49-F238E27FC236}">
-                <a16:creationId xmlns:a16="http://schemas.microsoft.com/office/drawing/2014/main" id="{173E5F2D-1F8E-4DCC-857F-932C6C6539BB}"/>
-              </a:ext>
-            </a:extLst>
-          </p:cNvPr>
+          <p:cNvPr id="25" name="Freeform: Shape 24"/>
           <p:cNvSpPr/>
           <p:nvPr userDrawn="1"/>
         </p:nvSpPr>
@@ -16811,19 +14911,13 @@
           <a:lstStyle/>
           <a:p>
             <a:pPr algn="ctr"/>
-            <a:endParaRPr lang="en-US" noProof="0" dirty="0"/>
+            <a:endParaRPr lang="en-US" noProof="0"/>
           </a:p>
         </p:txBody>
       </p:sp>
       <p:grpSp>
         <p:nvGrpSpPr>
-          <p:cNvPr id="26" name="Group 25">
-            <a:extLst>
-              <a:ext uri="{FF2B5EF4-FFF2-40B4-BE49-F238E27FC236}">
-                <a16:creationId xmlns:a16="http://schemas.microsoft.com/office/drawing/2014/main" id="{E9318B2B-E019-4078-9EF0-C9D6281AE31B}"/>
-              </a:ext>
-            </a:extLst>
-          </p:cNvPr>
+          <p:cNvPr id="26" name="Group 25"/>
           <p:cNvGrpSpPr/>
           <p:nvPr userDrawn="1"/>
         </p:nvGrpSpPr>
@@ -16837,13 +14931,7 @@
         </p:grpSpPr>
         <p:sp>
           <p:nvSpPr>
-            <p:cNvPr id="27" name="Freeform: Shape 26">
-              <a:extLst>
-                <a:ext uri="{FF2B5EF4-FFF2-40B4-BE49-F238E27FC236}">
-                  <a16:creationId xmlns:a16="http://schemas.microsoft.com/office/drawing/2014/main" id="{D3E625C0-9656-421F-861F-67C8F93362ED}"/>
-                </a:ext>
-              </a:extLst>
-            </p:cNvPr>
+            <p:cNvPr id="27" name="Freeform: Shape 26"/>
             <p:cNvSpPr/>
             <p:nvPr/>
           </p:nvSpPr>
@@ -16931,19 +15019,13 @@
             <a:lstStyle/>
             <a:p>
               <a:pPr algn="ctr"/>
-              <a:endParaRPr lang="en-US" noProof="0" dirty="0"/>
+              <a:endParaRPr lang="en-US" noProof="0"/>
             </a:p>
           </p:txBody>
         </p:sp>
         <p:sp>
           <p:nvSpPr>
-            <p:cNvPr id="28" name="Freeform: Shape 27">
-              <a:extLst>
-                <a:ext uri="{FF2B5EF4-FFF2-40B4-BE49-F238E27FC236}">
-                  <a16:creationId xmlns:a16="http://schemas.microsoft.com/office/drawing/2014/main" id="{49F8E490-C6E3-4D00-866F-CD85DD88996E}"/>
-                </a:ext>
-              </a:extLst>
-            </p:cNvPr>
+            <p:cNvPr id="28" name="Freeform: Shape 27"/>
             <p:cNvSpPr/>
             <p:nvPr/>
           </p:nvSpPr>
@@ -17039,20 +15121,14 @@
             <a:lstStyle/>
             <a:p>
               <a:pPr algn="ctr"/>
-              <a:endParaRPr lang="en-US" noProof="0" dirty="0"/>
+              <a:endParaRPr lang="en-US" noProof="0"/>
             </a:p>
           </p:txBody>
         </p:sp>
       </p:grpSp>
       <p:sp>
         <p:nvSpPr>
-          <p:cNvPr id="29" name="Freeform: Shape 28">
-            <a:extLst>
-              <a:ext uri="{FF2B5EF4-FFF2-40B4-BE49-F238E27FC236}">
-                <a16:creationId xmlns:a16="http://schemas.microsoft.com/office/drawing/2014/main" id="{EE8F5B31-1523-46AE-9455-C33DFC1BDDE0}"/>
-              </a:ext>
-            </a:extLst>
-          </p:cNvPr>
+          <p:cNvPr id="29" name="Freeform: Shape 28"/>
           <p:cNvSpPr/>
           <p:nvPr userDrawn="1"/>
         </p:nvSpPr>
@@ -17132,19 +15208,13 @@
           <a:lstStyle/>
           <a:p>
             <a:pPr algn="ctr"/>
-            <a:endParaRPr lang="en-US" noProof="0" dirty="0"/>
+            <a:endParaRPr lang="en-US" noProof="0"/>
           </a:p>
         </p:txBody>
       </p:sp>
       <p:sp>
         <p:nvSpPr>
-          <p:cNvPr id="30" name="Freeform: Shape 29">
-            <a:extLst>
-              <a:ext uri="{FF2B5EF4-FFF2-40B4-BE49-F238E27FC236}">
-                <a16:creationId xmlns:a16="http://schemas.microsoft.com/office/drawing/2014/main" id="{5D17048F-C2E1-4775-BC32-50BD6219F89D}"/>
-              </a:ext>
-            </a:extLst>
-          </p:cNvPr>
+          <p:cNvPr id="30" name="Freeform: Shape 29"/>
           <p:cNvSpPr/>
           <p:nvPr userDrawn="1"/>
         </p:nvSpPr>
@@ -17232,19 +15302,13 @@
           <a:lstStyle/>
           <a:p>
             <a:pPr algn="ctr"/>
-            <a:endParaRPr lang="en-US" noProof="0" dirty="0"/>
+            <a:endParaRPr lang="en-US" noProof="0"/>
           </a:p>
         </p:txBody>
       </p:sp>
       <p:grpSp>
         <p:nvGrpSpPr>
-          <p:cNvPr id="31" name="Group 30">
-            <a:extLst>
-              <a:ext uri="{FF2B5EF4-FFF2-40B4-BE49-F238E27FC236}">
-                <a16:creationId xmlns:a16="http://schemas.microsoft.com/office/drawing/2014/main" id="{EAB002AA-4848-49C8-A834-036F860C79A3}"/>
-              </a:ext>
-            </a:extLst>
-          </p:cNvPr>
+          <p:cNvPr id="31" name="Group 30"/>
           <p:cNvGrpSpPr/>
           <p:nvPr userDrawn="1"/>
         </p:nvGrpSpPr>
@@ -17258,13 +15322,7 @@
         </p:grpSpPr>
         <p:sp>
           <p:nvSpPr>
-            <p:cNvPr id="32" name="Freeform: Shape 31">
-              <a:extLst>
-                <a:ext uri="{FF2B5EF4-FFF2-40B4-BE49-F238E27FC236}">
-                  <a16:creationId xmlns:a16="http://schemas.microsoft.com/office/drawing/2014/main" id="{14B187A8-7F8D-469D-A03B-4F835A5746DE}"/>
-                </a:ext>
-              </a:extLst>
-            </p:cNvPr>
+            <p:cNvPr id="32" name="Freeform: Shape 31"/>
             <p:cNvSpPr/>
             <p:nvPr/>
           </p:nvSpPr>
@@ -17342,19 +15400,13 @@
             <a:lstStyle/>
             <a:p>
               <a:pPr algn="ctr"/>
-              <a:endParaRPr lang="en-US" noProof="0" dirty="0"/>
+              <a:endParaRPr lang="en-US" noProof="0"/>
             </a:p>
           </p:txBody>
         </p:sp>
         <p:sp>
           <p:nvSpPr>
-            <p:cNvPr id="33" name="Freeform: Shape 32">
-              <a:extLst>
-                <a:ext uri="{FF2B5EF4-FFF2-40B4-BE49-F238E27FC236}">
-                  <a16:creationId xmlns:a16="http://schemas.microsoft.com/office/drawing/2014/main" id="{03D871D1-A11A-48FB-82A8-8D61AB5CB85C}"/>
-                </a:ext>
-              </a:extLst>
-            </p:cNvPr>
+            <p:cNvPr id="33" name="Freeform: Shape 32"/>
             <p:cNvSpPr/>
             <p:nvPr/>
           </p:nvSpPr>
@@ -17440,20 +15492,14 @@
             <a:lstStyle/>
             <a:p>
               <a:pPr algn="ctr"/>
-              <a:endParaRPr lang="en-US" noProof="0" dirty="0"/>
+              <a:endParaRPr lang="en-US" noProof="0"/>
             </a:p>
           </p:txBody>
         </p:sp>
       </p:grpSp>
       <p:sp>
         <p:nvSpPr>
-          <p:cNvPr id="2" name="Title 1">
-            <a:extLst>
-              <a:ext uri="{FF2B5EF4-FFF2-40B4-BE49-F238E27FC236}">
-                <a16:creationId xmlns:a16="http://schemas.microsoft.com/office/drawing/2014/main" id="{42374B20-3E42-44AF-BEF1-8AB33067395C}"/>
-              </a:ext>
-            </a:extLst>
-          </p:cNvPr>
+          <p:cNvPr id="2" name="Title 1"/>
           <p:cNvSpPr>
             <a:spLocks noGrp="1"/>
           </p:cNvSpPr>
@@ -17492,13 +15538,7 @@
       </p:sp>
       <p:sp>
         <p:nvSpPr>
-          <p:cNvPr id="3" name="Text Placeholder 2">
-            <a:extLst>
-              <a:ext uri="{FF2B5EF4-FFF2-40B4-BE49-F238E27FC236}">
-                <a16:creationId xmlns:a16="http://schemas.microsoft.com/office/drawing/2014/main" id="{5E194264-A3F5-42E2-9A63-DCCED0457E1B}"/>
-              </a:ext>
-            </a:extLst>
-          </p:cNvPr>
+          <p:cNvPr id="3" name="Text Placeholder 2"/>
           <p:cNvSpPr>
             <a:spLocks noGrp="1"/>
           </p:cNvSpPr>
@@ -17542,13 +15582,7 @@
       </p:sp>
       <p:sp>
         <p:nvSpPr>
-          <p:cNvPr id="35" name="Slide Number Placeholder 4">
-            <a:extLst>
-              <a:ext uri="{FF2B5EF4-FFF2-40B4-BE49-F238E27FC236}">
-                <a16:creationId xmlns:a16="http://schemas.microsoft.com/office/drawing/2014/main" id="{6F73F836-940E-4B65-A29C-D0869263C935}"/>
-              </a:ext>
-            </a:extLst>
-          </p:cNvPr>
+          <p:cNvPr id="35" name="Slide Number Placeholder 4"/>
           <p:cNvSpPr>
             <a:spLocks noGrp="1"/>
           </p:cNvSpPr>
@@ -17577,19 +15611,13 @@
           <a:p>
             <a:fld id="{C263D6C4-4840-40CC-AC84-17E24B3B7BDE}" type="slidenum">
               <a:rPr lang="en-US" noProof="0" smtClean="0"/>
-              <a:pPr/>
               <a:t>‹#›</a:t>
             </a:fld>
-            <a:endParaRPr lang="en-US" noProof="0" dirty="0"/>
+            <a:endParaRPr lang="en-US" noProof="0"/>
           </a:p>
         </p:txBody>
       </p:sp>
     </p:spTree>
-    <p:extLst>
-      <p:ext uri="{BB962C8B-B14F-4D97-AF65-F5344CB8AC3E}">
-        <p14:creationId xmlns:p14="http://schemas.microsoft.com/office/powerpoint/2010/main" val="3511478827"/>
-      </p:ext>
-    </p:extLst>
   </p:cSld>
   <p:clrMapOvr>
     <a:masterClrMapping/>
@@ -17616,13 +15644,7 @@
       </p:grpSpPr>
       <p:sp>
         <p:nvSpPr>
-          <p:cNvPr id="22" name="Rectangle 21">
-            <a:extLst>
-              <a:ext uri="{FF2B5EF4-FFF2-40B4-BE49-F238E27FC236}">
-                <a16:creationId xmlns:a16="http://schemas.microsoft.com/office/drawing/2014/main" id="{2CDBB6E5-B91E-4946-9390-E8693855103A}"/>
-              </a:ext>
-            </a:extLst>
-          </p:cNvPr>
+          <p:cNvPr id="22" name="Rectangle 21"/>
           <p:cNvSpPr/>
           <p:nvPr userDrawn="1"/>
         </p:nvSpPr>
@@ -17664,19 +15686,13 @@
           <a:lstStyle/>
           <a:p>
             <a:pPr algn="ctr"/>
-            <a:endParaRPr lang="en-US" noProof="0" dirty="0"/>
+            <a:endParaRPr lang="en-US" noProof="0"/>
           </a:p>
         </p:txBody>
       </p:sp>
       <p:sp>
         <p:nvSpPr>
-          <p:cNvPr id="34" name="Freeform: Shape 33">
-            <a:extLst>
-              <a:ext uri="{FF2B5EF4-FFF2-40B4-BE49-F238E27FC236}">
-                <a16:creationId xmlns:a16="http://schemas.microsoft.com/office/drawing/2014/main" id="{0C3CC1C9-1FA0-4FE4-8984-4A8B3728D674}"/>
-              </a:ext>
-            </a:extLst>
-          </p:cNvPr>
+          <p:cNvPr id="34" name="Freeform: Shape 33"/>
           <p:cNvSpPr/>
           <p:nvPr userDrawn="1"/>
         </p:nvSpPr>
@@ -17809,19 +15825,13 @@
           <a:lstStyle/>
           <a:p>
             <a:pPr algn="ctr"/>
-            <a:endParaRPr lang="en-US" noProof="0" dirty="0"/>
+            <a:endParaRPr lang="en-US" noProof="0"/>
           </a:p>
         </p:txBody>
       </p:sp>
       <p:sp>
         <p:nvSpPr>
-          <p:cNvPr id="24" name="Freeform: Shape 23">
-            <a:extLst>
-              <a:ext uri="{FF2B5EF4-FFF2-40B4-BE49-F238E27FC236}">
-                <a16:creationId xmlns:a16="http://schemas.microsoft.com/office/drawing/2014/main" id="{8E049265-431E-48DE-B7F7-4959930171DC}"/>
-              </a:ext>
-            </a:extLst>
-          </p:cNvPr>
+          <p:cNvPr id="24" name="Freeform: Shape 23"/>
           <p:cNvSpPr/>
           <p:nvPr userDrawn="1"/>
         </p:nvSpPr>
@@ -17949,19 +15959,13 @@
           <a:lstStyle/>
           <a:p>
             <a:pPr algn="ctr"/>
-            <a:endParaRPr lang="en-US" noProof="0" dirty="0"/>
+            <a:endParaRPr lang="en-US" noProof="0"/>
           </a:p>
         </p:txBody>
       </p:sp>
       <p:sp>
         <p:nvSpPr>
-          <p:cNvPr id="25" name="Freeform: Shape 24">
-            <a:extLst>
-              <a:ext uri="{FF2B5EF4-FFF2-40B4-BE49-F238E27FC236}">
-                <a16:creationId xmlns:a16="http://schemas.microsoft.com/office/drawing/2014/main" id="{173E5F2D-1F8E-4DCC-857F-932C6C6539BB}"/>
-              </a:ext>
-            </a:extLst>
-          </p:cNvPr>
+          <p:cNvPr id="25" name="Freeform: Shape 24"/>
           <p:cNvSpPr/>
           <p:nvPr userDrawn="1"/>
         </p:nvSpPr>
@@ -18095,19 +16099,13 @@
           <a:lstStyle/>
           <a:p>
             <a:pPr algn="ctr"/>
-            <a:endParaRPr lang="en-US" noProof="0" dirty="0"/>
+            <a:endParaRPr lang="en-US" noProof="0"/>
           </a:p>
         </p:txBody>
       </p:sp>
       <p:sp>
         <p:nvSpPr>
-          <p:cNvPr id="4" name="Oval 3">
-            <a:extLst>
-              <a:ext uri="{FF2B5EF4-FFF2-40B4-BE49-F238E27FC236}">
-                <a16:creationId xmlns:a16="http://schemas.microsoft.com/office/drawing/2014/main" id="{ECB4C115-EFF9-405C-98BE-F4077B9730D0}"/>
-              </a:ext>
-            </a:extLst>
-          </p:cNvPr>
+          <p:cNvPr id="4" name="Oval 3"/>
           <p:cNvSpPr/>
           <p:nvPr userDrawn="1"/>
         </p:nvSpPr>
@@ -18153,22 +16151,14 @@
           <a:lstStyle/>
           <a:p>
             <a:pPr algn="ctr"/>
-            <a:endParaRPr lang="en-US" noProof="0" dirty="0"/>
+            <a:endParaRPr lang="en-US" noProof="0"/>
           </a:p>
         </p:txBody>
       </p:sp>
       <p:sp>
         <p:nvSpPr>
-          <p:cNvPr id="18" name="Title 1">
-            <a:extLst>
-              <a:ext uri="{FF2B5EF4-FFF2-40B4-BE49-F238E27FC236}">
-                <a16:creationId xmlns:a16="http://schemas.microsoft.com/office/drawing/2014/main" id="{C9A300DD-BB54-44ED-A7E4-01CD41EC930F}"/>
-              </a:ext>
-            </a:extLst>
-          </p:cNvPr>
-          <p:cNvSpPr txBox="1">
-            <a:spLocks/>
-          </p:cNvSpPr>
+          <p:cNvPr id="18" name="Title 1"/>
+          <p:cNvSpPr txBox="1"/>
           <p:nvPr userDrawn="1"/>
         </p:nvSpPr>
         <p:spPr>
@@ -18206,7 +16196,7 @@
           <a:p>
             <a:pPr algn="ctr"/>
             <a:r>
-              <a:rPr lang="en-US" sz="18400" noProof="0" dirty="0">
+              <a:rPr lang="en-US" sz="18400" noProof="0">
                 <a:solidFill>
                   <a:schemeClr val="accent1">
                     <a:lumMod val="60000"/>
@@ -18222,13 +16212,7 @@
       </p:sp>
       <p:sp>
         <p:nvSpPr>
-          <p:cNvPr id="2" name="Title 1">
-            <a:extLst>
-              <a:ext uri="{FF2B5EF4-FFF2-40B4-BE49-F238E27FC236}">
-                <a16:creationId xmlns:a16="http://schemas.microsoft.com/office/drawing/2014/main" id="{42374B20-3E42-44AF-BEF1-8AB33067395C}"/>
-              </a:ext>
-            </a:extLst>
-          </p:cNvPr>
+          <p:cNvPr id="2" name="Title 1"/>
           <p:cNvSpPr>
             <a:spLocks noGrp="1"/>
           </p:cNvSpPr>
@@ -18270,13 +16254,7 @@
       </p:sp>
       <p:sp>
         <p:nvSpPr>
-          <p:cNvPr id="19" name="Slide Number Placeholder 4">
-            <a:extLst>
-              <a:ext uri="{FF2B5EF4-FFF2-40B4-BE49-F238E27FC236}">
-                <a16:creationId xmlns:a16="http://schemas.microsoft.com/office/drawing/2014/main" id="{A4E6C1FF-5925-42B3-B7F9-0A0031BDAD30}"/>
-              </a:ext>
-            </a:extLst>
-          </p:cNvPr>
+          <p:cNvPr id="19" name="Slide Number Placeholder 4"/>
           <p:cNvSpPr>
             <a:spLocks noGrp="1"/>
           </p:cNvSpPr>
@@ -18305,19 +16283,13 @@
           <a:p>
             <a:fld id="{C263D6C4-4840-40CC-AC84-17E24B3B7BDE}" type="slidenum">
               <a:rPr lang="en-US" noProof="0" smtClean="0"/>
-              <a:pPr/>
               <a:t>‹#›</a:t>
             </a:fld>
-            <a:endParaRPr lang="en-US" noProof="0" dirty="0"/>
+            <a:endParaRPr lang="en-US" noProof="0"/>
           </a:p>
         </p:txBody>
       </p:sp>
     </p:spTree>
-    <p:extLst>
-      <p:ext uri="{BB962C8B-B14F-4D97-AF65-F5344CB8AC3E}">
-        <p14:creationId xmlns:p14="http://schemas.microsoft.com/office/powerpoint/2010/main" val="1753169891"/>
-      </p:ext>
-    </p:extLst>
   </p:cSld>
   <p:clrMapOvr>
     <a:masterClrMapping/>
@@ -18352,13 +16324,7 @@
       </p:grpSpPr>
       <p:sp>
         <p:nvSpPr>
-          <p:cNvPr id="11" name="Rectangle 10">
-            <a:extLst>
-              <a:ext uri="{FF2B5EF4-FFF2-40B4-BE49-F238E27FC236}">
-                <a16:creationId xmlns:a16="http://schemas.microsoft.com/office/drawing/2014/main" id="{EB3E033F-4449-40FA-BC85-BD2712D313DD}"/>
-              </a:ext>
-            </a:extLst>
-          </p:cNvPr>
+          <p:cNvPr id="11" name="Rectangle 10"/>
           <p:cNvSpPr/>
           <p:nvPr userDrawn="1"/>
         </p:nvSpPr>
@@ -18400,19 +16366,13 @@
           <a:lstStyle/>
           <a:p>
             <a:pPr algn="ctr"/>
-            <a:endParaRPr lang="en-US" noProof="0" dirty="0"/>
+            <a:endParaRPr lang="en-US" noProof="0"/>
           </a:p>
         </p:txBody>
       </p:sp>
       <p:sp>
         <p:nvSpPr>
-          <p:cNvPr id="10" name="Freeform: Shape 9">
-            <a:extLst>
-              <a:ext uri="{FF2B5EF4-FFF2-40B4-BE49-F238E27FC236}">
-                <a16:creationId xmlns:a16="http://schemas.microsoft.com/office/drawing/2014/main" id="{63D26743-0505-444C-80B3-E88EE87DF72B}"/>
-              </a:ext>
-            </a:extLst>
-          </p:cNvPr>
+          <p:cNvPr id="10" name="Freeform: Shape 9"/>
           <p:cNvSpPr/>
           <p:nvPr userDrawn="1"/>
         </p:nvSpPr>
@@ -18523,19 +16483,13 @@
           <a:lstStyle/>
           <a:p>
             <a:pPr algn="ctr"/>
-            <a:endParaRPr lang="en-US" noProof="0" dirty="0"/>
+            <a:endParaRPr lang="en-US" noProof="0"/>
           </a:p>
         </p:txBody>
       </p:sp>
       <p:sp>
         <p:nvSpPr>
-          <p:cNvPr id="8" name="Freeform: Shape 7">
-            <a:extLst>
-              <a:ext uri="{FF2B5EF4-FFF2-40B4-BE49-F238E27FC236}">
-                <a16:creationId xmlns:a16="http://schemas.microsoft.com/office/drawing/2014/main" id="{1599AF7E-3E34-4597-AA72-9373A7FDB020}"/>
-              </a:ext>
-            </a:extLst>
-          </p:cNvPr>
+          <p:cNvPr id="8" name="Freeform: Shape 7"/>
           <p:cNvSpPr/>
           <p:nvPr userDrawn="1"/>
         </p:nvSpPr>
@@ -18669,19 +16623,13 @@
           <a:lstStyle/>
           <a:p>
             <a:pPr algn="ctr"/>
-            <a:endParaRPr lang="en-US" noProof="0" dirty="0"/>
+            <a:endParaRPr lang="en-US" noProof="0"/>
           </a:p>
         </p:txBody>
       </p:sp>
       <p:sp>
         <p:nvSpPr>
-          <p:cNvPr id="2" name="Title 1">
-            <a:extLst>
-              <a:ext uri="{FF2B5EF4-FFF2-40B4-BE49-F238E27FC236}">
-                <a16:creationId xmlns:a16="http://schemas.microsoft.com/office/drawing/2014/main" id="{4A2DF563-7FAC-46B3-B24C-7E45CD89DA2B}"/>
-              </a:ext>
-            </a:extLst>
-          </p:cNvPr>
+          <p:cNvPr id="2" name="Title 1"/>
           <p:cNvSpPr>
             <a:spLocks noGrp="1"/>
           </p:cNvSpPr>
@@ -18720,13 +16668,7 @@
       </p:sp>
       <p:sp>
         <p:nvSpPr>
-          <p:cNvPr id="5" name="Slide Number Placeholder 4">
-            <a:extLst>
-              <a:ext uri="{FF2B5EF4-FFF2-40B4-BE49-F238E27FC236}">
-                <a16:creationId xmlns:a16="http://schemas.microsoft.com/office/drawing/2014/main" id="{87B51822-97FF-47A7-8E4E-A0F79B4EB237}"/>
-              </a:ext>
-            </a:extLst>
-          </p:cNvPr>
+          <p:cNvPr id="5" name="Slide Number Placeholder 4"/>
           <p:cNvSpPr>
             <a:spLocks noGrp="1"/>
           </p:cNvSpPr>
@@ -18755,22 +16697,15 @@
           <a:p>
             <a:fld id="{C263D6C4-4840-40CC-AC84-17E24B3B7BDE}" type="slidenum">
               <a:rPr lang="en-US" noProof="0" smtClean="0"/>
-              <a:pPr/>
               <a:t>‹#›</a:t>
             </a:fld>
-            <a:endParaRPr lang="en-US" noProof="0" dirty="0"/>
+            <a:endParaRPr lang="en-US" noProof="0"/>
           </a:p>
         </p:txBody>
       </p:sp>
       <p:grpSp>
         <p:nvGrpSpPr>
-          <p:cNvPr id="15" name="Group 14">
-            <a:extLst>
-              <a:ext uri="{FF2B5EF4-FFF2-40B4-BE49-F238E27FC236}">
-                <a16:creationId xmlns:a16="http://schemas.microsoft.com/office/drawing/2014/main" id="{7732E1E7-45E3-4264-8F26-66758696DD1E}"/>
-              </a:ext>
-            </a:extLst>
-          </p:cNvPr>
+          <p:cNvPr id="15" name="Group 14"/>
           <p:cNvGrpSpPr/>
           <p:nvPr userDrawn="1"/>
         </p:nvGrpSpPr>
@@ -18784,13 +16719,7 @@
         </p:grpSpPr>
         <p:sp>
           <p:nvSpPr>
-            <p:cNvPr id="16" name="Freeform: Shape 15">
-              <a:extLst>
-                <a:ext uri="{FF2B5EF4-FFF2-40B4-BE49-F238E27FC236}">
-                  <a16:creationId xmlns:a16="http://schemas.microsoft.com/office/drawing/2014/main" id="{2E3DF883-8093-49FA-81E1-E5D77F086A25}"/>
-                </a:ext>
-              </a:extLst>
-            </p:cNvPr>
+            <p:cNvPr id="16" name="Freeform: Shape 15"/>
             <p:cNvSpPr/>
             <p:nvPr/>
           </p:nvSpPr>
@@ -18868,19 +16797,13 @@
             <a:lstStyle/>
             <a:p>
               <a:pPr algn="ctr"/>
-              <a:endParaRPr lang="en-US" noProof="0" dirty="0"/>
+              <a:endParaRPr lang="en-US" noProof="0"/>
             </a:p>
           </p:txBody>
         </p:sp>
         <p:sp>
           <p:nvSpPr>
-            <p:cNvPr id="17" name="Freeform: Shape 16">
-              <a:extLst>
-                <a:ext uri="{FF2B5EF4-FFF2-40B4-BE49-F238E27FC236}">
-                  <a16:creationId xmlns:a16="http://schemas.microsoft.com/office/drawing/2014/main" id="{18944C90-37E5-4BBE-89FF-060627168050}"/>
-                </a:ext>
-              </a:extLst>
-            </p:cNvPr>
+            <p:cNvPr id="17" name="Freeform: Shape 16"/>
             <p:cNvSpPr/>
             <p:nvPr/>
           </p:nvSpPr>
@@ -18966,20 +16889,14 @@
             <a:lstStyle/>
             <a:p>
               <a:pPr algn="ctr"/>
-              <a:endParaRPr lang="en-US" noProof="0" dirty="0"/>
+              <a:endParaRPr lang="en-US" noProof="0"/>
             </a:p>
           </p:txBody>
         </p:sp>
       </p:grpSp>
       <p:sp>
         <p:nvSpPr>
-          <p:cNvPr id="23" name="Text Placeholder 22">
-            <a:extLst>
-              <a:ext uri="{FF2B5EF4-FFF2-40B4-BE49-F238E27FC236}">
-                <a16:creationId xmlns:a16="http://schemas.microsoft.com/office/drawing/2014/main" id="{03618670-D1E4-466C-BDB5-FC890AC31457}"/>
-              </a:ext>
-            </a:extLst>
-          </p:cNvPr>
+          <p:cNvPr id="23" name="Text Placeholder 22"/>
           <p:cNvSpPr>
             <a:spLocks noGrp="1"/>
           </p:cNvSpPr>
@@ -19095,11 +17012,6 @@
         </p:txBody>
       </p:sp>
     </p:spTree>
-    <p:extLst>
-      <p:ext uri="{BB962C8B-B14F-4D97-AF65-F5344CB8AC3E}">
-        <p14:creationId xmlns:p14="http://schemas.microsoft.com/office/powerpoint/2010/main" val="274574868"/>
-      </p:ext>
-    </p:extLst>
   </p:cSld>
   <p:clrMapOvr>
     <a:masterClrMapping/>
@@ -19134,13 +17046,7 @@
       </p:grpSpPr>
       <p:sp>
         <p:nvSpPr>
-          <p:cNvPr id="11" name="Rectangle 10">
-            <a:extLst>
-              <a:ext uri="{FF2B5EF4-FFF2-40B4-BE49-F238E27FC236}">
-                <a16:creationId xmlns:a16="http://schemas.microsoft.com/office/drawing/2014/main" id="{EB3E033F-4449-40FA-BC85-BD2712D313DD}"/>
-              </a:ext>
-            </a:extLst>
-          </p:cNvPr>
+          <p:cNvPr id="11" name="Rectangle 10"/>
           <p:cNvSpPr/>
           <p:nvPr userDrawn="1"/>
         </p:nvSpPr>
@@ -19182,19 +17088,13 @@
           <a:lstStyle/>
           <a:p>
             <a:pPr algn="ctr"/>
-            <a:endParaRPr lang="en-US" noProof="0" dirty="0"/>
+            <a:endParaRPr lang="en-US" noProof="0"/>
           </a:p>
         </p:txBody>
       </p:sp>
       <p:sp>
         <p:nvSpPr>
-          <p:cNvPr id="10" name="Freeform: Shape 9">
-            <a:extLst>
-              <a:ext uri="{FF2B5EF4-FFF2-40B4-BE49-F238E27FC236}">
-                <a16:creationId xmlns:a16="http://schemas.microsoft.com/office/drawing/2014/main" id="{63D26743-0505-444C-80B3-E88EE87DF72B}"/>
-              </a:ext>
-            </a:extLst>
-          </p:cNvPr>
+          <p:cNvPr id="10" name="Freeform: Shape 9"/>
           <p:cNvSpPr/>
           <p:nvPr userDrawn="1"/>
         </p:nvSpPr>
@@ -19305,19 +17205,13 @@
           <a:lstStyle/>
           <a:p>
             <a:pPr algn="ctr"/>
-            <a:endParaRPr lang="en-US" noProof="0" dirty="0"/>
+            <a:endParaRPr lang="en-US" noProof="0"/>
           </a:p>
         </p:txBody>
       </p:sp>
       <p:sp>
         <p:nvSpPr>
-          <p:cNvPr id="18" name="Freeform: Shape 17">
-            <a:extLst>
-              <a:ext uri="{FF2B5EF4-FFF2-40B4-BE49-F238E27FC236}">
-                <a16:creationId xmlns:a16="http://schemas.microsoft.com/office/drawing/2014/main" id="{E37145E9-AC61-47D5-9288-8789940F81B6}"/>
-              </a:ext>
-            </a:extLst>
-          </p:cNvPr>
+          <p:cNvPr id="18" name="Freeform: Shape 17"/>
           <p:cNvSpPr/>
           <p:nvPr userDrawn="1"/>
         </p:nvSpPr>
@@ -19457,19 +17351,13 @@
           <a:lstStyle/>
           <a:p>
             <a:pPr algn="ctr"/>
-            <a:endParaRPr lang="en-US" noProof="0" dirty="0"/>
+            <a:endParaRPr lang="en-US" noProof="0"/>
           </a:p>
         </p:txBody>
       </p:sp>
       <p:sp>
         <p:nvSpPr>
-          <p:cNvPr id="12" name="Freeform: Shape 11">
-            <a:extLst>
-              <a:ext uri="{FF2B5EF4-FFF2-40B4-BE49-F238E27FC236}">
-                <a16:creationId xmlns:a16="http://schemas.microsoft.com/office/drawing/2014/main" id="{A5E2B3ED-9A49-40A7-B8A3-62595FE513F9}"/>
-              </a:ext>
-            </a:extLst>
-          </p:cNvPr>
+          <p:cNvPr id="12" name="Freeform: Shape 11"/>
           <p:cNvSpPr/>
           <p:nvPr userDrawn="1"/>
         </p:nvSpPr>
@@ -19607,19 +17495,13 @@
           <a:lstStyle/>
           <a:p>
             <a:pPr algn="ctr"/>
-            <a:endParaRPr lang="en-US" noProof="0" dirty="0"/>
+            <a:endParaRPr lang="en-US" noProof="0"/>
           </a:p>
         </p:txBody>
       </p:sp>
       <p:sp>
         <p:nvSpPr>
-          <p:cNvPr id="8" name="Freeform: Shape 7">
-            <a:extLst>
-              <a:ext uri="{FF2B5EF4-FFF2-40B4-BE49-F238E27FC236}">
-                <a16:creationId xmlns:a16="http://schemas.microsoft.com/office/drawing/2014/main" id="{1599AF7E-3E34-4597-AA72-9373A7FDB020}"/>
-              </a:ext>
-            </a:extLst>
-          </p:cNvPr>
+          <p:cNvPr id="8" name="Freeform: Shape 7"/>
           <p:cNvSpPr/>
           <p:nvPr userDrawn="1"/>
         </p:nvSpPr>
@@ -19753,19 +17635,13 @@
           <a:lstStyle/>
           <a:p>
             <a:pPr algn="ctr"/>
-            <a:endParaRPr lang="en-US" noProof="0" dirty="0"/>
+            <a:endParaRPr lang="en-US" noProof="0"/>
           </a:p>
         </p:txBody>
       </p:sp>
       <p:sp>
         <p:nvSpPr>
-          <p:cNvPr id="2" name="Title 1">
-            <a:extLst>
-              <a:ext uri="{FF2B5EF4-FFF2-40B4-BE49-F238E27FC236}">
-                <a16:creationId xmlns:a16="http://schemas.microsoft.com/office/drawing/2014/main" id="{4A2DF563-7FAC-46B3-B24C-7E45CD89DA2B}"/>
-              </a:ext>
-            </a:extLst>
-          </p:cNvPr>
+          <p:cNvPr id="2" name="Title 1"/>
           <p:cNvSpPr>
             <a:spLocks noGrp="1"/>
           </p:cNvSpPr>
@@ -19804,13 +17680,7 @@
       </p:sp>
       <p:grpSp>
         <p:nvGrpSpPr>
-          <p:cNvPr id="15" name="Group 14">
-            <a:extLst>
-              <a:ext uri="{FF2B5EF4-FFF2-40B4-BE49-F238E27FC236}">
-                <a16:creationId xmlns:a16="http://schemas.microsoft.com/office/drawing/2014/main" id="{7732E1E7-45E3-4264-8F26-66758696DD1E}"/>
-              </a:ext>
-            </a:extLst>
-          </p:cNvPr>
+          <p:cNvPr id="15" name="Group 14"/>
           <p:cNvGrpSpPr/>
           <p:nvPr userDrawn="1"/>
         </p:nvGrpSpPr>
@@ -19824,13 +17694,7 @@
         </p:grpSpPr>
         <p:sp>
           <p:nvSpPr>
-            <p:cNvPr id="16" name="Freeform: Shape 15">
-              <a:extLst>
-                <a:ext uri="{FF2B5EF4-FFF2-40B4-BE49-F238E27FC236}">
-                  <a16:creationId xmlns:a16="http://schemas.microsoft.com/office/drawing/2014/main" id="{2E3DF883-8093-49FA-81E1-E5D77F086A25}"/>
-                </a:ext>
-              </a:extLst>
-            </p:cNvPr>
+            <p:cNvPr id="16" name="Freeform: Shape 15"/>
             <p:cNvSpPr/>
             <p:nvPr/>
           </p:nvSpPr>
@@ -19908,19 +17772,13 @@
             <a:lstStyle/>
             <a:p>
               <a:pPr algn="ctr"/>
-              <a:endParaRPr lang="en-US" noProof="0" dirty="0"/>
+              <a:endParaRPr lang="en-US" noProof="0"/>
             </a:p>
           </p:txBody>
         </p:sp>
         <p:sp>
           <p:nvSpPr>
-            <p:cNvPr id="17" name="Freeform: Shape 16">
-              <a:extLst>
-                <a:ext uri="{FF2B5EF4-FFF2-40B4-BE49-F238E27FC236}">
-                  <a16:creationId xmlns:a16="http://schemas.microsoft.com/office/drawing/2014/main" id="{18944C90-37E5-4BBE-89FF-060627168050}"/>
-                </a:ext>
-              </a:extLst>
-            </p:cNvPr>
+            <p:cNvPr id="17" name="Freeform: Shape 16"/>
             <p:cNvSpPr/>
             <p:nvPr/>
           </p:nvSpPr>
@@ -20006,20 +17864,14 @@
             <a:lstStyle/>
             <a:p>
               <a:pPr algn="ctr"/>
-              <a:endParaRPr lang="en-US" noProof="0" dirty="0"/>
+              <a:endParaRPr lang="en-US" noProof="0"/>
             </a:p>
           </p:txBody>
         </p:sp>
       </p:grpSp>
       <p:grpSp>
         <p:nvGrpSpPr>
-          <p:cNvPr id="6" name="Group 5">
-            <a:extLst>
-              <a:ext uri="{FF2B5EF4-FFF2-40B4-BE49-F238E27FC236}">
-                <a16:creationId xmlns:a16="http://schemas.microsoft.com/office/drawing/2014/main" id="{D9EBF8BB-A805-4DDB-B459-082F99815B95}"/>
-              </a:ext>
-            </a:extLst>
-          </p:cNvPr>
+          <p:cNvPr id="6" name="Group 5"/>
           <p:cNvGrpSpPr/>
           <p:nvPr userDrawn="1"/>
         </p:nvGrpSpPr>
@@ -20033,13 +17885,7 @@
         </p:grpSpPr>
         <p:sp>
           <p:nvSpPr>
-            <p:cNvPr id="19" name="Rectangle: Single Corner Snipped 18">
-              <a:extLst>
-                <a:ext uri="{FF2B5EF4-FFF2-40B4-BE49-F238E27FC236}">
-                  <a16:creationId xmlns:a16="http://schemas.microsoft.com/office/drawing/2014/main" id="{5D638788-DD47-45E7-939A-FA108A818173}"/>
-                </a:ext>
-              </a:extLst>
-            </p:cNvPr>
+            <p:cNvPr id="19" name="Rectangle: Single Corner Snipped 18"/>
             <p:cNvSpPr/>
             <p:nvPr userDrawn="1"/>
           </p:nvSpPr>
@@ -20085,27 +17931,18 @@
           </p:style>
           <p:txBody>
             <a:bodyPr rot="0" spcFirstLastPara="0" vertOverflow="overflow" horzOverflow="overflow" vert="horz" wrap="square" lIns="91440" tIns="45720" rIns="91440" bIns="45720" numCol="1" spcCol="0" rtlCol="0" fromWordArt="0" anchor="ctr" anchorCtr="0" forceAA="0" compatLnSpc="1">
-              <a:prstTxWarp prst="textNoShape">
-                <a:avLst/>
-              </a:prstTxWarp>
               <a:noAutofit/>
             </a:bodyPr>
             <a:lstStyle/>
             <a:p>
               <a:pPr lvl="0" algn="ctr"/>
-              <a:endParaRPr lang="en-US" noProof="0" dirty="0"/>
+              <a:endParaRPr lang="en-US" noProof="0"/>
             </a:p>
           </p:txBody>
         </p:sp>
         <p:sp>
           <p:nvSpPr>
-            <p:cNvPr id="3" name="Rectangle: Single Corner Snipped 2">
-              <a:extLst>
-                <a:ext uri="{FF2B5EF4-FFF2-40B4-BE49-F238E27FC236}">
-                  <a16:creationId xmlns:a16="http://schemas.microsoft.com/office/drawing/2014/main" id="{74BDECEF-EEFE-4332-B3B2-BDE4F82C10FC}"/>
-                </a:ext>
-              </a:extLst>
-            </p:cNvPr>
+            <p:cNvPr id="3" name="Rectangle: Single Corner Snipped 2"/>
             <p:cNvSpPr/>
             <p:nvPr userDrawn="1"/>
           </p:nvSpPr>
@@ -20149,20 +17986,14 @@
             <a:lstStyle/>
             <a:p>
               <a:pPr algn="ctr"/>
-              <a:endParaRPr lang="en-US" noProof="0" dirty="0"/>
+              <a:endParaRPr lang="en-US" noProof="0"/>
             </a:p>
           </p:txBody>
         </p:sp>
       </p:grpSp>
       <p:sp>
         <p:nvSpPr>
-          <p:cNvPr id="24" name="Freeform: Shape 23">
-            <a:extLst>
-              <a:ext uri="{FF2B5EF4-FFF2-40B4-BE49-F238E27FC236}">
-                <a16:creationId xmlns:a16="http://schemas.microsoft.com/office/drawing/2014/main" id="{18103E00-7E4A-44CD-81AC-06433CAE1110}"/>
-              </a:ext>
-            </a:extLst>
-          </p:cNvPr>
+          <p:cNvPr id="24" name="Freeform: Shape 23"/>
           <p:cNvSpPr/>
           <p:nvPr userDrawn="1"/>
         </p:nvSpPr>
@@ -20245,19 +18076,13 @@
           <a:lstStyle/>
           <a:p>
             <a:pPr algn="ctr"/>
-            <a:endParaRPr lang="en-US" noProof="0" dirty="0"/>
+            <a:endParaRPr lang="en-US" noProof="0"/>
           </a:p>
         </p:txBody>
       </p:sp>
       <p:sp>
         <p:nvSpPr>
-          <p:cNvPr id="5" name="Slide Number Placeholder 4">
-            <a:extLst>
-              <a:ext uri="{FF2B5EF4-FFF2-40B4-BE49-F238E27FC236}">
-                <a16:creationId xmlns:a16="http://schemas.microsoft.com/office/drawing/2014/main" id="{87B51822-97FF-47A7-8E4E-A0F79B4EB237}"/>
-              </a:ext>
-            </a:extLst>
-          </p:cNvPr>
+          <p:cNvPr id="5" name="Slide Number Placeholder 4"/>
           <p:cNvSpPr>
             <a:spLocks noGrp="1"/>
           </p:cNvSpPr>
@@ -20286,19 +18111,13 @@
           <a:p>
             <a:fld id="{C263D6C4-4840-40CC-AC84-17E24B3B7BDE}" type="slidenum">
               <a:rPr lang="en-US" noProof="0" smtClean="0"/>
-              <a:pPr/>
               <a:t>‹#›</a:t>
             </a:fld>
-            <a:endParaRPr lang="en-US" noProof="0" dirty="0"/>
+            <a:endParaRPr lang="en-US" noProof="0"/>
           </a:p>
         </p:txBody>
       </p:sp>
     </p:spTree>
-    <p:extLst>
-      <p:ext uri="{BB962C8B-B14F-4D97-AF65-F5344CB8AC3E}">
-        <p14:creationId xmlns:p14="http://schemas.microsoft.com/office/powerpoint/2010/main" val="4073704932"/>
-      </p:ext>
-    </p:extLst>
   </p:cSld>
   <p:clrMapOvr>
     <a:masterClrMapping/>
@@ -20333,13 +18152,7 @@
       </p:grpSpPr>
       <p:sp>
         <p:nvSpPr>
-          <p:cNvPr id="11" name="Rectangle 10">
-            <a:extLst>
-              <a:ext uri="{FF2B5EF4-FFF2-40B4-BE49-F238E27FC236}">
-                <a16:creationId xmlns:a16="http://schemas.microsoft.com/office/drawing/2014/main" id="{EB3E033F-4449-40FA-BC85-BD2712D313DD}"/>
-              </a:ext>
-            </a:extLst>
-          </p:cNvPr>
+          <p:cNvPr id="11" name="Rectangle 10"/>
           <p:cNvSpPr/>
           <p:nvPr userDrawn="1"/>
         </p:nvSpPr>
@@ -20381,19 +18194,13 @@
           <a:lstStyle/>
           <a:p>
             <a:pPr algn="ctr"/>
-            <a:endParaRPr lang="en-US" noProof="0" dirty="0"/>
+            <a:endParaRPr lang="en-US" noProof="0"/>
           </a:p>
         </p:txBody>
       </p:sp>
       <p:sp>
         <p:nvSpPr>
-          <p:cNvPr id="10" name="Freeform: Shape 9">
-            <a:extLst>
-              <a:ext uri="{FF2B5EF4-FFF2-40B4-BE49-F238E27FC236}">
-                <a16:creationId xmlns:a16="http://schemas.microsoft.com/office/drawing/2014/main" id="{63D26743-0505-444C-80B3-E88EE87DF72B}"/>
-              </a:ext>
-            </a:extLst>
-          </p:cNvPr>
+          <p:cNvPr id="10" name="Freeform: Shape 9"/>
           <p:cNvSpPr/>
           <p:nvPr userDrawn="1"/>
         </p:nvSpPr>
@@ -20504,19 +18311,13 @@
           <a:lstStyle/>
           <a:p>
             <a:pPr algn="ctr"/>
-            <a:endParaRPr lang="en-US" noProof="0" dirty="0"/>
+            <a:endParaRPr lang="en-US" noProof="0"/>
           </a:p>
         </p:txBody>
       </p:sp>
       <p:sp>
         <p:nvSpPr>
-          <p:cNvPr id="18" name="Freeform: Shape 17">
-            <a:extLst>
-              <a:ext uri="{FF2B5EF4-FFF2-40B4-BE49-F238E27FC236}">
-                <a16:creationId xmlns:a16="http://schemas.microsoft.com/office/drawing/2014/main" id="{E37145E9-AC61-47D5-9288-8789940F81B6}"/>
-              </a:ext>
-            </a:extLst>
-          </p:cNvPr>
+          <p:cNvPr id="18" name="Freeform: Shape 17"/>
           <p:cNvSpPr/>
           <p:nvPr userDrawn="1"/>
         </p:nvSpPr>
@@ -20656,19 +18457,13 @@
           <a:lstStyle/>
           <a:p>
             <a:pPr algn="ctr"/>
-            <a:endParaRPr lang="en-US" noProof="0" dirty="0"/>
+            <a:endParaRPr lang="en-US" noProof="0"/>
           </a:p>
         </p:txBody>
       </p:sp>
       <p:sp>
         <p:nvSpPr>
-          <p:cNvPr id="12" name="Freeform: Shape 11">
-            <a:extLst>
-              <a:ext uri="{FF2B5EF4-FFF2-40B4-BE49-F238E27FC236}">
-                <a16:creationId xmlns:a16="http://schemas.microsoft.com/office/drawing/2014/main" id="{A5E2B3ED-9A49-40A7-B8A3-62595FE513F9}"/>
-              </a:ext>
-            </a:extLst>
-          </p:cNvPr>
+          <p:cNvPr id="12" name="Freeform: Shape 11"/>
           <p:cNvSpPr/>
           <p:nvPr userDrawn="1"/>
         </p:nvSpPr>
@@ -20806,19 +18601,13 @@
           <a:lstStyle/>
           <a:p>
             <a:pPr algn="ctr"/>
-            <a:endParaRPr lang="en-US" noProof="0" dirty="0"/>
+            <a:endParaRPr lang="en-US" noProof="0"/>
           </a:p>
         </p:txBody>
       </p:sp>
       <p:sp>
         <p:nvSpPr>
-          <p:cNvPr id="8" name="Freeform: Shape 7">
-            <a:extLst>
-              <a:ext uri="{FF2B5EF4-FFF2-40B4-BE49-F238E27FC236}">
-                <a16:creationId xmlns:a16="http://schemas.microsoft.com/office/drawing/2014/main" id="{1599AF7E-3E34-4597-AA72-9373A7FDB020}"/>
-              </a:ext>
-            </a:extLst>
-          </p:cNvPr>
+          <p:cNvPr id="8" name="Freeform: Shape 7"/>
           <p:cNvSpPr/>
           <p:nvPr userDrawn="1"/>
         </p:nvSpPr>
@@ -20952,19 +18741,13 @@
           <a:lstStyle/>
           <a:p>
             <a:pPr algn="ctr"/>
-            <a:endParaRPr lang="en-US" noProof="0" dirty="0"/>
+            <a:endParaRPr lang="en-US" noProof="0"/>
           </a:p>
         </p:txBody>
       </p:sp>
       <p:sp>
         <p:nvSpPr>
-          <p:cNvPr id="2" name="Title 1">
-            <a:extLst>
-              <a:ext uri="{FF2B5EF4-FFF2-40B4-BE49-F238E27FC236}">
-                <a16:creationId xmlns:a16="http://schemas.microsoft.com/office/drawing/2014/main" id="{4A2DF563-7FAC-46B3-B24C-7E45CD89DA2B}"/>
-              </a:ext>
-            </a:extLst>
-          </p:cNvPr>
+          <p:cNvPr id="2" name="Title 1"/>
           <p:cNvSpPr>
             <a:spLocks noGrp="1"/>
           </p:cNvSpPr>
@@ -21003,13 +18786,7 @@
       </p:sp>
       <p:grpSp>
         <p:nvGrpSpPr>
-          <p:cNvPr id="15" name="Group 14">
-            <a:extLst>
-              <a:ext uri="{FF2B5EF4-FFF2-40B4-BE49-F238E27FC236}">
-                <a16:creationId xmlns:a16="http://schemas.microsoft.com/office/drawing/2014/main" id="{7732E1E7-45E3-4264-8F26-66758696DD1E}"/>
-              </a:ext>
-            </a:extLst>
-          </p:cNvPr>
+          <p:cNvPr id="15" name="Group 14"/>
           <p:cNvGrpSpPr/>
           <p:nvPr userDrawn="1"/>
         </p:nvGrpSpPr>
@@ -21023,13 +18800,7 @@
         </p:grpSpPr>
         <p:sp>
           <p:nvSpPr>
-            <p:cNvPr id="16" name="Freeform: Shape 15">
-              <a:extLst>
-                <a:ext uri="{FF2B5EF4-FFF2-40B4-BE49-F238E27FC236}">
-                  <a16:creationId xmlns:a16="http://schemas.microsoft.com/office/drawing/2014/main" id="{2E3DF883-8093-49FA-81E1-E5D77F086A25}"/>
-                </a:ext>
-              </a:extLst>
-            </p:cNvPr>
+            <p:cNvPr id="16" name="Freeform: Shape 15"/>
             <p:cNvSpPr/>
             <p:nvPr/>
           </p:nvSpPr>
@@ -21107,19 +18878,13 @@
             <a:lstStyle/>
             <a:p>
               <a:pPr algn="ctr"/>
-              <a:endParaRPr lang="en-US" noProof="0" dirty="0"/>
+              <a:endParaRPr lang="en-US" noProof="0"/>
             </a:p>
           </p:txBody>
         </p:sp>
         <p:sp>
           <p:nvSpPr>
-            <p:cNvPr id="17" name="Freeform: Shape 16">
-              <a:extLst>
-                <a:ext uri="{FF2B5EF4-FFF2-40B4-BE49-F238E27FC236}">
-                  <a16:creationId xmlns:a16="http://schemas.microsoft.com/office/drawing/2014/main" id="{18944C90-37E5-4BBE-89FF-060627168050}"/>
-                </a:ext>
-              </a:extLst>
-            </p:cNvPr>
+            <p:cNvPr id="17" name="Freeform: Shape 16"/>
             <p:cNvSpPr/>
             <p:nvPr/>
           </p:nvSpPr>
@@ -21205,20 +18970,14 @@
             <a:lstStyle/>
             <a:p>
               <a:pPr algn="ctr"/>
-              <a:endParaRPr lang="en-US" noProof="0" dirty="0"/>
+              <a:endParaRPr lang="en-US" noProof="0"/>
             </a:p>
           </p:txBody>
         </p:sp>
       </p:grpSp>
       <p:grpSp>
         <p:nvGrpSpPr>
-          <p:cNvPr id="6" name="Group 5">
-            <a:extLst>
-              <a:ext uri="{FF2B5EF4-FFF2-40B4-BE49-F238E27FC236}">
-                <a16:creationId xmlns:a16="http://schemas.microsoft.com/office/drawing/2014/main" id="{D9EBF8BB-A805-4DDB-B459-082F99815B95}"/>
-              </a:ext>
-            </a:extLst>
-          </p:cNvPr>
+          <p:cNvPr id="6" name="Group 5"/>
           <p:cNvGrpSpPr/>
           <p:nvPr userDrawn="1"/>
         </p:nvGrpSpPr>
@@ -21232,13 +18991,7 @@
         </p:grpSpPr>
         <p:sp>
           <p:nvSpPr>
-            <p:cNvPr id="19" name="Rectangle: Single Corner Snipped 18">
-              <a:extLst>
-                <a:ext uri="{FF2B5EF4-FFF2-40B4-BE49-F238E27FC236}">
-                  <a16:creationId xmlns:a16="http://schemas.microsoft.com/office/drawing/2014/main" id="{5D638788-DD47-45E7-939A-FA108A818173}"/>
-                </a:ext>
-              </a:extLst>
-            </p:cNvPr>
+            <p:cNvPr id="19" name="Rectangle: Single Corner Snipped 18"/>
             <p:cNvSpPr/>
             <p:nvPr userDrawn="1"/>
           </p:nvSpPr>
@@ -21284,27 +19037,18 @@
           </p:style>
           <p:txBody>
             <a:bodyPr rot="0" spcFirstLastPara="0" vertOverflow="overflow" horzOverflow="overflow" vert="horz" wrap="square" lIns="91440" tIns="45720" rIns="91440" bIns="45720" numCol="1" spcCol="0" rtlCol="0" fromWordArt="0" anchor="ctr" anchorCtr="0" forceAA="0" compatLnSpc="1">
-              <a:prstTxWarp prst="textNoShape">
-                <a:avLst/>
-              </a:prstTxWarp>
               <a:noAutofit/>
             </a:bodyPr>
             <a:lstStyle/>
             <a:p>
               <a:pPr lvl="0" algn="ctr"/>
-              <a:endParaRPr lang="en-US" noProof="0" dirty="0"/>
+              <a:endParaRPr lang="en-US" noProof="0"/>
             </a:p>
           </p:txBody>
         </p:sp>
         <p:sp>
           <p:nvSpPr>
-            <p:cNvPr id="3" name="Rectangle: Single Corner Snipped 2">
-              <a:extLst>
-                <a:ext uri="{FF2B5EF4-FFF2-40B4-BE49-F238E27FC236}">
-                  <a16:creationId xmlns:a16="http://schemas.microsoft.com/office/drawing/2014/main" id="{74BDECEF-EEFE-4332-B3B2-BDE4F82C10FC}"/>
-                </a:ext>
-              </a:extLst>
-            </p:cNvPr>
+            <p:cNvPr id="3" name="Rectangle: Single Corner Snipped 2"/>
             <p:cNvSpPr/>
             <p:nvPr userDrawn="1"/>
           </p:nvSpPr>
@@ -21348,20 +19092,14 @@
             <a:lstStyle/>
             <a:p>
               <a:pPr algn="ctr"/>
-              <a:endParaRPr lang="en-US" noProof="0" dirty="0"/>
+              <a:endParaRPr lang="en-US" noProof="0"/>
             </a:p>
           </p:txBody>
         </p:sp>
       </p:grpSp>
       <p:sp>
         <p:nvSpPr>
-          <p:cNvPr id="24" name="Freeform: Shape 23">
-            <a:extLst>
-              <a:ext uri="{FF2B5EF4-FFF2-40B4-BE49-F238E27FC236}">
-                <a16:creationId xmlns:a16="http://schemas.microsoft.com/office/drawing/2014/main" id="{18103E00-7E4A-44CD-81AC-06433CAE1110}"/>
-              </a:ext>
-            </a:extLst>
-          </p:cNvPr>
+          <p:cNvPr id="24" name="Freeform: Shape 23"/>
           <p:cNvSpPr/>
           <p:nvPr userDrawn="1"/>
         </p:nvSpPr>
@@ -21444,19 +19182,13 @@
           <a:lstStyle/>
           <a:p>
             <a:pPr algn="ctr"/>
-            <a:endParaRPr lang="en-US" noProof="0" dirty="0"/>
+            <a:endParaRPr lang="en-US" noProof="0"/>
           </a:p>
         </p:txBody>
       </p:sp>
       <p:sp>
         <p:nvSpPr>
-          <p:cNvPr id="5" name="Slide Number Placeholder 4">
-            <a:extLst>
-              <a:ext uri="{FF2B5EF4-FFF2-40B4-BE49-F238E27FC236}">
-                <a16:creationId xmlns:a16="http://schemas.microsoft.com/office/drawing/2014/main" id="{87B51822-97FF-47A7-8E4E-A0F79B4EB237}"/>
-              </a:ext>
-            </a:extLst>
-          </p:cNvPr>
+          <p:cNvPr id="5" name="Slide Number Placeholder 4"/>
           <p:cNvSpPr>
             <a:spLocks noGrp="1"/>
           </p:cNvSpPr>
@@ -21485,22 +19217,15 @@
           <a:p>
             <a:fld id="{C263D6C4-4840-40CC-AC84-17E24B3B7BDE}" type="slidenum">
               <a:rPr lang="en-US" noProof="0" smtClean="0"/>
-              <a:pPr/>
               <a:t>‹#›</a:t>
             </a:fld>
-            <a:endParaRPr lang="en-US" noProof="0" dirty="0"/>
+            <a:endParaRPr lang="en-US" noProof="0"/>
           </a:p>
         </p:txBody>
       </p:sp>
       <p:sp>
         <p:nvSpPr>
-          <p:cNvPr id="7" name="Text Placeholder 6">
-            <a:extLst>
-              <a:ext uri="{FF2B5EF4-FFF2-40B4-BE49-F238E27FC236}">
-                <a16:creationId xmlns:a16="http://schemas.microsoft.com/office/drawing/2014/main" id="{7E0C167E-2626-40DB-AACF-D02543E29BB3}"/>
-              </a:ext>
-            </a:extLst>
-          </p:cNvPr>
+          <p:cNvPr id="7" name="Text Placeholder 6"/>
           <p:cNvSpPr>
             <a:spLocks noGrp="1"/>
           </p:cNvSpPr>
@@ -21538,11 +19263,6 @@
         </p:txBody>
       </p:sp>
     </p:spTree>
-    <p:extLst>
-      <p:ext uri="{BB962C8B-B14F-4D97-AF65-F5344CB8AC3E}">
-        <p14:creationId xmlns:p14="http://schemas.microsoft.com/office/powerpoint/2010/main" val="2904744868"/>
-      </p:ext>
-    </p:extLst>
   </p:cSld>
   <p:clrMapOvr>
     <a:masterClrMapping/>
@@ -21577,13 +19297,7 @@
       </p:grpSpPr>
       <p:sp>
         <p:nvSpPr>
-          <p:cNvPr id="11" name="Rectangle 10">
-            <a:extLst>
-              <a:ext uri="{FF2B5EF4-FFF2-40B4-BE49-F238E27FC236}">
-                <a16:creationId xmlns:a16="http://schemas.microsoft.com/office/drawing/2014/main" id="{EB3E033F-4449-40FA-BC85-BD2712D313DD}"/>
-              </a:ext>
-            </a:extLst>
-          </p:cNvPr>
+          <p:cNvPr id="11" name="Rectangle 10"/>
           <p:cNvSpPr/>
           <p:nvPr userDrawn="1"/>
         </p:nvSpPr>
@@ -21625,19 +19339,13 @@
           <a:lstStyle/>
           <a:p>
             <a:pPr algn="ctr"/>
-            <a:endParaRPr lang="en-US" noProof="0" dirty="0"/>
+            <a:endParaRPr lang="en-US" noProof="0"/>
           </a:p>
         </p:txBody>
       </p:sp>
       <p:sp>
         <p:nvSpPr>
-          <p:cNvPr id="10" name="Freeform: Shape 9">
-            <a:extLst>
-              <a:ext uri="{FF2B5EF4-FFF2-40B4-BE49-F238E27FC236}">
-                <a16:creationId xmlns:a16="http://schemas.microsoft.com/office/drawing/2014/main" id="{63D26743-0505-444C-80B3-E88EE87DF72B}"/>
-              </a:ext>
-            </a:extLst>
-          </p:cNvPr>
+          <p:cNvPr id="10" name="Freeform: Shape 9"/>
           <p:cNvSpPr/>
           <p:nvPr userDrawn="1"/>
         </p:nvSpPr>
@@ -21748,19 +19456,13 @@
           <a:lstStyle/>
           <a:p>
             <a:pPr algn="ctr"/>
-            <a:endParaRPr lang="en-US" noProof="0" dirty="0"/>
+            <a:endParaRPr lang="en-US" noProof="0"/>
           </a:p>
         </p:txBody>
       </p:sp>
       <p:sp>
         <p:nvSpPr>
-          <p:cNvPr id="18" name="Freeform: Shape 17">
-            <a:extLst>
-              <a:ext uri="{FF2B5EF4-FFF2-40B4-BE49-F238E27FC236}">
-                <a16:creationId xmlns:a16="http://schemas.microsoft.com/office/drawing/2014/main" id="{E37145E9-AC61-47D5-9288-8789940F81B6}"/>
-              </a:ext>
-            </a:extLst>
-          </p:cNvPr>
+          <p:cNvPr id="18" name="Freeform: Shape 17"/>
           <p:cNvSpPr/>
           <p:nvPr userDrawn="1"/>
         </p:nvSpPr>
@@ -21900,19 +19602,13 @@
           <a:lstStyle/>
           <a:p>
             <a:pPr algn="ctr"/>
-            <a:endParaRPr lang="en-US" noProof="0" dirty="0"/>
+            <a:endParaRPr lang="en-US" noProof="0"/>
           </a:p>
         </p:txBody>
       </p:sp>
       <p:sp>
         <p:nvSpPr>
-          <p:cNvPr id="12" name="Freeform: Shape 11">
-            <a:extLst>
-              <a:ext uri="{FF2B5EF4-FFF2-40B4-BE49-F238E27FC236}">
-                <a16:creationId xmlns:a16="http://schemas.microsoft.com/office/drawing/2014/main" id="{A5E2B3ED-9A49-40A7-B8A3-62595FE513F9}"/>
-              </a:ext>
-            </a:extLst>
-          </p:cNvPr>
+          <p:cNvPr id="12" name="Freeform: Shape 11"/>
           <p:cNvSpPr/>
           <p:nvPr userDrawn="1"/>
         </p:nvSpPr>
@@ -22050,19 +19746,13 @@
           <a:lstStyle/>
           <a:p>
             <a:pPr algn="ctr"/>
-            <a:endParaRPr lang="en-US" noProof="0" dirty="0"/>
+            <a:endParaRPr lang="en-US" noProof="0"/>
           </a:p>
         </p:txBody>
       </p:sp>
       <p:sp>
         <p:nvSpPr>
-          <p:cNvPr id="8" name="Freeform: Shape 7">
-            <a:extLst>
-              <a:ext uri="{FF2B5EF4-FFF2-40B4-BE49-F238E27FC236}">
-                <a16:creationId xmlns:a16="http://schemas.microsoft.com/office/drawing/2014/main" id="{1599AF7E-3E34-4597-AA72-9373A7FDB020}"/>
-              </a:ext>
-            </a:extLst>
-          </p:cNvPr>
+          <p:cNvPr id="8" name="Freeform: Shape 7"/>
           <p:cNvSpPr/>
           <p:nvPr userDrawn="1"/>
         </p:nvSpPr>
@@ -22196,19 +19886,13 @@
           <a:lstStyle/>
           <a:p>
             <a:pPr algn="ctr"/>
-            <a:endParaRPr lang="en-US" noProof="0" dirty="0"/>
+            <a:endParaRPr lang="en-US" noProof="0"/>
           </a:p>
         </p:txBody>
       </p:sp>
       <p:sp>
         <p:nvSpPr>
-          <p:cNvPr id="2" name="Title 1">
-            <a:extLst>
-              <a:ext uri="{FF2B5EF4-FFF2-40B4-BE49-F238E27FC236}">
-                <a16:creationId xmlns:a16="http://schemas.microsoft.com/office/drawing/2014/main" id="{4A2DF563-7FAC-46B3-B24C-7E45CD89DA2B}"/>
-              </a:ext>
-            </a:extLst>
-          </p:cNvPr>
+          <p:cNvPr id="2" name="Title 1"/>
           <p:cNvSpPr>
             <a:spLocks noGrp="1"/>
           </p:cNvSpPr>
@@ -22247,13 +19931,7 @@
       </p:sp>
       <p:grpSp>
         <p:nvGrpSpPr>
-          <p:cNvPr id="15" name="Group 14">
-            <a:extLst>
-              <a:ext uri="{FF2B5EF4-FFF2-40B4-BE49-F238E27FC236}">
-                <a16:creationId xmlns:a16="http://schemas.microsoft.com/office/drawing/2014/main" id="{7732E1E7-45E3-4264-8F26-66758696DD1E}"/>
-              </a:ext>
-            </a:extLst>
-          </p:cNvPr>
+          <p:cNvPr id="15" name="Group 14"/>
           <p:cNvGrpSpPr/>
           <p:nvPr userDrawn="1"/>
         </p:nvGrpSpPr>
@@ -22267,13 +19945,7 @@
         </p:grpSpPr>
         <p:sp>
           <p:nvSpPr>
-            <p:cNvPr id="16" name="Freeform: Shape 15">
-              <a:extLst>
-                <a:ext uri="{FF2B5EF4-FFF2-40B4-BE49-F238E27FC236}">
-                  <a16:creationId xmlns:a16="http://schemas.microsoft.com/office/drawing/2014/main" id="{2E3DF883-8093-49FA-81E1-E5D77F086A25}"/>
-                </a:ext>
-              </a:extLst>
-            </p:cNvPr>
+            <p:cNvPr id="16" name="Freeform: Shape 15"/>
             <p:cNvSpPr/>
             <p:nvPr/>
           </p:nvSpPr>
@@ -22351,19 +20023,13 @@
             <a:lstStyle/>
             <a:p>
               <a:pPr algn="ctr"/>
-              <a:endParaRPr lang="en-US" noProof="0" dirty="0"/>
+              <a:endParaRPr lang="en-US" noProof="0"/>
             </a:p>
           </p:txBody>
         </p:sp>
         <p:sp>
           <p:nvSpPr>
-            <p:cNvPr id="17" name="Freeform: Shape 16">
-              <a:extLst>
-                <a:ext uri="{FF2B5EF4-FFF2-40B4-BE49-F238E27FC236}">
-                  <a16:creationId xmlns:a16="http://schemas.microsoft.com/office/drawing/2014/main" id="{18944C90-37E5-4BBE-89FF-060627168050}"/>
-                </a:ext>
-              </a:extLst>
-            </p:cNvPr>
+            <p:cNvPr id="17" name="Freeform: Shape 16"/>
             <p:cNvSpPr/>
             <p:nvPr/>
           </p:nvSpPr>
@@ -22449,20 +20115,14 @@
             <a:lstStyle/>
             <a:p>
               <a:pPr algn="ctr"/>
-              <a:endParaRPr lang="en-US" noProof="0" dirty="0"/>
+              <a:endParaRPr lang="en-US" noProof="0"/>
             </a:p>
           </p:txBody>
         </p:sp>
       </p:grpSp>
       <p:grpSp>
         <p:nvGrpSpPr>
-          <p:cNvPr id="6" name="Group 5">
-            <a:extLst>
-              <a:ext uri="{FF2B5EF4-FFF2-40B4-BE49-F238E27FC236}">
-                <a16:creationId xmlns:a16="http://schemas.microsoft.com/office/drawing/2014/main" id="{D9EBF8BB-A805-4DDB-B459-082F99815B95}"/>
-              </a:ext>
-            </a:extLst>
-          </p:cNvPr>
+          <p:cNvPr id="6" name="Group 5"/>
           <p:cNvGrpSpPr/>
           <p:nvPr userDrawn="1"/>
         </p:nvGrpSpPr>
@@ -22476,13 +20136,7 @@
         </p:grpSpPr>
         <p:sp>
           <p:nvSpPr>
-            <p:cNvPr id="19" name="Rectangle: Single Corner Snipped 18">
-              <a:extLst>
-                <a:ext uri="{FF2B5EF4-FFF2-40B4-BE49-F238E27FC236}">
-                  <a16:creationId xmlns:a16="http://schemas.microsoft.com/office/drawing/2014/main" id="{5D638788-DD47-45E7-939A-FA108A818173}"/>
-                </a:ext>
-              </a:extLst>
-            </p:cNvPr>
+            <p:cNvPr id="19" name="Rectangle: Single Corner Snipped 18"/>
             <p:cNvSpPr/>
             <p:nvPr userDrawn="1"/>
           </p:nvSpPr>
@@ -22528,27 +20182,18 @@
           </p:style>
           <p:txBody>
             <a:bodyPr rot="0" spcFirstLastPara="0" vertOverflow="overflow" horzOverflow="overflow" vert="horz" wrap="square" lIns="91440" tIns="45720" rIns="91440" bIns="45720" numCol="1" spcCol="0" rtlCol="0" fromWordArt="0" anchor="ctr" anchorCtr="0" forceAA="0" compatLnSpc="1">
-              <a:prstTxWarp prst="textNoShape">
-                <a:avLst/>
-              </a:prstTxWarp>
               <a:noAutofit/>
             </a:bodyPr>
             <a:lstStyle/>
             <a:p>
               <a:pPr lvl="0" algn="ctr"/>
-              <a:endParaRPr lang="en-US" noProof="0" dirty="0"/>
+              <a:endParaRPr lang="en-US" noProof="0"/>
             </a:p>
           </p:txBody>
         </p:sp>
         <p:sp>
           <p:nvSpPr>
-            <p:cNvPr id="3" name="Rectangle: Single Corner Snipped 2">
-              <a:extLst>
-                <a:ext uri="{FF2B5EF4-FFF2-40B4-BE49-F238E27FC236}">
-                  <a16:creationId xmlns:a16="http://schemas.microsoft.com/office/drawing/2014/main" id="{74BDECEF-EEFE-4332-B3B2-BDE4F82C10FC}"/>
-                </a:ext>
-              </a:extLst>
-            </p:cNvPr>
+            <p:cNvPr id="3" name="Rectangle: Single Corner Snipped 2"/>
             <p:cNvSpPr/>
             <p:nvPr userDrawn="1"/>
           </p:nvSpPr>
@@ -22592,20 +20237,14 @@
             <a:lstStyle/>
             <a:p>
               <a:pPr algn="ctr"/>
-              <a:endParaRPr lang="en-US" noProof="0" dirty="0"/>
+              <a:endParaRPr lang="en-US" noProof="0"/>
             </a:p>
           </p:txBody>
         </p:sp>
       </p:grpSp>
       <p:sp>
         <p:nvSpPr>
-          <p:cNvPr id="24" name="Freeform: Shape 23">
-            <a:extLst>
-              <a:ext uri="{FF2B5EF4-FFF2-40B4-BE49-F238E27FC236}">
-                <a16:creationId xmlns:a16="http://schemas.microsoft.com/office/drawing/2014/main" id="{18103E00-7E4A-44CD-81AC-06433CAE1110}"/>
-              </a:ext>
-            </a:extLst>
-          </p:cNvPr>
+          <p:cNvPr id="24" name="Freeform: Shape 23"/>
           <p:cNvSpPr/>
           <p:nvPr userDrawn="1"/>
         </p:nvSpPr>
@@ -22688,19 +20327,13 @@
           <a:lstStyle/>
           <a:p>
             <a:pPr algn="ctr"/>
-            <a:endParaRPr lang="en-US" noProof="0" dirty="0"/>
+            <a:endParaRPr lang="en-US" noProof="0"/>
           </a:p>
         </p:txBody>
       </p:sp>
       <p:sp>
         <p:nvSpPr>
-          <p:cNvPr id="5" name="Slide Number Placeholder 4">
-            <a:extLst>
-              <a:ext uri="{FF2B5EF4-FFF2-40B4-BE49-F238E27FC236}">
-                <a16:creationId xmlns:a16="http://schemas.microsoft.com/office/drawing/2014/main" id="{87B51822-97FF-47A7-8E4E-A0F79B4EB237}"/>
-              </a:ext>
-            </a:extLst>
-          </p:cNvPr>
+          <p:cNvPr id="5" name="Slide Number Placeholder 4"/>
           <p:cNvSpPr>
             <a:spLocks noGrp="1"/>
           </p:cNvSpPr>
@@ -22729,22 +20362,15 @@
           <a:p>
             <a:fld id="{C263D6C4-4840-40CC-AC84-17E24B3B7BDE}" type="slidenum">
               <a:rPr lang="en-US" noProof="0" smtClean="0"/>
-              <a:pPr/>
               <a:t>‹#›</a:t>
             </a:fld>
-            <a:endParaRPr lang="en-US" noProof="0" dirty="0"/>
+            <a:endParaRPr lang="en-US" noProof="0"/>
           </a:p>
         </p:txBody>
       </p:sp>
       <p:sp>
         <p:nvSpPr>
-          <p:cNvPr id="20" name="Content Placeholder 2">
-            <a:extLst>
-              <a:ext uri="{FF2B5EF4-FFF2-40B4-BE49-F238E27FC236}">
-                <a16:creationId xmlns:a16="http://schemas.microsoft.com/office/drawing/2014/main" id="{0103A49C-32FF-49E6-86F3-FC2E19517BD5}"/>
-              </a:ext>
-            </a:extLst>
-          </p:cNvPr>
+          <p:cNvPr id="20" name="Content Placeholder 2"/>
           <p:cNvSpPr>
             <a:spLocks noGrp="1"/>
           </p:cNvSpPr>
@@ -22835,11 +20461,6 @@
         </p:txBody>
       </p:sp>
     </p:spTree>
-    <p:extLst>
-      <p:ext uri="{BB962C8B-B14F-4D97-AF65-F5344CB8AC3E}">
-        <p14:creationId xmlns:p14="http://schemas.microsoft.com/office/powerpoint/2010/main" val="2636708262"/>
-      </p:ext>
-    </p:extLst>
   </p:cSld>
   <p:clrMapOvr>
     <a:masterClrMapping/>
@@ -22874,13 +20495,7 @@
       </p:grpSpPr>
       <p:sp>
         <p:nvSpPr>
-          <p:cNvPr id="11" name="Rectangle 10">
-            <a:extLst>
-              <a:ext uri="{FF2B5EF4-FFF2-40B4-BE49-F238E27FC236}">
-                <a16:creationId xmlns:a16="http://schemas.microsoft.com/office/drawing/2014/main" id="{EB3E033F-4449-40FA-BC85-BD2712D313DD}"/>
-              </a:ext>
-            </a:extLst>
-          </p:cNvPr>
+          <p:cNvPr id="11" name="Rectangle 10"/>
           <p:cNvSpPr/>
           <p:nvPr userDrawn="1"/>
         </p:nvSpPr>
@@ -22922,19 +20537,13 @@
           <a:lstStyle/>
           <a:p>
             <a:pPr algn="ctr"/>
-            <a:endParaRPr lang="en-US" noProof="0" dirty="0"/>
+            <a:endParaRPr lang="en-US" noProof="0"/>
           </a:p>
         </p:txBody>
       </p:sp>
       <p:sp>
         <p:nvSpPr>
-          <p:cNvPr id="10" name="Freeform: Shape 9">
-            <a:extLst>
-              <a:ext uri="{FF2B5EF4-FFF2-40B4-BE49-F238E27FC236}">
-                <a16:creationId xmlns:a16="http://schemas.microsoft.com/office/drawing/2014/main" id="{63D26743-0505-444C-80B3-E88EE87DF72B}"/>
-              </a:ext>
-            </a:extLst>
-          </p:cNvPr>
+          <p:cNvPr id="10" name="Freeform: Shape 9"/>
           <p:cNvSpPr/>
           <p:nvPr userDrawn="1"/>
         </p:nvSpPr>
@@ -23045,19 +20654,13 @@
           <a:lstStyle/>
           <a:p>
             <a:pPr algn="ctr"/>
-            <a:endParaRPr lang="en-US" noProof="0" dirty="0"/>
+            <a:endParaRPr lang="en-US" noProof="0"/>
           </a:p>
         </p:txBody>
       </p:sp>
       <p:sp>
         <p:nvSpPr>
-          <p:cNvPr id="18" name="Freeform: Shape 17">
-            <a:extLst>
-              <a:ext uri="{FF2B5EF4-FFF2-40B4-BE49-F238E27FC236}">
-                <a16:creationId xmlns:a16="http://schemas.microsoft.com/office/drawing/2014/main" id="{E37145E9-AC61-47D5-9288-8789940F81B6}"/>
-              </a:ext>
-            </a:extLst>
-          </p:cNvPr>
+          <p:cNvPr id="18" name="Freeform: Shape 17"/>
           <p:cNvSpPr/>
           <p:nvPr userDrawn="1"/>
         </p:nvSpPr>
@@ -23197,19 +20800,13 @@
           <a:lstStyle/>
           <a:p>
             <a:pPr algn="ctr"/>
-            <a:endParaRPr lang="en-US" noProof="0" dirty="0"/>
+            <a:endParaRPr lang="en-US" noProof="0"/>
           </a:p>
         </p:txBody>
       </p:sp>
       <p:sp>
         <p:nvSpPr>
-          <p:cNvPr id="12" name="Freeform: Shape 11">
-            <a:extLst>
-              <a:ext uri="{FF2B5EF4-FFF2-40B4-BE49-F238E27FC236}">
-                <a16:creationId xmlns:a16="http://schemas.microsoft.com/office/drawing/2014/main" id="{A5E2B3ED-9A49-40A7-B8A3-62595FE513F9}"/>
-              </a:ext>
-            </a:extLst>
-          </p:cNvPr>
+          <p:cNvPr id="12" name="Freeform: Shape 11"/>
           <p:cNvSpPr/>
           <p:nvPr userDrawn="1"/>
         </p:nvSpPr>
@@ -23347,19 +20944,13 @@
           <a:lstStyle/>
           <a:p>
             <a:pPr algn="ctr"/>
-            <a:endParaRPr lang="en-US" noProof="0" dirty="0"/>
+            <a:endParaRPr lang="en-US" noProof="0"/>
           </a:p>
         </p:txBody>
       </p:sp>
       <p:sp>
         <p:nvSpPr>
-          <p:cNvPr id="8" name="Freeform: Shape 7">
-            <a:extLst>
-              <a:ext uri="{FF2B5EF4-FFF2-40B4-BE49-F238E27FC236}">
-                <a16:creationId xmlns:a16="http://schemas.microsoft.com/office/drawing/2014/main" id="{1599AF7E-3E34-4597-AA72-9373A7FDB020}"/>
-              </a:ext>
-            </a:extLst>
-          </p:cNvPr>
+          <p:cNvPr id="8" name="Freeform: Shape 7"/>
           <p:cNvSpPr/>
           <p:nvPr userDrawn="1"/>
         </p:nvSpPr>
@@ -23493,19 +21084,13 @@
           <a:lstStyle/>
           <a:p>
             <a:pPr algn="ctr"/>
-            <a:endParaRPr lang="en-US" noProof="0" dirty="0"/>
+            <a:endParaRPr lang="en-US" noProof="0"/>
           </a:p>
         </p:txBody>
       </p:sp>
       <p:sp>
         <p:nvSpPr>
-          <p:cNvPr id="2" name="Title 1">
-            <a:extLst>
-              <a:ext uri="{FF2B5EF4-FFF2-40B4-BE49-F238E27FC236}">
-                <a16:creationId xmlns:a16="http://schemas.microsoft.com/office/drawing/2014/main" id="{4A2DF563-7FAC-46B3-B24C-7E45CD89DA2B}"/>
-              </a:ext>
-            </a:extLst>
-          </p:cNvPr>
+          <p:cNvPr id="2" name="Title 1"/>
           <p:cNvSpPr>
             <a:spLocks noGrp="1"/>
           </p:cNvSpPr>
@@ -23544,13 +21129,7 @@
       </p:sp>
       <p:grpSp>
         <p:nvGrpSpPr>
-          <p:cNvPr id="15" name="Group 14">
-            <a:extLst>
-              <a:ext uri="{FF2B5EF4-FFF2-40B4-BE49-F238E27FC236}">
-                <a16:creationId xmlns:a16="http://schemas.microsoft.com/office/drawing/2014/main" id="{7732E1E7-45E3-4264-8F26-66758696DD1E}"/>
-              </a:ext>
-            </a:extLst>
-          </p:cNvPr>
+          <p:cNvPr id="15" name="Group 14"/>
           <p:cNvGrpSpPr/>
           <p:nvPr userDrawn="1"/>
         </p:nvGrpSpPr>
@@ -23564,13 +21143,7 @@
         </p:grpSpPr>
         <p:sp>
           <p:nvSpPr>
-            <p:cNvPr id="16" name="Freeform: Shape 15">
-              <a:extLst>
-                <a:ext uri="{FF2B5EF4-FFF2-40B4-BE49-F238E27FC236}">
-                  <a16:creationId xmlns:a16="http://schemas.microsoft.com/office/drawing/2014/main" id="{2E3DF883-8093-49FA-81E1-E5D77F086A25}"/>
-                </a:ext>
-              </a:extLst>
-            </p:cNvPr>
+            <p:cNvPr id="16" name="Freeform: Shape 15"/>
             <p:cNvSpPr/>
             <p:nvPr/>
           </p:nvSpPr>
@@ -23648,19 +21221,13 @@
             <a:lstStyle/>
             <a:p>
               <a:pPr algn="ctr"/>
-              <a:endParaRPr lang="en-US" noProof="0" dirty="0"/>
+              <a:endParaRPr lang="en-US" noProof="0"/>
             </a:p>
           </p:txBody>
         </p:sp>
         <p:sp>
           <p:nvSpPr>
-            <p:cNvPr id="17" name="Freeform: Shape 16">
-              <a:extLst>
-                <a:ext uri="{FF2B5EF4-FFF2-40B4-BE49-F238E27FC236}">
-                  <a16:creationId xmlns:a16="http://schemas.microsoft.com/office/drawing/2014/main" id="{18944C90-37E5-4BBE-89FF-060627168050}"/>
-                </a:ext>
-              </a:extLst>
-            </p:cNvPr>
+            <p:cNvPr id="17" name="Freeform: Shape 16"/>
             <p:cNvSpPr/>
             <p:nvPr/>
           </p:nvSpPr>
@@ -23746,20 +21313,14 @@
             <a:lstStyle/>
             <a:p>
               <a:pPr algn="ctr"/>
-              <a:endParaRPr lang="en-US" noProof="0" dirty="0"/>
+              <a:endParaRPr lang="en-US" noProof="0"/>
             </a:p>
           </p:txBody>
         </p:sp>
       </p:grpSp>
       <p:grpSp>
         <p:nvGrpSpPr>
-          <p:cNvPr id="6" name="Group 5">
-            <a:extLst>
-              <a:ext uri="{FF2B5EF4-FFF2-40B4-BE49-F238E27FC236}">
-                <a16:creationId xmlns:a16="http://schemas.microsoft.com/office/drawing/2014/main" id="{D9EBF8BB-A805-4DDB-B459-082F99815B95}"/>
-              </a:ext>
-            </a:extLst>
-          </p:cNvPr>
+          <p:cNvPr id="6" name="Group 5"/>
           <p:cNvGrpSpPr/>
           <p:nvPr userDrawn="1"/>
         </p:nvGrpSpPr>
@@ -23773,13 +21334,7 @@
         </p:grpSpPr>
         <p:sp>
           <p:nvSpPr>
-            <p:cNvPr id="19" name="Rectangle: Single Corner Snipped 18">
-              <a:extLst>
-                <a:ext uri="{FF2B5EF4-FFF2-40B4-BE49-F238E27FC236}">
-                  <a16:creationId xmlns:a16="http://schemas.microsoft.com/office/drawing/2014/main" id="{5D638788-DD47-45E7-939A-FA108A818173}"/>
-                </a:ext>
-              </a:extLst>
-            </p:cNvPr>
+            <p:cNvPr id="19" name="Rectangle: Single Corner Snipped 18"/>
             <p:cNvSpPr/>
             <p:nvPr userDrawn="1"/>
           </p:nvSpPr>
@@ -23825,27 +21380,18 @@
           </p:style>
           <p:txBody>
             <a:bodyPr rot="0" spcFirstLastPara="0" vertOverflow="overflow" horzOverflow="overflow" vert="horz" wrap="square" lIns="91440" tIns="45720" rIns="91440" bIns="45720" numCol="1" spcCol="0" rtlCol="0" fromWordArt="0" anchor="ctr" anchorCtr="0" forceAA="0" compatLnSpc="1">
-              <a:prstTxWarp prst="textNoShape">
-                <a:avLst/>
-              </a:prstTxWarp>
               <a:noAutofit/>
             </a:bodyPr>
             <a:lstStyle/>
             <a:p>
               <a:pPr lvl="0" algn="ctr"/>
-              <a:endParaRPr lang="en-US" noProof="0" dirty="0"/>
+              <a:endParaRPr lang="en-US" noProof="0"/>
             </a:p>
           </p:txBody>
         </p:sp>
         <p:sp>
           <p:nvSpPr>
-            <p:cNvPr id="3" name="Rectangle: Single Corner Snipped 2">
-              <a:extLst>
-                <a:ext uri="{FF2B5EF4-FFF2-40B4-BE49-F238E27FC236}">
-                  <a16:creationId xmlns:a16="http://schemas.microsoft.com/office/drawing/2014/main" id="{74BDECEF-EEFE-4332-B3B2-BDE4F82C10FC}"/>
-                </a:ext>
-              </a:extLst>
-            </p:cNvPr>
+            <p:cNvPr id="3" name="Rectangle: Single Corner Snipped 2"/>
             <p:cNvSpPr/>
             <p:nvPr userDrawn="1"/>
           </p:nvSpPr>
@@ -23889,20 +21435,14 @@
             <a:lstStyle/>
             <a:p>
               <a:pPr algn="ctr"/>
-              <a:endParaRPr lang="en-US" noProof="0" dirty="0"/>
+              <a:endParaRPr lang="en-US" noProof="0"/>
             </a:p>
           </p:txBody>
         </p:sp>
       </p:grpSp>
       <p:sp>
         <p:nvSpPr>
-          <p:cNvPr id="24" name="Freeform: Shape 23">
-            <a:extLst>
-              <a:ext uri="{FF2B5EF4-FFF2-40B4-BE49-F238E27FC236}">
-                <a16:creationId xmlns:a16="http://schemas.microsoft.com/office/drawing/2014/main" id="{18103E00-7E4A-44CD-81AC-06433CAE1110}"/>
-              </a:ext>
-            </a:extLst>
-          </p:cNvPr>
+          <p:cNvPr id="24" name="Freeform: Shape 23"/>
           <p:cNvSpPr/>
           <p:nvPr userDrawn="1"/>
         </p:nvSpPr>
@@ -23985,19 +21525,13 @@
           <a:lstStyle/>
           <a:p>
             <a:pPr algn="ctr"/>
-            <a:endParaRPr lang="en-US" noProof="0" dirty="0"/>
+            <a:endParaRPr lang="en-US" noProof="0"/>
           </a:p>
         </p:txBody>
       </p:sp>
       <p:sp>
         <p:nvSpPr>
-          <p:cNvPr id="5" name="Slide Number Placeholder 4">
-            <a:extLst>
-              <a:ext uri="{FF2B5EF4-FFF2-40B4-BE49-F238E27FC236}">
-                <a16:creationId xmlns:a16="http://schemas.microsoft.com/office/drawing/2014/main" id="{87B51822-97FF-47A7-8E4E-A0F79B4EB237}"/>
-              </a:ext>
-            </a:extLst>
-          </p:cNvPr>
+          <p:cNvPr id="5" name="Slide Number Placeholder 4"/>
           <p:cNvSpPr>
             <a:spLocks noGrp="1"/>
           </p:cNvSpPr>
@@ -24026,22 +21560,15 @@
           <a:p>
             <a:fld id="{C263D6C4-4840-40CC-AC84-17E24B3B7BDE}" type="slidenum">
               <a:rPr lang="en-US" noProof="0" smtClean="0"/>
-              <a:pPr/>
               <a:t>‹#›</a:t>
             </a:fld>
-            <a:endParaRPr lang="en-US" noProof="0" dirty="0"/>
+            <a:endParaRPr lang="en-US" noProof="0"/>
           </a:p>
         </p:txBody>
       </p:sp>
       <p:sp>
         <p:nvSpPr>
-          <p:cNvPr id="25" name="Text Placeholder 2">
-            <a:extLst>
-              <a:ext uri="{FF2B5EF4-FFF2-40B4-BE49-F238E27FC236}">
-                <a16:creationId xmlns:a16="http://schemas.microsoft.com/office/drawing/2014/main" id="{7FA80A70-18DE-4DB9-9982-BA75BE54CF93}"/>
-              </a:ext>
-            </a:extLst>
-          </p:cNvPr>
+          <p:cNvPr id="25" name="Text Placeholder 2"/>
           <p:cNvSpPr>
             <a:spLocks noGrp="1"/>
           </p:cNvSpPr>
@@ -24113,13 +21640,7 @@
       </p:sp>
       <p:sp>
         <p:nvSpPr>
-          <p:cNvPr id="26" name="Text Placeholder 4">
-            <a:extLst>
-              <a:ext uri="{FF2B5EF4-FFF2-40B4-BE49-F238E27FC236}">
-                <a16:creationId xmlns:a16="http://schemas.microsoft.com/office/drawing/2014/main" id="{2801C0EF-C078-44B0-AD01-4850E9A65EE0}"/>
-              </a:ext>
-            </a:extLst>
-          </p:cNvPr>
+          <p:cNvPr id="26" name="Text Placeholder 4"/>
           <p:cNvSpPr>
             <a:spLocks noGrp="1"/>
           </p:cNvSpPr>
@@ -24191,13 +21712,7 @@
       </p:sp>
       <p:sp>
         <p:nvSpPr>
-          <p:cNvPr id="27" name="Content Placeholder 3">
-            <a:extLst>
-              <a:ext uri="{FF2B5EF4-FFF2-40B4-BE49-F238E27FC236}">
-                <a16:creationId xmlns:a16="http://schemas.microsoft.com/office/drawing/2014/main" id="{7C9DED91-45F6-4308-A085-1EFACA6468CF}"/>
-              </a:ext>
-            </a:extLst>
-          </p:cNvPr>
+          <p:cNvPr id="27" name="Content Placeholder 3"/>
           <p:cNvSpPr>
             <a:spLocks noGrp="1"/>
           </p:cNvSpPr>
@@ -24291,13 +21806,7 @@
       </p:sp>
       <p:sp>
         <p:nvSpPr>
-          <p:cNvPr id="28" name="Content Placeholder 5">
-            <a:extLst>
-              <a:ext uri="{FF2B5EF4-FFF2-40B4-BE49-F238E27FC236}">
-                <a16:creationId xmlns:a16="http://schemas.microsoft.com/office/drawing/2014/main" id="{0574B5E7-B666-439B-9278-67BE1EA6EBC5}"/>
-              </a:ext>
-            </a:extLst>
-          </p:cNvPr>
+          <p:cNvPr id="28" name="Content Placeholder 5"/>
           <p:cNvSpPr>
             <a:spLocks noGrp="1"/>
           </p:cNvSpPr>
@@ -24390,11 +21899,6 @@
         </p:txBody>
       </p:sp>
     </p:spTree>
-    <p:extLst>
-      <p:ext uri="{BB962C8B-B14F-4D97-AF65-F5344CB8AC3E}">
-        <p14:creationId xmlns:p14="http://schemas.microsoft.com/office/powerpoint/2010/main" val="3219167126"/>
-      </p:ext>
-    </p:extLst>
   </p:cSld>
   <p:clrMapOvr>
     <a:masterClrMapping/>
@@ -24426,13 +21930,7 @@
       </p:grpSpPr>
       <p:sp>
         <p:nvSpPr>
-          <p:cNvPr id="2" name="Title Placeholder 1">
-            <a:extLst>
-              <a:ext uri="{FF2B5EF4-FFF2-40B4-BE49-F238E27FC236}">
-                <a16:creationId xmlns:a16="http://schemas.microsoft.com/office/drawing/2014/main" id="{761B0E15-6FC5-434E-8780-B186D9DB0CD0}"/>
-              </a:ext>
-            </a:extLst>
-          </p:cNvPr>
+          <p:cNvPr id="2" name="Title Placeholder 1"/>
           <p:cNvSpPr>
             <a:spLocks noGrp="1"/>
           </p:cNvSpPr>
@@ -24464,13 +21962,7 @@
       </p:sp>
       <p:sp>
         <p:nvSpPr>
-          <p:cNvPr id="3" name="Text Placeholder 2">
-            <a:extLst>
-              <a:ext uri="{FF2B5EF4-FFF2-40B4-BE49-F238E27FC236}">
-                <a16:creationId xmlns:a16="http://schemas.microsoft.com/office/drawing/2014/main" id="{A9C7B128-34F3-405C-B601-8BAFDB43499C}"/>
-              </a:ext>
-            </a:extLst>
-          </p:cNvPr>
+          <p:cNvPr id="3" name="Text Placeholder 2"/>
           <p:cNvSpPr>
             <a:spLocks noGrp="1"/>
           </p:cNvSpPr>
@@ -24531,13 +22023,7 @@
       </p:sp>
       <p:sp>
         <p:nvSpPr>
-          <p:cNvPr id="6" name="Slide Number Placeholder 5">
-            <a:extLst>
-              <a:ext uri="{FF2B5EF4-FFF2-40B4-BE49-F238E27FC236}">
-                <a16:creationId xmlns:a16="http://schemas.microsoft.com/office/drawing/2014/main" id="{9F5A7754-E8C7-438B-922D-9027C6CF58E2}"/>
-              </a:ext>
-            </a:extLst>
-          </p:cNvPr>
+          <p:cNvPr id="6" name="Slide Number Placeholder 5"/>
           <p:cNvSpPr>
             <a:spLocks noGrp="1"/>
           </p:cNvSpPr>
@@ -24572,19 +22058,13 @@
               <a:rPr lang="en-US" noProof="0" smtClean="0"/>
               <a:t>‹#›</a:t>
             </a:fld>
-            <a:endParaRPr lang="en-US" noProof="0" dirty="0"/>
+            <a:endParaRPr lang="en-US" noProof="0"/>
           </a:p>
         </p:txBody>
       </p:sp>
       <p:sp>
         <p:nvSpPr>
-          <p:cNvPr id="5" name="Rectangle 4">
-            <a:extLst>
-              <a:ext uri="{FF2B5EF4-FFF2-40B4-BE49-F238E27FC236}">
-                <a16:creationId xmlns:a16="http://schemas.microsoft.com/office/drawing/2014/main" id="{7CDDDB7D-9189-9548-A2B9-81DC62C3C1A3}"/>
-              </a:ext>
-            </a:extLst>
-          </p:cNvPr>
+          <p:cNvPr id="5" name="Rectangle 4"/>
           <p:cNvSpPr/>
           <p:nvPr userDrawn="1"/>
         </p:nvSpPr>
@@ -24626,19 +22106,13 @@
           <a:lstStyle/>
           <a:p>
             <a:pPr algn="ctr"/>
-            <a:endParaRPr lang="en-US" noProof="0" dirty="0"/>
+            <a:endParaRPr lang="en-US" noProof="0"/>
           </a:p>
         </p:txBody>
       </p:sp>
       <p:sp>
         <p:nvSpPr>
-          <p:cNvPr id="7" name="Freeform: Shape 9">
-            <a:extLst>
-              <a:ext uri="{FF2B5EF4-FFF2-40B4-BE49-F238E27FC236}">
-                <a16:creationId xmlns:a16="http://schemas.microsoft.com/office/drawing/2014/main" id="{096D8877-6B4A-4540-8927-767DD7401718}"/>
-              </a:ext>
-            </a:extLst>
-          </p:cNvPr>
+          <p:cNvPr id="7" name="Freeform: Shape 9"/>
           <p:cNvSpPr/>
           <p:nvPr userDrawn="1"/>
         </p:nvSpPr>
@@ -24749,19 +22223,13 @@
           <a:lstStyle/>
           <a:p>
             <a:pPr algn="ctr"/>
-            <a:endParaRPr lang="en-US" noProof="0" dirty="0"/>
+            <a:endParaRPr lang="en-US" noProof="0"/>
           </a:p>
         </p:txBody>
       </p:sp>
       <p:sp>
         <p:nvSpPr>
-          <p:cNvPr id="8" name="Freeform: Shape 17">
-            <a:extLst>
-              <a:ext uri="{FF2B5EF4-FFF2-40B4-BE49-F238E27FC236}">
-                <a16:creationId xmlns:a16="http://schemas.microsoft.com/office/drawing/2014/main" id="{5AF2E123-FE0F-8541-8E36-5030C450AA7E}"/>
-              </a:ext>
-            </a:extLst>
-          </p:cNvPr>
+          <p:cNvPr id="8" name="Freeform: Shape 17"/>
           <p:cNvSpPr/>
           <p:nvPr userDrawn="1"/>
         </p:nvSpPr>
@@ -24901,19 +22369,13 @@
           <a:lstStyle/>
           <a:p>
             <a:pPr algn="ctr"/>
-            <a:endParaRPr lang="en-US" noProof="0" dirty="0"/>
+            <a:endParaRPr lang="en-US" noProof="0"/>
           </a:p>
         </p:txBody>
       </p:sp>
       <p:sp>
         <p:nvSpPr>
-          <p:cNvPr id="9" name="Freeform: Shape 11">
-            <a:extLst>
-              <a:ext uri="{FF2B5EF4-FFF2-40B4-BE49-F238E27FC236}">
-                <a16:creationId xmlns:a16="http://schemas.microsoft.com/office/drawing/2014/main" id="{E5519D99-3B68-924A-9CD0-14B911711CA8}"/>
-              </a:ext>
-            </a:extLst>
-          </p:cNvPr>
+          <p:cNvPr id="9" name="Freeform: Shape 11"/>
           <p:cNvSpPr/>
           <p:nvPr userDrawn="1"/>
         </p:nvSpPr>
@@ -25051,19 +22513,13 @@
           <a:lstStyle/>
           <a:p>
             <a:pPr algn="ctr"/>
-            <a:endParaRPr lang="en-US" noProof="0" dirty="0"/>
+            <a:endParaRPr lang="en-US" noProof="0"/>
           </a:p>
         </p:txBody>
       </p:sp>
       <p:sp>
         <p:nvSpPr>
-          <p:cNvPr id="10" name="Freeform: Shape 7">
-            <a:extLst>
-              <a:ext uri="{FF2B5EF4-FFF2-40B4-BE49-F238E27FC236}">
-                <a16:creationId xmlns:a16="http://schemas.microsoft.com/office/drawing/2014/main" id="{A09E21A9-FBEF-144C-A152-FE484F3C55C1}"/>
-              </a:ext>
-            </a:extLst>
-          </p:cNvPr>
+          <p:cNvPr id="10" name="Freeform: Shape 7"/>
           <p:cNvSpPr/>
           <p:nvPr userDrawn="1"/>
         </p:nvSpPr>
@@ -25197,22 +22653,14 @@
           <a:lstStyle/>
           <a:p>
             <a:pPr algn="ctr"/>
-            <a:endParaRPr lang="en-US" noProof="0" dirty="0"/>
+            <a:endParaRPr lang="en-US" noProof="0"/>
           </a:p>
         </p:txBody>
       </p:sp>
       <p:sp>
         <p:nvSpPr>
-          <p:cNvPr id="11" name="Title 1">
-            <a:extLst>
-              <a:ext uri="{FF2B5EF4-FFF2-40B4-BE49-F238E27FC236}">
-                <a16:creationId xmlns:a16="http://schemas.microsoft.com/office/drawing/2014/main" id="{70C7F2CB-A8CE-1545-A08D-93592C4BAEEA}"/>
-              </a:ext>
-            </a:extLst>
-          </p:cNvPr>
-          <p:cNvSpPr txBox="1">
-            <a:spLocks/>
-          </p:cNvSpPr>
+          <p:cNvPr id="11" name="Title 1"/>
+          <p:cNvSpPr txBox="1"/>
           <p:nvPr userDrawn="1"/>
         </p:nvSpPr>
         <p:spPr>
@@ -25249,7 +22697,7 @@
           </a:lstStyle>
           <a:p>
             <a:r>
-              <a:rPr lang="en-US" noProof="0" dirty="0">
+              <a:rPr lang="en-US" noProof="0">
                 <a:latin typeface="+mj-lt"/>
               </a:rPr>
               <a:t>Click to edit Master title style</a:t>
@@ -25259,13 +22707,7 @@
       </p:sp>
       <p:grpSp>
         <p:nvGrpSpPr>
-          <p:cNvPr id="12" name="Group 11">
-            <a:extLst>
-              <a:ext uri="{FF2B5EF4-FFF2-40B4-BE49-F238E27FC236}">
-                <a16:creationId xmlns:a16="http://schemas.microsoft.com/office/drawing/2014/main" id="{7068FCE4-1B47-3C4B-B091-013120A97D09}"/>
-              </a:ext>
-            </a:extLst>
-          </p:cNvPr>
+          <p:cNvPr id="12" name="Group 11"/>
           <p:cNvGrpSpPr/>
           <p:nvPr userDrawn="1"/>
         </p:nvGrpSpPr>
@@ -25279,13 +22721,7 @@
         </p:grpSpPr>
         <p:sp>
           <p:nvSpPr>
-            <p:cNvPr id="13" name="Freeform: Shape 15">
-              <a:extLst>
-                <a:ext uri="{FF2B5EF4-FFF2-40B4-BE49-F238E27FC236}">
-                  <a16:creationId xmlns:a16="http://schemas.microsoft.com/office/drawing/2014/main" id="{FEC3FDE7-F27E-5E4E-8752-287CAB7792D4}"/>
-                </a:ext>
-              </a:extLst>
-            </p:cNvPr>
+            <p:cNvPr id="13" name="Freeform: Shape 15"/>
             <p:cNvSpPr/>
             <p:nvPr/>
           </p:nvSpPr>
@@ -25363,19 +22799,13 @@
             <a:lstStyle/>
             <a:p>
               <a:pPr algn="ctr"/>
-              <a:endParaRPr lang="en-US" noProof="0" dirty="0"/>
+              <a:endParaRPr lang="en-US" noProof="0"/>
             </a:p>
           </p:txBody>
         </p:sp>
         <p:sp>
           <p:nvSpPr>
-            <p:cNvPr id="14" name="Freeform: Shape 16">
-              <a:extLst>
-                <a:ext uri="{FF2B5EF4-FFF2-40B4-BE49-F238E27FC236}">
-                  <a16:creationId xmlns:a16="http://schemas.microsoft.com/office/drawing/2014/main" id="{81C902DB-0D21-5044-82B6-9E7A70A1BF62}"/>
-                </a:ext>
-              </a:extLst>
-            </p:cNvPr>
+            <p:cNvPr id="14" name="Freeform: Shape 16"/>
             <p:cNvSpPr/>
             <p:nvPr/>
           </p:nvSpPr>
@@ -25461,20 +22891,14 @@
             <a:lstStyle/>
             <a:p>
               <a:pPr algn="ctr"/>
-              <a:endParaRPr lang="en-US" noProof="0" dirty="0"/>
+              <a:endParaRPr lang="en-US" noProof="0"/>
             </a:p>
           </p:txBody>
         </p:sp>
       </p:grpSp>
       <p:grpSp>
         <p:nvGrpSpPr>
-          <p:cNvPr id="15" name="Group 14">
-            <a:extLst>
-              <a:ext uri="{FF2B5EF4-FFF2-40B4-BE49-F238E27FC236}">
-                <a16:creationId xmlns:a16="http://schemas.microsoft.com/office/drawing/2014/main" id="{BE1E08A0-195D-694F-947B-986A76FBB93E}"/>
-              </a:ext>
-            </a:extLst>
-          </p:cNvPr>
+          <p:cNvPr id="15" name="Group 14"/>
           <p:cNvGrpSpPr/>
           <p:nvPr userDrawn="1"/>
         </p:nvGrpSpPr>
@@ -25488,13 +22912,7 @@
         </p:grpSpPr>
         <p:sp>
           <p:nvSpPr>
-            <p:cNvPr id="16" name="Rectangle: Single Corner Snipped 18">
-              <a:extLst>
-                <a:ext uri="{FF2B5EF4-FFF2-40B4-BE49-F238E27FC236}">
-                  <a16:creationId xmlns:a16="http://schemas.microsoft.com/office/drawing/2014/main" id="{ED5DFFCD-1EE3-E64E-B51F-BD7D72413E0B}"/>
-                </a:ext>
-              </a:extLst>
-            </p:cNvPr>
+            <p:cNvPr id="16" name="Rectangle: Single Corner Snipped 18"/>
             <p:cNvSpPr/>
             <p:nvPr userDrawn="1"/>
           </p:nvSpPr>
@@ -25540,27 +22958,18 @@
           </p:style>
           <p:txBody>
             <a:bodyPr rot="0" spcFirstLastPara="0" vertOverflow="overflow" horzOverflow="overflow" vert="horz" wrap="square" lIns="91440" tIns="45720" rIns="91440" bIns="45720" numCol="1" spcCol="0" rtlCol="0" fromWordArt="0" anchor="ctr" anchorCtr="0" forceAA="0" compatLnSpc="1">
-              <a:prstTxWarp prst="textNoShape">
-                <a:avLst/>
-              </a:prstTxWarp>
               <a:noAutofit/>
             </a:bodyPr>
             <a:lstStyle/>
             <a:p>
               <a:pPr lvl="0" algn="ctr"/>
-              <a:endParaRPr lang="en-US" noProof="0" dirty="0"/>
+              <a:endParaRPr lang="en-US" noProof="0"/>
             </a:p>
           </p:txBody>
         </p:sp>
         <p:sp>
           <p:nvSpPr>
-            <p:cNvPr id="17" name="Rectangle: Single Corner Snipped 2">
-              <a:extLst>
-                <a:ext uri="{FF2B5EF4-FFF2-40B4-BE49-F238E27FC236}">
-                  <a16:creationId xmlns:a16="http://schemas.microsoft.com/office/drawing/2014/main" id="{C12DB3CA-8E64-AA43-BFBE-A2CA9A816DBE}"/>
-                </a:ext>
-              </a:extLst>
-            </p:cNvPr>
+            <p:cNvPr id="17" name="Rectangle: Single Corner Snipped 2"/>
             <p:cNvSpPr/>
             <p:nvPr userDrawn="1"/>
           </p:nvSpPr>
@@ -25604,20 +23013,14 @@
             <a:lstStyle/>
             <a:p>
               <a:pPr algn="ctr"/>
-              <a:endParaRPr lang="en-US" noProof="0" dirty="0"/>
+              <a:endParaRPr lang="en-US" noProof="0"/>
             </a:p>
           </p:txBody>
         </p:sp>
       </p:grpSp>
       <p:sp>
         <p:nvSpPr>
-          <p:cNvPr id="18" name="Freeform: Shape 23">
-            <a:extLst>
-              <a:ext uri="{FF2B5EF4-FFF2-40B4-BE49-F238E27FC236}">
-                <a16:creationId xmlns:a16="http://schemas.microsoft.com/office/drawing/2014/main" id="{A587DEFD-D470-4142-8E0D-A71DDB147C92}"/>
-              </a:ext>
-            </a:extLst>
-          </p:cNvPr>
+          <p:cNvPr id="18" name="Freeform: Shape 23"/>
           <p:cNvSpPr/>
           <p:nvPr userDrawn="1"/>
         </p:nvSpPr>
@@ -25700,22 +23103,14 @@
           <a:lstStyle/>
           <a:p>
             <a:pPr algn="ctr"/>
-            <a:endParaRPr lang="en-US" noProof="0" dirty="0"/>
+            <a:endParaRPr lang="en-US" noProof="0"/>
           </a:p>
         </p:txBody>
       </p:sp>
       <p:sp>
         <p:nvSpPr>
-          <p:cNvPr id="19" name="Slide Number Placeholder 4">
-            <a:extLst>
-              <a:ext uri="{FF2B5EF4-FFF2-40B4-BE49-F238E27FC236}">
-                <a16:creationId xmlns:a16="http://schemas.microsoft.com/office/drawing/2014/main" id="{7D9BF857-7910-734D-A217-5E3344220AA2}"/>
-              </a:ext>
-            </a:extLst>
-          </p:cNvPr>
-          <p:cNvSpPr txBox="1">
-            <a:spLocks/>
-          </p:cNvSpPr>
+          <p:cNvPr id="19" name="Slide Number Placeholder 4"/>
+          <p:cNvSpPr txBox="1"/>
           <p:nvPr userDrawn="1"/>
         </p:nvSpPr>
         <p:spPr>
@@ -25827,40 +23222,34 @@
           <a:p>
             <a:fld id="{C263D6C4-4840-40CC-AC84-17E24B3B7BDE}" type="slidenum">
               <a:rPr lang="en-US" noProof="0" smtClean="0"/>
-              <a:pPr/>
               <a:t>‹#›</a:t>
             </a:fld>
-            <a:endParaRPr lang="en-US" noProof="0" dirty="0"/>
+            <a:endParaRPr lang="en-US" noProof="0"/>
           </a:p>
         </p:txBody>
       </p:sp>
     </p:spTree>
-    <p:extLst>
-      <p:ext uri="{BB962C8B-B14F-4D97-AF65-F5344CB8AC3E}">
-        <p14:creationId xmlns:p14="http://schemas.microsoft.com/office/powerpoint/2010/main" val="666093331"/>
-      </p:ext>
-    </p:extLst>
   </p:cSld>
   <p:clrMap bg1="lt1" tx1="dk1" bg2="lt2" tx2="dk2" accent1="accent1" accent2="accent2" accent3="accent3" accent4="accent4" accent5="accent5" accent6="accent6" hlink="hlink" folHlink="folHlink"/>
   <p:sldLayoutIdLst>
     <p:sldLayoutId id="2147483649" r:id="rId1"/>
-    <p:sldLayoutId id="2147483651" r:id="rId2"/>
-    <p:sldLayoutId id="2147483660" r:id="rId3"/>
-    <p:sldLayoutId id="2147483666" r:id="rId4"/>
-    <p:sldLayoutId id="2147483654" r:id="rId5"/>
-    <p:sldLayoutId id="2147483661" r:id="rId6"/>
-    <p:sldLayoutId id="2147483677" r:id="rId7"/>
-    <p:sldLayoutId id="2147483674" r:id="rId8"/>
-    <p:sldLayoutId id="2147483665" r:id="rId9"/>
-    <p:sldLayoutId id="2147483673" r:id="rId10"/>
-    <p:sldLayoutId id="2147483662" r:id="rId11"/>
-    <p:sldLayoutId id="2147483663" r:id="rId12"/>
-    <p:sldLayoutId id="2147483664" r:id="rId13"/>
-    <p:sldLayoutId id="2147483675" r:id="rId14"/>
-    <p:sldLayoutId id="2147483676" r:id="rId15"/>
-    <p:sldLayoutId id="2147483672" r:id="rId16"/>
-    <p:sldLayoutId id="2147483667" r:id="rId17"/>
-    <p:sldLayoutId id="2147483668" r:id="rId18"/>
+    <p:sldLayoutId id="2147483650" r:id="rId2"/>
+    <p:sldLayoutId id="2147483651" r:id="rId3"/>
+    <p:sldLayoutId id="2147483652" r:id="rId4"/>
+    <p:sldLayoutId id="2147483653" r:id="rId5"/>
+    <p:sldLayoutId id="2147483654" r:id="rId6"/>
+    <p:sldLayoutId id="2147483655" r:id="rId7"/>
+    <p:sldLayoutId id="2147483656" r:id="rId8"/>
+    <p:sldLayoutId id="2147483657" r:id="rId9"/>
+    <p:sldLayoutId id="2147483658" r:id="rId10"/>
+    <p:sldLayoutId id="2147483659" r:id="rId11"/>
+    <p:sldLayoutId id="2147483660" r:id="rId12"/>
+    <p:sldLayoutId id="2147483661" r:id="rId13"/>
+    <p:sldLayoutId id="2147483662" r:id="rId14"/>
+    <p:sldLayoutId id="2147483663" r:id="rId15"/>
+    <p:sldLayoutId id="2147483664" r:id="rId16"/>
+    <p:sldLayoutId id="2147483665" r:id="rId17"/>
+    <p:sldLayoutId id="2147483666" r:id="rId18"/>
   </p:sldLayoutIdLst>
   <p:hf hdr="0" ftr="0" dt="0"/>
   <p:txStyles>
@@ -26158,42 +23547,6 @@
       </a:lvl9pPr>
     </p:otherStyle>
   </p:txStyles>
-  <p:extLst>
-    <p:ext uri="{27BBF7A9-308A-43DC-89C8-2F10F3537804}">
-      <p15:sldGuideLst xmlns:p15="http://schemas.microsoft.com/office/powerpoint/2012/main">
-        <p15:guide id="1" orient="horz" pos="2160" userDrawn="1">
-          <p15:clr>
-            <a:srgbClr val="F26B43"/>
-          </p15:clr>
-        </p15:guide>
-        <p15:guide id="2" pos="3840" userDrawn="1">
-          <p15:clr>
-            <a:srgbClr val="F26B43"/>
-          </p15:clr>
-        </p15:guide>
-        <p15:guide id="3" pos="336" userDrawn="1">
-          <p15:clr>
-            <a:srgbClr val="F26B43"/>
-          </p15:clr>
-        </p15:guide>
-        <p15:guide id="4" orient="horz" pos="336" userDrawn="1">
-          <p15:clr>
-            <a:srgbClr val="F26B43"/>
-          </p15:clr>
-        </p15:guide>
-        <p15:guide id="5" pos="7344" userDrawn="1">
-          <p15:clr>
-            <a:srgbClr val="F26B43"/>
-          </p15:clr>
-        </p15:guide>
-        <p15:guide id="6" orient="horz" pos="3984" userDrawn="1">
-          <p15:clr>
-            <a:srgbClr val="F26B43"/>
-          </p15:clr>
-        </p15:guide>
-      </p15:sldGuideLst>
-    </p:ext>
-  </p:extLst>
 </p:sldMaster>
 </file>
 
@@ -26224,13 +23577,7 @@
       </p:grpSpPr>
       <p:sp>
         <p:nvSpPr>
-          <p:cNvPr id="2" name="Title 1">
-            <a:extLst>
-              <a:ext uri="{FF2B5EF4-FFF2-40B4-BE49-F238E27FC236}">
-                <a16:creationId xmlns:a16="http://schemas.microsoft.com/office/drawing/2014/main" id="{632BE5BF-9922-45FB-8F3F-4446D40A051B}"/>
-              </a:ext>
-            </a:extLst>
-          </p:cNvPr>
+          <p:cNvPr id="2" name="Title 1"/>
           <p:cNvSpPr>
             <a:spLocks noGrp="1"/>
           </p:cNvSpPr>
@@ -26249,7 +23596,7 @@
           <a:lstStyle/>
           <a:p>
             <a:r>
-              <a:rPr lang="en-US" b="1" i="0" dirty="0">
+              <a:rPr lang="en-US" b="1" i="0">
                 <a:solidFill>
                   <a:schemeClr val="bg1"/>
                 </a:solidFill>
@@ -26258,7 +23605,7 @@
               </a:rPr>
               <a:t>AutoBot Bargainer</a:t>
             </a:r>
-            <a:endParaRPr lang="en-US" dirty="0">
+            <a:endParaRPr lang="en-US">
               <a:solidFill>
                 <a:schemeClr val="bg1"/>
               </a:solidFill>
@@ -26268,13 +23615,7 @@
       </p:sp>
       <p:sp>
         <p:nvSpPr>
-          <p:cNvPr id="3" name="Subtitle 2">
-            <a:extLst>
-              <a:ext uri="{FF2B5EF4-FFF2-40B4-BE49-F238E27FC236}">
-                <a16:creationId xmlns:a16="http://schemas.microsoft.com/office/drawing/2014/main" id="{0D537F64-4C96-4AA8-BB21-E8053A3186DD}"/>
-              </a:ext>
-            </a:extLst>
-          </p:cNvPr>
+          <p:cNvPr id="3" name="Subtitle 2"/>
           <p:cNvSpPr>
             <a:spLocks noGrp="1"/>
           </p:cNvSpPr>
@@ -26298,7 +23639,7 @@
               <a:buNone/>
             </a:pPr>
             <a:r>
-              <a:rPr lang="en-US" b="1" dirty="0"/>
+              <a:rPr lang="en-US" b="1"/>
               <a:t>Group Members:</a:t>
             </a:r>
           </a:p>
@@ -26329,18 +23670,18 @@
               <a:t>Smriti Raina (100830255)</a:t>
             </a:r>
             <a:endParaRPr lang="en-US">
-              <a:cs typeface="Arial"/>
+              <a:cs typeface="Arial" panose="020B0604020202020204"/>
             </a:endParaRPr>
           </a:p>
           <a:p>
             <a:r>
               <a:rPr lang="en-US" sz="1400">
-                <a:cs typeface="Arial"/>
+                <a:cs typeface="Arial" panose="020B0604020202020204"/>
               </a:rPr>
               <a:t>Vaibhavi Thakkar (100833169)</a:t>
             </a:r>
             <a:endParaRPr lang="en-US">
-              <a:cs typeface="Arial"/>
+              <a:cs typeface="Arial" panose="020B0604020202020204"/>
             </a:endParaRPr>
           </a:p>
           <a:p>
@@ -26353,16 +23694,11 @@
             </a:r>
           </a:p>
           <a:p>
-            <a:endParaRPr lang="en-US" dirty="0"/>
+            <a:endParaRPr lang="en-US"/>
           </a:p>
         </p:txBody>
       </p:sp>
     </p:spTree>
-    <p:extLst>
-      <p:ext uri="{BB962C8B-B14F-4D97-AF65-F5344CB8AC3E}">
-        <p14:creationId xmlns:p14="http://schemas.microsoft.com/office/powerpoint/2010/main" val="3946934594"/>
-      </p:ext>
-    </p:extLst>
   </p:cSld>
   <p:clrMapOvr>
     <a:masterClrMapping/>
@@ -26392,13 +23728,7 @@
       </p:grpSpPr>
       <p:sp>
         <p:nvSpPr>
-          <p:cNvPr id="4" name="Title 3">
-            <a:extLst>
-              <a:ext uri="{FF2B5EF4-FFF2-40B4-BE49-F238E27FC236}">
-                <a16:creationId xmlns:a16="http://schemas.microsoft.com/office/drawing/2014/main" id="{315E3981-F0D7-482C-A8E0-6A57700BECA7}"/>
-              </a:ext>
-            </a:extLst>
-          </p:cNvPr>
+          <p:cNvPr id="4" name="Title 3"/>
           <p:cNvSpPr>
             <a:spLocks noGrp="1"/>
           </p:cNvSpPr>
@@ -26420,21 +23750,14 @@
           <a:p>
             <a:r>
               <a:rPr lang="en-US"/>
-              <a:t>Objective</a:t>
+              <a:t>Overview</a:t>
             </a:r>
-            <a:endParaRPr lang="en-US" dirty="0"/>
           </a:p>
         </p:txBody>
       </p:sp>
       <p:sp>
         <p:nvSpPr>
-          <p:cNvPr id="2" name="Slide Number Placeholder 1">
-            <a:extLst>
-              <a:ext uri="{FF2B5EF4-FFF2-40B4-BE49-F238E27FC236}">
-                <a16:creationId xmlns:a16="http://schemas.microsoft.com/office/drawing/2014/main" id="{520FC4EE-F318-4344-9E3C-B950ADB63865}"/>
-              </a:ext>
-            </a:extLst>
-          </p:cNvPr>
+          <p:cNvPr id="2" name="Slide Number Placeholder 1"/>
           <p:cNvSpPr>
             <a:spLocks noGrp="1"/>
           </p:cNvSpPr>
@@ -26461,11 +23784,6 @@
             </a:pPr>
             <a:fld id="{C263D6C4-4840-40CC-AC84-17E24B3B7BDE}" type="slidenum">
               <a:rPr lang="en-US" smtClean="0"/>
-              <a:pPr>
-                <a:spcAft>
-                  <a:spcPts val="600"/>
-                </a:spcAft>
-              </a:pPr>
               <a:t>2</a:t>
             </a:fld>
             <a:endParaRPr lang="en-US"/>
@@ -26474,13 +23792,7 @@
       </p:sp>
       <p:sp>
         <p:nvSpPr>
-          <p:cNvPr id="7" name="Text Placeholder 6">
-            <a:extLst>
-              <a:ext uri="{FF2B5EF4-FFF2-40B4-BE49-F238E27FC236}">
-                <a16:creationId xmlns:a16="http://schemas.microsoft.com/office/drawing/2014/main" id="{B74126B4-1E6C-4FFF-9282-40E18A85A07F}"/>
-              </a:ext>
-            </a:extLst>
-          </p:cNvPr>
+          <p:cNvPr id="7" name="Text Placeholder 6"/>
           <p:cNvSpPr>
             <a:spLocks noGrp="1"/>
           </p:cNvSpPr>
@@ -26501,7 +23813,7 @@
           <a:lstStyle/>
           <a:p>
             <a:r>
-              <a:rPr lang="en-US" dirty="0"/>
+              <a:rPr lang="en-US"/>
               <a:t>Objective &amp; Scope</a:t>
             </a:r>
           </a:p>
@@ -26509,13 +23821,7 @@
       </p:sp>
       <p:sp>
         <p:nvSpPr>
-          <p:cNvPr id="5" name="Text Placeholder 4">
-            <a:extLst>
-              <a:ext uri="{FF2B5EF4-FFF2-40B4-BE49-F238E27FC236}">
-                <a16:creationId xmlns:a16="http://schemas.microsoft.com/office/drawing/2014/main" id="{E0C87788-476B-4620-8002-A5C1177AD6C1}"/>
-              </a:ext>
-            </a:extLst>
-          </p:cNvPr>
+          <p:cNvPr id="5" name="Text Placeholder 4"/>
           <p:cNvSpPr>
             <a:spLocks noGrp="1"/>
           </p:cNvSpPr>
@@ -26536,7 +23842,7 @@
           <a:lstStyle/>
           <a:p>
             <a:r>
-              <a:rPr lang="en-US" dirty="0"/>
+              <a:rPr lang="en-US"/>
               <a:t>Technology Stack</a:t>
             </a:r>
           </a:p>
@@ -26544,13 +23850,7 @@
       </p:sp>
       <p:sp>
         <p:nvSpPr>
-          <p:cNvPr id="8" name="Text Placeholder 7">
-            <a:extLst>
-              <a:ext uri="{FF2B5EF4-FFF2-40B4-BE49-F238E27FC236}">
-                <a16:creationId xmlns:a16="http://schemas.microsoft.com/office/drawing/2014/main" id="{47DC4E62-1A34-4F98-A451-214F1808519C}"/>
-              </a:ext>
-            </a:extLst>
-          </p:cNvPr>
+          <p:cNvPr id="8" name="Text Placeholder 7"/>
           <p:cNvSpPr>
             <a:spLocks noGrp="1"/>
           </p:cNvSpPr>
@@ -26561,7 +23861,7 @@
         <p:spPr>
           <a:xfrm>
             <a:off x="444500" y="2505075"/>
-            <a:ext cx="4817819" cy="3684588"/>
+            <a:ext cx="5157787" cy="3684588"/>
           </a:xfrm>
         </p:spPr>
         <p:txBody>
@@ -26571,17 +23871,17 @@
           <a:lstStyle/>
           <a:p>
             <a:r>
-              <a:rPr lang="en-US" dirty="0" err="1"/>
+              <a:rPr lang="en-US" err="1"/>
               <a:t>AutoBot</a:t>
             </a:r>
             <a:r>
-              <a:rPr lang="en-US" dirty="0"/>
+              <a:rPr lang="en-US"/>
               <a:t> Bargainer provides innovative and automated system that helps customer to buy second-hand cars at best deal.</a:t>
             </a:r>
           </a:p>
           <a:p>
             <a:r>
-              <a:rPr lang="en-US" dirty="0"/>
+              <a:rPr lang="en-US"/>
               <a:t>A web-based software powered with AI that allows customer to browse the second-hand cars and bargain with the chatbot for the flexible price.</a:t>
             </a:r>
           </a:p>
@@ -26589,10 +23889,10 @@
       </p:sp>
       <p:pic>
         <p:nvPicPr>
-          <p:cNvPr id="11" name="Picture 10" descr="Diagram&#10;&#10;Description automatically generated">
+          <p:cNvPr id="3" name="Picture 8" descr="Diagram&#10;&#10;Description automatically generated">
             <a:extLst>
               <a:ext uri="{FF2B5EF4-FFF2-40B4-BE49-F238E27FC236}">
-                <a16:creationId xmlns:a16="http://schemas.microsoft.com/office/drawing/2014/main" id="{BE01C7FB-6362-407E-86F3-D00E992F6B9C}"/>
+                <a16:creationId xmlns:a16="http://schemas.microsoft.com/office/drawing/2014/main" id="{8ECE4CE5-F44E-4095-AF1B-5CD2ABA4D5B3}"/>
               </a:ext>
             </a:extLst>
           </p:cNvPr>
@@ -26609,21 +23909,15 @@
         </p:blipFill>
         <p:spPr>
           <a:xfrm>
-            <a:off x="5602286" y="2395745"/>
-            <a:ext cx="6396281" cy="3034427"/>
+            <a:off x="6377797" y="2596225"/>
+            <a:ext cx="4885425" cy="2427548"/>
           </a:xfrm>
           <a:prstGeom prst="rect">
             <a:avLst/>
           </a:prstGeom>
-          <a:noFill/>
         </p:spPr>
       </p:pic>
     </p:spTree>
-    <p:extLst>
-      <p:ext uri="{BB962C8B-B14F-4D97-AF65-F5344CB8AC3E}">
-        <p14:creationId xmlns:p14="http://schemas.microsoft.com/office/powerpoint/2010/main" val="3607270498"/>
-      </p:ext>
-    </p:extLst>
   </p:cSld>
   <p:clrMapOvr>
     <a:masterClrMapping/>
@@ -26644,7 +23938,7 @@
 </file>
 
 <file path=ppt/slides/slide3.xml><?xml version="1.0" encoding="utf-8"?>
-<p:sld xmlns:a="http://schemas.openxmlformats.org/drawingml/2006/main" xmlns:r="http://schemas.openxmlformats.org/officeDocument/2006/relationships" xmlns:p="http://schemas.openxmlformats.org/presentationml/2006/main" show="0">
+<p:sld xmlns:a="http://schemas.openxmlformats.org/drawingml/2006/main" xmlns:r="http://schemas.openxmlformats.org/officeDocument/2006/relationships" xmlns:p="http://schemas.openxmlformats.org/presentationml/2006/main">
   <p:cSld>
     <p:spTree>
       <p:nvGrpSpPr>
@@ -26662,13 +23956,598 @@
       </p:grpSpPr>
       <p:sp>
         <p:nvSpPr>
-          <p:cNvPr id="23" name="Rectangle 22">
+          <p:cNvPr id="5" name="Title 4"/>
+          <p:cNvSpPr>
+            <a:spLocks noGrp="1"/>
+          </p:cNvSpPr>
+          <p:nvPr>
+            <p:ph type="title"/>
+          </p:nvPr>
+        </p:nvSpPr>
+        <p:spPr>
+          <a:xfrm>
+            <a:off x="87308" y="542925"/>
+            <a:ext cx="11214100" cy="535531"/>
+          </a:xfrm>
+        </p:spPr>
+        <p:txBody>
+          <a:bodyPr/>
+          <a:lstStyle/>
+          <a:p>
+            <a:r>
+              <a:rPr lang="en-US"/>
+              <a:t>Chatbot System</a:t>
+            </a:r>
+          </a:p>
+        </p:txBody>
+      </p:sp>
+      <p:sp>
+        <p:nvSpPr>
+          <p:cNvPr id="2" name="Slide Number Placeholder 1"/>
+          <p:cNvSpPr>
+            <a:spLocks noGrp="1"/>
+          </p:cNvSpPr>
+          <p:nvPr>
+            <p:ph type="sldNum" sz="quarter" idx="12"/>
+          </p:nvPr>
+        </p:nvSpPr>
+        <p:spPr>
+          <a:xfrm>
+            <a:off x="10895008" y="6315075"/>
+            <a:ext cx="406400" cy="365125"/>
+          </a:xfrm>
+        </p:spPr>
+        <p:txBody>
+          <a:bodyPr/>
+          <a:lstStyle/>
+          <a:p>
+            <a:fld id="{C263D6C4-4840-40CC-AC84-17E24B3B7BDE}" type="slidenum">
+              <a:rPr lang="en-US" smtClean="0"/>
+              <a:t>3</a:t>
+            </a:fld>
+            <a:endParaRPr lang="en-US"/>
+          </a:p>
+        </p:txBody>
+      </p:sp>
+      <p:sp>
+        <p:nvSpPr>
+          <p:cNvPr id="36" name="Rectangle 35">
             <a:extLst>
               <a:ext uri="{FF2B5EF4-FFF2-40B4-BE49-F238E27FC236}">
-                <a16:creationId xmlns:a16="http://schemas.microsoft.com/office/drawing/2014/main" id="{95F29DE6-5108-4326-962D-1E366C90D338}"/>
+                <a16:creationId xmlns:a16="http://schemas.microsoft.com/office/drawing/2014/main" id="{464235B1-3417-4C7C-9EE8-5B1884D7532A}"/>
               </a:ext>
             </a:extLst>
           </p:cNvPr>
+          <p:cNvSpPr/>
+          <p:nvPr/>
+        </p:nvSpPr>
+        <p:spPr>
+          <a:xfrm>
+            <a:off x="1041662" y="1626261"/>
+            <a:ext cx="9305392" cy="4158502"/>
+          </a:xfrm>
+          <a:prstGeom prst="rect">
+            <a:avLst/>
+          </a:prstGeom>
+        </p:spPr>
+        <p:style>
+          <a:lnRef idx="2">
+            <a:schemeClr val="accent1"/>
+          </a:lnRef>
+          <a:fillRef idx="1">
+            <a:schemeClr val="lt1"/>
+          </a:fillRef>
+          <a:effectRef idx="0">
+            <a:schemeClr val="accent1"/>
+          </a:effectRef>
+          <a:fontRef idx="minor">
+            <a:schemeClr val="dk1"/>
+          </a:fontRef>
+        </p:style>
+        <p:txBody>
+          <a:bodyPr rtlCol="0" anchor="ctr"/>
+          <a:lstStyle/>
+          <a:p>
+            <a:pPr algn="ctr"/>
+            <a:endParaRPr lang="en-GB"/>
+          </a:p>
+        </p:txBody>
+      </p:sp>
+      <p:sp>
+        <p:nvSpPr>
+          <p:cNvPr id="4" name="Rectangle: Rounded Corners 3">
+            <a:extLst>
+              <a:ext uri="{FF2B5EF4-FFF2-40B4-BE49-F238E27FC236}">
+                <a16:creationId xmlns:a16="http://schemas.microsoft.com/office/drawing/2014/main" id="{ABA0E2ED-1678-4B8A-A295-2CFD5C4BCFD4}"/>
+              </a:ext>
+            </a:extLst>
+          </p:cNvPr>
+          <p:cNvSpPr/>
+          <p:nvPr/>
+        </p:nvSpPr>
+        <p:spPr>
+          <a:xfrm>
+            <a:off x="1376624" y="2858757"/>
+            <a:ext cx="1535723" cy="1215850"/>
+          </a:xfrm>
+          <a:prstGeom prst="roundRect">
+            <a:avLst/>
+          </a:prstGeom>
+        </p:spPr>
+        <p:style>
+          <a:lnRef idx="2">
+            <a:schemeClr val="accent1">
+              <a:shade val="50000"/>
+            </a:schemeClr>
+          </a:lnRef>
+          <a:fillRef idx="1">
+            <a:schemeClr val="accent1"/>
+          </a:fillRef>
+          <a:effectRef idx="0">
+            <a:schemeClr val="accent1"/>
+          </a:effectRef>
+          <a:fontRef idx="minor">
+            <a:schemeClr val="lt1"/>
+          </a:fontRef>
+        </p:style>
+        <p:txBody>
+          <a:bodyPr rtlCol="0" anchor="ctr"/>
+          <a:lstStyle/>
+          <a:p>
+            <a:pPr algn="ctr"/>
+            <a:r>
+              <a:rPr lang="en-US"/>
+              <a:t>Frontend</a:t>
+            </a:r>
+          </a:p>
+        </p:txBody>
+      </p:sp>
+      <p:sp>
+        <p:nvSpPr>
+          <p:cNvPr id="6" name="Rectangle 5">
+            <a:extLst>
+              <a:ext uri="{FF2B5EF4-FFF2-40B4-BE49-F238E27FC236}">
+                <a16:creationId xmlns:a16="http://schemas.microsoft.com/office/drawing/2014/main" id="{34C5C571-87A2-4CD9-9741-51261A038039}"/>
+              </a:ext>
+            </a:extLst>
+          </p:cNvPr>
+          <p:cNvSpPr/>
+          <p:nvPr/>
+        </p:nvSpPr>
+        <p:spPr>
+          <a:xfrm>
+            <a:off x="4094703" y="2858757"/>
+            <a:ext cx="2105130" cy="1215848"/>
+          </a:xfrm>
+          <a:prstGeom prst="rect">
+            <a:avLst/>
+          </a:prstGeom>
+        </p:spPr>
+        <p:style>
+          <a:lnRef idx="2">
+            <a:schemeClr val="accent1">
+              <a:shade val="50000"/>
+            </a:schemeClr>
+          </a:lnRef>
+          <a:fillRef idx="1">
+            <a:schemeClr val="accent1"/>
+          </a:fillRef>
+          <a:effectRef idx="0">
+            <a:schemeClr val="accent1"/>
+          </a:effectRef>
+          <a:fontRef idx="minor">
+            <a:schemeClr val="lt1"/>
+          </a:fontRef>
+        </p:style>
+        <p:txBody>
+          <a:bodyPr rtlCol="0" anchor="ctr"/>
+          <a:lstStyle/>
+          <a:p>
+            <a:pPr algn="ctr"/>
+            <a:r>
+              <a:rPr lang="en-US"/>
+              <a:t>RASA NLU (Natural Language Understanding)</a:t>
+            </a:r>
+          </a:p>
+        </p:txBody>
+      </p:sp>
+      <p:sp>
+        <p:nvSpPr>
+          <p:cNvPr id="37" name="Rectangle 36">
+            <a:extLst>
+              <a:ext uri="{FF2B5EF4-FFF2-40B4-BE49-F238E27FC236}">
+                <a16:creationId xmlns:a16="http://schemas.microsoft.com/office/drawing/2014/main" id="{2F41DB2F-0F16-4A73-8501-3A5FA9350D72}"/>
+              </a:ext>
+            </a:extLst>
+          </p:cNvPr>
+          <p:cNvSpPr/>
+          <p:nvPr/>
+        </p:nvSpPr>
+        <p:spPr>
+          <a:xfrm>
+            <a:off x="7819292" y="2858757"/>
+            <a:ext cx="2296048" cy="1361551"/>
+          </a:xfrm>
+          <a:prstGeom prst="rect">
+            <a:avLst/>
+          </a:prstGeom>
+        </p:spPr>
+        <p:style>
+          <a:lnRef idx="2">
+            <a:schemeClr val="accent1">
+              <a:shade val="50000"/>
+            </a:schemeClr>
+          </a:lnRef>
+          <a:fillRef idx="1">
+            <a:schemeClr val="accent1"/>
+          </a:fillRef>
+          <a:effectRef idx="0">
+            <a:schemeClr val="accent1"/>
+          </a:effectRef>
+          <a:fontRef idx="minor">
+            <a:schemeClr val="lt1"/>
+          </a:fontRef>
+        </p:style>
+        <p:txBody>
+          <a:bodyPr rtlCol="0" anchor="ctr"/>
+          <a:lstStyle/>
+          <a:p>
+            <a:pPr algn="ctr"/>
+            <a:r>
+              <a:rPr lang="en-US"/>
+              <a:t>RASA NLG (Natural Language Generation</a:t>
+            </a:r>
+          </a:p>
+        </p:txBody>
+      </p:sp>
+      <p:cxnSp>
+        <p:nvCxnSpPr>
+          <p:cNvPr id="10" name="Straight Arrow Connector 9">
+            <a:extLst>
+              <a:ext uri="{FF2B5EF4-FFF2-40B4-BE49-F238E27FC236}">
+                <a16:creationId xmlns:a16="http://schemas.microsoft.com/office/drawing/2014/main" id="{CB498733-1BD0-4946-9066-F9B460186623}"/>
+              </a:ext>
+            </a:extLst>
+          </p:cNvPr>
+          <p:cNvCxnSpPr>
+            <a:cxnSpLocks/>
+            <a:stCxn id="4" idx="3"/>
+            <a:endCxn id="6" idx="1"/>
+          </p:cNvCxnSpPr>
+          <p:nvPr/>
+        </p:nvCxnSpPr>
+        <p:spPr>
+          <a:xfrm flipV="1">
+            <a:off x="2912347" y="3466681"/>
+            <a:ext cx="1182356" cy="1"/>
+          </a:xfrm>
+          <a:prstGeom prst="straightConnector1">
+            <a:avLst/>
+          </a:prstGeom>
+          <a:ln>
+            <a:tailEnd type="triangle"/>
+          </a:ln>
+        </p:spPr>
+        <p:style>
+          <a:lnRef idx="1">
+            <a:schemeClr val="accent1"/>
+          </a:lnRef>
+          <a:fillRef idx="0">
+            <a:schemeClr val="accent1"/>
+          </a:fillRef>
+          <a:effectRef idx="0">
+            <a:schemeClr val="accent1"/>
+          </a:effectRef>
+          <a:fontRef idx="minor">
+            <a:schemeClr val="tx1"/>
+          </a:fontRef>
+        </p:style>
+      </p:cxnSp>
+      <p:cxnSp>
+        <p:nvCxnSpPr>
+          <p:cNvPr id="44" name="Straight Arrow Connector 43">
+            <a:extLst>
+              <a:ext uri="{FF2B5EF4-FFF2-40B4-BE49-F238E27FC236}">
+                <a16:creationId xmlns:a16="http://schemas.microsoft.com/office/drawing/2014/main" id="{81F561E1-FE55-42F3-9B6D-06194C3C160E}"/>
+              </a:ext>
+            </a:extLst>
+          </p:cNvPr>
+          <p:cNvCxnSpPr>
+            <a:cxnSpLocks/>
+          </p:cNvCxnSpPr>
+          <p:nvPr/>
+        </p:nvCxnSpPr>
+        <p:spPr>
+          <a:xfrm flipV="1">
+            <a:off x="6181411" y="3429000"/>
+            <a:ext cx="1637881" cy="24094"/>
+          </a:xfrm>
+          <a:prstGeom prst="straightConnector1">
+            <a:avLst/>
+          </a:prstGeom>
+          <a:ln>
+            <a:tailEnd type="triangle"/>
+          </a:ln>
+        </p:spPr>
+        <p:style>
+          <a:lnRef idx="1">
+            <a:schemeClr val="accent1"/>
+          </a:lnRef>
+          <a:fillRef idx="0">
+            <a:schemeClr val="accent1"/>
+          </a:fillRef>
+          <a:effectRef idx="0">
+            <a:schemeClr val="accent1"/>
+          </a:effectRef>
+          <a:fontRef idx="minor">
+            <a:schemeClr val="tx1"/>
+          </a:fontRef>
+        </p:style>
+      </p:cxnSp>
+      <p:cxnSp>
+        <p:nvCxnSpPr>
+          <p:cNvPr id="54" name="Straight Connector 53">
+            <a:extLst>
+              <a:ext uri="{FF2B5EF4-FFF2-40B4-BE49-F238E27FC236}">
+                <a16:creationId xmlns:a16="http://schemas.microsoft.com/office/drawing/2014/main" id="{5E683D80-D1ED-4BCE-B0FD-6217D7A05253}"/>
+              </a:ext>
+            </a:extLst>
+          </p:cNvPr>
+          <p:cNvCxnSpPr/>
+          <p:nvPr/>
+        </p:nvCxnSpPr>
+        <p:spPr>
+          <a:xfrm>
+            <a:off x="8927960" y="4220308"/>
+            <a:ext cx="0" cy="793819"/>
+          </a:xfrm>
+          <a:prstGeom prst="line">
+            <a:avLst/>
+          </a:prstGeom>
+        </p:spPr>
+        <p:style>
+          <a:lnRef idx="1">
+            <a:schemeClr val="accent1"/>
+          </a:lnRef>
+          <a:fillRef idx="0">
+            <a:schemeClr val="accent1"/>
+          </a:fillRef>
+          <a:effectRef idx="0">
+            <a:schemeClr val="accent1"/>
+          </a:effectRef>
+          <a:fontRef idx="minor">
+            <a:schemeClr val="tx1"/>
+          </a:fontRef>
+        </p:style>
+      </p:cxnSp>
+      <p:cxnSp>
+        <p:nvCxnSpPr>
+          <p:cNvPr id="61" name="Straight Connector 60">
+            <a:extLst>
+              <a:ext uri="{FF2B5EF4-FFF2-40B4-BE49-F238E27FC236}">
+                <a16:creationId xmlns:a16="http://schemas.microsoft.com/office/drawing/2014/main" id="{E034B03B-16DD-4478-B152-1A35C79E9A1E}"/>
+              </a:ext>
+            </a:extLst>
+          </p:cNvPr>
+          <p:cNvCxnSpPr/>
+          <p:nvPr/>
+        </p:nvCxnSpPr>
+        <p:spPr>
+          <a:xfrm flipH="1">
+            <a:off x="2004646" y="5014127"/>
+            <a:ext cx="6923314" cy="0"/>
+          </a:xfrm>
+          <a:prstGeom prst="line">
+            <a:avLst/>
+          </a:prstGeom>
+        </p:spPr>
+        <p:style>
+          <a:lnRef idx="1">
+            <a:schemeClr val="accent1"/>
+          </a:lnRef>
+          <a:fillRef idx="0">
+            <a:schemeClr val="accent1"/>
+          </a:fillRef>
+          <a:effectRef idx="0">
+            <a:schemeClr val="accent1"/>
+          </a:effectRef>
+          <a:fontRef idx="minor">
+            <a:schemeClr val="tx1"/>
+          </a:fontRef>
+        </p:style>
+      </p:cxnSp>
+      <p:cxnSp>
+        <p:nvCxnSpPr>
+          <p:cNvPr id="63" name="Straight Arrow Connector 62">
+            <a:extLst>
+              <a:ext uri="{FF2B5EF4-FFF2-40B4-BE49-F238E27FC236}">
+                <a16:creationId xmlns:a16="http://schemas.microsoft.com/office/drawing/2014/main" id="{A9CC0461-6A43-4CEF-9068-B5112C02F104}"/>
+              </a:ext>
+            </a:extLst>
+          </p:cNvPr>
+          <p:cNvCxnSpPr/>
+          <p:nvPr/>
+        </p:nvCxnSpPr>
+        <p:spPr>
+          <a:xfrm flipV="1">
+            <a:off x="2014695" y="4074605"/>
+            <a:ext cx="0" cy="939522"/>
+          </a:xfrm>
+          <a:prstGeom prst="straightConnector1">
+            <a:avLst/>
+          </a:prstGeom>
+          <a:ln>
+            <a:tailEnd type="triangle"/>
+          </a:ln>
+        </p:spPr>
+        <p:style>
+          <a:lnRef idx="1">
+            <a:schemeClr val="accent1"/>
+          </a:lnRef>
+          <a:fillRef idx="0">
+            <a:schemeClr val="accent1"/>
+          </a:fillRef>
+          <a:effectRef idx="0">
+            <a:schemeClr val="accent1"/>
+          </a:effectRef>
+          <a:fontRef idx="minor">
+            <a:schemeClr val="tx1"/>
+          </a:fontRef>
+        </p:style>
+      </p:cxnSp>
+      <p:sp>
+        <p:nvSpPr>
+          <p:cNvPr id="64" name="TextBox 63">
+            <a:extLst>
+              <a:ext uri="{FF2B5EF4-FFF2-40B4-BE49-F238E27FC236}">
+                <a16:creationId xmlns:a16="http://schemas.microsoft.com/office/drawing/2014/main" id="{33382F18-18CC-4BBD-B527-5AC68D113001}"/>
+              </a:ext>
+            </a:extLst>
+          </p:cNvPr>
+          <p:cNvSpPr txBox="1"/>
+          <p:nvPr/>
+        </p:nvSpPr>
+        <p:spPr>
+          <a:xfrm>
+            <a:off x="2912347" y="3098615"/>
+            <a:ext cx="1066800" cy="307777"/>
+          </a:xfrm>
+          <a:prstGeom prst="rect">
+            <a:avLst/>
+          </a:prstGeom>
+          <a:noFill/>
+        </p:spPr>
+        <p:txBody>
+          <a:bodyPr wrap="square" rtlCol="0">
+            <a:spAutoFit/>
+          </a:bodyPr>
+          <a:lstStyle/>
+          <a:p>
+            <a:pPr algn="ctr"/>
+            <a:r>
+              <a:rPr lang="en-US" sz="1400"/>
+              <a:t>User Input</a:t>
+            </a:r>
+          </a:p>
+        </p:txBody>
+      </p:sp>
+      <p:sp>
+        <p:nvSpPr>
+          <p:cNvPr id="65" name="TextBox 64">
+            <a:extLst>
+              <a:ext uri="{FF2B5EF4-FFF2-40B4-BE49-F238E27FC236}">
+                <a16:creationId xmlns:a16="http://schemas.microsoft.com/office/drawing/2014/main" id="{EA36618E-7BA6-4527-84F8-D36E5DBB1750}"/>
+              </a:ext>
+            </a:extLst>
+          </p:cNvPr>
+          <p:cNvSpPr txBox="1"/>
+          <p:nvPr/>
+        </p:nvSpPr>
+        <p:spPr>
+          <a:xfrm>
+            <a:off x="6296967" y="2883172"/>
+            <a:ext cx="1406768" cy="523220"/>
+          </a:xfrm>
+          <a:prstGeom prst="rect">
+            <a:avLst/>
+          </a:prstGeom>
+          <a:noFill/>
+        </p:spPr>
+        <p:txBody>
+          <a:bodyPr wrap="square" rtlCol="0">
+            <a:spAutoFit/>
+          </a:bodyPr>
+          <a:lstStyle/>
+          <a:p>
+            <a:pPr algn="ctr"/>
+            <a:r>
+              <a:rPr lang="en-US" sz="1400"/>
+              <a:t>Logic (Calculations)</a:t>
+            </a:r>
+          </a:p>
+        </p:txBody>
+      </p:sp>
+      <p:sp>
+        <p:nvSpPr>
+          <p:cNvPr id="66" name="TextBox 65">
+            <a:extLst>
+              <a:ext uri="{FF2B5EF4-FFF2-40B4-BE49-F238E27FC236}">
+                <a16:creationId xmlns:a16="http://schemas.microsoft.com/office/drawing/2014/main" id="{701DD484-7DD9-4A26-8C5B-495E0F454573}"/>
+              </a:ext>
+            </a:extLst>
+          </p:cNvPr>
+          <p:cNvSpPr txBox="1"/>
+          <p:nvPr/>
+        </p:nvSpPr>
+        <p:spPr>
+          <a:xfrm>
+            <a:off x="4305717" y="4668665"/>
+            <a:ext cx="2064935" cy="307777"/>
+          </a:xfrm>
+          <a:prstGeom prst="rect">
+            <a:avLst/>
+          </a:prstGeom>
+          <a:noFill/>
+        </p:spPr>
+        <p:txBody>
+          <a:bodyPr wrap="square" rtlCol="0">
+            <a:spAutoFit/>
+          </a:bodyPr>
+          <a:lstStyle/>
+          <a:p>
+            <a:pPr algn="ctr"/>
+            <a:r>
+              <a:rPr lang="en-US" sz="1400"/>
+              <a:t>Response to User</a:t>
+            </a:r>
+          </a:p>
+        </p:txBody>
+      </p:sp>
+    </p:spTree>
+    <p:extLst>
+      <p:ext uri="{BB962C8B-B14F-4D97-AF65-F5344CB8AC3E}">
+        <p14:creationId xmlns:p14="http://schemas.microsoft.com/office/powerpoint/2010/main" val="3893721912"/>
+      </p:ext>
+    </p:extLst>
+  </p:cSld>
+  <p:clrMapOvr>
+    <a:masterClrMapping/>
+  </p:clrMapOvr>
+  <mc:AlternateContent xmlns:mc="http://schemas.openxmlformats.org/markup-compatibility/2006">
+    <mc:Choice xmlns:p14="http://schemas.microsoft.com/office/powerpoint/2010/main" Requires="p14">
+      <p:transition spd="med" p14:dur="700">
+        <p:fade/>
+      </p:transition>
+    </mc:Choice>
+    <mc:Fallback>
+      <p:transition spd="med">
+        <p:fade/>
+      </p:transition>
+    </mc:Fallback>
+  </mc:AlternateContent>
+</p:sld>
+</file>
+
+<file path=ppt/slides/slide4.xml><?xml version="1.0" encoding="utf-8"?>
+<p:sld xmlns:a="http://schemas.openxmlformats.org/drawingml/2006/main" xmlns:r="http://schemas.openxmlformats.org/officeDocument/2006/relationships" xmlns:p="http://schemas.openxmlformats.org/presentationml/2006/main">
+  <p:cSld>
+    <p:spTree>
+      <p:nvGrpSpPr>
+        <p:cNvPr id="1" name=""/>
+        <p:cNvGrpSpPr/>
+        <p:nvPr/>
+      </p:nvGrpSpPr>
+      <p:grpSpPr>
+        <a:xfrm>
+          <a:off x="0" y="0"/>
+          <a:ext cx="0" cy="0"/>
+          <a:chOff x="0" y="0"/>
+          <a:chExt cx="0" cy="0"/>
+        </a:xfrm>
+      </p:grpSpPr>
+      <p:sp>
+        <p:nvSpPr>
+          <p:cNvPr id="23" name="Rectangle 22"/>
           <p:cNvSpPr/>
           <p:nvPr/>
         </p:nvSpPr>
@@ -26700,19 +24579,13 @@
           <a:lstStyle/>
           <a:p>
             <a:pPr algn="ctr"/>
-            <a:endParaRPr lang="en-GB" dirty="0"/>
+            <a:endParaRPr lang="en-GB"/>
           </a:p>
         </p:txBody>
       </p:sp>
       <p:sp>
         <p:nvSpPr>
-          <p:cNvPr id="21" name="Rectangle 20">
-            <a:extLst>
-              <a:ext uri="{FF2B5EF4-FFF2-40B4-BE49-F238E27FC236}">
-                <a16:creationId xmlns:a16="http://schemas.microsoft.com/office/drawing/2014/main" id="{1BBC32AB-C51F-47DE-8C1C-BAC647857CF0}"/>
-              </a:ext>
-            </a:extLst>
-          </p:cNvPr>
+          <p:cNvPr id="21" name="Rectangle 20"/>
           <p:cNvSpPr/>
           <p:nvPr/>
         </p:nvSpPr>
@@ -26740,25 +24613,17 @@
           </a:fontRef>
         </p:style>
         <p:txBody>
-          <a:bodyPr lIns="91440" tIns="45720" rIns="91440" bIns="45720" rtlCol="0" anchor="ctr"/>
+          <a:bodyPr rtlCol="0" anchor="ctr"/>
           <a:lstStyle/>
           <a:p>
             <a:pPr algn="ctr"/>
-            <a:endParaRPr lang="en-GB" dirty="0">
-              <a:cs typeface="Arial"/>
-            </a:endParaRPr>
+            <a:endParaRPr lang="en-GB"/>
           </a:p>
         </p:txBody>
       </p:sp>
       <p:sp>
         <p:nvSpPr>
-          <p:cNvPr id="5" name="Title 4">
-            <a:extLst>
-              <a:ext uri="{FF2B5EF4-FFF2-40B4-BE49-F238E27FC236}">
-                <a16:creationId xmlns:a16="http://schemas.microsoft.com/office/drawing/2014/main" id="{201323FB-427E-4A8D-B473-AB0657D8D23B}"/>
-              </a:ext>
-            </a:extLst>
-          </p:cNvPr>
+          <p:cNvPr id="5" name="Title 4"/>
           <p:cNvSpPr>
             <a:spLocks noGrp="1"/>
           </p:cNvSpPr>
@@ -26777,21 +24642,15 @@
           <a:lstStyle/>
           <a:p>
             <a:r>
-              <a:rPr lang="en-US" dirty="0"/>
-              <a:t>Chatbot Flow</a:t>
+              <a:rPr lang="en-US"/>
+              <a:t>System Flow</a:t>
             </a:r>
           </a:p>
         </p:txBody>
       </p:sp>
       <p:sp>
         <p:nvSpPr>
-          <p:cNvPr id="2" name="Slide Number Placeholder 1">
-            <a:extLst>
-              <a:ext uri="{FF2B5EF4-FFF2-40B4-BE49-F238E27FC236}">
-                <a16:creationId xmlns:a16="http://schemas.microsoft.com/office/drawing/2014/main" id="{E4398C1C-6656-4A73-A680-62A81CDC27FD}"/>
-              </a:ext>
-            </a:extLst>
-          </p:cNvPr>
+          <p:cNvPr id="2" name="Slide Number Placeholder 1"/>
           <p:cNvSpPr>
             <a:spLocks noGrp="1"/>
           </p:cNvSpPr>
@@ -26811,22 +24670,15 @@
           <a:p>
             <a:fld id="{C263D6C4-4840-40CC-AC84-17E24B3B7BDE}" type="slidenum">
               <a:rPr lang="en-US" smtClean="0"/>
-              <a:pPr/>
-              <a:t>3</a:t>
+              <a:t>4</a:t>
             </a:fld>
-            <a:endParaRPr lang="en-US" dirty="0"/>
+            <a:endParaRPr lang="en-US"/>
           </a:p>
         </p:txBody>
       </p:sp>
       <p:sp>
         <p:nvSpPr>
-          <p:cNvPr id="3" name="Rectangle: Rounded Corners 2">
-            <a:extLst>
-              <a:ext uri="{FF2B5EF4-FFF2-40B4-BE49-F238E27FC236}">
-                <a16:creationId xmlns:a16="http://schemas.microsoft.com/office/drawing/2014/main" id="{76D85E80-410C-4F80-BC46-595DA658EAB9}"/>
-              </a:ext>
-            </a:extLst>
-          </p:cNvPr>
+          <p:cNvPr id="3" name="Rectangle: Rounded Corners 2"/>
           <p:cNvSpPr/>
           <p:nvPr/>
         </p:nvSpPr>
@@ -26861,13 +24713,13 @@
           <a:p>
             <a:pPr algn="ctr"/>
             <a:r>
-              <a:rPr lang="en-GB" dirty="0">
+              <a:rPr lang="en-GB">
                 <a:ea typeface="+mn-lt"/>
                 <a:cs typeface="+mn-lt"/>
               </a:rPr>
               <a:t>Car</a:t>
             </a:r>
-            <a:endParaRPr lang="en-US" dirty="0">
+            <a:endParaRPr lang="en-US">
               <a:ea typeface="+mn-lt"/>
               <a:cs typeface="+mn-lt"/>
             </a:endParaRPr>
@@ -26875,13 +24727,13 @@
           <a:p>
             <a:pPr algn="ctr"/>
             <a:r>
-              <a:rPr lang="en-GB" dirty="0">
+              <a:rPr lang="en-GB">
                 <a:ea typeface="+mn-lt"/>
                 <a:cs typeface="+mn-lt"/>
               </a:rPr>
               <a:t>Listing Page</a:t>
             </a:r>
-            <a:endParaRPr lang="en-US" dirty="0">
+            <a:endParaRPr lang="en-US">
               <a:ea typeface="+mn-lt"/>
               <a:cs typeface="+mn-lt"/>
             </a:endParaRPr>
@@ -26890,13 +24742,7 @@
       </p:sp>
       <p:sp>
         <p:nvSpPr>
-          <p:cNvPr id="8" name="Oval 7">
-            <a:extLst>
-              <a:ext uri="{FF2B5EF4-FFF2-40B4-BE49-F238E27FC236}">
-                <a16:creationId xmlns:a16="http://schemas.microsoft.com/office/drawing/2014/main" id="{8457C11B-B67D-457B-98FF-48E50E57A7A4}"/>
-              </a:ext>
-            </a:extLst>
-          </p:cNvPr>
+          <p:cNvPr id="8" name="Oval 7"/>
           <p:cNvSpPr/>
           <p:nvPr/>
         </p:nvSpPr>
@@ -26931,24 +24777,18 @@
           <a:p>
             <a:pPr algn="ctr"/>
             <a:r>
-              <a:rPr lang="en-GB" dirty="0">
-                <a:cs typeface="Arial"/>
+              <a:rPr lang="en-GB">
+                <a:cs typeface="Arial" panose="020B0604020202020204"/>
               </a:rPr>
               <a:t>User</a:t>
             </a:r>
-            <a:endParaRPr lang="en-GB" dirty="0"/>
+            <a:endParaRPr lang="en-GB"/>
           </a:p>
         </p:txBody>
       </p:sp>
       <p:sp>
         <p:nvSpPr>
-          <p:cNvPr id="9" name="Rectangle: Rounded Corners 8">
-            <a:extLst>
-              <a:ext uri="{FF2B5EF4-FFF2-40B4-BE49-F238E27FC236}">
-                <a16:creationId xmlns:a16="http://schemas.microsoft.com/office/drawing/2014/main" id="{3FD630F6-3CBF-4BE7-B9AC-284F000ECD3B}"/>
-              </a:ext>
-            </a:extLst>
-          </p:cNvPr>
+          <p:cNvPr id="9" name="Rectangle: Rounded Corners 8"/>
           <p:cNvSpPr/>
           <p:nvPr/>
         </p:nvSpPr>
@@ -26983,13 +24823,13 @@
           <a:p>
             <a:pPr algn="ctr"/>
             <a:r>
-              <a:rPr lang="en-GB" dirty="0">
+              <a:rPr lang="en-GB">
                 <a:ea typeface="+mn-lt"/>
                 <a:cs typeface="+mn-lt"/>
               </a:rPr>
               <a:t>Car</a:t>
             </a:r>
-            <a:endParaRPr lang="en-US" dirty="0">
+            <a:endParaRPr lang="en-US">
               <a:ea typeface="+mn-lt"/>
               <a:cs typeface="+mn-lt"/>
             </a:endParaRPr>
@@ -26997,13 +24837,13 @@
           <a:p>
             <a:pPr algn="ctr"/>
             <a:r>
-              <a:rPr lang="en-GB" dirty="0">
+              <a:rPr lang="en-GB">
                 <a:ea typeface="+mn-lt"/>
                 <a:cs typeface="+mn-lt"/>
               </a:rPr>
               <a:t>Details Page</a:t>
             </a:r>
-            <a:endParaRPr lang="en-US" dirty="0">
+            <a:endParaRPr lang="en-US">
               <a:ea typeface="+mn-lt"/>
               <a:cs typeface="+mn-lt"/>
             </a:endParaRPr>
@@ -27012,20 +24852,14 @@
       </p:sp>
       <p:sp>
         <p:nvSpPr>
-          <p:cNvPr id="11" name="Rectangle: Rounded Corners 10">
-            <a:extLst>
-              <a:ext uri="{FF2B5EF4-FFF2-40B4-BE49-F238E27FC236}">
-                <a16:creationId xmlns:a16="http://schemas.microsoft.com/office/drawing/2014/main" id="{35276F96-121B-4F65-8A06-F860EE99A93A}"/>
-              </a:ext>
-            </a:extLst>
-          </p:cNvPr>
+          <p:cNvPr id="11" name="Rectangle: Rounded Corners 10"/>
           <p:cNvSpPr/>
           <p:nvPr/>
         </p:nvSpPr>
         <p:spPr>
           <a:xfrm>
-            <a:off x="2446798" y="4051142"/>
-            <a:ext cx="1835474" cy="611405"/>
+            <a:off x="2446798" y="4108651"/>
+            <a:ext cx="1835474" cy="539519"/>
           </a:xfrm>
           <a:prstGeom prst="roundRect">
             <a:avLst/>
@@ -27053,25 +24887,19 @@
           <a:p>
             <a:pPr algn="ctr"/>
             <a:r>
-              <a:rPr lang="en-GB" dirty="0">
+              <a:rPr lang="en-GB">
                 <a:ea typeface="+mn-lt"/>
                 <a:cs typeface="+mn-lt"/>
               </a:rPr>
               <a:t>Accept Deal</a:t>
             </a:r>
-            <a:endParaRPr lang="en-US" dirty="0"/>
+            <a:endParaRPr lang="en-US"/>
           </a:p>
         </p:txBody>
       </p:sp>
       <p:sp>
         <p:nvSpPr>
-          <p:cNvPr id="12" name="Rectangle: Rounded Corners 11">
-            <a:extLst>
-              <a:ext uri="{FF2B5EF4-FFF2-40B4-BE49-F238E27FC236}">
-                <a16:creationId xmlns:a16="http://schemas.microsoft.com/office/drawing/2014/main" id="{8307DE39-46E6-405D-8E7A-153AF838A18D}"/>
-              </a:ext>
-            </a:extLst>
-          </p:cNvPr>
+          <p:cNvPr id="12" name="Rectangle: Rounded Corners 11"/>
           <p:cNvSpPr/>
           <p:nvPr/>
         </p:nvSpPr>
@@ -27106,7 +24934,7 @@
           <a:p>
             <a:pPr algn="ctr"/>
             <a:r>
-              <a:rPr lang="en-GB" dirty="0">
+              <a:rPr lang="en-GB">
                 <a:ea typeface="+mn-lt"/>
                 <a:cs typeface="+mn-lt"/>
               </a:rPr>
@@ -27116,8 +24944,8 @@
           <a:p>
             <a:pPr algn="ctr"/>
             <a:r>
-              <a:rPr lang="en-GB" dirty="0">
-                <a:cs typeface="Arial"/>
+              <a:rPr lang="en-GB">
+                <a:cs typeface="Arial" panose="020B0604020202020204"/>
               </a:rPr>
               <a:t>Price</a:t>
             </a:r>
@@ -27126,13 +24954,7 @@
       </p:sp>
       <p:sp>
         <p:nvSpPr>
-          <p:cNvPr id="15" name="Flowchart: Terminator 14">
-            <a:extLst>
-              <a:ext uri="{FF2B5EF4-FFF2-40B4-BE49-F238E27FC236}">
-                <a16:creationId xmlns:a16="http://schemas.microsoft.com/office/drawing/2014/main" id="{A344D580-9F03-4E8B-BF38-AA37D10A2E4B}"/>
-              </a:ext>
-            </a:extLst>
-          </p:cNvPr>
+          <p:cNvPr id="15" name="Flowchart: Terminator 14"/>
           <p:cNvSpPr/>
           <p:nvPr/>
         </p:nvSpPr>
@@ -27167,24 +24989,18 @@
           <a:p>
             <a:pPr algn="ctr"/>
             <a:r>
-              <a:rPr lang="en-GB" dirty="0">
-                <a:cs typeface="Arial"/>
+              <a:rPr lang="en-GB">
+                <a:cs typeface="Arial" panose="020B0604020202020204"/>
               </a:rPr>
               <a:t>Chat</a:t>
             </a:r>
-            <a:endParaRPr lang="en-GB" dirty="0"/>
+            <a:endParaRPr lang="en-GB"/>
           </a:p>
         </p:txBody>
       </p:sp>
       <p:sp>
         <p:nvSpPr>
-          <p:cNvPr id="17" name="Diamond 16">
-            <a:extLst>
-              <a:ext uri="{FF2B5EF4-FFF2-40B4-BE49-F238E27FC236}">
-                <a16:creationId xmlns:a16="http://schemas.microsoft.com/office/drawing/2014/main" id="{8FF73EBF-1512-4FD7-8587-1090F0B9BD62}"/>
-              </a:ext>
-            </a:extLst>
-          </p:cNvPr>
+          <p:cNvPr id="17" name="Diamond 16"/>
           <p:cNvSpPr/>
           <p:nvPr/>
         </p:nvSpPr>
@@ -27219,8 +25035,8 @@
           <a:p>
             <a:pPr algn="ctr"/>
             <a:r>
-              <a:rPr lang="en-GB" sz="1600" dirty="0">
-                <a:cs typeface="Arial"/>
+              <a:rPr lang="en-GB" sz="1600">
+                <a:cs typeface="Arial" panose="020B0604020202020204"/>
               </a:rPr>
               <a:t>Offer Accepted</a:t>
             </a:r>
@@ -27229,13 +25045,7 @@
       </p:sp>
       <p:sp>
         <p:nvSpPr>
-          <p:cNvPr id="18" name="Rectangle: Rounded Corners 17">
-            <a:extLst>
-              <a:ext uri="{FF2B5EF4-FFF2-40B4-BE49-F238E27FC236}">
-                <a16:creationId xmlns:a16="http://schemas.microsoft.com/office/drawing/2014/main" id="{151B470D-357B-4028-B069-B3585A7D9DF4}"/>
-              </a:ext>
-            </a:extLst>
-          </p:cNvPr>
+          <p:cNvPr id="18" name="Rectangle: Rounded Corners 17"/>
           <p:cNvSpPr/>
           <p:nvPr/>
         </p:nvSpPr>
@@ -27270,8 +25080,8 @@
           <a:p>
             <a:pPr algn="ctr"/>
             <a:r>
-              <a:rPr lang="en-GB" dirty="0">
-                <a:cs typeface="Arial"/>
+              <a:rPr lang="en-GB">
+                <a:cs typeface="Arial" panose="020B0604020202020204"/>
               </a:rPr>
               <a:t>Make an offer</a:t>
             </a:r>
@@ -27280,13 +25090,7 @@
       </p:sp>
       <p:sp>
         <p:nvSpPr>
-          <p:cNvPr id="19" name="Flowchart: Terminator 18">
-            <a:extLst>
-              <a:ext uri="{FF2B5EF4-FFF2-40B4-BE49-F238E27FC236}">
-                <a16:creationId xmlns:a16="http://schemas.microsoft.com/office/drawing/2014/main" id="{20749F6B-E42F-448D-8754-5E985CDDCF71}"/>
-              </a:ext>
-            </a:extLst>
-          </p:cNvPr>
+          <p:cNvPr id="19" name="Flowchart: Terminator 18"/>
           <p:cNvSpPr/>
           <p:nvPr/>
         </p:nvSpPr>
@@ -27321,24 +25125,18 @@
           <a:p>
             <a:pPr algn="ctr"/>
             <a:r>
-              <a:rPr lang="en-GB" dirty="0">
-                <a:cs typeface="Arial"/>
+              <a:rPr lang="en-GB">
+                <a:cs typeface="Arial" panose="020B0604020202020204"/>
               </a:rPr>
               <a:t>Exit</a:t>
             </a:r>
-            <a:endParaRPr lang="en-GB" dirty="0"/>
+            <a:endParaRPr lang="en-GB"/>
           </a:p>
         </p:txBody>
       </p:sp>
       <p:sp>
         <p:nvSpPr>
-          <p:cNvPr id="20" name="Rectangle: Rounded Corners 19">
-            <a:extLst>
-              <a:ext uri="{FF2B5EF4-FFF2-40B4-BE49-F238E27FC236}">
-                <a16:creationId xmlns:a16="http://schemas.microsoft.com/office/drawing/2014/main" id="{D1F98819-E2D8-4A43-8BB8-B71E02763A3E}"/>
-              </a:ext>
-            </a:extLst>
-          </p:cNvPr>
+          <p:cNvPr id="20" name="Rectangle: Rounded Corners 19"/>
           <p:cNvSpPr/>
           <p:nvPr/>
         </p:nvSpPr>
@@ -27373,8 +25171,8 @@
           <a:p>
             <a:pPr algn="ctr"/>
             <a:r>
-              <a:rPr lang="en-GB" dirty="0">
-                <a:cs typeface="Arial"/>
+              <a:rPr lang="en-GB">
+                <a:cs typeface="Arial" panose="020B0604020202020204"/>
               </a:rPr>
               <a:t>Checkout</a:t>
             </a:r>
@@ -27383,13 +25181,7 @@
       </p:sp>
       <p:sp>
         <p:nvSpPr>
-          <p:cNvPr id="22" name="TextBox 21">
-            <a:extLst>
-              <a:ext uri="{FF2B5EF4-FFF2-40B4-BE49-F238E27FC236}">
-                <a16:creationId xmlns:a16="http://schemas.microsoft.com/office/drawing/2014/main" id="{0D044C24-3771-4203-AC87-B5EEEECB4E58}"/>
-              </a:ext>
-            </a:extLst>
-          </p:cNvPr>
+          <p:cNvPr id="22" name="TextBox 21"/>
           <p:cNvSpPr txBox="1"/>
           <p:nvPr/>
         </p:nvSpPr>
@@ -27405,31 +25197,22 @@
         </p:spPr>
         <p:txBody>
           <a:bodyPr rot="0" spcFirstLastPara="0" vertOverflow="overflow" horzOverflow="overflow" vert="horz" wrap="square" lIns="91440" tIns="45720" rIns="91440" bIns="45720" numCol="1" spcCol="0" rtlCol="0" fromWordArt="0" anchor="t" anchorCtr="0" forceAA="0" compatLnSpc="1">
-            <a:prstTxWarp prst="textNoShape">
-              <a:avLst/>
-            </a:prstTxWarp>
             <a:spAutoFit/>
           </a:bodyPr>
           <a:lstStyle/>
           <a:p>
             <a:pPr algn="ctr"/>
             <a:r>
-              <a:rPr lang="en-GB" b="1" dirty="0"/>
+              <a:rPr lang="en-GB" b="1"/>
               <a:t>Web UI</a:t>
             </a:r>
-            <a:endParaRPr lang="en-US" b="1" dirty="0"/>
+            <a:endParaRPr lang="en-US" b="1"/>
           </a:p>
         </p:txBody>
       </p:sp>
       <p:sp>
         <p:nvSpPr>
-          <p:cNvPr id="24" name="TextBox 23">
-            <a:extLst>
-              <a:ext uri="{FF2B5EF4-FFF2-40B4-BE49-F238E27FC236}">
-                <a16:creationId xmlns:a16="http://schemas.microsoft.com/office/drawing/2014/main" id="{11344616-5F94-4B3E-AC45-7E98691CAB4E}"/>
-              </a:ext>
-            </a:extLst>
-          </p:cNvPr>
+          <p:cNvPr id="24" name="TextBox 23"/>
           <p:cNvSpPr txBox="1"/>
           <p:nvPr/>
         </p:nvSpPr>
@@ -27445,33 +25228,23 @@
         </p:spPr>
         <p:txBody>
           <a:bodyPr rot="0" spcFirstLastPara="0" vertOverflow="overflow" horzOverflow="overflow" vert="horz" wrap="square" lIns="91440" tIns="45720" rIns="91440" bIns="45720" numCol="1" spcCol="0" rtlCol="0" fromWordArt="0" anchor="t" anchorCtr="0" forceAA="0" compatLnSpc="1">
-            <a:prstTxWarp prst="textNoShape">
-              <a:avLst/>
-            </a:prstTxWarp>
             <a:spAutoFit/>
           </a:bodyPr>
           <a:lstStyle/>
           <a:p>
             <a:pPr algn="ctr"/>
             <a:r>
-              <a:rPr lang="en-GB" b="1" dirty="0"/>
+              <a:rPr lang="en-GB" b="1"/>
               <a:t>AI Agent</a:t>
             </a:r>
-            <a:endParaRPr lang="en-US" b="1" dirty="0"/>
+            <a:endParaRPr lang="en-US" b="1"/>
           </a:p>
         </p:txBody>
       </p:sp>
       <p:cxnSp>
         <p:nvCxnSpPr>
-          <p:cNvPr id="26" name="Straight Arrow Connector 25">
-            <a:extLst>
-              <a:ext uri="{FF2B5EF4-FFF2-40B4-BE49-F238E27FC236}">
-                <a16:creationId xmlns:a16="http://schemas.microsoft.com/office/drawing/2014/main" id="{A5F6D720-9926-4308-9FC8-8B0D478E60D5}"/>
-              </a:ext>
-            </a:extLst>
-          </p:cNvPr>
+          <p:cNvPr id="26" name="Straight Arrow Connector 25"/>
           <p:cNvCxnSpPr>
-            <a:cxnSpLocks/>
             <a:stCxn id="8" idx="6"/>
           </p:cNvCxnSpPr>
           <p:nvPr/>
@@ -27508,16 +25281,8 @@
       </p:cxnSp>
       <p:cxnSp>
         <p:nvCxnSpPr>
-          <p:cNvPr id="27" name="Straight Arrow Connector 26">
-            <a:extLst>
-              <a:ext uri="{FF2B5EF4-FFF2-40B4-BE49-F238E27FC236}">
-                <a16:creationId xmlns:a16="http://schemas.microsoft.com/office/drawing/2014/main" id="{8FFB8A43-9381-4771-BD26-D9280BB2963B}"/>
-              </a:ext>
-            </a:extLst>
-          </p:cNvPr>
-          <p:cNvCxnSpPr>
-            <a:cxnSpLocks/>
-          </p:cNvCxnSpPr>
+          <p:cNvPr id="27" name="Straight Arrow Connector 26"/>
+          <p:cNvCxnSpPr/>
           <p:nvPr/>
         </p:nvCxnSpPr>
         <p:spPr>
@@ -27549,21 +25314,13 @@
       </p:cxnSp>
       <p:cxnSp>
         <p:nvCxnSpPr>
-          <p:cNvPr id="28" name="Straight Arrow Connector 27">
-            <a:extLst>
-              <a:ext uri="{FF2B5EF4-FFF2-40B4-BE49-F238E27FC236}">
-                <a16:creationId xmlns:a16="http://schemas.microsoft.com/office/drawing/2014/main" id="{F89D3278-7BDC-45F9-A6A3-EE1E2569453B}"/>
-              </a:ext>
-            </a:extLst>
-          </p:cNvPr>
-          <p:cNvCxnSpPr>
-            <a:cxnSpLocks/>
-          </p:cNvCxnSpPr>
+          <p:cNvPr id="28" name="Straight Arrow Connector 27"/>
+          <p:cNvCxnSpPr/>
           <p:nvPr/>
         </p:nvCxnSpPr>
         <p:spPr>
           <a:xfrm flipH="1">
-            <a:off x="3455407" y="3404197"/>
+            <a:off x="3627935" y="3490461"/>
             <a:ext cx="742325" cy="626425"/>
           </a:xfrm>
           <a:prstGeom prst="straightConnector1">
@@ -27590,16 +25347,8 @@
       </p:cxnSp>
       <p:cxnSp>
         <p:nvCxnSpPr>
-          <p:cNvPr id="29" name="Straight Arrow Connector 28">
-            <a:extLst>
-              <a:ext uri="{FF2B5EF4-FFF2-40B4-BE49-F238E27FC236}">
-                <a16:creationId xmlns:a16="http://schemas.microsoft.com/office/drawing/2014/main" id="{9CF650F1-46A8-4B0D-BE8E-AF7FD227B6EB}"/>
-              </a:ext>
-            </a:extLst>
-          </p:cNvPr>
-          <p:cNvCxnSpPr>
-            <a:cxnSpLocks/>
-          </p:cNvCxnSpPr>
+          <p:cNvPr id="29" name="Straight Arrow Connector 28"/>
+          <p:cNvCxnSpPr/>
           <p:nvPr/>
         </p:nvCxnSpPr>
         <p:spPr>
@@ -27631,16 +25380,8 @@
       </p:cxnSp>
       <p:cxnSp>
         <p:nvCxnSpPr>
-          <p:cNvPr id="30" name="Straight Arrow Connector 29">
-            <a:extLst>
-              <a:ext uri="{FF2B5EF4-FFF2-40B4-BE49-F238E27FC236}">
-                <a16:creationId xmlns:a16="http://schemas.microsoft.com/office/drawing/2014/main" id="{6AE65618-B3EF-4530-B4DB-B41DF005E109}"/>
-              </a:ext>
-            </a:extLst>
-          </p:cNvPr>
-          <p:cNvCxnSpPr>
-            <a:cxnSpLocks/>
-          </p:cNvCxnSpPr>
+          <p:cNvPr id="30" name="Straight Arrow Connector 29"/>
+          <p:cNvCxnSpPr/>
           <p:nvPr/>
         </p:nvCxnSpPr>
         <p:spPr>
@@ -27672,16 +25413,8 @@
       </p:cxnSp>
       <p:cxnSp>
         <p:nvCxnSpPr>
-          <p:cNvPr id="32" name="Straight Arrow Connector 31">
-            <a:extLst>
-              <a:ext uri="{FF2B5EF4-FFF2-40B4-BE49-F238E27FC236}">
-                <a16:creationId xmlns:a16="http://schemas.microsoft.com/office/drawing/2014/main" id="{B5093CC2-A4BC-44F0-A2FA-43A128FBA00E}"/>
-              </a:ext>
-            </a:extLst>
-          </p:cNvPr>
-          <p:cNvCxnSpPr>
-            <a:cxnSpLocks/>
-          </p:cNvCxnSpPr>
+          <p:cNvPr id="32" name="Straight Arrow Connector 31"/>
+          <p:cNvCxnSpPr/>
           <p:nvPr/>
         </p:nvCxnSpPr>
         <p:spPr>
@@ -27713,23 +25446,47 @@
       </p:cxnSp>
       <p:cxnSp>
         <p:nvCxnSpPr>
-          <p:cNvPr id="31" name="Straight Arrow Connector 30">
-            <a:extLst>
-              <a:ext uri="{FF2B5EF4-FFF2-40B4-BE49-F238E27FC236}">
-                <a16:creationId xmlns:a16="http://schemas.microsoft.com/office/drawing/2014/main" id="{3810F231-15B9-4E36-9849-E9B50408C506}"/>
-              </a:ext>
-            </a:extLst>
-          </p:cNvPr>
-          <p:cNvCxnSpPr>
-            <a:cxnSpLocks/>
-            <a:endCxn id="17" idx="1"/>
-          </p:cNvCxnSpPr>
+          <p:cNvPr id="31" name="Straight Arrow Connector 30"/>
+          <p:cNvCxnSpPr/>
           <p:nvPr/>
         </p:nvCxnSpPr>
         <p:spPr>
           <a:xfrm>
-            <a:off x="6437181" y="4475348"/>
-            <a:ext cx="1239192" cy="0"/>
+            <a:off x="6436995" y="4475480"/>
+            <a:ext cx="1047115" cy="19685"/>
+          </a:xfrm>
+          <a:prstGeom prst="straightConnector1">
+            <a:avLst/>
+          </a:prstGeom>
+          <a:ln>
+            <a:tailEnd type="triangle" w="med" len="med"/>
+          </a:ln>
+        </p:spPr>
+        <p:style>
+          <a:lnRef idx="3">
+            <a:schemeClr val="accent1"/>
+          </a:lnRef>
+          <a:fillRef idx="0">
+            <a:schemeClr val="accent1"/>
+          </a:fillRef>
+          <a:effectRef idx="2">
+            <a:schemeClr val="accent1"/>
+          </a:effectRef>
+          <a:fontRef idx="minor">
+            <a:schemeClr val="tx1"/>
+          </a:fontRef>
+        </p:style>
+      </p:cxnSp>
+      <p:cxnSp>
+        <p:nvCxnSpPr>
+          <p:cNvPr id="33" name="Straight Arrow Connector 32"/>
+          <p:cNvCxnSpPr/>
+          <p:nvPr/>
+        </p:nvCxnSpPr>
+        <p:spPr>
+          <a:xfrm flipH="1">
+            <a:off x="8712360" y="3308009"/>
+            <a:ext cx="16184" cy="335755"/>
           </a:xfrm>
           <a:prstGeom prst="straightConnector1">
             <a:avLst/>
@@ -27755,22 +25512,14 @@
       </p:cxnSp>
       <p:cxnSp>
         <p:nvCxnSpPr>
-          <p:cNvPr id="33" name="Straight Arrow Connector 32">
-            <a:extLst>
-              <a:ext uri="{FF2B5EF4-FFF2-40B4-BE49-F238E27FC236}">
-                <a16:creationId xmlns:a16="http://schemas.microsoft.com/office/drawing/2014/main" id="{F5FAC9D7-F545-4763-A362-1A1B21DC819A}"/>
-              </a:ext>
-            </a:extLst>
-          </p:cNvPr>
-          <p:cNvCxnSpPr>
-            <a:cxnSpLocks/>
-          </p:cNvCxnSpPr>
+          <p:cNvPr id="34" name="Straight Arrow Connector 33"/>
+          <p:cNvCxnSpPr/>
           <p:nvPr/>
         </p:nvCxnSpPr>
         <p:spPr>
-          <a:xfrm flipH="1">
-            <a:off x="8712360" y="3308009"/>
-            <a:ext cx="16184" cy="335755"/>
+          <a:xfrm>
+            <a:off x="8699968" y="5253770"/>
+            <a:ext cx="7787" cy="291451"/>
           </a:xfrm>
           <a:prstGeom prst="straightConnector1">
             <a:avLst/>
@@ -27794,54 +25543,9 @@
           </a:fontRef>
         </p:style>
       </p:cxnSp>
-      <p:cxnSp>
-        <p:nvCxnSpPr>
-          <p:cNvPr id="34" name="Straight Arrow Connector 33">
-            <a:extLst>
-              <a:ext uri="{FF2B5EF4-FFF2-40B4-BE49-F238E27FC236}">
-                <a16:creationId xmlns:a16="http://schemas.microsoft.com/office/drawing/2014/main" id="{E8F3DF9C-39BA-494A-AD9C-5A5F178D7ADE}"/>
-              </a:ext>
-            </a:extLst>
-          </p:cNvPr>
-          <p:cNvCxnSpPr/>
-          <p:nvPr/>
-        </p:nvCxnSpPr>
-        <p:spPr>
-          <a:xfrm>
-            <a:off x="8699968" y="5253770"/>
-            <a:ext cx="7787" cy="291451"/>
-          </a:xfrm>
-          <a:prstGeom prst="straightConnector1">
-            <a:avLst/>
-          </a:prstGeom>
-          <a:ln>
-            <a:tailEnd type="triangle"/>
-          </a:ln>
-        </p:spPr>
-        <p:style>
-          <a:lnRef idx="1">
-            <a:schemeClr val="accent1"/>
-          </a:lnRef>
-          <a:fillRef idx="0">
-            <a:schemeClr val="accent1"/>
-          </a:fillRef>
-          <a:effectRef idx="0">
-            <a:schemeClr val="accent1"/>
-          </a:effectRef>
-          <a:fontRef idx="minor">
-            <a:schemeClr val="tx1"/>
-          </a:fontRef>
-        </p:style>
-      </p:cxnSp>
       <p:sp>
         <p:nvSpPr>
-          <p:cNvPr id="35" name="TextBox 34">
-            <a:extLst>
-              <a:ext uri="{FF2B5EF4-FFF2-40B4-BE49-F238E27FC236}">
-                <a16:creationId xmlns:a16="http://schemas.microsoft.com/office/drawing/2014/main" id="{77951714-D791-48C0-A271-29B602890C2D}"/>
-              </a:ext>
-            </a:extLst>
-          </p:cNvPr>
+          <p:cNvPr id="35" name="TextBox 34"/>
           <p:cNvSpPr txBox="1"/>
           <p:nvPr/>
         </p:nvSpPr>
@@ -27857,30 +25561,21 @@
         </p:spPr>
         <p:txBody>
           <a:bodyPr rot="0" spcFirstLastPara="0" vertOverflow="overflow" horzOverflow="overflow" vert="horz" wrap="square" lIns="91440" tIns="45720" rIns="91440" bIns="45720" numCol="1" spcCol="0" rtlCol="0" fromWordArt="0" anchor="t" anchorCtr="0" forceAA="0" compatLnSpc="1">
-            <a:prstTxWarp prst="textNoShape">
-              <a:avLst/>
-            </a:prstTxWarp>
             <a:spAutoFit/>
           </a:bodyPr>
           <a:lstStyle/>
           <a:p>
             <a:r>
-              <a:rPr lang="en-GB" sz="1200" dirty="0"/>
+              <a:rPr lang="en-GB" sz="1200"/>
               <a:t>Yes</a:t>
             </a:r>
-            <a:endParaRPr lang="en-US" sz="1200" dirty="0"/>
+            <a:endParaRPr lang="en-US" sz="1200"/>
           </a:p>
         </p:txBody>
       </p:sp>
       <p:sp>
         <p:nvSpPr>
-          <p:cNvPr id="39" name="Arrow: Curved Up 38">
-            <a:extLst>
-              <a:ext uri="{FF2B5EF4-FFF2-40B4-BE49-F238E27FC236}">
-                <a16:creationId xmlns:a16="http://schemas.microsoft.com/office/drawing/2014/main" id="{C6F27336-7405-4C05-BE61-5310B6C1BF9C}"/>
-              </a:ext>
-            </a:extLst>
-          </p:cNvPr>
+          <p:cNvPr id="39" name="Arrow: Curved Up 38"/>
           <p:cNvSpPr/>
           <p:nvPr/>
         </p:nvSpPr>
@@ -27924,13 +25619,7 @@
       </p:sp>
       <p:sp>
         <p:nvSpPr>
-          <p:cNvPr id="41" name="TextBox 40">
-            <a:extLst>
-              <a:ext uri="{FF2B5EF4-FFF2-40B4-BE49-F238E27FC236}">
-                <a16:creationId xmlns:a16="http://schemas.microsoft.com/office/drawing/2014/main" id="{84BCB9C3-9AAC-4E11-9753-4510065B0501}"/>
-              </a:ext>
-            </a:extLst>
-          </p:cNvPr>
+          <p:cNvPr id="41" name="TextBox 40"/>
           <p:cNvSpPr txBox="1"/>
           <p:nvPr/>
         </p:nvSpPr>
@@ -27946,32 +25635,22 @@
         </p:spPr>
         <p:txBody>
           <a:bodyPr rot="0" spcFirstLastPara="0" vertOverflow="overflow" horzOverflow="overflow" vert="horz" wrap="square" lIns="91440" tIns="45720" rIns="91440" bIns="45720" numCol="1" spcCol="0" rtlCol="0" fromWordArt="0" anchor="t" anchorCtr="0" forceAA="0" compatLnSpc="1">
-            <a:prstTxWarp prst="textNoShape">
-              <a:avLst/>
-            </a:prstTxWarp>
             <a:spAutoFit/>
           </a:bodyPr>
           <a:lstStyle/>
           <a:p>
             <a:r>
-              <a:rPr lang="en-GB" sz="1200" dirty="0"/>
+              <a:rPr lang="en-GB" sz="1200"/>
               <a:t>No</a:t>
             </a:r>
-            <a:endParaRPr lang="en-US" sz="1200" dirty="0"/>
+            <a:endParaRPr lang="en-US" sz="1200"/>
           </a:p>
         </p:txBody>
       </p:sp>
       <p:cxnSp>
         <p:nvCxnSpPr>
-          <p:cNvPr id="42" name="Straight Arrow Connector 41">
-            <a:extLst>
-              <a:ext uri="{FF2B5EF4-FFF2-40B4-BE49-F238E27FC236}">
-                <a16:creationId xmlns:a16="http://schemas.microsoft.com/office/drawing/2014/main" id="{61D0E1D9-85AE-4F09-9607-B890E9C04040}"/>
-              </a:ext>
-            </a:extLst>
-          </p:cNvPr>
+          <p:cNvPr id="42" name="Straight Arrow Connector 41"/>
           <p:cNvCxnSpPr>
-            <a:cxnSpLocks/>
             <a:stCxn id="19" idx="1"/>
           </p:cNvCxnSpPr>
           <p:nvPr/>
@@ -27985,17 +25664,17 @@
             <a:avLst/>
           </a:prstGeom>
           <a:ln>
-            <a:tailEnd type="triangle"/>
+            <a:tailEnd type="triangle" w="med" len="med"/>
           </a:ln>
         </p:spPr>
         <p:style>
-          <a:lnRef idx="1">
+          <a:lnRef idx="3">
             <a:schemeClr val="accent1"/>
           </a:lnRef>
           <a:fillRef idx="0">
             <a:schemeClr val="accent1"/>
           </a:fillRef>
-          <a:effectRef idx="0">
+          <a:effectRef idx="2">
             <a:schemeClr val="accent1"/>
           </a:effectRef>
           <a:fontRef idx="minor">
@@ -28004,22 +25683,17 @@
         </p:style>
       </p:cxnSp>
     </p:spTree>
-    <p:extLst>
-      <p:ext uri="{BB962C8B-B14F-4D97-AF65-F5344CB8AC3E}">
-        <p14:creationId xmlns:p14="http://schemas.microsoft.com/office/powerpoint/2010/main" val="629060188"/>
-      </p:ext>
-    </p:extLst>
   </p:cSld>
   <p:clrMapOvr>
     <a:masterClrMapping/>
   </p:clrMapOvr>
-  <mc:AlternateContent xmlns:mc="http://schemas.openxmlformats.org/markup-compatibility/2006" xmlns:p14="http://schemas.microsoft.com/office/powerpoint/2010/main">
-    <mc:Choice Requires="p14">
+  <mc:AlternateContent xmlns:mc="http://schemas.openxmlformats.org/markup-compatibility/2006">
+    <mc:Choice xmlns:p14="http://schemas.microsoft.com/office/powerpoint/2010/main" Requires="p14">
       <p:transition spd="med" p14:dur="700">
         <p:fade/>
       </p:transition>
     </mc:Choice>
-    <mc:Fallback xmlns="">
+    <mc:Fallback>
       <p:transition spd="med">
         <p:fade/>
       </p:transition>
@@ -28223,7 +25897,7 @@
   <a:extraClrSchemeLst/>
   <a:extLst>
     <a:ext uri="{05A4C25C-085E-4340-85A3-A5531E510DB2}">
-      <thm15:themeFamily xmlns:thm15="http://schemas.microsoft.com/office/thememl/2012/main" name="TF66687569_Modern blue presentation_AAS_v5" id="{C7B59113-CD15-4341-96CA-86E715D5BE98}" vid="{5A8FDAEB-3DF3-4B3C-A708-49813F8D6F85}"/>
+      <thm15:themeFamily xmlns:thm15="http://schemas.microsoft.com/office/thememl/2012/main" name="Office Theme" id="{62F939B6-93AF-4DB8-9C6B-D6C7DFDC589F}" vid="{4A3C46E8-61CC-4603-A589-7422A47A8E4A}"/>
     </a:ext>
   </a:extLst>
 </a:theme>
@@ -28272,7 +25946,7 @@
     </a:clrScheme>
     <a:fontScheme name="Office">
       <a:majorFont>
-        <a:latin typeface="Calibri Light" panose="020F0302020204030204"/>
+        <a:latin typeface="Calibri Light"/>
         <a:ea typeface=""/>
         <a:cs typeface=""/>
         <a:font script="Jpan" typeface="游ゴシック Light"/>
@@ -28305,26 +25979,9 @@
         <a:font script="Viet" typeface="Times New Roman"/>
         <a:font script="Uigh" typeface="Microsoft Uighur"/>
         <a:font script="Geor" typeface="Sylfaen"/>
-        <a:font script="Armn" typeface="Arial"/>
-        <a:font script="Bugi" typeface="Leelawadee UI"/>
-        <a:font script="Bopo" typeface="Microsoft JhengHei"/>
-        <a:font script="Java" typeface="Javanese Text"/>
-        <a:font script="Lisu" typeface="Segoe UI"/>
-        <a:font script="Mymr" typeface="Myanmar Text"/>
-        <a:font script="Nkoo" typeface="Ebrima"/>
-        <a:font script="Olck" typeface="Nirmala UI"/>
-        <a:font script="Osma" typeface="Ebrima"/>
-        <a:font script="Phag" typeface="Phagspa"/>
-        <a:font script="Syrn" typeface="Estrangelo Edessa"/>
-        <a:font script="Syrj" typeface="Estrangelo Edessa"/>
-        <a:font script="Syre" typeface="Estrangelo Edessa"/>
-        <a:font script="Sora" typeface="Nirmala UI"/>
-        <a:font script="Tale" typeface="Microsoft Tai Le"/>
-        <a:font script="Talu" typeface="Microsoft New Tai Lue"/>
-        <a:font script="Tfng" typeface="Ebrima"/>
       </a:majorFont>
       <a:minorFont>
-        <a:latin typeface="Calibri" panose="020F0502020204030204"/>
+        <a:latin typeface="Calibri"/>
         <a:ea typeface=""/>
         <a:cs typeface=""/>
         <a:font script="Jpan" typeface="游ゴシック"/>
@@ -28357,23 +26014,6 @@
         <a:font script="Viet" typeface="Arial"/>
         <a:font script="Uigh" typeface="Microsoft Uighur"/>
         <a:font script="Geor" typeface="Sylfaen"/>
-        <a:font script="Armn" typeface="Arial"/>
-        <a:font script="Bugi" typeface="Leelawadee UI"/>
-        <a:font script="Bopo" typeface="Microsoft JhengHei"/>
-        <a:font script="Java" typeface="Javanese Text"/>
-        <a:font script="Lisu" typeface="Segoe UI"/>
-        <a:font script="Mymr" typeface="Myanmar Text"/>
-        <a:font script="Nkoo" typeface="Ebrima"/>
-        <a:font script="Olck" typeface="Nirmala UI"/>
-        <a:font script="Osma" typeface="Ebrima"/>
-        <a:font script="Phag" typeface="Phagspa"/>
-        <a:font script="Syrn" typeface="Estrangelo Edessa"/>
-        <a:font script="Syrj" typeface="Estrangelo Edessa"/>
-        <a:font script="Syre" typeface="Estrangelo Edessa"/>
-        <a:font script="Sora" typeface="Nirmala UI"/>
-        <a:font script="Tale" typeface="Microsoft Tai Le"/>
-        <a:font script="Talu" typeface="Microsoft New Tai Lue"/>
-        <a:font script="Tfng" typeface="Ebrima"/>
       </a:minorFont>
     </a:fontScheme>
     <a:fmtScheme name="Office">
@@ -28567,7 +26207,7 @@
     </a:clrScheme>
     <a:fontScheme name="Office">
       <a:majorFont>
-        <a:latin typeface="Calibri Light" panose="020F0302020204030204"/>
+        <a:latin typeface="Calibri Light"/>
         <a:ea typeface=""/>
         <a:cs typeface=""/>
         <a:font script="Jpan" typeface="游ゴシック Light"/>
@@ -28600,26 +26240,9 @@
         <a:font script="Viet" typeface="Times New Roman"/>
         <a:font script="Uigh" typeface="Microsoft Uighur"/>
         <a:font script="Geor" typeface="Sylfaen"/>
-        <a:font script="Armn" typeface="Arial"/>
-        <a:font script="Bugi" typeface="Leelawadee UI"/>
-        <a:font script="Bopo" typeface="Microsoft JhengHei"/>
-        <a:font script="Java" typeface="Javanese Text"/>
-        <a:font script="Lisu" typeface="Segoe UI"/>
-        <a:font script="Mymr" typeface="Myanmar Text"/>
-        <a:font script="Nkoo" typeface="Ebrima"/>
-        <a:font script="Olck" typeface="Nirmala UI"/>
-        <a:font script="Osma" typeface="Ebrima"/>
-        <a:font script="Phag" typeface="Phagspa"/>
-        <a:font script="Syrn" typeface="Estrangelo Edessa"/>
-        <a:font script="Syrj" typeface="Estrangelo Edessa"/>
-        <a:font script="Syre" typeface="Estrangelo Edessa"/>
-        <a:font script="Sora" typeface="Nirmala UI"/>
-        <a:font script="Tale" typeface="Microsoft Tai Le"/>
-        <a:font script="Talu" typeface="Microsoft New Tai Lue"/>
-        <a:font script="Tfng" typeface="Ebrima"/>
       </a:majorFont>
       <a:minorFont>
-        <a:latin typeface="Calibri" panose="020F0502020204030204"/>
+        <a:latin typeface="Calibri"/>
         <a:ea typeface=""/>
         <a:cs typeface=""/>
         <a:font script="Jpan" typeface="游ゴシック"/>
@@ -28652,23 +26275,6 @@
         <a:font script="Viet" typeface="Arial"/>
         <a:font script="Uigh" typeface="Microsoft Uighur"/>
         <a:font script="Geor" typeface="Sylfaen"/>
-        <a:font script="Armn" typeface="Arial"/>
-        <a:font script="Bugi" typeface="Leelawadee UI"/>
-        <a:font script="Bopo" typeface="Microsoft JhengHei"/>
-        <a:font script="Java" typeface="Javanese Text"/>
-        <a:font script="Lisu" typeface="Segoe UI"/>
-        <a:font script="Mymr" typeface="Myanmar Text"/>
-        <a:font script="Nkoo" typeface="Ebrima"/>
-        <a:font script="Olck" typeface="Nirmala UI"/>
-        <a:font script="Osma" typeface="Ebrima"/>
-        <a:font script="Phag" typeface="Phagspa"/>
-        <a:font script="Syrn" typeface="Estrangelo Edessa"/>
-        <a:font script="Syrj" typeface="Estrangelo Edessa"/>
-        <a:font script="Syre" typeface="Estrangelo Edessa"/>
-        <a:font script="Sora" typeface="Nirmala UI"/>
-        <a:font script="Tale" typeface="Microsoft Tai Le"/>
-        <a:font script="Talu" typeface="Microsoft New Tai Lue"/>
-        <a:font script="Tfng" typeface="Ebrima"/>
       </a:minorFont>
     </a:fontScheme>
     <a:fmtScheme name="Office">
@@ -28820,21 +26426,6 @@
 </file>
 
 <file path=customXml/item1.xml><?xml version="1.0" encoding="utf-8"?>
-<?mso-contentType ?>
-<FormTemplates xmlns="http://schemas.microsoft.com/sharepoint/v3/contenttype/forms">
-  <Display>DocumentLibraryForm</Display>
-  <Edit>DocumentLibraryForm</Edit>
-  <New>DocumentLibraryForm</New>
-</FormTemplates>
-</file>
-
-<file path=customXml/item2.xml><?xml version="1.0" encoding="utf-8"?>
-<p:properties xmlns:p="http://schemas.microsoft.com/office/2006/metadata/properties" xmlns:xsi="http://www.w3.org/2001/XMLSchema-instance" xmlns:pc="http://schemas.microsoft.com/office/infopath/2007/PartnerControls">
-  <documentManagement/>
-</p:properties>
-</file>
-
-<file path=customXml/item3.xml><?xml version="1.0" encoding="utf-8"?>
 <ct:contentTypeSchema xmlns:ct="http://schemas.microsoft.com/office/2006/metadata/contentType" xmlns:ma="http://schemas.microsoft.com/office/2006/metadata/properties/metaAttributes" ct:_="" ma:_="" ma:contentTypeName="Document" ma:contentTypeID="0x0101008CEB48DCB9B35040BF7C8184ECEFB8EB" ma:contentTypeVersion="4" ma:contentTypeDescription="Create a new document." ma:contentTypeScope="" ma:versionID="c677ec48820cc30272648ef60814e797">
   <xsd:schema xmlns:xsd="http://www.w3.org/2001/XMLSchema" xmlns:xs="http://www.w3.org/2001/XMLSchema" xmlns:p="http://schemas.microsoft.com/office/2006/metadata/properties" xmlns:ns2="52a44b55-0bd4-40fd-8b62-4fcc330bc23b" xmlns:ns3="8edd2ff7-009e-4a54-bbd0-dda730fe3973" targetNamespace="http://schemas.microsoft.com/office/2006/metadata/properties" ma:root="true" ma:fieldsID="9fe6d53684cd84836296b2891f911fc4" ns2:_="" ns3:_="">
     <xsd:import namespace="52a44b55-0bd4-40fd-8b62-4fcc330bc23b"/>
@@ -28999,46 +26590,53 @@
 </ct:contentTypeSchema>
 </file>
 
+<file path=customXml/item2.xml><?xml version="1.0" encoding="utf-8"?>
+<p:properties xmlns:p="http://schemas.microsoft.com/office/2006/metadata/properties" xmlns:xsi="http://www.w3.org/2001/XMLSchema-instance" xmlns:pc="http://schemas.microsoft.com/office/infopath/2007/PartnerControls">
+  <documentManagement/>
+</p:properties>
+</file>
+
+<file path=customXml/item3.xml><?xml version="1.0" encoding="utf-8"?>
+<?mso-contentType ?>
+<FormTemplates xmlns="http://schemas.microsoft.com/sharepoint/v3/contenttype/forms">
+  <Display>DocumentLibraryForm</Display>
+  <Edit>DocumentLibraryForm</Edit>
+  <New>DocumentLibraryForm</New>
+</FormTemplates>
+</file>
+
 <file path=customXml/itemProps1.xml><?xml version="1.0" encoding="utf-8"?>
-<ds:datastoreItem xmlns:ds="http://schemas.openxmlformats.org/officeDocument/2006/customXml" ds:itemID="{5B26E0C9-B2AA-42E6-97B6-E1B7D9EAF129}">
+<ds:datastoreItem xmlns:ds="http://schemas.openxmlformats.org/officeDocument/2006/customXml" ds:itemID="{302AB9FD-4E1B-4FFC-88A7-15349B9BC85D}">
   <ds:schemaRefs>
-    <ds:schemaRef ds:uri="http://schemas.microsoft.com/sharepoint/v3/contenttype/forms"/>
+    <ds:schemaRef ds:uri="52a44b55-0bd4-40fd-8b62-4fcc330bc23b"/>
+    <ds:schemaRef ds:uri="8edd2ff7-009e-4a54-bbd0-dda730fe3973"/>
+    <ds:schemaRef ds:uri="http://purl.org/dc/elements/1.1/"/>
+    <ds:schemaRef ds:uri="http://purl.org/dc/terms/"/>
+    <ds:schemaRef ds:uri="http://schemas.microsoft.com/internal/obd"/>
+    <ds:schemaRef ds:uri="http://schemas.microsoft.com/office/2006/documentManagement/types"/>
+    <ds:schemaRef ds:uri="http://schemas.microsoft.com/office/2006/metadata/contentType"/>
+    <ds:schemaRef ds:uri="http://schemas.microsoft.com/office/2006/metadata/properties"/>
+    <ds:schemaRef ds:uri="http://schemas.microsoft.com/office/2006/metadata/properties/metaAttributes"/>
+    <ds:schemaRef ds:uri="http://schemas.microsoft.com/office/infopath/2007/PartnerControls"/>
+    <ds:schemaRef ds:uri="http://schemas.openxmlformats.org/package/2006/metadata/core-properties"/>
+    <ds:schemaRef ds:uri="http://www.w3.org/2001/XMLSchema"/>
   </ds:schemaRefs>
 </ds:datastoreItem>
 </file>
 
 <file path=customXml/itemProps2.xml><?xml version="1.0" encoding="utf-8"?>
-<ds:datastoreItem xmlns:ds="http://schemas.openxmlformats.org/officeDocument/2006/customXml" ds:itemID="{F5757914-1161-4661-9696-421FD6935CDD}">
+<ds:datastoreItem xmlns:ds="http://schemas.openxmlformats.org/officeDocument/2006/customXml" ds:itemID="{351F9DA2-6D40-428E-B10F-3B4BB0442847}">
   <ds:schemaRefs>
-    <ds:schemaRef ds:uri="http://purl.org/dc/dcmitype/"/>
     <ds:schemaRef ds:uri="http://schemas.microsoft.com/office/2006/metadata/properties"/>
-    <ds:schemaRef ds:uri="http://purl.org/dc/elements/1.1/"/>
-    <ds:schemaRef ds:uri="http://schemas.microsoft.com/office/2006/documentManagement/types"/>
-    <ds:schemaRef ds:uri="52a44b55-0bd4-40fd-8b62-4fcc330bc23b"/>
-    <ds:schemaRef ds:uri="http://www.w3.org/XML/1998/namespace"/>
     <ds:schemaRef ds:uri="http://schemas.microsoft.com/office/infopath/2007/PartnerControls"/>
-    <ds:schemaRef ds:uri="http://schemas.openxmlformats.org/package/2006/metadata/core-properties"/>
-    <ds:schemaRef ds:uri="8edd2ff7-009e-4a54-bbd0-dda730fe3973"/>
-    <ds:schemaRef ds:uri="http://purl.org/dc/terms/"/>
   </ds:schemaRefs>
 </ds:datastoreItem>
 </file>
 
 <file path=customXml/itemProps3.xml><?xml version="1.0" encoding="utf-8"?>
-<ds:datastoreItem xmlns:ds="http://schemas.openxmlformats.org/officeDocument/2006/customXml" ds:itemID="{BD27363F-F0D4-4CFA-9CD8-F549269BB0C3}">
+<ds:datastoreItem xmlns:ds="http://schemas.openxmlformats.org/officeDocument/2006/customXml" ds:itemID="{F65F3F81-E077-4FAE-BA29-06AD0DC27D80}">
   <ds:schemaRefs>
-    <ds:schemaRef ds:uri="http://schemas.microsoft.com/office/2006/metadata/contentType"/>
-    <ds:schemaRef ds:uri="http://schemas.microsoft.com/office/2006/metadata/properties/metaAttributes"/>
-    <ds:schemaRef ds:uri="http://www.w3.org/2001/XMLSchema"/>
-    <ds:schemaRef ds:uri="http://schemas.microsoft.com/office/2006/metadata/properties"/>
-    <ds:schemaRef ds:uri="52a44b55-0bd4-40fd-8b62-4fcc330bc23b"/>
-    <ds:schemaRef ds:uri="8edd2ff7-009e-4a54-bbd0-dda730fe3973"/>
-    <ds:schemaRef ds:uri="http://schemas.microsoft.com/office/2006/documentManagement/types"/>
-    <ds:schemaRef ds:uri="http://schemas.microsoft.com/office/infopath/2007/PartnerControls"/>
-    <ds:schemaRef ds:uri="http://schemas.openxmlformats.org/package/2006/metadata/core-properties"/>
-    <ds:schemaRef ds:uri="http://purl.org/dc/elements/1.1/"/>
-    <ds:schemaRef ds:uri="http://purl.org/dc/terms/"/>
-    <ds:schemaRef ds:uri="http://schemas.microsoft.com/internal/obd"/>
+    <ds:schemaRef ds:uri="http://schemas.microsoft.com/sharepoint/v3/contenttype/forms"/>
   </ds:schemaRefs>
 </ds:datastoreItem>
 </file>